--- a/Kafka.pptx
+++ b/Kafka.pptx
@@ -5,44 +5,35 @@
     <p:sldMasterId id="2147483660" r:id="rId1"/>
   </p:sldMasterIdLst>
   <p:notesMasterIdLst>
-    <p:notesMasterId r:id="rId34"/>
+    <p:notesMasterId r:id="rId25"/>
   </p:notesMasterIdLst>
   <p:handoutMasterIdLst>
-    <p:handoutMasterId r:id="rId35"/>
+    <p:handoutMasterId r:id="rId26"/>
   </p:handoutMasterIdLst>
   <p:sldIdLst>
     <p:sldId id="256" r:id="rId2"/>
     <p:sldId id="281" r:id="rId3"/>
     <p:sldId id="257" r:id="rId4"/>
-    <p:sldId id="271" r:id="rId5"/>
-    <p:sldId id="284" r:id="rId6"/>
-    <p:sldId id="288" r:id="rId7"/>
-    <p:sldId id="289" r:id="rId8"/>
-    <p:sldId id="290" r:id="rId9"/>
-    <p:sldId id="291" r:id="rId10"/>
-    <p:sldId id="297" r:id="rId11"/>
-    <p:sldId id="292" r:id="rId12"/>
-    <p:sldId id="287" r:id="rId13"/>
-    <p:sldId id="294" r:id="rId14"/>
-    <p:sldId id="295" r:id="rId15"/>
-    <p:sldId id="304" r:id="rId16"/>
-    <p:sldId id="296" r:id="rId17"/>
-    <p:sldId id="305" r:id="rId18"/>
-    <p:sldId id="299" r:id="rId19"/>
-    <p:sldId id="300" r:id="rId20"/>
-    <p:sldId id="301" r:id="rId21"/>
-    <p:sldId id="293" r:id="rId22"/>
-    <p:sldId id="310" r:id="rId23"/>
-    <p:sldId id="298" r:id="rId24"/>
-    <p:sldId id="302" r:id="rId25"/>
-    <p:sldId id="309" r:id="rId26"/>
-    <p:sldId id="312" r:id="rId27"/>
-    <p:sldId id="311" r:id="rId28"/>
-    <p:sldId id="307" r:id="rId29"/>
-    <p:sldId id="286" r:id="rId30"/>
-    <p:sldId id="279" r:id="rId31"/>
-    <p:sldId id="282" r:id="rId32"/>
-    <p:sldId id="285" r:id="rId33"/>
+    <p:sldId id="284" r:id="rId5"/>
+    <p:sldId id="320" r:id="rId6"/>
+    <p:sldId id="323" r:id="rId7"/>
+    <p:sldId id="319" r:id="rId8"/>
+    <p:sldId id="294" r:id="rId9"/>
+    <p:sldId id="318" r:id="rId10"/>
+    <p:sldId id="321" r:id="rId11"/>
+    <p:sldId id="322" r:id="rId12"/>
+    <p:sldId id="293" r:id="rId13"/>
+    <p:sldId id="298" r:id="rId14"/>
+    <p:sldId id="302" r:id="rId15"/>
+    <p:sldId id="309" r:id="rId16"/>
+    <p:sldId id="312" r:id="rId17"/>
+    <p:sldId id="311" r:id="rId18"/>
+    <p:sldId id="314" r:id="rId19"/>
+    <p:sldId id="315" r:id="rId20"/>
+    <p:sldId id="317" r:id="rId21"/>
+    <p:sldId id="316" r:id="rId22"/>
+    <p:sldId id="307" r:id="rId23"/>
+    <p:sldId id="310" r:id="rId24"/>
   </p:sldIdLst>
   <p:sldSz cx="12192000" cy="6858000"/>
   <p:notesSz cx="6858000" cy="9144000"/>
@@ -153,35 +144,26 @@
           <p14:sldIdLst>
             <p14:sldId id="281"/>
             <p14:sldId id="257"/>
-            <p14:sldId id="271"/>
             <p14:sldId id="284"/>
-            <p14:sldId id="288"/>
-            <p14:sldId id="289"/>
-            <p14:sldId id="290"/>
-            <p14:sldId id="291"/>
-            <p14:sldId id="297"/>
-            <p14:sldId id="292"/>
-            <p14:sldId id="287"/>
+            <p14:sldId id="320"/>
+            <p14:sldId id="323"/>
+            <p14:sldId id="319"/>
             <p14:sldId id="294"/>
-            <p14:sldId id="295"/>
-            <p14:sldId id="304"/>
-            <p14:sldId id="296"/>
-            <p14:sldId id="305"/>
-            <p14:sldId id="299"/>
-            <p14:sldId id="300"/>
-            <p14:sldId id="301"/>
+            <p14:sldId id="318"/>
+            <p14:sldId id="321"/>
+            <p14:sldId id="322"/>
             <p14:sldId id="293"/>
-            <p14:sldId id="310"/>
             <p14:sldId id="298"/>
             <p14:sldId id="302"/>
             <p14:sldId id="309"/>
             <p14:sldId id="312"/>
             <p14:sldId id="311"/>
+            <p14:sldId id="314"/>
+            <p14:sldId id="315"/>
+            <p14:sldId id="317"/>
+            <p14:sldId id="316"/>
             <p14:sldId id="307"/>
-            <p14:sldId id="286"/>
-            <p14:sldId id="279"/>
-            <p14:sldId id="282"/>
-            <p14:sldId id="285"/>
+            <p14:sldId id="310"/>
           </p14:sldIdLst>
         </p14:section>
       </p14:sectionLst>
@@ -306,7 +288,7 @@
           <a:p>
             <a:fld id="{80680FBE-A8DF-4758-9AC4-3A9E1039168F}" type="datetimeFigureOut">
               <a:rPr lang="en-US" smtClean="0"/>
-              <a:t>5/22/2017</a:t>
+              <a:t>5/25/2017</a:t>
             </a:fld>
             <a:endParaRPr lang="en-US"/>
           </a:p>
@@ -471,7 +453,7 @@
           <a:p>
             <a:fld id="{EC13577B-6902-467D-A26C-08A0DD5E4E03}" type="datetimeFigureOut">
               <a:rPr lang="en-US" smtClean="0"/>
-              <a:t>5/22/2017</a:t>
+              <a:t>5/25/2017</a:t>
             </a:fld>
             <a:endParaRPr lang="en-US"/>
           </a:p>
@@ -827,1195 +809,6 @@
 </p:notes>
 </file>
 
-<file path=ppt/notesSlides/notesSlide10.xml><?xml version="1.0" encoding="utf-8"?>
-<p:notes xmlns:a="http://schemas.openxmlformats.org/drawingml/2006/main" xmlns:r="http://schemas.openxmlformats.org/officeDocument/2006/relationships" xmlns:p="http://schemas.openxmlformats.org/presentationml/2006/main">
-  <p:cSld>
-    <p:spTree>
-      <p:nvGrpSpPr>
-        <p:cNvPr id="1" name=""/>
-        <p:cNvGrpSpPr/>
-        <p:nvPr/>
-      </p:nvGrpSpPr>
-      <p:grpSpPr>
-        <a:xfrm>
-          <a:off x="0" y="0"/>
-          <a:ext cx="0" cy="0"/>
-          <a:chOff x="0" y="0"/>
-          <a:chExt cx="0" cy="0"/>
-        </a:xfrm>
-      </p:grpSpPr>
-      <p:sp>
-        <p:nvSpPr>
-          <p:cNvPr id="2" name="Slide Image Placeholder 1"/>
-          <p:cNvSpPr>
-            <a:spLocks noGrp="1" noRot="1" noChangeAspect="1"/>
-          </p:cNvSpPr>
-          <p:nvPr>
-            <p:ph type="sldImg"/>
-          </p:nvPr>
-        </p:nvSpPr>
-        <p:spPr/>
-      </p:sp>
-      <p:sp>
-        <p:nvSpPr>
-          <p:cNvPr id="3" name="Notes Placeholder 2"/>
-          <p:cNvSpPr>
-            <a:spLocks noGrp="1"/>
-          </p:cNvSpPr>
-          <p:nvPr>
-            <p:ph type="body" idx="1"/>
-          </p:nvPr>
-        </p:nvSpPr>
-        <p:spPr/>
-        <p:txBody>
-          <a:bodyPr/>
-          <a:lstStyle/>
-          <a:p>
-            <a:r>
-              <a:rPr lang="en-US" sz="1200" b="1" i="0" kern="1200" dirty="0">
-                <a:solidFill>
-                  <a:schemeClr val="tx1"/>
-                </a:solidFill>
-                <a:effectLst/>
-                <a:latin typeface="+mn-lt"/>
-                <a:ea typeface="+mn-ea"/>
-                <a:cs typeface="+mn-cs"/>
-              </a:rPr>
-              <a:t>Workflow of Pub-Sub Messaging</a:t>
-            </a:r>
-          </a:p>
-          <a:p>
-            <a:r>
-              <a:rPr lang="en-US" sz="1200" b="0" i="0" kern="1200" dirty="0">
-                <a:solidFill>
-                  <a:schemeClr val="tx1"/>
-                </a:solidFill>
-                <a:effectLst/>
-                <a:latin typeface="+mn-lt"/>
-                <a:ea typeface="+mn-ea"/>
-                <a:cs typeface="+mn-cs"/>
-              </a:rPr>
-              <a:t>Following is the step wise workflow of the Pub-Sub Messaging −</a:t>
-            </a:r>
-          </a:p>
-          <a:p>
-            <a:r>
-              <a:rPr lang="en-US" sz="1200" b="0" i="0" kern="1200" dirty="0">
-                <a:solidFill>
-                  <a:schemeClr val="tx1"/>
-                </a:solidFill>
-                <a:effectLst/>
-                <a:latin typeface="+mn-lt"/>
-                <a:ea typeface="+mn-ea"/>
-                <a:cs typeface="+mn-cs"/>
-              </a:rPr>
-              <a:t>Producers send message to a topic at regular intervals.</a:t>
-            </a:r>
-          </a:p>
-          <a:p>
-            <a:r>
-              <a:rPr lang="en-US" sz="1200" b="0" i="0" kern="1200" dirty="0">
-                <a:solidFill>
-                  <a:schemeClr val="tx1"/>
-                </a:solidFill>
-                <a:effectLst/>
-                <a:latin typeface="+mn-lt"/>
-                <a:ea typeface="+mn-ea"/>
-                <a:cs typeface="+mn-cs"/>
-              </a:rPr>
-              <a:t>Kafka broker stores all messages in the partitions configured for that particular topic. It ensures the messages are equally shared between partitions. If the producer sends two messages and there are two partitions, Kafka will store one message in the first partition and the second message in the second partition.</a:t>
-            </a:r>
-          </a:p>
-          <a:p>
-            <a:r>
-              <a:rPr lang="en-US" sz="1200" b="0" i="0" kern="1200" dirty="0">
-                <a:solidFill>
-                  <a:schemeClr val="tx1"/>
-                </a:solidFill>
-                <a:effectLst/>
-                <a:latin typeface="+mn-lt"/>
-                <a:ea typeface="+mn-ea"/>
-                <a:cs typeface="+mn-cs"/>
-              </a:rPr>
-              <a:t>Consumer subscribes to a specific topic.</a:t>
-            </a:r>
-          </a:p>
-          <a:p>
-            <a:r>
-              <a:rPr lang="en-US" sz="1200" b="0" i="0" kern="1200" dirty="0">
-                <a:solidFill>
-                  <a:schemeClr val="tx1"/>
-                </a:solidFill>
-                <a:effectLst/>
-                <a:latin typeface="+mn-lt"/>
-                <a:ea typeface="+mn-ea"/>
-                <a:cs typeface="+mn-cs"/>
-              </a:rPr>
-              <a:t>Once the consumer subscribes to a topic, Kafka will provide the current offset of the topic to the consumer and also saves the offset in the Zookeeper ensemble.</a:t>
-            </a:r>
-          </a:p>
-          <a:p>
-            <a:r>
-              <a:rPr lang="en-US" sz="1200" b="0" i="0" kern="1200" dirty="0">
-                <a:solidFill>
-                  <a:schemeClr val="tx1"/>
-                </a:solidFill>
-                <a:effectLst/>
-                <a:latin typeface="+mn-lt"/>
-                <a:ea typeface="+mn-ea"/>
-                <a:cs typeface="+mn-cs"/>
-              </a:rPr>
-              <a:t>Consumer will request the Kafka in a regular interval (like 100 </a:t>
-            </a:r>
-            <a:r>
-              <a:rPr lang="en-US" sz="1200" b="0" i="0" kern="1200" dirty="0" err="1">
-                <a:solidFill>
-                  <a:schemeClr val="tx1"/>
-                </a:solidFill>
-                <a:effectLst/>
-                <a:latin typeface="+mn-lt"/>
-                <a:ea typeface="+mn-ea"/>
-                <a:cs typeface="+mn-cs"/>
-              </a:rPr>
-              <a:t>Ms</a:t>
-            </a:r>
-            <a:r>
-              <a:rPr lang="en-US" sz="1200" b="0" i="0" kern="1200" dirty="0">
-                <a:solidFill>
-                  <a:schemeClr val="tx1"/>
-                </a:solidFill>
-                <a:effectLst/>
-                <a:latin typeface="+mn-lt"/>
-                <a:ea typeface="+mn-ea"/>
-                <a:cs typeface="+mn-cs"/>
-              </a:rPr>
-              <a:t>) for new messages.</a:t>
-            </a:r>
-          </a:p>
-          <a:p>
-            <a:r>
-              <a:rPr lang="en-US" sz="1200" b="0" i="0" kern="1200" dirty="0">
-                <a:solidFill>
-                  <a:schemeClr val="tx1"/>
-                </a:solidFill>
-                <a:effectLst/>
-                <a:latin typeface="+mn-lt"/>
-                <a:ea typeface="+mn-ea"/>
-                <a:cs typeface="+mn-cs"/>
-              </a:rPr>
-              <a:t>Once Kafka receives the messages from producers, it forwards these messages to the consumers.</a:t>
-            </a:r>
-          </a:p>
-          <a:p>
-            <a:r>
-              <a:rPr lang="en-US" sz="1200" b="0" i="0" kern="1200" dirty="0">
-                <a:solidFill>
-                  <a:schemeClr val="tx1"/>
-                </a:solidFill>
-                <a:effectLst/>
-                <a:latin typeface="+mn-lt"/>
-                <a:ea typeface="+mn-ea"/>
-                <a:cs typeface="+mn-cs"/>
-              </a:rPr>
-              <a:t>Consumer will receive the message and process it.</a:t>
-            </a:r>
-          </a:p>
-          <a:p>
-            <a:r>
-              <a:rPr lang="en-US" sz="1200" b="0" i="0" kern="1200" dirty="0">
-                <a:solidFill>
-                  <a:schemeClr val="tx1"/>
-                </a:solidFill>
-                <a:effectLst/>
-                <a:latin typeface="+mn-lt"/>
-                <a:ea typeface="+mn-ea"/>
-                <a:cs typeface="+mn-cs"/>
-              </a:rPr>
-              <a:t>Once the messages are processed, consumer will send an acknowledgement to the Kafka broker.</a:t>
-            </a:r>
-          </a:p>
-          <a:p>
-            <a:r>
-              <a:rPr lang="en-US" sz="1200" b="0" i="0" kern="1200" dirty="0">
-                <a:solidFill>
-                  <a:schemeClr val="tx1"/>
-                </a:solidFill>
-                <a:effectLst/>
-                <a:latin typeface="+mn-lt"/>
-                <a:ea typeface="+mn-ea"/>
-                <a:cs typeface="+mn-cs"/>
-              </a:rPr>
-              <a:t>Once Kafka receives an acknowledgement, it changes the offset to the new value and updates it in the Zookeeper. Since offsets are maintained in the Zookeeper, the consumer can read next message correctly even during server outrages.</a:t>
-            </a:r>
-          </a:p>
-          <a:p>
-            <a:r>
-              <a:rPr lang="en-US" sz="1200" b="0" i="0" kern="1200" dirty="0">
-                <a:solidFill>
-                  <a:schemeClr val="tx1"/>
-                </a:solidFill>
-                <a:effectLst/>
-                <a:latin typeface="+mn-lt"/>
-                <a:ea typeface="+mn-ea"/>
-                <a:cs typeface="+mn-cs"/>
-              </a:rPr>
-              <a:t>This above flow will repeat until the consumer stops the request.</a:t>
-            </a:r>
-          </a:p>
-          <a:p>
-            <a:r>
-              <a:rPr lang="en-US" sz="1200" b="0" i="0" kern="1200" dirty="0">
-                <a:solidFill>
-                  <a:schemeClr val="tx1"/>
-                </a:solidFill>
-                <a:effectLst/>
-                <a:latin typeface="+mn-lt"/>
-                <a:ea typeface="+mn-ea"/>
-                <a:cs typeface="+mn-cs"/>
-              </a:rPr>
-              <a:t>Consumer has the option to rewind/skip to the desired offset of a topic at any time and read all the subsequent messages.</a:t>
-            </a:r>
-            <a:endParaRPr lang="ar-SY" sz="1200" b="0" i="0" kern="1200" dirty="0">
-              <a:solidFill>
-                <a:schemeClr val="tx1"/>
-              </a:solidFill>
-              <a:effectLst/>
-              <a:latin typeface="+mn-lt"/>
-              <a:ea typeface="+mn-ea"/>
-              <a:cs typeface="+mn-cs"/>
-            </a:endParaRPr>
-          </a:p>
-          <a:p>
-            <a:endParaRPr lang="en-US" sz="1200" b="0" i="0" kern="1200" dirty="0">
-              <a:solidFill>
-                <a:schemeClr val="tx1"/>
-              </a:solidFill>
-              <a:effectLst/>
-              <a:latin typeface="+mn-lt"/>
-              <a:ea typeface="+mn-ea"/>
-              <a:cs typeface="+mn-cs"/>
-            </a:endParaRPr>
-          </a:p>
-          <a:p>
-            <a:r>
-              <a:rPr lang="en-US" sz="1200" b="1" i="0" kern="1200" dirty="0">
-                <a:solidFill>
-                  <a:schemeClr val="tx1"/>
-                </a:solidFill>
-                <a:effectLst/>
-                <a:latin typeface="+mn-lt"/>
-                <a:ea typeface="+mn-ea"/>
-                <a:cs typeface="+mn-cs"/>
-              </a:rPr>
-              <a:t>Workflow of Queue Messaging / Consumer Group</a:t>
-            </a:r>
-          </a:p>
-          <a:p>
-            <a:r>
-              <a:rPr lang="en-US" sz="1200" b="0" i="0" kern="1200" dirty="0">
-                <a:solidFill>
-                  <a:schemeClr val="tx1"/>
-                </a:solidFill>
-                <a:effectLst/>
-                <a:latin typeface="+mn-lt"/>
-                <a:ea typeface="+mn-ea"/>
-                <a:cs typeface="+mn-cs"/>
-              </a:rPr>
-              <a:t>In a queue messaging system instead of a single consumer, a group of consumers having the same Group ID will subscribe to a topic. In simple terms, consumers subscribing to a topic with same Group ID are considered as a single group and the messages are shared among them. Let us check the actual workflow of this system.</a:t>
-            </a:r>
-          </a:p>
-          <a:p>
-            <a:r>
-              <a:rPr lang="en-US" sz="1200" b="0" i="0" kern="1200" dirty="0">
-                <a:solidFill>
-                  <a:schemeClr val="tx1"/>
-                </a:solidFill>
-                <a:effectLst/>
-                <a:latin typeface="+mn-lt"/>
-                <a:ea typeface="+mn-ea"/>
-                <a:cs typeface="+mn-cs"/>
-              </a:rPr>
-              <a:t>Producers send message to a topic in a regular interval.</a:t>
-            </a:r>
-          </a:p>
-          <a:p>
-            <a:r>
-              <a:rPr lang="en-US" sz="1200" b="0" i="0" kern="1200" dirty="0">
-                <a:solidFill>
-                  <a:schemeClr val="tx1"/>
-                </a:solidFill>
-                <a:effectLst/>
-                <a:latin typeface="+mn-lt"/>
-                <a:ea typeface="+mn-ea"/>
-                <a:cs typeface="+mn-cs"/>
-              </a:rPr>
-              <a:t>Kafka stores all messages in the partitions configured for that particular topic similar to the earlier scenario.</a:t>
-            </a:r>
-          </a:p>
-          <a:p>
-            <a:r>
-              <a:rPr lang="en-US" sz="1200" b="0" i="0" kern="1200" dirty="0">
-                <a:solidFill>
-                  <a:schemeClr val="tx1"/>
-                </a:solidFill>
-                <a:effectLst/>
-                <a:latin typeface="+mn-lt"/>
-                <a:ea typeface="+mn-ea"/>
-                <a:cs typeface="+mn-cs"/>
-              </a:rPr>
-              <a:t>A single consumer subscribes to a specific topic, assume Topic-01 with Group ID as Group-1.</a:t>
-            </a:r>
-          </a:p>
-          <a:p>
-            <a:r>
-              <a:rPr lang="en-US" sz="1200" b="0" i="0" kern="1200" dirty="0">
-                <a:solidFill>
-                  <a:schemeClr val="tx1"/>
-                </a:solidFill>
-                <a:effectLst/>
-                <a:latin typeface="+mn-lt"/>
-                <a:ea typeface="+mn-ea"/>
-                <a:cs typeface="+mn-cs"/>
-              </a:rPr>
-              <a:t>Kafka interacts with the consumer in the same way as Pub-Sub Messaging until new consumer subscribes the same topic, Topic-01 with the same Group ID as Group-1.</a:t>
-            </a:r>
-          </a:p>
-          <a:p>
-            <a:r>
-              <a:rPr lang="en-US" sz="1200" b="0" i="0" kern="1200" dirty="0">
-                <a:solidFill>
-                  <a:schemeClr val="tx1"/>
-                </a:solidFill>
-                <a:effectLst/>
-                <a:latin typeface="+mn-lt"/>
-                <a:ea typeface="+mn-ea"/>
-                <a:cs typeface="+mn-cs"/>
-              </a:rPr>
-              <a:t>Once the new consumer arrives, Kafka switches its operation to share mode and shares the data between the two consumers. This sharing will go on until the number of con-</a:t>
-            </a:r>
-            <a:r>
-              <a:rPr lang="en-US" sz="1200" b="0" i="0" kern="1200" dirty="0" err="1">
-                <a:solidFill>
-                  <a:schemeClr val="tx1"/>
-                </a:solidFill>
-                <a:effectLst/>
-                <a:latin typeface="+mn-lt"/>
-                <a:ea typeface="+mn-ea"/>
-                <a:cs typeface="+mn-cs"/>
-              </a:rPr>
-              <a:t>sumers</a:t>
-            </a:r>
-            <a:r>
-              <a:rPr lang="en-US" sz="1200" b="0" i="0" kern="1200" dirty="0">
-                <a:solidFill>
-                  <a:schemeClr val="tx1"/>
-                </a:solidFill>
-                <a:effectLst/>
-                <a:latin typeface="+mn-lt"/>
-                <a:ea typeface="+mn-ea"/>
-                <a:cs typeface="+mn-cs"/>
-              </a:rPr>
-              <a:t> reach the number of partition configured for that particular topic.</a:t>
-            </a:r>
-          </a:p>
-          <a:p>
-            <a:r>
-              <a:rPr lang="en-US" sz="1200" b="0" i="0" kern="1200" dirty="0">
-                <a:solidFill>
-                  <a:schemeClr val="tx1"/>
-                </a:solidFill>
-                <a:effectLst/>
-                <a:latin typeface="+mn-lt"/>
-                <a:ea typeface="+mn-ea"/>
-                <a:cs typeface="+mn-cs"/>
-              </a:rPr>
-              <a:t>Once the number of consumer exceeds the number of partitions, the new consumer will not receive any further message until any one of the existing consumer unsubscribes. This scenario arises because each consumer in Kafka will be assigned a minimum of one partition and once all the partitions are assigned to the existing consumers, the new consumers will have to wait.</a:t>
-            </a:r>
-          </a:p>
-          <a:p>
-            <a:r>
-              <a:rPr lang="en-US" sz="1200" b="0" i="0" kern="1200" dirty="0">
-                <a:solidFill>
-                  <a:schemeClr val="tx1"/>
-                </a:solidFill>
-                <a:effectLst/>
-                <a:latin typeface="+mn-lt"/>
-                <a:ea typeface="+mn-ea"/>
-                <a:cs typeface="+mn-cs"/>
-              </a:rPr>
-              <a:t>This feature is also called as Consumer Group. In the same way, Kafka will provide the best of both the systems in a very simple and efficient manner.</a:t>
-            </a:r>
-          </a:p>
-          <a:p>
-            <a:endParaRPr lang="en-US" dirty="0"/>
-          </a:p>
-        </p:txBody>
-      </p:sp>
-      <p:sp>
-        <p:nvSpPr>
-          <p:cNvPr id="4" name="Slide Number Placeholder 3"/>
-          <p:cNvSpPr>
-            <a:spLocks noGrp="1"/>
-          </p:cNvSpPr>
-          <p:nvPr>
-            <p:ph type="sldNum" sz="quarter" idx="10"/>
-          </p:nvPr>
-        </p:nvSpPr>
-        <p:spPr/>
-        <p:txBody>
-          <a:bodyPr/>
-          <a:lstStyle/>
-          <a:p>
-            <a:fld id="{DF61EA0F-A667-4B49-8422-0062BC55E249}" type="slidenum">
-              <a:rPr lang="en-US" smtClean="0"/>
-              <a:t>27</a:t>
-            </a:fld>
-            <a:endParaRPr lang="en-US"/>
-          </a:p>
-        </p:txBody>
-      </p:sp>
-    </p:spTree>
-    <p:extLst>
-      <p:ext uri="{BB962C8B-B14F-4D97-AF65-F5344CB8AC3E}">
-        <p14:creationId xmlns:p14="http://schemas.microsoft.com/office/powerpoint/2010/main" val="940840523"/>
-      </p:ext>
-    </p:extLst>
-  </p:cSld>
-  <p:clrMapOvr>
-    <a:masterClrMapping/>
-  </p:clrMapOvr>
-</p:notes>
-</file>
-
-<file path=ppt/notesSlides/notesSlide11.xml><?xml version="1.0" encoding="utf-8"?>
-<p:notes xmlns:a="http://schemas.openxmlformats.org/drawingml/2006/main" xmlns:r="http://schemas.openxmlformats.org/officeDocument/2006/relationships" xmlns:p="http://schemas.openxmlformats.org/presentationml/2006/main">
-  <p:cSld>
-    <p:spTree>
-      <p:nvGrpSpPr>
-        <p:cNvPr id="1" name=""/>
-        <p:cNvGrpSpPr/>
-        <p:nvPr/>
-      </p:nvGrpSpPr>
-      <p:grpSpPr>
-        <a:xfrm>
-          <a:off x="0" y="0"/>
-          <a:ext cx="0" cy="0"/>
-          <a:chOff x="0" y="0"/>
-          <a:chExt cx="0" cy="0"/>
-        </a:xfrm>
-      </p:grpSpPr>
-      <p:sp>
-        <p:nvSpPr>
-          <p:cNvPr id="2" name="Slide Image Placeholder 1"/>
-          <p:cNvSpPr>
-            <a:spLocks noGrp="1" noRot="1" noChangeAspect="1"/>
-          </p:cNvSpPr>
-          <p:nvPr>
-            <p:ph type="sldImg"/>
-          </p:nvPr>
-        </p:nvSpPr>
-        <p:spPr/>
-      </p:sp>
-      <p:sp>
-        <p:nvSpPr>
-          <p:cNvPr id="3" name="Notes Placeholder 2"/>
-          <p:cNvSpPr>
-            <a:spLocks noGrp="1"/>
-          </p:cNvSpPr>
-          <p:nvPr>
-            <p:ph type="body" idx="1"/>
-          </p:nvPr>
-        </p:nvSpPr>
-        <p:spPr/>
-        <p:txBody>
-          <a:bodyPr/>
-          <a:lstStyle/>
-          <a:p>
-            <a:r>
-              <a:rPr lang="en-US" dirty="0"/>
-              <a:t>Stream: allow you to handle stream of messages</a:t>
-            </a:r>
-          </a:p>
-          <a:p>
-            <a:r>
-              <a:rPr lang="en-US" dirty="0"/>
-              <a:t>Connector: to import data from  </a:t>
-            </a:r>
-            <a:r>
-              <a:rPr lang="en-US" dirty="0" err="1"/>
-              <a:t>DBss</a:t>
-            </a:r>
-            <a:r>
-              <a:rPr lang="en-US" dirty="0"/>
-              <a:t> to </a:t>
-            </a:r>
-            <a:r>
-              <a:rPr lang="en-US" dirty="0" err="1"/>
-              <a:t>kafka</a:t>
-            </a:r>
-            <a:r>
-              <a:rPr lang="en-US" dirty="0"/>
-              <a:t> or export data from Kafka to DBs</a:t>
-            </a:r>
-          </a:p>
-        </p:txBody>
-      </p:sp>
-      <p:sp>
-        <p:nvSpPr>
-          <p:cNvPr id="4" name="Slide Number Placeholder 3"/>
-          <p:cNvSpPr>
-            <a:spLocks noGrp="1"/>
-          </p:cNvSpPr>
-          <p:nvPr>
-            <p:ph type="sldNum" sz="quarter" idx="10"/>
-          </p:nvPr>
-        </p:nvSpPr>
-        <p:spPr/>
-        <p:txBody>
-          <a:bodyPr/>
-          <a:lstStyle/>
-          <a:p>
-            <a:fld id="{DF61EA0F-A667-4B49-8422-0062BC55E249}" type="slidenum">
-              <a:rPr lang="en-US" smtClean="0"/>
-              <a:t>29</a:t>
-            </a:fld>
-            <a:endParaRPr lang="en-US"/>
-          </a:p>
-        </p:txBody>
-      </p:sp>
-    </p:spTree>
-    <p:extLst>
-      <p:ext uri="{BB962C8B-B14F-4D97-AF65-F5344CB8AC3E}">
-        <p14:creationId xmlns:p14="http://schemas.microsoft.com/office/powerpoint/2010/main" val="4645761"/>
-      </p:ext>
-    </p:extLst>
-  </p:cSld>
-  <p:clrMapOvr>
-    <a:masterClrMapping/>
-  </p:clrMapOvr>
-</p:notes>
-</file>
-
-<file path=ppt/notesSlides/notesSlide12.xml><?xml version="1.0" encoding="utf-8"?>
-<p:notes xmlns:a="http://schemas.openxmlformats.org/drawingml/2006/main" xmlns:r="http://schemas.openxmlformats.org/officeDocument/2006/relationships" xmlns:p="http://schemas.openxmlformats.org/presentationml/2006/main">
-  <p:cSld>
-    <p:spTree>
-      <p:nvGrpSpPr>
-        <p:cNvPr id="1" name=""/>
-        <p:cNvGrpSpPr/>
-        <p:nvPr/>
-      </p:nvGrpSpPr>
-      <p:grpSpPr>
-        <a:xfrm>
-          <a:off x="0" y="0"/>
-          <a:ext cx="0" cy="0"/>
-          <a:chOff x="0" y="0"/>
-          <a:chExt cx="0" cy="0"/>
-        </a:xfrm>
-      </p:grpSpPr>
-      <p:sp>
-        <p:nvSpPr>
-          <p:cNvPr id="2" name="Slide Image Placeholder 1"/>
-          <p:cNvSpPr>
-            <a:spLocks noGrp="1" noRot="1" noChangeAspect="1"/>
-          </p:cNvSpPr>
-          <p:nvPr>
-            <p:ph type="sldImg"/>
-          </p:nvPr>
-        </p:nvSpPr>
-        <p:spPr/>
-      </p:sp>
-      <p:sp>
-        <p:nvSpPr>
-          <p:cNvPr id="3" name="Notes Placeholder 2"/>
-          <p:cNvSpPr>
-            <a:spLocks noGrp="1"/>
-          </p:cNvSpPr>
-          <p:nvPr>
-            <p:ph type="body" idx="1"/>
-          </p:nvPr>
-        </p:nvSpPr>
-        <p:spPr/>
-        <p:txBody>
-          <a:bodyPr/>
-          <a:lstStyle/>
-          <a:p>
-            <a:r>
-              <a:rPr lang="en-US" sz="1200" b="0" i="0" kern="1200" dirty="0">
-                <a:solidFill>
-                  <a:schemeClr val="tx1"/>
-                </a:solidFill>
-                <a:effectLst/>
-                <a:latin typeface="+mn-lt"/>
-                <a:ea typeface="+mn-ea"/>
-                <a:cs typeface="+mn-cs"/>
-              </a:rPr>
-              <a:t>How does Kafka's notion of streams compare to a traditional enterprise messaging system?</a:t>
-            </a:r>
-          </a:p>
-          <a:p>
-            <a:r>
-              <a:rPr lang="en-US" sz="1200" b="0" i="0" kern="1200" dirty="0">
-                <a:solidFill>
-                  <a:schemeClr val="tx1"/>
-                </a:solidFill>
-                <a:effectLst/>
-                <a:latin typeface="+mn-lt"/>
-                <a:ea typeface="+mn-ea"/>
-                <a:cs typeface="+mn-cs"/>
-              </a:rPr>
-              <a:t>Messaging traditionally has two models: </a:t>
-            </a:r>
-            <a:r>
-              <a:rPr lang="en-US" sz="1200" b="0" i="0" u="none" strike="noStrike" kern="1200" dirty="0">
-                <a:solidFill>
-                  <a:schemeClr val="tx1"/>
-                </a:solidFill>
-                <a:effectLst/>
-                <a:latin typeface="+mn-lt"/>
-                <a:ea typeface="+mn-ea"/>
-                <a:cs typeface="+mn-cs"/>
-                <a:hlinkClick r:id="rId3"/>
-              </a:rPr>
-              <a:t>queuing</a:t>
-            </a:r>
-            <a:r>
-              <a:rPr lang="en-US" sz="1200" b="0" i="0" kern="1200" dirty="0">
-                <a:solidFill>
-                  <a:schemeClr val="tx1"/>
-                </a:solidFill>
-                <a:effectLst/>
-                <a:latin typeface="+mn-lt"/>
-                <a:ea typeface="+mn-ea"/>
-                <a:cs typeface="+mn-cs"/>
-              </a:rPr>
-              <a:t> and </a:t>
-            </a:r>
-            <a:r>
-              <a:rPr lang="en-US" sz="1200" b="0" i="0" u="none" strike="noStrike" kern="1200" dirty="0">
-                <a:solidFill>
-                  <a:schemeClr val="tx1"/>
-                </a:solidFill>
-                <a:effectLst/>
-                <a:latin typeface="+mn-lt"/>
-                <a:ea typeface="+mn-ea"/>
-                <a:cs typeface="+mn-cs"/>
-                <a:hlinkClick r:id="rId4"/>
-              </a:rPr>
-              <a:t>publish-subscribe</a:t>
-            </a:r>
-            <a:r>
-              <a:rPr lang="en-US" sz="1200" b="0" i="0" kern="1200" dirty="0">
-                <a:solidFill>
-                  <a:schemeClr val="tx1"/>
-                </a:solidFill>
-                <a:effectLst/>
-                <a:latin typeface="+mn-lt"/>
-                <a:ea typeface="+mn-ea"/>
-                <a:cs typeface="+mn-cs"/>
-              </a:rPr>
-              <a:t>. </a:t>
-            </a:r>
-          </a:p>
-          <a:p>
-            <a:r>
-              <a:rPr lang="en-US" sz="1200" b="0" i="0" kern="1200" dirty="0">
-                <a:solidFill>
-                  <a:schemeClr val="tx1"/>
-                </a:solidFill>
-                <a:effectLst/>
-                <a:latin typeface="+mn-lt"/>
-                <a:ea typeface="+mn-ea"/>
-                <a:cs typeface="+mn-cs"/>
-              </a:rPr>
-              <a:t>In a queue, a pool of consumers may read from a server and each record goes to one of them; in publish-subscribe the record is broadcast to all consumers.</a:t>
-            </a:r>
-          </a:p>
-          <a:p>
-            <a:endParaRPr lang="en-US" sz="1200" b="0" i="0" kern="1200" dirty="0">
-              <a:solidFill>
-                <a:schemeClr val="tx1"/>
-              </a:solidFill>
-              <a:effectLst/>
-              <a:latin typeface="+mn-lt"/>
-              <a:ea typeface="+mn-ea"/>
-              <a:cs typeface="+mn-cs"/>
-            </a:endParaRPr>
-          </a:p>
-          <a:p>
-            <a:r>
-              <a:rPr lang="en-US" sz="1200" b="0" i="0" kern="1200" dirty="0">
-                <a:solidFill>
-                  <a:schemeClr val="tx1"/>
-                </a:solidFill>
-                <a:effectLst/>
-                <a:latin typeface="+mn-lt"/>
-                <a:ea typeface="+mn-ea"/>
-                <a:cs typeface="+mn-cs"/>
-              </a:rPr>
-              <a:t> Each of these two models has a strength and a weakness. The strength of queuing is that it allows you to divide up the processing of data over multiple consumer instances</a:t>
-            </a:r>
-            <a:r>
-              <a:rPr lang="en-US" sz="1200" b="0" i="0" kern="1200" dirty="0">
-                <a:solidFill>
-                  <a:srgbClr val="FF0000"/>
-                </a:solidFill>
-                <a:effectLst/>
-                <a:latin typeface="+mn-lt"/>
-                <a:ea typeface="+mn-ea"/>
-                <a:cs typeface="+mn-cs"/>
-              </a:rPr>
-              <a:t>, </a:t>
-            </a:r>
-            <a:r>
-              <a:rPr lang="en-US" sz="1200" b="1" i="0" kern="1200" dirty="0">
-                <a:solidFill>
-                  <a:srgbClr val="C00000"/>
-                </a:solidFill>
-                <a:effectLst/>
-                <a:latin typeface="+mn-lt"/>
-                <a:ea typeface="+mn-ea"/>
-                <a:cs typeface="+mn-cs"/>
-              </a:rPr>
-              <a:t>which lets you scale your processing</a:t>
-            </a:r>
-            <a:r>
-              <a:rPr lang="en-US" sz="1200" b="0" i="0" kern="1200" dirty="0">
-                <a:solidFill>
-                  <a:schemeClr val="tx1"/>
-                </a:solidFill>
-                <a:effectLst/>
-                <a:latin typeface="+mn-lt"/>
-                <a:ea typeface="+mn-ea"/>
-                <a:cs typeface="+mn-cs"/>
-              </a:rPr>
-              <a:t>. Unfortunately, queues aren't multi-subscriber—</a:t>
-            </a:r>
-            <a:r>
-              <a:rPr lang="en-US" sz="1200" b="1" i="0" kern="1200" dirty="0">
-                <a:solidFill>
-                  <a:schemeClr val="tx1"/>
-                </a:solidFill>
-                <a:effectLst/>
-                <a:latin typeface="+mn-lt"/>
-                <a:ea typeface="+mn-ea"/>
-                <a:cs typeface="+mn-cs"/>
-              </a:rPr>
-              <a:t>once one process reads the data it's gone</a:t>
-            </a:r>
-            <a:r>
-              <a:rPr lang="en-US" sz="1200" b="0" i="0" kern="1200" dirty="0">
-                <a:solidFill>
-                  <a:schemeClr val="tx1"/>
-                </a:solidFill>
-                <a:effectLst/>
-                <a:latin typeface="+mn-lt"/>
-                <a:ea typeface="+mn-ea"/>
-                <a:cs typeface="+mn-cs"/>
-              </a:rPr>
-              <a:t>. </a:t>
-            </a:r>
-          </a:p>
-          <a:p>
-            <a:r>
-              <a:rPr lang="en-US" sz="1200" b="0" i="0" kern="1200" dirty="0">
-                <a:solidFill>
-                  <a:schemeClr val="tx1"/>
-                </a:solidFill>
-                <a:effectLst/>
-                <a:latin typeface="+mn-lt"/>
-                <a:ea typeface="+mn-ea"/>
-                <a:cs typeface="+mn-cs"/>
-              </a:rPr>
-              <a:t>Publish-subscribe allows you broadcast data to multiple processes, but has no way of scaling processing since every message goes to every subscriber.</a:t>
-            </a:r>
-          </a:p>
-          <a:p>
-            <a:endParaRPr lang="en-US" sz="1200" b="0" i="0" kern="1200" dirty="0">
-              <a:solidFill>
-                <a:schemeClr val="tx1"/>
-              </a:solidFill>
-              <a:effectLst/>
-              <a:latin typeface="+mn-lt"/>
-              <a:ea typeface="+mn-ea"/>
-              <a:cs typeface="+mn-cs"/>
-            </a:endParaRPr>
-          </a:p>
-          <a:p>
-            <a:endParaRPr lang="en-US" dirty="0"/>
-          </a:p>
-        </p:txBody>
-      </p:sp>
-      <p:sp>
-        <p:nvSpPr>
-          <p:cNvPr id="4" name="Slide Number Placeholder 3"/>
-          <p:cNvSpPr>
-            <a:spLocks noGrp="1"/>
-          </p:cNvSpPr>
-          <p:nvPr>
-            <p:ph type="sldNum" sz="quarter" idx="10"/>
-          </p:nvPr>
-        </p:nvSpPr>
-        <p:spPr/>
-        <p:txBody>
-          <a:bodyPr/>
-          <a:lstStyle/>
-          <a:p>
-            <a:fld id="{DF61EA0F-A667-4B49-8422-0062BC55E249}" type="slidenum">
-              <a:rPr lang="en-US" smtClean="0"/>
-              <a:t>30</a:t>
-            </a:fld>
-            <a:endParaRPr lang="en-US"/>
-          </a:p>
-        </p:txBody>
-      </p:sp>
-    </p:spTree>
-    <p:extLst>
-      <p:ext uri="{BB962C8B-B14F-4D97-AF65-F5344CB8AC3E}">
-        <p14:creationId xmlns:p14="http://schemas.microsoft.com/office/powerpoint/2010/main" val="1492819840"/>
-      </p:ext>
-    </p:extLst>
-  </p:cSld>
-  <p:clrMapOvr>
-    <a:masterClrMapping/>
-  </p:clrMapOvr>
-</p:notes>
-</file>
-
-<file path=ppt/notesSlides/notesSlide13.xml><?xml version="1.0" encoding="utf-8"?>
-<p:notes xmlns:a="http://schemas.openxmlformats.org/drawingml/2006/main" xmlns:r="http://schemas.openxmlformats.org/officeDocument/2006/relationships" xmlns:p="http://schemas.openxmlformats.org/presentationml/2006/main">
-  <p:cSld>
-    <p:spTree>
-      <p:nvGrpSpPr>
-        <p:cNvPr id="1" name=""/>
-        <p:cNvGrpSpPr/>
-        <p:nvPr/>
-      </p:nvGrpSpPr>
-      <p:grpSpPr>
-        <a:xfrm>
-          <a:off x="0" y="0"/>
-          <a:ext cx="0" cy="0"/>
-          <a:chOff x="0" y="0"/>
-          <a:chExt cx="0" cy="0"/>
-        </a:xfrm>
-      </p:grpSpPr>
-      <p:sp>
-        <p:nvSpPr>
-          <p:cNvPr id="2" name="Slide Image Placeholder 1"/>
-          <p:cNvSpPr>
-            <a:spLocks noGrp="1" noRot="1" noChangeAspect="1"/>
-          </p:cNvSpPr>
-          <p:nvPr>
-            <p:ph type="sldImg"/>
-          </p:nvPr>
-        </p:nvSpPr>
-        <p:spPr/>
-      </p:sp>
-      <p:sp>
-        <p:nvSpPr>
-          <p:cNvPr id="3" name="Notes Placeholder 2"/>
-          <p:cNvSpPr>
-            <a:spLocks noGrp="1"/>
-          </p:cNvSpPr>
-          <p:nvPr>
-            <p:ph type="body" idx="1"/>
-          </p:nvPr>
-        </p:nvSpPr>
-        <p:spPr/>
-        <p:txBody>
-          <a:bodyPr/>
-          <a:lstStyle/>
-          <a:p>
-            <a:endParaRPr lang="en-US" dirty="0"/>
-          </a:p>
-        </p:txBody>
-      </p:sp>
-      <p:sp>
-        <p:nvSpPr>
-          <p:cNvPr id="4" name="Slide Number Placeholder 3"/>
-          <p:cNvSpPr>
-            <a:spLocks noGrp="1"/>
-          </p:cNvSpPr>
-          <p:nvPr>
-            <p:ph type="sldNum" sz="quarter" idx="10"/>
-          </p:nvPr>
-        </p:nvSpPr>
-        <p:spPr/>
-        <p:txBody>
-          <a:bodyPr/>
-          <a:lstStyle/>
-          <a:p>
-            <a:fld id="{DF61EA0F-A667-4B49-8422-0062BC55E249}" type="slidenum">
-              <a:rPr lang="en-US" smtClean="0"/>
-              <a:t>31</a:t>
-            </a:fld>
-            <a:endParaRPr lang="en-US"/>
-          </a:p>
-        </p:txBody>
-      </p:sp>
-    </p:spTree>
-    <p:extLst>
-      <p:ext uri="{BB962C8B-B14F-4D97-AF65-F5344CB8AC3E}">
-        <p14:creationId xmlns:p14="http://schemas.microsoft.com/office/powerpoint/2010/main" val="3437064030"/>
-      </p:ext>
-    </p:extLst>
-  </p:cSld>
-  <p:clrMapOvr>
-    <a:masterClrMapping/>
-  </p:clrMapOvr>
-</p:notes>
-</file>
-
-<file path=ppt/notesSlides/notesSlide14.xml><?xml version="1.0" encoding="utf-8"?>
-<p:notes xmlns:a="http://schemas.openxmlformats.org/drawingml/2006/main" xmlns:r="http://schemas.openxmlformats.org/officeDocument/2006/relationships" xmlns:p="http://schemas.openxmlformats.org/presentationml/2006/main">
-  <p:cSld>
-    <p:spTree>
-      <p:nvGrpSpPr>
-        <p:cNvPr id="1" name=""/>
-        <p:cNvGrpSpPr/>
-        <p:nvPr/>
-      </p:nvGrpSpPr>
-      <p:grpSpPr>
-        <a:xfrm>
-          <a:off x="0" y="0"/>
-          <a:ext cx="0" cy="0"/>
-          <a:chOff x="0" y="0"/>
-          <a:chExt cx="0" cy="0"/>
-        </a:xfrm>
-      </p:grpSpPr>
-      <p:sp>
-        <p:nvSpPr>
-          <p:cNvPr id="2" name="Slide Image Placeholder 1"/>
-          <p:cNvSpPr>
-            <a:spLocks noGrp="1" noRot="1" noChangeAspect="1"/>
-          </p:cNvSpPr>
-          <p:nvPr>
-            <p:ph type="sldImg"/>
-          </p:nvPr>
-        </p:nvSpPr>
-        <p:spPr/>
-      </p:sp>
-      <p:sp>
-        <p:nvSpPr>
-          <p:cNvPr id="3" name="Notes Placeholder 2"/>
-          <p:cNvSpPr>
-            <a:spLocks noGrp="1"/>
-          </p:cNvSpPr>
-          <p:nvPr>
-            <p:ph type="body" idx="1"/>
-          </p:nvPr>
-        </p:nvSpPr>
-        <p:spPr/>
-        <p:txBody>
-          <a:bodyPr/>
-          <a:lstStyle/>
-          <a:p>
-            <a:r>
-              <a:rPr lang="en-US" sz="1200" b="0" i="0" kern="1200" dirty="0">
-                <a:solidFill>
-                  <a:schemeClr val="tx1"/>
-                </a:solidFill>
-                <a:effectLst/>
-                <a:latin typeface="+mn-lt"/>
-                <a:ea typeface="+mn-ea"/>
-                <a:cs typeface="+mn-cs"/>
-              </a:rPr>
-              <a:t>The consumer group concept in Kafka generalizes these two concepts. As with a queue the consumer group allows you to divide up processing over a collection of processes (the members of the consumer group). As with publish-subscribe, Kafka allows you to broadcast messages to multiple consumer groups.</a:t>
-            </a:r>
-          </a:p>
-          <a:p>
-            <a:r>
-              <a:rPr lang="en-US" sz="1200" b="0" i="0" kern="1200" dirty="0">
-                <a:solidFill>
-                  <a:schemeClr val="tx1"/>
-                </a:solidFill>
-                <a:effectLst/>
-                <a:latin typeface="+mn-lt"/>
-                <a:ea typeface="+mn-ea"/>
-                <a:cs typeface="+mn-cs"/>
-              </a:rPr>
-              <a:t>The advantage of Kafka's model is </a:t>
-            </a:r>
-            <a:r>
-              <a:rPr lang="en-US" sz="1200" b="1" i="0" kern="1200" dirty="0">
-                <a:solidFill>
-                  <a:schemeClr val="tx1"/>
-                </a:solidFill>
-                <a:effectLst/>
-                <a:latin typeface="+mn-lt"/>
-                <a:ea typeface="+mn-ea"/>
-                <a:cs typeface="+mn-cs"/>
-              </a:rPr>
-              <a:t>that every topic has both these properties</a:t>
-            </a:r>
-            <a:r>
-              <a:rPr lang="en-US" sz="1200" b="0" i="0" kern="1200" dirty="0">
-                <a:solidFill>
-                  <a:schemeClr val="tx1"/>
-                </a:solidFill>
-                <a:effectLst/>
-                <a:latin typeface="+mn-lt"/>
-                <a:ea typeface="+mn-ea"/>
-                <a:cs typeface="+mn-cs"/>
-              </a:rPr>
-              <a:t>—it can scale processing and is also multi-subscriber—there is</a:t>
-            </a:r>
-            <a:r>
-              <a:rPr lang="en-US" sz="1200" b="1" i="0" kern="1200" dirty="0">
-                <a:solidFill>
-                  <a:schemeClr val="tx1"/>
-                </a:solidFill>
-                <a:effectLst/>
-                <a:latin typeface="+mn-lt"/>
-                <a:ea typeface="+mn-ea"/>
-                <a:cs typeface="+mn-cs"/>
-              </a:rPr>
-              <a:t> no need to choose one or the other.</a:t>
-            </a:r>
-          </a:p>
-          <a:p>
-            <a:endParaRPr lang="en-US" sz="1200" b="0" i="0" kern="1200" dirty="0">
-              <a:solidFill>
-                <a:schemeClr val="tx1"/>
-              </a:solidFill>
-              <a:effectLst/>
-              <a:latin typeface="+mn-lt"/>
-              <a:ea typeface="+mn-ea"/>
-              <a:cs typeface="+mn-cs"/>
-            </a:endParaRPr>
-          </a:p>
-          <a:p>
-            <a:r>
-              <a:rPr lang="en-US" sz="1200" b="0" i="0" kern="1200" dirty="0">
-                <a:solidFill>
-                  <a:schemeClr val="tx1"/>
-                </a:solidFill>
-                <a:effectLst/>
-                <a:latin typeface="+mn-lt"/>
-                <a:ea typeface="+mn-ea"/>
-                <a:cs typeface="+mn-cs"/>
-              </a:rPr>
-              <a:t>-------------------------------</a:t>
-            </a:r>
-          </a:p>
-          <a:p>
-            <a:r>
-              <a:rPr lang="en-US" sz="1200" b="0" i="0" kern="1200" dirty="0">
-                <a:solidFill>
-                  <a:schemeClr val="tx1"/>
-                </a:solidFill>
-                <a:effectLst/>
-                <a:latin typeface="+mn-lt"/>
-                <a:ea typeface="+mn-ea"/>
-                <a:cs typeface="+mn-cs"/>
-              </a:rPr>
-              <a:t>Kafka has stronger ordering guarantees than a traditional messaging system, too.</a:t>
-            </a:r>
-          </a:p>
-          <a:p>
-            <a:endParaRPr lang="en-US" sz="1200" b="0" i="0" kern="1200" dirty="0">
-              <a:solidFill>
-                <a:schemeClr val="tx1"/>
-              </a:solidFill>
-              <a:effectLst/>
-              <a:latin typeface="+mn-lt"/>
-              <a:ea typeface="+mn-ea"/>
-              <a:cs typeface="+mn-cs"/>
-            </a:endParaRPr>
-          </a:p>
-          <a:p>
-            <a:r>
-              <a:rPr lang="en-US" dirty="0"/>
-              <a:t>A traditional queue retains records in-order on the server, and if multiple consumers consume from the queue then the server hands out records in the order they are stored. However, although the server hands out records in order, the records are </a:t>
-            </a:r>
-            <a:r>
-              <a:rPr lang="en-US" b="1" dirty="0"/>
-              <a:t>delivered asynchronously to consumers</a:t>
-            </a:r>
-            <a:r>
-              <a:rPr lang="en-US" dirty="0"/>
-              <a:t>, so they may arrive out of order on different consumers. This effectively means the ordering of the records is lost in the presence of parallel consumption. Messaging systems often work around this by having a notion of "</a:t>
-            </a:r>
-            <a:r>
-              <a:rPr lang="en-US" b="1" dirty="0"/>
-              <a:t>exclusive consumer</a:t>
-            </a:r>
-            <a:r>
-              <a:rPr lang="en-US" dirty="0"/>
-              <a:t>" that allows only one process to consume from a queue, but of course this means that there is no parallelism in processing.</a:t>
-            </a:r>
-          </a:p>
-          <a:p>
-            <a:endParaRPr lang="en-US" dirty="0"/>
-          </a:p>
-          <a:p>
-            <a:r>
-              <a:rPr lang="en-US" dirty="0"/>
-              <a:t>Kafka does it better. By having a notion of parallelism—the partition—within the </a:t>
-            </a:r>
-            <a:r>
-              <a:rPr lang="en-US" b="1" dirty="0"/>
-              <a:t>topics</a:t>
-            </a:r>
-            <a:r>
-              <a:rPr lang="en-US" dirty="0"/>
-              <a:t>, Kafka is able to provide </a:t>
-            </a:r>
-            <a:r>
-              <a:rPr lang="en-US" b="1" dirty="0"/>
-              <a:t>both ordering guarantees and load balancing over a pool of consumer processes</a:t>
-            </a:r>
-            <a:r>
-              <a:rPr lang="en-US" dirty="0"/>
-              <a:t>. </a:t>
-            </a:r>
-            <a:r>
-              <a:rPr lang="en-US" b="1" dirty="0"/>
-              <a:t>This is achieved by assigning the partitions in the topic to the consumers in the consumer group so that each partition is consumed by exactly one consumer in the group</a:t>
-            </a:r>
-            <a:r>
-              <a:rPr lang="en-US" dirty="0"/>
-              <a:t>. By doing this we ensure that the consumer is the only reader of that partition and consumes the data in order. Since there are many partitions this still balances the load over many consumer instances. Note however that there cannot be more consumer instances in a consumer group than partitions</a:t>
-            </a:r>
-          </a:p>
-        </p:txBody>
-      </p:sp>
-      <p:sp>
-        <p:nvSpPr>
-          <p:cNvPr id="4" name="Slide Number Placeholder 3"/>
-          <p:cNvSpPr>
-            <a:spLocks noGrp="1"/>
-          </p:cNvSpPr>
-          <p:nvPr>
-            <p:ph type="sldNum" sz="quarter" idx="10"/>
-          </p:nvPr>
-        </p:nvSpPr>
-        <p:spPr/>
-        <p:txBody>
-          <a:bodyPr/>
-          <a:lstStyle/>
-          <a:p>
-            <a:fld id="{DF61EA0F-A667-4B49-8422-0062BC55E249}" type="slidenum">
-              <a:rPr lang="en-US" smtClean="0"/>
-              <a:t>32</a:t>
-            </a:fld>
-            <a:endParaRPr lang="en-US"/>
-          </a:p>
-        </p:txBody>
-      </p:sp>
-    </p:spTree>
-    <p:extLst>
-      <p:ext uri="{BB962C8B-B14F-4D97-AF65-F5344CB8AC3E}">
-        <p14:creationId xmlns:p14="http://schemas.microsoft.com/office/powerpoint/2010/main" val="1553293039"/>
-      </p:ext>
-    </p:extLst>
-  </p:cSld>
-  <p:clrMapOvr>
-    <a:masterClrMapping/>
-  </p:clrMapOvr>
-</p:notes>
-</file>
-
 <file path=ppt/notesSlides/notesSlide2.xml><?xml version="1.0" encoding="utf-8"?>
 <p:notes xmlns:a="http://schemas.openxmlformats.org/drawingml/2006/main" xmlns:r="http://schemas.openxmlformats.org/officeDocument/2006/relationships" xmlns:p="http://schemas.openxmlformats.org/presentationml/2006/main">
   <p:cSld>
@@ -2249,6 +1042,146 @@
           <a:lstStyle/>
           <a:p>
             <a:r>
+              <a:rPr lang="en-US" sz="1200" b="0" i="0" kern="1200" dirty="0" err="1">
+                <a:solidFill>
+                  <a:schemeClr val="tx1"/>
+                </a:solidFill>
+                <a:effectLst/>
+                <a:latin typeface="+mn-lt"/>
+                <a:ea typeface="+mn-ea"/>
+                <a:cs typeface="+mn-cs"/>
+              </a:rPr>
+              <a:t>ZooKeeper</a:t>
+            </a:r>
+            <a:r>
+              <a:rPr lang="en-US" sz="1200" b="0" i="0" kern="1200" dirty="0">
+                <a:solidFill>
+                  <a:schemeClr val="tx1"/>
+                </a:solidFill>
+                <a:effectLst/>
+                <a:latin typeface="+mn-lt"/>
+                <a:ea typeface="+mn-ea"/>
+                <a:cs typeface="+mn-cs"/>
+              </a:rPr>
+              <a:t> service is mainly used to notify producer and consumer about the presence of any new broker in the Kafka system or failure of the broker in the Kafka system. As per the notification received by the Zookeeper regarding presence or failure of the broker then pro-</a:t>
+            </a:r>
+            <a:r>
+              <a:rPr lang="en-US" sz="1200" b="0" i="0" kern="1200" dirty="0" err="1">
+                <a:solidFill>
+                  <a:schemeClr val="tx1"/>
+                </a:solidFill>
+                <a:effectLst/>
+                <a:latin typeface="+mn-lt"/>
+                <a:ea typeface="+mn-ea"/>
+                <a:cs typeface="+mn-cs"/>
+              </a:rPr>
+              <a:t>ducer</a:t>
+            </a:r>
+            <a:r>
+              <a:rPr lang="en-US" sz="1200" b="0" i="0" kern="1200" dirty="0">
+                <a:solidFill>
+                  <a:schemeClr val="tx1"/>
+                </a:solidFill>
+                <a:effectLst/>
+                <a:latin typeface="+mn-lt"/>
+                <a:ea typeface="+mn-ea"/>
+                <a:cs typeface="+mn-cs"/>
+              </a:rPr>
+              <a:t> and consumer takes decision and starts coordinating their task with some other broker.</a:t>
+            </a:r>
+            <a:endParaRPr lang="ar-SY" sz="1200" b="0" i="0" kern="1200" dirty="0">
+              <a:solidFill>
+                <a:schemeClr val="tx1"/>
+              </a:solidFill>
+              <a:effectLst/>
+              <a:latin typeface="+mn-lt"/>
+              <a:ea typeface="+mn-ea"/>
+              <a:cs typeface="+mn-cs"/>
+            </a:endParaRPr>
+          </a:p>
+          <a:p>
+            <a:endParaRPr lang="ar-SY" sz="1200" b="0" i="0" kern="1200" dirty="0">
+              <a:solidFill>
+                <a:schemeClr val="tx1"/>
+              </a:solidFill>
+              <a:effectLst/>
+              <a:latin typeface="+mn-lt"/>
+              <a:ea typeface="+mn-ea"/>
+              <a:cs typeface="+mn-cs"/>
+            </a:endParaRPr>
+          </a:p>
+          <a:p>
+            <a:r>
+              <a:rPr lang="en-US" sz="1200" b="0" i="0" kern="1200" dirty="0">
+                <a:solidFill>
+                  <a:schemeClr val="tx1"/>
+                </a:solidFill>
+                <a:effectLst/>
+                <a:latin typeface="+mn-lt"/>
+                <a:ea typeface="+mn-ea"/>
+                <a:cs typeface="+mn-cs"/>
+              </a:rPr>
+              <a:t>As per the notification received by the Zookeeper regarding presence or failure of the broker then pro-</a:t>
+            </a:r>
+            <a:r>
+              <a:rPr lang="en-US" sz="1200" b="0" i="0" kern="1200" dirty="0" err="1">
+                <a:solidFill>
+                  <a:schemeClr val="tx1"/>
+                </a:solidFill>
+                <a:effectLst/>
+                <a:latin typeface="+mn-lt"/>
+                <a:ea typeface="+mn-ea"/>
+                <a:cs typeface="+mn-cs"/>
+              </a:rPr>
+              <a:t>ducer</a:t>
+            </a:r>
+            <a:r>
+              <a:rPr lang="en-US" sz="1200" b="0" i="0" kern="1200" dirty="0">
+                <a:solidFill>
+                  <a:schemeClr val="tx1"/>
+                </a:solidFill>
+                <a:effectLst/>
+                <a:latin typeface="+mn-lt"/>
+                <a:ea typeface="+mn-ea"/>
+                <a:cs typeface="+mn-cs"/>
+              </a:rPr>
+              <a:t> and consumer takes decision and starts coordinating their task with some other broker.</a:t>
+            </a:r>
+            <a:endParaRPr lang="ar-SY" sz="1200" b="0" i="0" kern="1200" dirty="0">
+              <a:solidFill>
+                <a:schemeClr val="tx1"/>
+              </a:solidFill>
+              <a:effectLst/>
+              <a:latin typeface="+mn-lt"/>
+              <a:ea typeface="+mn-ea"/>
+              <a:cs typeface="+mn-cs"/>
+            </a:endParaRPr>
+          </a:p>
+          <a:p>
+            <a:endParaRPr lang="ar-SY" sz="1200" b="0" i="0" kern="1200" dirty="0">
+              <a:solidFill>
+                <a:schemeClr val="tx1"/>
+              </a:solidFill>
+              <a:effectLst/>
+              <a:latin typeface="+mn-lt"/>
+              <a:ea typeface="+mn-ea"/>
+              <a:cs typeface="+mn-cs"/>
+            </a:endParaRPr>
+          </a:p>
+          <a:p>
+            <a:r>
+              <a:rPr lang="en-US" sz="1200" b="0" i="0" kern="1200" dirty="0">
+                <a:solidFill>
+                  <a:schemeClr val="tx1"/>
+                </a:solidFill>
+                <a:effectLst/>
+                <a:latin typeface="+mn-lt"/>
+                <a:ea typeface="+mn-ea"/>
+                <a:cs typeface="+mn-cs"/>
+              </a:rPr>
+              <a:t>When the new broker is started, all the producers search it </a:t>
+            </a:r>
+            <a:r>
               <a:rPr lang="en-US" sz="1200" b="1" i="0" kern="1200" dirty="0">
                 <a:solidFill>
                   <a:schemeClr val="tx1"/>
@@ -2258,7 +1191,7 @@
                 <a:ea typeface="+mn-ea"/>
                 <a:cs typeface="+mn-cs"/>
               </a:rPr>
-              <a:t>Metrics</a:t>
+              <a:t>and automatically sends </a:t>
             </a:r>
             <a:r>
               <a:rPr lang="en-US" sz="1200" b="0" i="0" kern="1200" dirty="0">
@@ -2270,10 +1203,8 @@
                 <a:ea typeface="+mn-ea"/>
                 <a:cs typeface="+mn-cs"/>
               </a:rPr>
-              <a:t> − Kafka is often used for operational monitoring data. This involves aggregating statistics from distributed applications to produce centralized feeds of operational data.</a:t>
-            </a:r>
-          </a:p>
-          <a:p>
+              <a:t>a message to that new broker. Kafka producer </a:t>
+            </a:r>
             <a:r>
               <a:rPr lang="en-US" sz="1200" b="1" i="0" kern="1200" dirty="0">
                 <a:solidFill>
@@ -2284,7 +1215,7 @@
                 <a:ea typeface="+mn-ea"/>
                 <a:cs typeface="+mn-cs"/>
               </a:rPr>
-              <a:t>Log Aggregation Solution</a:t>
+              <a:t>doesn’t wait for acknowledgements </a:t>
             </a:r>
             <a:r>
               <a:rPr lang="en-US" sz="1200" b="0" i="0" kern="1200" dirty="0">
@@ -2296,60 +1227,8 @@
                 <a:ea typeface="+mn-ea"/>
                 <a:cs typeface="+mn-cs"/>
               </a:rPr>
-              <a:t> − Kafka can be used across an organization to collect logs from multiple services and make them available in a standard format to multiple con-</a:t>
-            </a:r>
-            <a:r>
-              <a:rPr lang="en-US" sz="1200" b="0" i="0" kern="1200" dirty="0" err="1">
-                <a:solidFill>
-                  <a:schemeClr val="tx1"/>
-                </a:solidFill>
-                <a:effectLst/>
-                <a:latin typeface="+mn-lt"/>
-                <a:ea typeface="+mn-ea"/>
-                <a:cs typeface="+mn-cs"/>
-              </a:rPr>
-              <a:t>sumers</a:t>
-            </a:r>
-            <a:r>
-              <a:rPr lang="en-US" sz="1200" b="0" i="0" kern="1200" dirty="0">
-                <a:solidFill>
-                  <a:schemeClr val="tx1"/>
-                </a:solidFill>
-                <a:effectLst/>
-                <a:latin typeface="+mn-lt"/>
-                <a:ea typeface="+mn-ea"/>
-                <a:cs typeface="+mn-cs"/>
-              </a:rPr>
-              <a:t>.</a:t>
-            </a:r>
-          </a:p>
-          <a:p>
-            <a:r>
-              <a:rPr lang="en-US" sz="1200" b="1" i="0" kern="1200" dirty="0">
-                <a:solidFill>
-                  <a:schemeClr val="tx1"/>
-                </a:solidFill>
-                <a:effectLst/>
-                <a:latin typeface="+mn-lt"/>
-                <a:ea typeface="+mn-ea"/>
-                <a:cs typeface="+mn-cs"/>
-              </a:rPr>
-              <a:t>Stream Processing</a:t>
-            </a:r>
-            <a:r>
-              <a:rPr lang="en-US" sz="1200" b="0" i="0" kern="1200" dirty="0">
-                <a:solidFill>
-                  <a:schemeClr val="tx1"/>
-                </a:solidFill>
-                <a:effectLst/>
-                <a:latin typeface="+mn-lt"/>
-                <a:ea typeface="+mn-ea"/>
-                <a:cs typeface="+mn-cs"/>
-              </a:rPr>
-              <a:t> − Popular frameworks such as Storm and Spark Streaming read data from a topic, processes it, and write processed data to a new topic where it becomes available for users and applications. Kafka’s strong durability is also very useful in the context of stream processing.</a:t>
-            </a:r>
-          </a:p>
-          <a:p>
+              <a:t>from the broker and sends messages as fast as the broker can handle.</a:t>
+            </a:r>
             <a:endParaRPr lang="en-US" dirty="0"/>
           </a:p>
         </p:txBody>
@@ -2371,7 +1250,7 @@
           <a:p>
             <a:fld id="{DF61EA0F-A667-4B49-8422-0062BC55E249}" type="slidenum">
               <a:rPr lang="en-US" smtClean="0"/>
-              <a:t>4</a:t>
+              <a:t>12</a:t>
             </a:fld>
             <a:endParaRPr lang="en-US"/>
           </a:p>
@@ -2380,7 +1259,7 @@
     </p:spTree>
     <p:extLst>
       <p:ext uri="{BB962C8B-B14F-4D97-AF65-F5344CB8AC3E}">
-        <p14:creationId xmlns:p14="http://schemas.microsoft.com/office/powerpoint/2010/main" val="156929693"/>
+        <p14:creationId xmlns:p14="http://schemas.microsoft.com/office/powerpoint/2010/main" val="285130782"/>
       </p:ext>
     </p:extLst>
   </p:cSld>
@@ -2444,8 +1323,69 @@
                 <a:ea typeface="+mn-ea"/>
                 <a:cs typeface="+mn-cs"/>
               </a:rPr>
-              <a:t>Producers publish data to the topics of their choice. The producer is responsible for choosing which record to assign to which partition within the topic. This can be done in a round-robin fashion simply to balance load or it can be done according to some semantic partition function (say based on some key in the record). More on the use of partitioning in a second!</a:t>
-            </a:r>
+              <a:t>Each partition has one server which acts as the "leader" and zero or more servers which act as "followers“</a:t>
+            </a:r>
+          </a:p>
+          <a:p>
+            <a:endParaRPr lang="en-US" sz="1200" b="0" i="0" kern="1200" dirty="0">
+              <a:solidFill>
+                <a:schemeClr val="tx1"/>
+              </a:solidFill>
+              <a:effectLst/>
+              <a:latin typeface="+mn-lt"/>
+              <a:ea typeface="+mn-ea"/>
+              <a:cs typeface="+mn-cs"/>
+            </a:endParaRPr>
+          </a:p>
+          <a:p>
+            <a:r>
+              <a:rPr lang="en-US" sz="1200" b="0" i="0" kern="1200" dirty="0">
+                <a:solidFill>
+                  <a:schemeClr val="tx1"/>
+                </a:solidFill>
+                <a:effectLst/>
+                <a:latin typeface="+mn-lt"/>
+                <a:ea typeface="+mn-ea"/>
+                <a:cs typeface="+mn-cs"/>
+              </a:rPr>
+              <a:t>Each server acts as a leader for some of its partitions and a follower for others so load is well balanced within the cluster.</a:t>
+            </a:r>
+          </a:p>
+          <a:p>
+            <a:endParaRPr lang="en-US" sz="1200" b="0" i="0" kern="1200" dirty="0">
+              <a:solidFill>
+                <a:schemeClr val="tx1"/>
+              </a:solidFill>
+              <a:effectLst/>
+              <a:latin typeface="+mn-lt"/>
+              <a:ea typeface="+mn-ea"/>
+              <a:cs typeface="+mn-cs"/>
+            </a:endParaRPr>
+          </a:p>
+          <a:p>
+            <a:r>
+              <a:rPr lang="en-US" sz="1200" b="0" i="0" kern="1200" dirty="0">
+                <a:solidFill>
+                  <a:schemeClr val="tx1"/>
+                </a:solidFill>
+                <a:effectLst/>
+                <a:latin typeface="+mn-lt"/>
+                <a:ea typeface="+mn-ea"/>
+                <a:cs typeface="+mn-cs"/>
+              </a:rPr>
+              <a:t>Each broker on a cluster.</a:t>
+            </a:r>
+          </a:p>
+          <a:p>
+            <a:endParaRPr lang="en-US" sz="1200" b="0" i="0" kern="1200" dirty="0">
+              <a:solidFill>
+                <a:schemeClr val="tx1"/>
+              </a:solidFill>
+              <a:effectLst/>
+              <a:latin typeface="+mn-lt"/>
+              <a:ea typeface="+mn-ea"/>
+              <a:cs typeface="+mn-cs"/>
+            </a:endParaRPr>
           </a:p>
         </p:txBody>
       </p:sp>
@@ -2466,16 +1406,16 @@
           <a:p>
             <a:fld id="{DF61EA0F-A667-4B49-8422-0062BC55E249}" type="slidenum">
               <a:rPr lang="en-US" smtClean="0"/>
-              <a:t>6</a:t>
+              <a:t>13</a:t>
             </a:fld>
-            <a:endParaRPr lang="en-US" dirty="0"/>
+            <a:endParaRPr lang="en-US"/>
           </a:p>
         </p:txBody>
       </p:sp>
     </p:spTree>
     <p:extLst>
       <p:ext uri="{BB962C8B-B14F-4D97-AF65-F5344CB8AC3E}">
-        <p14:creationId xmlns:p14="http://schemas.microsoft.com/office/powerpoint/2010/main" val="3799554671"/>
+        <p14:creationId xmlns:p14="http://schemas.microsoft.com/office/powerpoint/2010/main" val="333261113"/>
       </p:ext>
     </p:extLst>
   </p:cSld>
@@ -2529,14 +1469,7 @@
           <a:bodyPr/>
           <a:lstStyle/>
           <a:p>
-            <a:r>
-              <a:rPr lang="en-US" dirty="0" err="1"/>
-              <a:t>Kafaka</a:t>
-            </a:r>
-            <a:r>
-              <a:rPr lang="en-US" dirty="0"/>
-              <a:t> doesn’t take the decision about the number of partitions related to one topic.. We take that decision </a:t>
-            </a:r>
+            <a:endParaRPr lang="en-US" dirty="0"/>
           </a:p>
         </p:txBody>
       </p:sp>
@@ -2566,7 +1499,7 @@
     </p:spTree>
     <p:extLst>
       <p:ext uri="{BB962C8B-B14F-4D97-AF65-F5344CB8AC3E}">
-        <p14:creationId xmlns:p14="http://schemas.microsoft.com/office/powerpoint/2010/main" val="2382879103"/>
+        <p14:creationId xmlns:p14="http://schemas.microsoft.com/office/powerpoint/2010/main" val="461548374"/>
       </p:ext>
     </p:extLst>
   </p:cSld>
@@ -2621,7 +1554,7 @@
           <a:lstStyle/>
           <a:p>
             <a:r>
-              <a:rPr lang="en-US" sz="1200" b="0" i="0" kern="1200" dirty="0" err="1">
+              <a:rPr lang="en-US" sz="1200" b="0" i="0" kern="1200" dirty="0">
                 <a:solidFill>
                   <a:schemeClr val="tx1"/>
                 </a:solidFill>
@@ -2630,8 +1563,10 @@
                 <a:ea typeface="+mn-ea"/>
                 <a:cs typeface="+mn-cs"/>
               </a:rPr>
-              <a:t>ZooKeeper</a:t>
-            </a:r>
+              <a:t>How does Kafka's notion of streams compare to a traditional enterprise messaging system?</a:t>
+            </a:r>
+          </a:p>
+          <a:p>
             <a:r>
               <a:rPr lang="en-US" sz="1200" b="0" i="0" kern="1200" dirty="0">
                 <a:solidFill>
@@ -2642,10 +1577,10 @@
                 <a:ea typeface="+mn-ea"/>
                 <a:cs typeface="+mn-cs"/>
               </a:rPr>
-              <a:t> service is mainly used to notify producer and consumer about the presence of any new broker in the Kafka system or failure of the broker in the Kafka system. As per the notification received by the Zookeeper regarding presence or failure of the broker then pro-</a:t>
-            </a:r>
-            <a:r>
-              <a:rPr lang="en-US" sz="1200" b="0" i="0" kern="1200" dirty="0" err="1">
+              <a:t>Messaging traditionally has two models: </a:t>
+            </a:r>
+            <a:r>
+              <a:rPr lang="en-US" sz="1200" b="0" i="0" u="none" strike="noStrike" kern="1200" dirty="0">
                 <a:solidFill>
                   <a:schemeClr val="tx1"/>
                 </a:solidFill>
@@ -2653,8 +1588,9 @@
                 <a:latin typeface="+mn-lt"/>
                 <a:ea typeface="+mn-ea"/>
                 <a:cs typeface="+mn-cs"/>
+                <a:hlinkClick r:id="rId3"/>
               </a:rPr>
-              <a:t>ducer</a:t>
+              <a:t>queuing</a:t>
             </a:r>
             <a:r>
               <a:rPr lang="en-US" sz="1200" b="0" i="0" kern="1200" dirty="0">
@@ -2666,9 +1602,50 @@
                 <a:ea typeface="+mn-ea"/>
                 <a:cs typeface="+mn-cs"/>
               </a:rPr>
-              <a:t> and consumer takes decision and starts coordinating their task with some other broker.</a:t>
-            </a:r>
-            <a:endParaRPr lang="ar-SY" sz="1200" b="0" i="0" kern="1200" dirty="0">
+              <a:t> and </a:t>
+            </a:r>
+            <a:r>
+              <a:rPr lang="en-US" sz="1200" b="0" i="0" u="none" strike="noStrike" kern="1200" dirty="0">
+                <a:solidFill>
+                  <a:schemeClr val="tx1"/>
+                </a:solidFill>
+                <a:effectLst/>
+                <a:latin typeface="+mn-lt"/>
+                <a:ea typeface="+mn-ea"/>
+                <a:cs typeface="+mn-cs"/>
+                <a:hlinkClick r:id="rId4"/>
+              </a:rPr>
+              <a:t>publish-subscribe</a:t>
+            </a:r>
+            <a:r>
+              <a:rPr lang="en-US" sz="1200" b="0" i="0" kern="1200" dirty="0">
+                <a:solidFill>
+                  <a:schemeClr val="tx1"/>
+                </a:solidFill>
+                <a:effectLst/>
+                <a:latin typeface="+mn-lt"/>
+                <a:ea typeface="+mn-ea"/>
+                <a:cs typeface="+mn-cs"/>
+              </a:rPr>
+              <a:t>. </a:t>
+            </a:r>
+          </a:p>
+          <a:p>
+            <a:r>
+              <a:rPr lang="en-US" sz="1200" b="0" i="0" kern="1200" dirty="0">
+                <a:solidFill>
+                  <a:schemeClr val="tx1"/>
+                </a:solidFill>
+                <a:effectLst/>
+                <a:latin typeface="+mn-lt"/>
+                <a:ea typeface="+mn-ea"/>
+                <a:cs typeface="+mn-cs"/>
+              </a:rPr>
+              <a:t>In a queue, a pool of consumers may read from a server and each record goes to one of them; in publish-subscribe the record is broadcast to all consumers.</a:t>
+            </a:r>
+          </a:p>
+          <a:p>
+            <a:endParaRPr lang="en-US" sz="1200" b="0" i="0" kern="1200" dirty="0">
               <a:solidFill>
                 <a:schemeClr val="tx1"/>
               </a:solidFill>
@@ -2679,7 +1656,95 @@
             </a:endParaRPr>
           </a:p>
           <a:p>
-            <a:endParaRPr lang="ar-SY" sz="1200" b="0" i="0" kern="1200">
+            <a:r>
+              <a:rPr lang="en-US" sz="1200" b="0" i="0" kern="1200" dirty="0">
+                <a:solidFill>
+                  <a:schemeClr val="tx1"/>
+                </a:solidFill>
+                <a:effectLst/>
+                <a:latin typeface="+mn-lt"/>
+                <a:ea typeface="+mn-ea"/>
+                <a:cs typeface="+mn-cs"/>
+              </a:rPr>
+              <a:t> Each of these two models has a strength and a weakness. The strength of queuing is that it allows you to divide up the processing of data over multiple consumer instances</a:t>
+            </a:r>
+            <a:r>
+              <a:rPr lang="en-US" sz="1200" b="0" i="0" kern="1200" dirty="0">
+                <a:solidFill>
+                  <a:srgbClr val="FF0000"/>
+                </a:solidFill>
+                <a:effectLst/>
+                <a:latin typeface="+mn-lt"/>
+                <a:ea typeface="+mn-ea"/>
+                <a:cs typeface="+mn-cs"/>
+              </a:rPr>
+              <a:t>, </a:t>
+            </a:r>
+            <a:r>
+              <a:rPr lang="en-US" sz="1200" b="1" i="0" kern="1200" dirty="0">
+                <a:solidFill>
+                  <a:srgbClr val="C00000"/>
+                </a:solidFill>
+                <a:effectLst/>
+                <a:latin typeface="+mn-lt"/>
+                <a:ea typeface="+mn-ea"/>
+                <a:cs typeface="+mn-cs"/>
+              </a:rPr>
+              <a:t>which lets you scale your processing</a:t>
+            </a:r>
+            <a:r>
+              <a:rPr lang="en-US" sz="1200" b="0" i="0" kern="1200" dirty="0">
+                <a:solidFill>
+                  <a:schemeClr val="tx1"/>
+                </a:solidFill>
+                <a:effectLst/>
+                <a:latin typeface="+mn-lt"/>
+                <a:ea typeface="+mn-ea"/>
+                <a:cs typeface="+mn-cs"/>
+              </a:rPr>
+              <a:t>. Unfortunately, queues aren't multi-subscriber—</a:t>
+            </a:r>
+            <a:r>
+              <a:rPr lang="en-US" sz="1200" b="1" i="0" kern="1200" dirty="0">
+                <a:solidFill>
+                  <a:schemeClr val="tx1"/>
+                </a:solidFill>
+                <a:effectLst/>
+                <a:latin typeface="+mn-lt"/>
+                <a:ea typeface="+mn-ea"/>
+                <a:cs typeface="+mn-cs"/>
+              </a:rPr>
+              <a:t>once one process reads the data it's gone</a:t>
+            </a:r>
+            <a:r>
+              <a:rPr lang="en-US" sz="1200" b="0" i="0" kern="1200" dirty="0">
+                <a:solidFill>
+                  <a:schemeClr val="tx1"/>
+                </a:solidFill>
+                <a:effectLst/>
+                <a:latin typeface="+mn-lt"/>
+                <a:ea typeface="+mn-ea"/>
+                <a:cs typeface="+mn-cs"/>
+              </a:rPr>
+              <a:t>. </a:t>
+            </a:r>
+          </a:p>
+          <a:p>
+            <a:r>
+              <a:rPr lang="en-US" sz="1200" b="0" i="0" kern="1200" dirty="0">
+                <a:solidFill>
+                  <a:schemeClr val="tx1"/>
+                </a:solidFill>
+                <a:effectLst/>
+                <a:latin typeface="+mn-lt"/>
+                <a:ea typeface="+mn-ea"/>
+                <a:cs typeface="+mn-cs"/>
+              </a:rPr>
+              <a:t>Publish-subscribe allows you broadcast data to multiple processes, but has no way of scaling processing since every message goes to every subscriber.</a:t>
+            </a:r>
+          </a:p>
+          <a:p>
+            <a:endParaRPr lang="en-US" sz="1200" b="0" i="0" kern="1200" dirty="0">
               <a:solidFill>
                 <a:schemeClr val="tx1"/>
               </a:solidFill>
@@ -2690,8 +1755,11 @@
             </a:endParaRPr>
           </a:p>
           <a:p>
-            <a:r>
-              <a:rPr lang="en-US" sz="1200" b="0" i="0" kern="1200">
+            <a:endParaRPr lang="en-US" dirty="0"/>
+          </a:p>
+          <a:p>
+            <a:r>
+              <a:rPr lang="en-US" sz="1200" b="0" i="0" kern="1200" dirty="0">
                 <a:solidFill>
                   <a:schemeClr val="tx1"/>
                 </a:solidFill>
@@ -2700,9 +1768,61 @@
                 <a:ea typeface="+mn-ea"/>
                 <a:cs typeface="+mn-cs"/>
               </a:rPr>
-              <a:t>As per the notification received by the Zookeeper regarding presence or failure of the broker then pro-ducer and consumer takes decision and starts coordinating their task with some other broker.</a:t>
-            </a:r>
-            <a:endParaRPr lang="ar-SY" sz="1200" b="0" i="0" kern="1200">
+              <a:t>The consumer group concept in Kafka generalizes these two concepts. As with a queue the consumer group allows you to divide up processing over a collection of processes (the members of the consumer group). As with publish-subscribe, Kafka allows you to broadcast messages to multiple consumer groups.</a:t>
+            </a:r>
+          </a:p>
+          <a:p>
+            <a:r>
+              <a:rPr lang="en-US" sz="1200" b="0" i="0" kern="1200" dirty="0">
+                <a:solidFill>
+                  <a:schemeClr val="tx1"/>
+                </a:solidFill>
+                <a:effectLst/>
+                <a:latin typeface="+mn-lt"/>
+                <a:ea typeface="+mn-ea"/>
+                <a:cs typeface="+mn-cs"/>
+              </a:rPr>
+              <a:t>The advantage of Kafka's model is </a:t>
+            </a:r>
+            <a:r>
+              <a:rPr lang="en-US" sz="1200" b="1" i="0" kern="1200" dirty="0">
+                <a:solidFill>
+                  <a:schemeClr val="tx1"/>
+                </a:solidFill>
+                <a:effectLst/>
+                <a:latin typeface="+mn-lt"/>
+                <a:ea typeface="+mn-ea"/>
+                <a:cs typeface="+mn-cs"/>
+              </a:rPr>
+              <a:t>that every topic has both these properties</a:t>
+            </a:r>
+            <a:r>
+              <a:rPr lang="en-US" sz="1200" b="0" i="0" kern="1200" dirty="0">
+                <a:solidFill>
+                  <a:schemeClr val="tx1"/>
+                </a:solidFill>
+                <a:effectLst/>
+                <a:latin typeface="+mn-lt"/>
+                <a:ea typeface="+mn-ea"/>
+                <a:cs typeface="+mn-cs"/>
+              </a:rPr>
+              <a:t>—it can scale processing and is also multi-subscriber—there is</a:t>
+            </a:r>
+            <a:r>
+              <a:rPr lang="en-US" sz="1200" b="1" i="0" kern="1200" dirty="0">
+                <a:solidFill>
+                  <a:schemeClr val="tx1"/>
+                </a:solidFill>
+                <a:effectLst/>
+                <a:latin typeface="+mn-lt"/>
+                <a:ea typeface="+mn-ea"/>
+                <a:cs typeface="+mn-cs"/>
+              </a:rPr>
+              <a:t> no need to choose one or the other.</a:t>
+            </a:r>
+          </a:p>
+          <a:p>
+            <a:endParaRPr lang="en-US" sz="1200" b="0" i="0" kern="1200" dirty="0">
               <a:solidFill>
                 <a:schemeClr val="tx1"/>
               </a:solidFill>
@@ -2713,7 +1833,35 @@
             </a:endParaRPr>
           </a:p>
           <a:p>
-            <a:endParaRPr lang="ar-SY" sz="1200" b="0" i="0" kern="1200" dirty="0">
+            <a:r>
+              <a:rPr lang="en-US" sz="1200" b="0" i="0" kern="1200" dirty="0">
+                <a:solidFill>
+                  <a:schemeClr val="tx1"/>
+                </a:solidFill>
+                <a:effectLst/>
+                <a:latin typeface="+mn-lt"/>
+                <a:ea typeface="+mn-ea"/>
+                <a:cs typeface="+mn-cs"/>
+              </a:rPr>
+              <a:t>-------------------------------</a:t>
+            </a:r>
+          </a:p>
+          <a:p>
+            <a:r>
+              <a:rPr lang="en-US" sz="1200" b="0" i="0" kern="1200" dirty="0">
+                <a:solidFill>
+                  <a:schemeClr val="tx1"/>
+                </a:solidFill>
+                <a:effectLst/>
+                <a:latin typeface="+mn-lt"/>
+                <a:ea typeface="+mn-ea"/>
+                <a:cs typeface="+mn-cs"/>
+              </a:rPr>
+              <a:t>Kafka has stronger ordering guarantees than a traditional messaging system, too.</a:t>
+            </a:r>
+          </a:p>
+          <a:p>
+            <a:endParaRPr lang="en-US" sz="1200" b="0" i="0" kern="1200" dirty="0">
               <a:solidFill>
                 <a:schemeClr val="tx1"/>
               </a:solidFill>
@@ -2725,65 +1873,60 @@
           </a:p>
           <a:p>
             <a:r>
-              <a:rPr lang="en-US" sz="1200" b="0" i="0" kern="1200" dirty="0">
-                <a:solidFill>
-                  <a:schemeClr val="tx1"/>
-                </a:solidFill>
-                <a:effectLst/>
-                <a:latin typeface="+mn-lt"/>
-                <a:ea typeface="+mn-ea"/>
-                <a:cs typeface="+mn-cs"/>
-              </a:rPr>
-              <a:t>When the new broker is started, all the producers search it </a:t>
-            </a:r>
-            <a:r>
-              <a:rPr lang="en-US" sz="1200" b="1" i="0" kern="1200" dirty="0">
-                <a:solidFill>
-                  <a:schemeClr val="tx1"/>
-                </a:solidFill>
-                <a:effectLst/>
-                <a:latin typeface="+mn-lt"/>
-                <a:ea typeface="+mn-ea"/>
-                <a:cs typeface="+mn-cs"/>
-              </a:rPr>
-              <a:t>and automatically sends </a:t>
-            </a:r>
-            <a:r>
-              <a:rPr lang="en-US" sz="1200" b="0" i="0" kern="1200" dirty="0">
-                <a:solidFill>
-                  <a:schemeClr val="tx1"/>
-                </a:solidFill>
-                <a:effectLst/>
-                <a:latin typeface="+mn-lt"/>
-                <a:ea typeface="+mn-ea"/>
-                <a:cs typeface="+mn-cs"/>
-              </a:rPr>
-              <a:t>a message to that new broker. Kafka producer </a:t>
-            </a:r>
-            <a:r>
-              <a:rPr lang="en-US" sz="1200" b="1" i="0" kern="1200" dirty="0">
-                <a:solidFill>
-                  <a:schemeClr val="tx1"/>
-                </a:solidFill>
-                <a:effectLst/>
-                <a:latin typeface="+mn-lt"/>
-                <a:ea typeface="+mn-ea"/>
-                <a:cs typeface="+mn-cs"/>
-              </a:rPr>
-              <a:t>doesn’t wait for acknowledgements </a:t>
-            </a:r>
-            <a:r>
-              <a:rPr lang="en-US" sz="1200" b="0" i="0" kern="1200" dirty="0">
-                <a:solidFill>
-                  <a:schemeClr val="tx1"/>
-                </a:solidFill>
-                <a:effectLst/>
-                <a:latin typeface="+mn-lt"/>
-                <a:ea typeface="+mn-ea"/>
-                <a:cs typeface="+mn-cs"/>
-              </a:rPr>
-              <a:t>from the broker and sends messages as fast as the broker can handle.</a:t>
-            </a:r>
+              <a:rPr lang="en-US" dirty="0"/>
+              <a:t>A traditional queue retains records in-order on the server, and if multiple consumers consume from the queue then the server hands out records in the order they are stored. However, although the server hands out records in order, the records are </a:t>
+            </a:r>
+            <a:r>
+              <a:rPr lang="en-US" b="1" dirty="0"/>
+              <a:t>delivered asynchronously to consumers</a:t>
+            </a:r>
+            <a:r>
+              <a:rPr lang="en-US" dirty="0"/>
+              <a:t>, so they may arrive out of order on different consumers. This effectively means the ordering of the records is lost in the presence of parallel consumption. Messaging systems often work around this by having a notion of "</a:t>
+            </a:r>
+            <a:r>
+              <a:rPr lang="en-US" b="1" dirty="0"/>
+              <a:t>exclusive consumer</a:t>
+            </a:r>
+            <a:r>
+              <a:rPr lang="en-US" dirty="0"/>
+              <a:t>" that allows only one process to consume from a queue, but of course this means that there is no parallelism in processing.</a:t>
+            </a:r>
+          </a:p>
+          <a:p>
+            <a:endParaRPr lang="en-US" dirty="0"/>
+          </a:p>
+          <a:p>
+            <a:r>
+              <a:rPr lang="en-US" dirty="0"/>
+              <a:t>Kafka does it better. By having a notion of parallelism—the partition—within the </a:t>
+            </a:r>
+            <a:r>
+              <a:rPr lang="en-US" b="1" dirty="0"/>
+              <a:t>topics</a:t>
+            </a:r>
+            <a:r>
+              <a:rPr lang="en-US" dirty="0"/>
+              <a:t>, Kafka is able to provide </a:t>
+            </a:r>
+            <a:r>
+              <a:rPr lang="en-US" b="1" dirty="0"/>
+              <a:t>both ordering guarantees and load balancing over a pool of consumer processes</a:t>
+            </a:r>
+            <a:r>
+              <a:rPr lang="en-US" dirty="0"/>
+              <a:t>. </a:t>
+            </a:r>
+            <a:r>
+              <a:rPr lang="en-US" b="1" dirty="0"/>
+              <a:t>This is achieved by assigning the partitions in the topic to the consumers in the consumer group so that each partition is consumed by exactly one consumer in the group</a:t>
+            </a:r>
+            <a:r>
+              <a:rPr lang="en-US" dirty="0"/>
+              <a:t>. By doing this we ensure that the consumer is the only reader of that partition and consumes the data in order. Since there are many partitions this still balances the load over many consumer instances. Note however that there cannot be more consumer instances in a consumer group than partitions</a:t>
+            </a:r>
+          </a:p>
+          <a:p>
             <a:endParaRPr lang="en-US" dirty="0"/>
           </a:p>
         </p:txBody>
@@ -2805,7 +1948,7 @@
           <a:p>
             <a:fld id="{DF61EA0F-A667-4B49-8422-0062BC55E249}" type="slidenum">
               <a:rPr lang="en-US" smtClean="0"/>
-              <a:t>21</a:t>
+              <a:t>16</a:t>
             </a:fld>
             <a:endParaRPr lang="en-US"/>
           </a:p>
@@ -2814,7 +1957,7 @@
     </p:spTree>
     <p:extLst>
       <p:ext uri="{BB962C8B-B14F-4D97-AF65-F5344CB8AC3E}">
-        <p14:creationId xmlns:p14="http://schemas.microsoft.com/office/powerpoint/2010/main" val="285130782"/>
+        <p14:creationId xmlns:p14="http://schemas.microsoft.com/office/powerpoint/2010/main" val="1373569767"/>
       </p:ext>
     </p:extLst>
   </p:cSld>
@@ -2869,6 +2012,20 @@
           <a:lstStyle/>
           <a:p>
             <a:r>
+              <a:rPr lang="en-US" sz="1200" b="1" i="0" kern="1200" dirty="0">
+                <a:solidFill>
+                  <a:schemeClr val="tx1"/>
+                </a:solidFill>
+                <a:effectLst/>
+                <a:latin typeface="+mn-lt"/>
+                <a:ea typeface="+mn-ea"/>
+                <a:cs typeface="+mn-cs"/>
+              </a:rPr>
+              <a:t>Workflow of Pub-Sub Messaging</a:t>
+            </a:r>
+          </a:p>
+          <a:p>
+            <a:r>
               <a:rPr lang="en-US" sz="1200" b="0" i="0" kern="1200" dirty="0">
                 <a:solidFill>
                   <a:schemeClr val="tx1"/>
@@ -2878,8 +2035,195 @@
                 <a:ea typeface="+mn-ea"/>
                 <a:cs typeface="+mn-cs"/>
               </a:rPr>
-              <a:t>Each partition has one server which acts as the "leader" and zero or more servers which act as "followers“</a:t>
-            </a:r>
+              <a:t>Following is the step wise workflow of the Pub-Sub Messaging −</a:t>
+            </a:r>
+          </a:p>
+          <a:p>
+            <a:r>
+              <a:rPr lang="en-US" sz="1200" b="0" i="0" kern="1200" dirty="0">
+                <a:solidFill>
+                  <a:schemeClr val="tx1"/>
+                </a:solidFill>
+                <a:effectLst/>
+                <a:latin typeface="+mn-lt"/>
+                <a:ea typeface="+mn-ea"/>
+                <a:cs typeface="+mn-cs"/>
+              </a:rPr>
+              <a:t>Producers send message to a topic at regular intervals.</a:t>
+            </a:r>
+          </a:p>
+          <a:p>
+            <a:r>
+              <a:rPr lang="en-US" sz="1200" b="0" i="0" kern="1200" dirty="0">
+                <a:solidFill>
+                  <a:schemeClr val="tx1"/>
+                </a:solidFill>
+                <a:effectLst/>
+                <a:latin typeface="+mn-lt"/>
+                <a:ea typeface="+mn-ea"/>
+                <a:cs typeface="+mn-cs"/>
+              </a:rPr>
+              <a:t>Kafka broker stores all messages in the partitions configured for that particular topic. It ensures the messages are equally shared between partitions. If the producer sends two messages and there are two partitions, Kafka will store one message in the first partition and the second message in the second partition.</a:t>
+            </a:r>
+          </a:p>
+          <a:p>
+            <a:r>
+              <a:rPr lang="en-US" sz="1200" b="0" i="0" kern="1200" dirty="0">
+                <a:solidFill>
+                  <a:schemeClr val="tx1"/>
+                </a:solidFill>
+                <a:effectLst/>
+                <a:latin typeface="+mn-lt"/>
+                <a:ea typeface="+mn-ea"/>
+                <a:cs typeface="+mn-cs"/>
+              </a:rPr>
+              <a:t>Consumer subscribes to a specific topic.</a:t>
+            </a:r>
+          </a:p>
+          <a:p>
+            <a:r>
+              <a:rPr lang="en-US" sz="1200" b="0" i="0" kern="1200" dirty="0">
+                <a:solidFill>
+                  <a:schemeClr val="tx1"/>
+                </a:solidFill>
+                <a:effectLst/>
+                <a:latin typeface="+mn-lt"/>
+                <a:ea typeface="+mn-ea"/>
+                <a:cs typeface="+mn-cs"/>
+              </a:rPr>
+              <a:t>Once the consumer subscribes to a topic, Kafka will provide the current offset of the topic to the consumer and also saves the offset in the Zookeeper ensemble.</a:t>
+            </a:r>
+          </a:p>
+          <a:p>
+            <a:r>
+              <a:rPr lang="en-US" sz="1200" b="0" i="0" kern="1200" dirty="0">
+                <a:solidFill>
+                  <a:schemeClr val="tx1"/>
+                </a:solidFill>
+                <a:effectLst/>
+                <a:latin typeface="+mn-lt"/>
+                <a:ea typeface="+mn-ea"/>
+                <a:cs typeface="+mn-cs"/>
+              </a:rPr>
+              <a:t>Consumer will request the Kafka in a regular interval (like 100 </a:t>
+            </a:r>
+            <a:r>
+              <a:rPr lang="en-US" sz="1200" b="0" i="0" kern="1200" dirty="0" err="1">
+                <a:solidFill>
+                  <a:schemeClr val="tx1"/>
+                </a:solidFill>
+                <a:effectLst/>
+                <a:latin typeface="+mn-lt"/>
+                <a:ea typeface="+mn-ea"/>
+                <a:cs typeface="+mn-cs"/>
+              </a:rPr>
+              <a:t>Ms</a:t>
+            </a:r>
+            <a:r>
+              <a:rPr lang="en-US" sz="1200" b="0" i="0" kern="1200" dirty="0">
+                <a:solidFill>
+                  <a:schemeClr val="tx1"/>
+                </a:solidFill>
+                <a:effectLst/>
+                <a:latin typeface="+mn-lt"/>
+                <a:ea typeface="+mn-ea"/>
+                <a:cs typeface="+mn-cs"/>
+              </a:rPr>
+              <a:t>) for new messages.</a:t>
+            </a:r>
+          </a:p>
+          <a:p>
+            <a:r>
+              <a:rPr lang="en-US" sz="1200" b="0" i="0" kern="1200" dirty="0">
+                <a:solidFill>
+                  <a:schemeClr val="tx1"/>
+                </a:solidFill>
+                <a:effectLst/>
+                <a:latin typeface="+mn-lt"/>
+                <a:ea typeface="+mn-ea"/>
+                <a:cs typeface="+mn-cs"/>
+              </a:rPr>
+              <a:t>Once Kafka receives the messages from producers, it forwards these messages to the consumers.</a:t>
+            </a:r>
+          </a:p>
+          <a:p>
+            <a:r>
+              <a:rPr lang="en-US" sz="1200" b="0" i="0" kern="1200" dirty="0">
+                <a:solidFill>
+                  <a:schemeClr val="tx1"/>
+                </a:solidFill>
+                <a:effectLst/>
+                <a:latin typeface="+mn-lt"/>
+                <a:ea typeface="+mn-ea"/>
+                <a:cs typeface="+mn-cs"/>
+              </a:rPr>
+              <a:t>Consumer will receive the message and process it.</a:t>
+            </a:r>
+          </a:p>
+          <a:p>
+            <a:r>
+              <a:rPr lang="en-US" sz="1200" b="0" i="0" kern="1200" dirty="0">
+                <a:solidFill>
+                  <a:schemeClr val="tx1"/>
+                </a:solidFill>
+                <a:effectLst/>
+                <a:latin typeface="+mn-lt"/>
+                <a:ea typeface="+mn-ea"/>
+                <a:cs typeface="+mn-cs"/>
+              </a:rPr>
+              <a:t>Once the messages are processed, consumer will send an acknowledgement to the Kafka broker.</a:t>
+            </a:r>
+          </a:p>
+          <a:p>
+            <a:r>
+              <a:rPr lang="en-US" sz="1200" b="0" i="0" kern="1200" dirty="0">
+                <a:solidFill>
+                  <a:schemeClr val="tx1"/>
+                </a:solidFill>
+                <a:effectLst/>
+                <a:latin typeface="+mn-lt"/>
+                <a:ea typeface="+mn-ea"/>
+                <a:cs typeface="+mn-cs"/>
+              </a:rPr>
+              <a:t>Once Kafka receives an acknowledgement, it changes the offset to the new value and updates it in the Zookeeper. Since offsets are maintained in the Zookeeper, the consumer can read next message correctly even during server outrages.</a:t>
+            </a:r>
+          </a:p>
+          <a:p>
+            <a:r>
+              <a:rPr lang="en-US" sz="1200" b="0" i="0" kern="1200" dirty="0">
+                <a:solidFill>
+                  <a:schemeClr val="tx1"/>
+                </a:solidFill>
+                <a:effectLst/>
+                <a:latin typeface="+mn-lt"/>
+                <a:ea typeface="+mn-ea"/>
+                <a:cs typeface="+mn-cs"/>
+              </a:rPr>
+              <a:t>This above flow will repeat until the consumer stops the request.</a:t>
+            </a:r>
+          </a:p>
+          <a:p>
+            <a:r>
+              <a:rPr lang="en-US" sz="1200" b="0" i="0" kern="1200" dirty="0">
+                <a:solidFill>
+                  <a:schemeClr val="tx1"/>
+                </a:solidFill>
+                <a:effectLst/>
+                <a:latin typeface="+mn-lt"/>
+                <a:ea typeface="+mn-ea"/>
+                <a:cs typeface="+mn-cs"/>
+              </a:rPr>
+              <a:t>Consumer has the option to rewind/skip to the desired offset of a topic at any time and read all the subsequent messages.</a:t>
+            </a:r>
+            <a:endParaRPr lang="ar-SY" sz="1200" b="0" i="0" kern="1200" dirty="0">
+              <a:solidFill>
+                <a:schemeClr val="tx1"/>
+              </a:solidFill>
+              <a:effectLst/>
+              <a:latin typeface="+mn-lt"/>
+              <a:ea typeface="+mn-ea"/>
+              <a:cs typeface="+mn-cs"/>
+            </a:endParaRPr>
           </a:p>
           <a:p>
             <a:endParaRPr lang="en-US" sz="1200" b="0" i="0" kern="1200" dirty="0">
@@ -2894,6 +2238,20 @@
           </a:p>
           <a:p>
             <a:r>
+              <a:rPr lang="en-US" sz="1200" b="1" i="0" kern="1200" dirty="0">
+                <a:solidFill>
+                  <a:schemeClr val="tx1"/>
+                </a:solidFill>
+                <a:effectLst/>
+                <a:latin typeface="+mn-lt"/>
+                <a:ea typeface="+mn-ea"/>
+                <a:cs typeface="+mn-cs"/>
+              </a:rPr>
+              <a:t>Workflow of Queue Messaging / Consumer Group</a:t>
+            </a:r>
+          </a:p>
+          <a:p>
+            <a:r>
               <a:rPr lang="en-US" sz="1200" b="0" i="0" kern="1200" dirty="0">
                 <a:solidFill>
                   <a:schemeClr val="tx1"/>
@@ -2903,19 +2261,8 @@
                 <a:ea typeface="+mn-ea"/>
                 <a:cs typeface="+mn-cs"/>
               </a:rPr>
-              <a:t>Each server acts as a leader for some of its partitions and a follower for others so load is well balanced within the cluster.</a:t>
-            </a:r>
-          </a:p>
-          <a:p>
-            <a:endParaRPr lang="en-US" sz="1200" b="0" i="0" kern="1200" dirty="0">
-              <a:solidFill>
-                <a:schemeClr val="tx1"/>
-              </a:solidFill>
-              <a:effectLst/>
-              <a:latin typeface="+mn-lt"/>
-              <a:ea typeface="+mn-ea"/>
-              <a:cs typeface="+mn-cs"/>
-            </a:endParaRPr>
+              <a:t>In a queue messaging system instead of a single consumer, a group of consumers having the same Group ID will subscribe to a topic. In simple terms, consumers subscribing to a topic with same Group ID are considered as a single group and the messages are shared among them. Let us check the actual workflow of this system.</a:t>
+            </a:r>
           </a:p>
           <a:p>
             <a:r>
@@ -2928,19 +2275,119 @@
                 <a:ea typeface="+mn-ea"/>
                 <a:cs typeface="+mn-cs"/>
               </a:rPr>
-              <a:t>Each broker on a cluster.</a:t>
-            </a:r>
-          </a:p>
-          <a:p>
-            <a:endParaRPr lang="en-US" sz="1200" b="0" i="0" kern="1200" dirty="0">
-              <a:solidFill>
-                <a:schemeClr val="tx1"/>
-              </a:solidFill>
-              <a:effectLst/>
-              <a:latin typeface="+mn-lt"/>
-              <a:ea typeface="+mn-ea"/>
-              <a:cs typeface="+mn-cs"/>
-            </a:endParaRPr>
+              <a:t>Producers send message to a topic in a regular interval.</a:t>
+            </a:r>
+          </a:p>
+          <a:p>
+            <a:r>
+              <a:rPr lang="en-US" sz="1200" b="0" i="0" kern="1200" dirty="0">
+                <a:solidFill>
+                  <a:schemeClr val="tx1"/>
+                </a:solidFill>
+                <a:effectLst/>
+                <a:latin typeface="+mn-lt"/>
+                <a:ea typeface="+mn-ea"/>
+                <a:cs typeface="+mn-cs"/>
+              </a:rPr>
+              <a:t>Kafka stores all messages in the partitions configured for that particular topic similar to the earlier scenario.</a:t>
+            </a:r>
+          </a:p>
+          <a:p>
+            <a:r>
+              <a:rPr lang="en-US" sz="1200" b="0" i="0" kern="1200" dirty="0">
+                <a:solidFill>
+                  <a:schemeClr val="tx1"/>
+                </a:solidFill>
+                <a:effectLst/>
+                <a:latin typeface="+mn-lt"/>
+                <a:ea typeface="+mn-ea"/>
+                <a:cs typeface="+mn-cs"/>
+              </a:rPr>
+              <a:t>A single consumer subscribes to a specific topic, assume Topic-01 with Group ID as Group-1.</a:t>
+            </a:r>
+          </a:p>
+          <a:p>
+            <a:r>
+              <a:rPr lang="en-US" sz="1200" b="0" i="0" kern="1200" dirty="0">
+                <a:solidFill>
+                  <a:schemeClr val="tx1"/>
+                </a:solidFill>
+                <a:effectLst/>
+                <a:latin typeface="+mn-lt"/>
+                <a:ea typeface="+mn-ea"/>
+                <a:cs typeface="+mn-cs"/>
+              </a:rPr>
+              <a:t>Kafka interacts with the consumer in the same way as Pub-Sub Messaging until new consumer subscribes the same topic, Topic-01 with the same Group ID as Group-1.</a:t>
+            </a:r>
+          </a:p>
+          <a:p>
+            <a:r>
+              <a:rPr lang="en-US" sz="1200" b="0" i="0" kern="1200" dirty="0">
+                <a:solidFill>
+                  <a:schemeClr val="tx1"/>
+                </a:solidFill>
+                <a:effectLst/>
+                <a:latin typeface="+mn-lt"/>
+                <a:ea typeface="+mn-ea"/>
+                <a:cs typeface="+mn-cs"/>
+              </a:rPr>
+              <a:t>Once the new consumer arrives, Kafka switches its operation to share mode and shares the data between the two consumers. This sharing will go on until the number of con-</a:t>
+            </a:r>
+            <a:r>
+              <a:rPr lang="en-US" sz="1200" b="0" i="0" kern="1200" dirty="0" err="1">
+                <a:solidFill>
+                  <a:schemeClr val="tx1"/>
+                </a:solidFill>
+                <a:effectLst/>
+                <a:latin typeface="+mn-lt"/>
+                <a:ea typeface="+mn-ea"/>
+                <a:cs typeface="+mn-cs"/>
+              </a:rPr>
+              <a:t>sumers</a:t>
+            </a:r>
+            <a:r>
+              <a:rPr lang="en-US" sz="1200" b="0" i="0" kern="1200" dirty="0">
+                <a:solidFill>
+                  <a:schemeClr val="tx1"/>
+                </a:solidFill>
+                <a:effectLst/>
+                <a:latin typeface="+mn-lt"/>
+                <a:ea typeface="+mn-ea"/>
+                <a:cs typeface="+mn-cs"/>
+              </a:rPr>
+              <a:t> reach the number of partition configured for that particular topic.</a:t>
+            </a:r>
+          </a:p>
+          <a:p>
+            <a:r>
+              <a:rPr lang="en-US" sz="1200" b="0" i="0" kern="1200" dirty="0">
+                <a:solidFill>
+                  <a:schemeClr val="tx1"/>
+                </a:solidFill>
+                <a:effectLst/>
+                <a:latin typeface="+mn-lt"/>
+                <a:ea typeface="+mn-ea"/>
+                <a:cs typeface="+mn-cs"/>
+              </a:rPr>
+              <a:t>Once the number of consumer exceeds the number of partitions, the new consumer will not receive any further message until any one of the existing consumer unsubscribes. This scenario arises because each consumer in Kafka will be assigned a minimum of one partition and once all the partitions are assigned to the existing consumers, the new consumers will have to wait.</a:t>
+            </a:r>
+          </a:p>
+          <a:p>
+            <a:r>
+              <a:rPr lang="en-US" sz="1200" b="0" i="0" kern="1200" dirty="0">
+                <a:solidFill>
+                  <a:schemeClr val="tx1"/>
+                </a:solidFill>
+                <a:effectLst/>
+                <a:latin typeface="+mn-lt"/>
+                <a:ea typeface="+mn-ea"/>
+                <a:cs typeface="+mn-cs"/>
+              </a:rPr>
+              <a:t>This feature is also called as Consumer Group. In the same way, Kafka will provide the best of both the systems in a very simple and efficient manner.</a:t>
+            </a:r>
+          </a:p>
+          <a:p>
+            <a:endParaRPr lang="en-US" dirty="0"/>
           </a:p>
         </p:txBody>
       </p:sp>
@@ -2961,7 +2408,7 @@
           <a:p>
             <a:fld id="{DF61EA0F-A667-4B49-8422-0062BC55E249}" type="slidenum">
               <a:rPr lang="en-US" smtClean="0"/>
-              <a:t>23</a:t>
+              <a:t>17</a:t>
             </a:fld>
             <a:endParaRPr lang="en-US"/>
           </a:p>
@@ -2970,7 +2417,7 @@
     </p:spTree>
     <p:extLst>
       <p:ext uri="{BB962C8B-B14F-4D97-AF65-F5344CB8AC3E}">
-        <p14:creationId xmlns:p14="http://schemas.microsoft.com/office/powerpoint/2010/main" val="333261113"/>
+        <p14:creationId xmlns:p14="http://schemas.microsoft.com/office/powerpoint/2010/main" val="940840523"/>
       </p:ext>
     </p:extLst>
   </p:cSld>
@@ -3045,7 +2492,7 @@
           <a:p>
             <a:fld id="{DF61EA0F-A667-4B49-8422-0062BC55E249}" type="slidenum">
               <a:rPr lang="en-US" smtClean="0"/>
-              <a:t>25</a:t>
+              <a:t>23</a:t>
             </a:fld>
             <a:endParaRPr lang="en-US"/>
           </a:p>
@@ -3054,465 +2501,7 @@
     </p:spTree>
     <p:extLst>
       <p:ext uri="{BB962C8B-B14F-4D97-AF65-F5344CB8AC3E}">
-        <p14:creationId xmlns:p14="http://schemas.microsoft.com/office/powerpoint/2010/main" val="461548374"/>
-      </p:ext>
-    </p:extLst>
-  </p:cSld>
-  <p:clrMapOvr>
-    <a:masterClrMapping/>
-  </p:clrMapOvr>
-</p:notes>
-</file>
-
-<file path=ppt/notesSlides/notesSlide9.xml><?xml version="1.0" encoding="utf-8"?>
-<p:notes xmlns:a="http://schemas.openxmlformats.org/drawingml/2006/main" xmlns:r="http://schemas.openxmlformats.org/officeDocument/2006/relationships" xmlns:p="http://schemas.openxmlformats.org/presentationml/2006/main">
-  <p:cSld>
-    <p:spTree>
-      <p:nvGrpSpPr>
-        <p:cNvPr id="1" name=""/>
-        <p:cNvGrpSpPr/>
-        <p:nvPr/>
-      </p:nvGrpSpPr>
-      <p:grpSpPr>
-        <a:xfrm>
-          <a:off x="0" y="0"/>
-          <a:ext cx="0" cy="0"/>
-          <a:chOff x="0" y="0"/>
-          <a:chExt cx="0" cy="0"/>
-        </a:xfrm>
-      </p:grpSpPr>
-      <p:sp>
-        <p:nvSpPr>
-          <p:cNvPr id="2" name="Slide Image Placeholder 1"/>
-          <p:cNvSpPr>
-            <a:spLocks noGrp="1" noRot="1" noChangeAspect="1"/>
-          </p:cNvSpPr>
-          <p:nvPr>
-            <p:ph type="sldImg"/>
-          </p:nvPr>
-        </p:nvSpPr>
-        <p:spPr/>
-      </p:sp>
-      <p:sp>
-        <p:nvSpPr>
-          <p:cNvPr id="3" name="Notes Placeholder 2"/>
-          <p:cNvSpPr>
-            <a:spLocks noGrp="1"/>
-          </p:cNvSpPr>
-          <p:nvPr>
-            <p:ph type="body" idx="1"/>
-          </p:nvPr>
-        </p:nvSpPr>
-        <p:spPr/>
-        <p:txBody>
-          <a:bodyPr/>
-          <a:lstStyle/>
-          <a:p>
-            <a:r>
-              <a:rPr lang="en-US" sz="1200" b="0" i="0" kern="1200" dirty="0">
-                <a:solidFill>
-                  <a:schemeClr val="tx1"/>
-                </a:solidFill>
-                <a:effectLst/>
-                <a:latin typeface="+mn-lt"/>
-                <a:ea typeface="+mn-ea"/>
-                <a:cs typeface="+mn-cs"/>
-              </a:rPr>
-              <a:t>How does Kafka's notion of streams compare to a traditional enterprise messaging system?</a:t>
-            </a:r>
-          </a:p>
-          <a:p>
-            <a:r>
-              <a:rPr lang="en-US" sz="1200" b="0" i="0" kern="1200" dirty="0">
-                <a:solidFill>
-                  <a:schemeClr val="tx1"/>
-                </a:solidFill>
-                <a:effectLst/>
-                <a:latin typeface="+mn-lt"/>
-                <a:ea typeface="+mn-ea"/>
-                <a:cs typeface="+mn-cs"/>
-              </a:rPr>
-              <a:t>Messaging traditionally has two models: </a:t>
-            </a:r>
-            <a:r>
-              <a:rPr lang="en-US" sz="1200" b="0" i="0" u="none" strike="noStrike" kern="1200" dirty="0">
-                <a:solidFill>
-                  <a:schemeClr val="tx1"/>
-                </a:solidFill>
-                <a:effectLst/>
-                <a:latin typeface="+mn-lt"/>
-                <a:ea typeface="+mn-ea"/>
-                <a:cs typeface="+mn-cs"/>
-                <a:hlinkClick r:id="rId3"/>
-              </a:rPr>
-              <a:t>queuing</a:t>
-            </a:r>
-            <a:r>
-              <a:rPr lang="en-US" sz="1200" b="0" i="0" kern="1200" dirty="0">
-                <a:solidFill>
-                  <a:schemeClr val="tx1"/>
-                </a:solidFill>
-                <a:effectLst/>
-                <a:latin typeface="+mn-lt"/>
-                <a:ea typeface="+mn-ea"/>
-                <a:cs typeface="+mn-cs"/>
-              </a:rPr>
-              <a:t> and </a:t>
-            </a:r>
-            <a:r>
-              <a:rPr lang="en-US" sz="1200" b="0" i="0" u="none" strike="noStrike" kern="1200" dirty="0">
-                <a:solidFill>
-                  <a:schemeClr val="tx1"/>
-                </a:solidFill>
-                <a:effectLst/>
-                <a:latin typeface="+mn-lt"/>
-                <a:ea typeface="+mn-ea"/>
-                <a:cs typeface="+mn-cs"/>
-                <a:hlinkClick r:id="rId4"/>
-              </a:rPr>
-              <a:t>publish-subscribe</a:t>
-            </a:r>
-            <a:r>
-              <a:rPr lang="en-US" sz="1200" b="0" i="0" kern="1200" dirty="0">
-                <a:solidFill>
-                  <a:schemeClr val="tx1"/>
-                </a:solidFill>
-                <a:effectLst/>
-                <a:latin typeface="+mn-lt"/>
-                <a:ea typeface="+mn-ea"/>
-                <a:cs typeface="+mn-cs"/>
-              </a:rPr>
-              <a:t>. </a:t>
-            </a:r>
-          </a:p>
-          <a:p>
-            <a:r>
-              <a:rPr lang="en-US" sz="1200" b="0" i="0" kern="1200" dirty="0">
-                <a:solidFill>
-                  <a:schemeClr val="tx1"/>
-                </a:solidFill>
-                <a:effectLst/>
-                <a:latin typeface="+mn-lt"/>
-                <a:ea typeface="+mn-ea"/>
-                <a:cs typeface="+mn-cs"/>
-              </a:rPr>
-              <a:t>In a queue, a pool of consumers may read from a server and each record goes to one of them; in publish-subscribe the record is broadcast to all consumers.</a:t>
-            </a:r>
-          </a:p>
-          <a:p>
-            <a:endParaRPr lang="en-US" sz="1200" b="0" i="0" kern="1200" dirty="0">
-              <a:solidFill>
-                <a:schemeClr val="tx1"/>
-              </a:solidFill>
-              <a:effectLst/>
-              <a:latin typeface="+mn-lt"/>
-              <a:ea typeface="+mn-ea"/>
-              <a:cs typeface="+mn-cs"/>
-            </a:endParaRPr>
-          </a:p>
-          <a:p>
-            <a:r>
-              <a:rPr lang="en-US" sz="1200" b="0" i="0" kern="1200" dirty="0">
-                <a:solidFill>
-                  <a:schemeClr val="tx1"/>
-                </a:solidFill>
-                <a:effectLst/>
-                <a:latin typeface="+mn-lt"/>
-                <a:ea typeface="+mn-ea"/>
-                <a:cs typeface="+mn-cs"/>
-              </a:rPr>
-              <a:t> Each of these two models has a strength and a weakness. The strength of queuing is that it allows you to divide up the processing of data over multiple consumer instances</a:t>
-            </a:r>
-            <a:r>
-              <a:rPr lang="en-US" sz="1200" b="0" i="0" kern="1200" dirty="0">
-                <a:solidFill>
-                  <a:srgbClr val="FF0000"/>
-                </a:solidFill>
-                <a:effectLst/>
-                <a:latin typeface="+mn-lt"/>
-                <a:ea typeface="+mn-ea"/>
-                <a:cs typeface="+mn-cs"/>
-              </a:rPr>
-              <a:t>, </a:t>
-            </a:r>
-            <a:r>
-              <a:rPr lang="en-US" sz="1200" b="1" i="0" kern="1200" dirty="0">
-                <a:solidFill>
-                  <a:srgbClr val="C00000"/>
-                </a:solidFill>
-                <a:effectLst/>
-                <a:latin typeface="+mn-lt"/>
-                <a:ea typeface="+mn-ea"/>
-                <a:cs typeface="+mn-cs"/>
-              </a:rPr>
-              <a:t>which lets you scale your processing</a:t>
-            </a:r>
-            <a:r>
-              <a:rPr lang="en-US" sz="1200" b="0" i="0" kern="1200" dirty="0">
-                <a:solidFill>
-                  <a:schemeClr val="tx1"/>
-                </a:solidFill>
-                <a:effectLst/>
-                <a:latin typeface="+mn-lt"/>
-                <a:ea typeface="+mn-ea"/>
-                <a:cs typeface="+mn-cs"/>
-              </a:rPr>
-              <a:t>. Unfortunately, queues aren't multi-subscriber—</a:t>
-            </a:r>
-            <a:r>
-              <a:rPr lang="en-US" sz="1200" b="1" i="0" kern="1200" dirty="0">
-                <a:solidFill>
-                  <a:schemeClr val="tx1"/>
-                </a:solidFill>
-                <a:effectLst/>
-                <a:latin typeface="+mn-lt"/>
-                <a:ea typeface="+mn-ea"/>
-                <a:cs typeface="+mn-cs"/>
-              </a:rPr>
-              <a:t>once one process reads the data it's gone</a:t>
-            </a:r>
-            <a:r>
-              <a:rPr lang="en-US" sz="1200" b="0" i="0" kern="1200" dirty="0">
-                <a:solidFill>
-                  <a:schemeClr val="tx1"/>
-                </a:solidFill>
-                <a:effectLst/>
-                <a:latin typeface="+mn-lt"/>
-                <a:ea typeface="+mn-ea"/>
-                <a:cs typeface="+mn-cs"/>
-              </a:rPr>
-              <a:t>. </a:t>
-            </a:r>
-          </a:p>
-          <a:p>
-            <a:r>
-              <a:rPr lang="en-US" sz="1200" b="0" i="0" kern="1200" dirty="0">
-                <a:solidFill>
-                  <a:schemeClr val="tx1"/>
-                </a:solidFill>
-                <a:effectLst/>
-                <a:latin typeface="+mn-lt"/>
-                <a:ea typeface="+mn-ea"/>
-                <a:cs typeface="+mn-cs"/>
-              </a:rPr>
-              <a:t>Publish-subscribe allows you broadcast data to multiple processes, but has no way of scaling processing since every message goes to every subscriber.</a:t>
-            </a:r>
-          </a:p>
-          <a:p>
-            <a:endParaRPr lang="en-US" sz="1200" b="0" i="0" kern="1200" dirty="0">
-              <a:solidFill>
-                <a:schemeClr val="tx1"/>
-              </a:solidFill>
-              <a:effectLst/>
-              <a:latin typeface="+mn-lt"/>
-              <a:ea typeface="+mn-ea"/>
-              <a:cs typeface="+mn-cs"/>
-            </a:endParaRPr>
-          </a:p>
-          <a:p>
-            <a:endParaRPr lang="en-US" dirty="0"/>
-          </a:p>
-          <a:p>
-            <a:r>
-              <a:rPr lang="en-US" sz="1200" b="0" i="0" kern="1200" dirty="0">
-                <a:solidFill>
-                  <a:schemeClr val="tx1"/>
-                </a:solidFill>
-                <a:effectLst/>
-                <a:latin typeface="+mn-lt"/>
-                <a:ea typeface="+mn-ea"/>
-                <a:cs typeface="+mn-cs"/>
-              </a:rPr>
-              <a:t>The consumer group concept in Kafka generalizes these two concepts. As with a queue the consumer group allows you to divide up processing over a collection of processes (the members of the consumer group). As with publish-subscribe, Kafka allows you to broadcast messages to multiple consumer groups.</a:t>
-            </a:r>
-          </a:p>
-          <a:p>
-            <a:r>
-              <a:rPr lang="en-US" sz="1200" b="0" i="0" kern="1200" dirty="0">
-                <a:solidFill>
-                  <a:schemeClr val="tx1"/>
-                </a:solidFill>
-                <a:effectLst/>
-                <a:latin typeface="+mn-lt"/>
-                <a:ea typeface="+mn-ea"/>
-                <a:cs typeface="+mn-cs"/>
-              </a:rPr>
-              <a:t>The advantage of Kafka's model is </a:t>
-            </a:r>
-            <a:r>
-              <a:rPr lang="en-US" sz="1200" b="1" i="0" kern="1200" dirty="0">
-                <a:solidFill>
-                  <a:schemeClr val="tx1"/>
-                </a:solidFill>
-                <a:effectLst/>
-                <a:latin typeface="+mn-lt"/>
-                <a:ea typeface="+mn-ea"/>
-                <a:cs typeface="+mn-cs"/>
-              </a:rPr>
-              <a:t>that every topic has both these properties</a:t>
-            </a:r>
-            <a:r>
-              <a:rPr lang="en-US" sz="1200" b="0" i="0" kern="1200" dirty="0">
-                <a:solidFill>
-                  <a:schemeClr val="tx1"/>
-                </a:solidFill>
-                <a:effectLst/>
-                <a:latin typeface="+mn-lt"/>
-                <a:ea typeface="+mn-ea"/>
-                <a:cs typeface="+mn-cs"/>
-              </a:rPr>
-              <a:t>—it can scale processing and is also multi-subscriber—there is</a:t>
-            </a:r>
-            <a:r>
-              <a:rPr lang="en-US" sz="1200" b="1" i="0" kern="1200" dirty="0">
-                <a:solidFill>
-                  <a:schemeClr val="tx1"/>
-                </a:solidFill>
-                <a:effectLst/>
-                <a:latin typeface="+mn-lt"/>
-                <a:ea typeface="+mn-ea"/>
-                <a:cs typeface="+mn-cs"/>
-              </a:rPr>
-              <a:t> no need to choose one or the other.</a:t>
-            </a:r>
-          </a:p>
-          <a:p>
-            <a:endParaRPr lang="en-US" sz="1200" b="0" i="0" kern="1200" dirty="0">
-              <a:solidFill>
-                <a:schemeClr val="tx1"/>
-              </a:solidFill>
-              <a:effectLst/>
-              <a:latin typeface="+mn-lt"/>
-              <a:ea typeface="+mn-ea"/>
-              <a:cs typeface="+mn-cs"/>
-            </a:endParaRPr>
-          </a:p>
-          <a:p>
-            <a:r>
-              <a:rPr lang="en-US" sz="1200" b="0" i="0" kern="1200" dirty="0">
-                <a:solidFill>
-                  <a:schemeClr val="tx1"/>
-                </a:solidFill>
-                <a:effectLst/>
-                <a:latin typeface="+mn-lt"/>
-                <a:ea typeface="+mn-ea"/>
-                <a:cs typeface="+mn-cs"/>
-              </a:rPr>
-              <a:t>-------------------------------</a:t>
-            </a:r>
-          </a:p>
-          <a:p>
-            <a:r>
-              <a:rPr lang="en-US" sz="1200" b="0" i="0" kern="1200" dirty="0">
-                <a:solidFill>
-                  <a:schemeClr val="tx1"/>
-                </a:solidFill>
-                <a:effectLst/>
-                <a:latin typeface="+mn-lt"/>
-                <a:ea typeface="+mn-ea"/>
-                <a:cs typeface="+mn-cs"/>
-              </a:rPr>
-              <a:t>Kafka has stronger ordering guarantees than a traditional messaging system, too.</a:t>
-            </a:r>
-          </a:p>
-          <a:p>
-            <a:endParaRPr lang="en-US" sz="1200" b="0" i="0" kern="1200" dirty="0">
-              <a:solidFill>
-                <a:schemeClr val="tx1"/>
-              </a:solidFill>
-              <a:effectLst/>
-              <a:latin typeface="+mn-lt"/>
-              <a:ea typeface="+mn-ea"/>
-              <a:cs typeface="+mn-cs"/>
-            </a:endParaRPr>
-          </a:p>
-          <a:p>
-            <a:r>
-              <a:rPr lang="en-US" dirty="0"/>
-              <a:t>A traditional queue retains records in-order on the server, and if multiple consumers consume from the queue then the server hands out records in the order they are stored. However, although the server hands out records in order, the records are </a:t>
-            </a:r>
-            <a:r>
-              <a:rPr lang="en-US" b="1" dirty="0"/>
-              <a:t>delivered asynchronously to consumers</a:t>
-            </a:r>
-            <a:r>
-              <a:rPr lang="en-US" dirty="0"/>
-              <a:t>, so they may arrive out of order on different consumers. This effectively means the ordering of the records is lost in the presence of parallel consumption. Messaging systems often work around this by having a notion of "</a:t>
-            </a:r>
-            <a:r>
-              <a:rPr lang="en-US" b="1" dirty="0"/>
-              <a:t>exclusive consumer</a:t>
-            </a:r>
-            <a:r>
-              <a:rPr lang="en-US" dirty="0"/>
-              <a:t>" that allows only one process to consume from a queue, but of course this means that there is no parallelism in processing.</a:t>
-            </a:r>
-          </a:p>
-          <a:p>
-            <a:endParaRPr lang="en-US" dirty="0"/>
-          </a:p>
-          <a:p>
-            <a:r>
-              <a:rPr lang="en-US" dirty="0"/>
-              <a:t>Kafka does it better. By having a notion of parallelism—the partition—within the </a:t>
-            </a:r>
-            <a:r>
-              <a:rPr lang="en-US" b="1" dirty="0"/>
-              <a:t>topics</a:t>
-            </a:r>
-            <a:r>
-              <a:rPr lang="en-US" dirty="0"/>
-              <a:t>, Kafka is able to provide </a:t>
-            </a:r>
-            <a:r>
-              <a:rPr lang="en-US" b="1" dirty="0"/>
-              <a:t>both ordering guarantees and load balancing over a pool of consumer processes</a:t>
-            </a:r>
-            <a:r>
-              <a:rPr lang="en-US" dirty="0"/>
-              <a:t>. </a:t>
-            </a:r>
-            <a:r>
-              <a:rPr lang="en-US" b="1" dirty="0"/>
-              <a:t>This is achieved by assigning the partitions in the topic to the consumers in the consumer group so that each partition is consumed by exactly one consumer in the group</a:t>
-            </a:r>
-            <a:r>
-              <a:rPr lang="en-US" dirty="0"/>
-              <a:t>. By doing this we ensure that the consumer is the only reader of that partition and consumes the data in order. Since there are many partitions this still balances the load over many consumer instances. Note however that there cannot be more consumer instances in a consumer group than partitions</a:t>
-            </a:r>
-          </a:p>
-          <a:p>
-            <a:endParaRPr lang="en-US" dirty="0"/>
-          </a:p>
-        </p:txBody>
-      </p:sp>
-      <p:sp>
-        <p:nvSpPr>
-          <p:cNvPr id="4" name="Slide Number Placeholder 3"/>
-          <p:cNvSpPr>
-            <a:spLocks noGrp="1"/>
-          </p:cNvSpPr>
-          <p:nvPr>
-            <p:ph type="sldNum" sz="quarter" idx="10"/>
-          </p:nvPr>
-        </p:nvSpPr>
-        <p:spPr/>
-        <p:txBody>
-          <a:bodyPr/>
-          <a:lstStyle/>
-          <a:p>
-            <a:fld id="{DF61EA0F-A667-4B49-8422-0062BC55E249}" type="slidenum">
-              <a:rPr lang="en-US" smtClean="0"/>
-              <a:t>26</a:t>
-            </a:fld>
-            <a:endParaRPr lang="en-US"/>
-          </a:p>
-        </p:txBody>
-      </p:sp>
-    </p:spTree>
-    <p:extLst>
-      <p:ext uri="{BB962C8B-B14F-4D97-AF65-F5344CB8AC3E}">
-        <p14:creationId xmlns:p14="http://schemas.microsoft.com/office/powerpoint/2010/main" val="1373569767"/>
+        <p14:creationId xmlns:p14="http://schemas.microsoft.com/office/powerpoint/2010/main" val="1407087313"/>
       </p:ext>
     </p:extLst>
   </p:cSld>
@@ -3602,7 +2591,7 @@
           <a:p>
             <a:fld id="{8BEEBAAA-29B5-4AF5-BC5F-7E580C29002D}" type="datetimeFigureOut">
               <a:rPr lang="en-US" smtClean="0"/>
-              <a:t>5/22/2017</a:t>
+              <a:t>5/25/2017</a:t>
             </a:fld>
             <a:endParaRPr lang="en-US"/>
           </a:p>
@@ -4383,7 +3372,7 @@
           <a:p>
             <a:fld id="{8BEEBAAA-29B5-4AF5-BC5F-7E580C29002D}" type="datetimeFigureOut">
               <a:rPr lang="en-US" smtClean="0"/>
-              <a:t>5/22/2017</a:t>
+              <a:t>5/25/2017</a:t>
             </a:fld>
             <a:endParaRPr lang="en-US"/>
           </a:p>
@@ -4895,7 +3884,7 @@
           <a:p>
             <a:fld id="{8BEEBAAA-29B5-4AF5-BC5F-7E580C29002D}" type="datetimeFigureOut">
               <a:rPr lang="en-US" smtClean="0"/>
-              <a:t>5/22/2017</a:t>
+              <a:t>5/25/2017</a:t>
             </a:fld>
             <a:endParaRPr lang="en-US"/>
           </a:p>
@@ -5407,46 +4396,326 @@
           </a:p>
         </p:txBody>
       </p:sp>
-      <p:pic>
-        <p:nvPicPr>
-          <p:cNvPr id="3" name="Picture 2"/>
-          <p:cNvPicPr>
-            <a:picLocks noChangeAspect="1"/>
-          </p:cNvPicPr>
+      <p:sp>
+        <p:nvSpPr>
+          <p:cNvPr id="49" name="Shape 160"/>
+          <p:cNvSpPr txBox="1">
+            <a:spLocks/>
+          </p:cNvSpPr>
           <p:nvPr/>
-        </p:nvPicPr>
-        <p:blipFill>
-          <a:blip r:embed="rId2">
-            <a:extLst>
-              <a:ext uri="{28A0092B-C50C-407E-A947-70E740481C1C}">
-                <a14:useLocalDpi xmlns:a14="http://schemas.microsoft.com/office/drawing/2010/main" val="0"/>
-              </a:ext>
-            </a:extLst>
-          </a:blip>
-          <a:stretch>
-            <a:fillRect/>
-          </a:stretch>
-        </p:blipFill>
+        </p:nvSpPr>
         <p:spPr>
           <a:xfrm>
-            <a:off x="1315466" y="2237015"/>
-            <a:ext cx="9014159" cy="3398258"/>
+            <a:off x="521208" y="1592824"/>
+            <a:ext cx="11085773" cy="4262286"/>
           </a:xfrm>
           <a:prstGeom prst="rect">
             <a:avLst/>
           </a:prstGeom>
+        </p:spPr>
+        <p:txBody>
+          <a:bodyPr/>
+          <a:lstStyle>
+            <a:lvl1pPr marL="228600" indent="-228600" algn="l" defTabSz="914400" rtl="0" eaLnBrk="1" latinLnBrk="0" hangingPunct="1">
+              <a:lnSpc>
+                <a:spcPct val="90000"/>
+              </a:lnSpc>
+              <a:spcBef>
+                <a:spcPct val="30000"/>
+              </a:spcBef>
+              <a:buFont typeface="Arial" panose="020B0604020202020204" pitchFamily="34" charset="0"/>
+              <a:buChar char="•"/>
+              <a:defRPr sz="2800" kern="1200">
+                <a:solidFill>
+                  <a:schemeClr val="tx1"/>
+                </a:solidFill>
+                <a:latin typeface="+mn-lt"/>
+                <a:ea typeface="+mn-ea"/>
+                <a:cs typeface="+mn-cs"/>
+              </a:defRPr>
+            </a:lvl1pPr>
+            <a:lvl2pPr marL="685800" indent="-228600" algn="l" defTabSz="914400" rtl="0" eaLnBrk="1" latinLnBrk="0" hangingPunct="1">
+              <a:lnSpc>
+                <a:spcPct val="90000"/>
+              </a:lnSpc>
+              <a:spcBef>
+                <a:spcPct val="30000"/>
+              </a:spcBef>
+              <a:buFont typeface="Arial" panose="020B0604020202020204" pitchFamily="34" charset="0"/>
+              <a:buChar char="•"/>
+              <a:defRPr sz="2400" kern="1200">
+                <a:solidFill>
+                  <a:schemeClr val="tx1"/>
+                </a:solidFill>
+                <a:latin typeface="+mn-lt"/>
+                <a:ea typeface="+mn-ea"/>
+                <a:cs typeface="+mn-cs"/>
+              </a:defRPr>
+            </a:lvl2pPr>
+            <a:lvl3pPr marL="1143000" indent="-228600" algn="l" defTabSz="914400" rtl="0" eaLnBrk="1" latinLnBrk="0" hangingPunct="1">
+              <a:lnSpc>
+                <a:spcPct val="90000"/>
+              </a:lnSpc>
+              <a:spcBef>
+                <a:spcPct val="30000"/>
+              </a:spcBef>
+              <a:buFont typeface="Arial" panose="020B0604020202020204" pitchFamily="34" charset="0"/>
+              <a:buChar char="•"/>
+              <a:defRPr sz="2000" kern="1200">
+                <a:solidFill>
+                  <a:schemeClr val="tx1"/>
+                </a:solidFill>
+                <a:latin typeface="+mn-lt"/>
+                <a:ea typeface="+mn-ea"/>
+                <a:cs typeface="+mn-cs"/>
+              </a:defRPr>
+            </a:lvl3pPr>
+            <a:lvl4pPr marL="1600200" indent="-228600" algn="l" defTabSz="914400" rtl="0" eaLnBrk="1" latinLnBrk="0" hangingPunct="1">
+              <a:lnSpc>
+                <a:spcPct val="90000"/>
+              </a:lnSpc>
+              <a:spcBef>
+                <a:spcPct val="30000"/>
+              </a:spcBef>
+              <a:buFont typeface="Arial" panose="020B0604020202020204" pitchFamily="34" charset="0"/>
+              <a:buChar char="•"/>
+              <a:defRPr sz="1800" kern="1200">
+                <a:solidFill>
+                  <a:schemeClr val="tx1"/>
+                </a:solidFill>
+                <a:latin typeface="+mn-lt"/>
+                <a:ea typeface="+mn-ea"/>
+                <a:cs typeface="+mn-cs"/>
+              </a:defRPr>
+            </a:lvl4pPr>
+            <a:lvl5pPr marL="2057400" indent="-228600" algn="l" defTabSz="914400" rtl="0" eaLnBrk="1" latinLnBrk="0" hangingPunct="1">
+              <a:lnSpc>
+                <a:spcPct val="90000"/>
+              </a:lnSpc>
+              <a:spcBef>
+                <a:spcPct val="30000"/>
+              </a:spcBef>
+              <a:buFont typeface="Arial" panose="020B0604020202020204" pitchFamily="34" charset="0"/>
+              <a:buChar char="•"/>
+              <a:defRPr sz="1800" kern="1200">
+                <a:solidFill>
+                  <a:schemeClr val="tx1"/>
+                </a:solidFill>
+                <a:latin typeface="+mn-lt"/>
+                <a:ea typeface="+mn-ea"/>
+                <a:cs typeface="+mn-cs"/>
+              </a:defRPr>
+            </a:lvl5pPr>
+            <a:lvl6pPr marL="2514600" indent="-228600" algn="l" defTabSz="914400" rtl="0" eaLnBrk="1" latinLnBrk="0" hangingPunct="1">
+              <a:lnSpc>
+                <a:spcPct val="90000"/>
+              </a:lnSpc>
+              <a:spcBef>
+                <a:spcPct val="30000"/>
+              </a:spcBef>
+              <a:buFont typeface="Arial" panose="020B0604020202020204" pitchFamily="34" charset="0"/>
+              <a:buChar char="•"/>
+              <a:defRPr sz="1800" kern="1200">
+                <a:solidFill>
+                  <a:schemeClr val="tx1"/>
+                </a:solidFill>
+                <a:latin typeface="+mn-lt"/>
+                <a:ea typeface="+mn-ea"/>
+                <a:cs typeface="+mn-cs"/>
+              </a:defRPr>
+            </a:lvl6pPr>
+            <a:lvl7pPr marL="2971800" indent="-228600" algn="l" defTabSz="914400" rtl="0" eaLnBrk="1" latinLnBrk="0" hangingPunct="1">
+              <a:lnSpc>
+                <a:spcPct val="90000"/>
+              </a:lnSpc>
+              <a:spcBef>
+                <a:spcPct val="30000"/>
+              </a:spcBef>
+              <a:buFont typeface="Arial" panose="020B0604020202020204" pitchFamily="34" charset="0"/>
+              <a:buChar char="•"/>
+              <a:defRPr sz="1800" kern="1200">
+                <a:solidFill>
+                  <a:schemeClr val="tx1"/>
+                </a:solidFill>
+                <a:latin typeface="+mn-lt"/>
+                <a:ea typeface="+mn-ea"/>
+                <a:cs typeface="+mn-cs"/>
+              </a:defRPr>
+            </a:lvl7pPr>
+            <a:lvl8pPr marL="3429000" indent="-228600" algn="l" defTabSz="914400" rtl="0" eaLnBrk="1" latinLnBrk="0" hangingPunct="1">
+              <a:lnSpc>
+                <a:spcPct val="90000"/>
+              </a:lnSpc>
+              <a:spcBef>
+                <a:spcPct val="30000"/>
+              </a:spcBef>
+              <a:buFont typeface="Arial" panose="020B0604020202020204" pitchFamily="34" charset="0"/>
+              <a:buChar char="•"/>
+              <a:defRPr sz="1800" kern="1200">
+                <a:solidFill>
+                  <a:schemeClr val="tx1"/>
+                </a:solidFill>
+                <a:latin typeface="+mn-lt"/>
+                <a:ea typeface="+mn-ea"/>
+                <a:cs typeface="+mn-cs"/>
+              </a:defRPr>
+            </a:lvl8pPr>
+            <a:lvl9pPr marL="3886200" indent="-228600" algn="l" defTabSz="914400" rtl="0" eaLnBrk="1" latinLnBrk="0" hangingPunct="1">
+              <a:lnSpc>
+                <a:spcPct val="90000"/>
+              </a:lnSpc>
+              <a:spcBef>
+                <a:spcPct val="30000"/>
+              </a:spcBef>
+              <a:buFont typeface="Arial" panose="020B0604020202020204" pitchFamily="34" charset="0"/>
+              <a:buChar char="•"/>
+              <a:defRPr sz="1800" kern="1200">
+                <a:solidFill>
+                  <a:schemeClr val="tx1"/>
+                </a:solidFill>
+                <a:latin typeface="+mn-lt"/>
+                <a:ea typeface="+mn-ea"/>
+                <a:cs typeface="+mn-cs"/>
+              </a:defRPr>
+            </a:lvl9pPr>
+          </a:lstStyle>
+          <a:p>
+            <a:pPr marL="0" indent="0" defTabSz="578358">
+              <a:spcBef>
+                <a:spcPts val="2300"/>
+              </a:spcBef>
+              <a:buNone/>
+              <a:defRPr sz="3500"/>
+            </a:pPr>
+            <a:r>
+              <a:rPr lang="en-US" sz="2400" dirty="0">
+                <a:solidFill>
+                  <a:srgbClr val="D24726"/>
+                </a:solidFill>
+                <a:latin typeface="Segoe UI Semibold" panose="020B0702040204020203" pitchFamily="34" charset="0"/>
+                <a:cs typeface="Segoe UI Semibold" panose="020B0702040204020203" pitchFamily="34" charset="0"/>
+              </a:rPr>
+              <a:t>Offset</a:t>
+            </a:r>
+          </a:p>
+          <a:p>
+            <a:pPr marL="0" indent="0" defTabSz="578358">
+              <a:spcBef>
+                <a:spcPts val="2300"/>
+              </a:spcBef>
+              <a:buNone/>
+              <a:defRPr sz="3500"/>
+            </a:pPr>
+            <a:r>
+              <a:rPr lang="en-US" sz="2000" dirty="0"/>
+              <a:t>Sequence locally number of messages in each partition.</a:t>
+            </a:r>
+          </a:p>
+          <a:p>
+            <a:pPr marL="0" indent="0" defTabSz="578358">
+              <a:spcBef>
+                <a:spcPts val="2300"/>
+              </a:spcBef>
+              <a:buNone/>
+              <a:defRPr sz="3500"/>
+            </a:pPr>
+            <a:endParaRPr lang="en-US" sz="2000" dirty="0"/>
+          </a:p>
+          <a:p>
+            <a:pPr marL="0" indent="0" defTabSz="578358">
+              <a:spcBef>
+                <a:spcPts val="2300"/>
+              </a:spcBef>
+              <a:buNone/>
+              <a:defRPr sz="3500"/>
+            </a:pPr>
+            <a:r>
+              <a:rPr lang="en-US" sz="2000" dirty="0"/>
+              <a:t>Topic Name		Partition Number		Offset</a:t>
+            </a:r>
+          </a:p>
+          <a:p>
+            <a:pPr marL="0" indent="0" defTabSz="578358">
+              <a:spcBef>
+                <a:spcPts val="2300"/>
+              </a:spcBef>
+              <a:buNone/>
+              <a:defRPr sz="3500"/>
+            </a:pPr>
+            <a:endParaRPr lang="ar-SY" sz="2000" dirty="0"/>
+          </a:p>
+        </p:txBody>
+      </p:sp>
+      <p:cxnSp>
+        <p:nvCxnSpPr>
+          <p:cNvPr id="7" name="Straight Arrow Connector 6"/>
+          <p:cNvCxnSpPr/>
+          <p:nvPr/>
+        </p:nvCxnSpPr>
+        <p:spPr>
+          <a:xfrm>
+            <a:off x="2098454" y="3523984"/>
+            <a:ext cx="682388" cy="0"/>
+          </a:xfrm>
+          <a:prstGeom prst="straightConnector1">
+            <a:avLst/>
+          </a:prstGeom>
           <a:ln>
-            <a:noFill/>
+            <a:tailEnd type="triangle"/>
           </a:ln>
-          <a:effectLst>
-            <a:softEdge rad="112500"/>
-          </a:effectLst>
         </p:spPr>
-      </p:pic>
+        <p:style>
+          <a:lnRef idx="1">
+            <a:schemeClr val="accent2"/>
+          </a:lnRef>
+          <a:fillRef idx="0">
+            <a:schemeClr val="accent2"/>
+          </a:fillRef>
+          <a:effectRef idx="0">
+            <a:schemeClr val="accent2"/>
+          </a:effectRef>
+          <a:fontRef idx="minor">
+            <a:schemeClr val="tx1"/>
+          </a:fontRef>
+        </p:style>
+      </p:cxnSp>
+      <p:cxnSp>
+        <p:nvCxnSpPr>
+          <p:cNvPr id="8" name="Straight Arrow Connector 7"/>
+          <p:cNvCxnSpPr/>
+          <p:nvPr/>
+        </p:nvCxnSpPr>
+        <p:spPr>
+          <a:xfrm>
+            <a:off x="5021350" y="3523984"/>
+            <a:ext cx="682388" cy="0"/>
+          </a:xfrm>
+          <a:prstGeom prst="straightConnector1">
+            <a:avLst/>
+          </a:prstGeom>
+          <a:ln>
+            <a:tailEnd type="triangle"/>
+          </a:ln>
+        </p:spPr>
+        <p:style>
+          <a:lnRef idx="1">
+            <a:schemeClr val="accent2"/>
+          </a:lnRef>
+          <a:fillRef idx="0">
+            <a:schemeClr val="accent2"/>
+          </a:fillRef>
+          <a:effectRef idx="0">
+            <a:schemeClr val="accent2"/>
+          </a:effectRef>
+          <a:fontRef idx="minor">
+            <a:schemeClr val="tx1"/>
+          </a:fontRef>
+        </p:style>
+      </p:cxnSp>
     </p:spTree>
     <p:extLst>
       <p:ext uri="{BB962C8B-B14F-4D97-AF65-F5344CB8AC3E}">
-        <p14:creationId xmlns:p14="http://schemas.microsoft.com/office/powerpoint/2010/main" val="1160484042"/>
+        <p14:creationId xmlns:p14="http://schemas.microsoft.com/office/powerpoint/2010/main" val="2557428948"/>
       </p:ext>
     </p:extLst>
   </p:cSld>
@@ -5520,8 +4789,8 @@
         </p:nvSpPr>
         <p:spPr>
           <a:xfrm>
-            <a:off x="387858" y="2275233"/>
-            <a:ext cx="11988800" cy="6096000"/>
+            <a:off x="521208" y="1592824"/>
+            <a:ext cx="11085773" cy="4262286"/>
           </a:xfrm>
           <a:prstGeom prst="rect">
             <a:avLst/>
@@ -5694,7 +4963,7 @@
             </a:lvl9pPr>
           </a:lstStyle>
           <a:p>
-            <a:pPr marL="0" indent="0" algn="ctr" defTabSz="578358">
+            <a:pPr marL="0" indent="0" defTabSz="578358">
               <a:spcBef>
                 <a:spcPts val="2300"/>
               </a:spcBef>
@@ -5709,11 +4978,24 @@
                 <a:latin typeface="Segoe UI Semibold" panose="020B0702040204020203" pitchFamily="34" charset="0"/>
                 <a:cs typeface="Segoe UI Semibold" panose="020B0702040204020203" pitchFamily="34" charset="0"/>
               </a:rPr>
-              <a:t>Cluster</a:t>
-            </a:r>
-          </a:p>
-          <a:p>
-            <a:pPr marL="0" indent="0" algn="ctr" defTabSz="578358">
+              <a:t>Consumer Group</a:t>
+            </a:r>
+          </a:p>
+          <a:p>
+            <a:pPr marL="0" indent="0" defTabSz="578358">
+              <a:spcBef>
+                <a:spcPts val="2300"/>
+              </a:spcBef>
+              <a:buNone/>
+              <a:defRPr sz="3500"/>
+            </a:pPr>
+            <a:r>
+              <a:rPr lang="en-US" sz="2000" dirty="0"/>
+              <a:t>Group of consumers acting as a single unit.</a:t>
+            </a:r>
+          </a:p>
+          <a:p>
+            <a:pPr marL="0" indent="0" defTabSz="578358">
               <a:spcBef>
                 <a:spcPts val="2300"/>
               </a:spcBef>
@@ -5723,37 +5005,56 @@
             <a:endParaRPr lang="en-US" sz="2000" dirty="0"/>
           </a:p>
           <a:p>
-            <a:pPr marL="0" indent="0" algn="ctr" defTabSz="578358">
+            <a:pPr marL="0" indent="0" defTabSz="578358">
               <a:spcBef>
                 <a:spcPts val="2300"/>
               </a:spcBef>
               <a:buNone/>
               <a:defRPr sz="3500"/>
             </a:pPr>
-            <a:r>
-              <a:rPr lang="en-US" sz="2000" dirty="0"/>
-              <a:t>Group of computers sharing workload for a common purpose</a:t>
-            </a:r>
-          </a:p>
-          <a:p>
-            <a:pPr marL="0" indent="0" algn="ctr" defTabSz="578358">
-              <a:spcBef>
-                <a:spcPts val="2300"/>
-              </a:spcBef>
-              <a:buNone/>
-              <a:defRPr sz="3500"/>
-            </a:pPr>
-            <a:r>
-              <a:rPr lang="en-US" sz="2000" dirty="0"/>
-              <a:t>Each computer executes one instance of Kafka broker</a:t>
-            </a:r>
+            <a:endParaRPr lang="ar-SY" sz="2000" dirty="0"/>
           </a:p>
         </p:txBody>
       </p:sp>
+      <p:pic>
+        <p:nvPicPr>
+          <p:cNvPr id="9" name="Picture 8"/>
+          <p:cNvPicPr>
+            <a:picLocks noChangeAspect="1"/>
+          </p:cNvPicPr>
+          <p:nvPr/>
+        </p:nvPicPr>
+        <p:blipFill rotWithShape="1">
+          <a:blip r:embed="rId2">
+            <a:extLst>
+              <a:ext uri="{28A0092B-C50C-407E-A947-70E740481C1C}">
+                <a14:useLocalDpi xmlns:a14="http://schemas.microsoft.com/office/drawing/2010/main" val="0"/>
+              </a:ext>
+            </a:extLst>
+          </a:blip>
+          <a:srcRect l="26"/>
+          <a:stretch/>
+        </p:blipFill>
+        <p:spPr>
+          <a:xfrm>
+            <a:off x="2536723" y="2691383"/>
+            <a:ext cx="7374192" cy="3668415"/>
+          </a:xfrm>
+          <a:prstGeom prst="rect">
+            <a:avLst/>
+          </a:prstGeom>
+          <a:ln>
+            <a:noFill/>
+          </a:ln>
+          <a:effectLst>
+            <a:softEdge rad="112500"/>
+          </a:effectLst>
+        </p:spPr>
+      </p:pic>
     </p:spTree>
     <p:extLst>
       <p:ext uri="{BB962C8B-B14F-4D97-AF65-F5344CB8AC3E}">
-        <p14:creationId xmlns:p14="http://schemas.microsoft.com/office/powerpoint/2010/main" val="1433139625"/>
+        <p14:creationId xmlns:p14="http://schemas.microsoft.com/office/powerpoint/2010/main" val="10112"/>
       </p:ext>
     </p:extLst>
   </p:cSld>
@@ -5790,2527 +5091,6 @@
       </p:grpSpPr>
       <p:sp>
         <p:nvSpPr>
-          <p:cNvPr id="4" name="Title 3"/>
-          <p:cNvSpPr>
-            <a:spLocks noGrp="1"/>
-          </p:cNvSpPr>
-          <p:nvPr>
-            <p:ph type="title"/>
-          </p:nvPr>
-        </p:nvSpPr>
-        <p:spPr>
-          <a:xfrm>
-            <a:off x="521208" y="448056"/>
-            <a:ext cx="6117336" cy="640080"/>
-          </a:xfrm>
-        </p:spPr>
-        <p:txBody>
-          <a:bodyPr>
-            <a:normAutofit/>
-          </a:bodyPr>
-          <a:lstStyle/>
-          <a:p>
-            <a:r>
-              <a:rPr lang="en-US" dirty="0"/>
-              <a:t>Concepts used in Kafka</a:t>
-            </a:r>
-          </a:p>
-        </p:txBody>
-      </p:sp>
-      <p:pic>
-        <p:nvPicPr>
-          <p:cNvPr id="3" name="Picture 2"/>
-          <p:cNvPicPr>
-            <a:picLocks noChangeAspect="1"/>
-          </p:cNvPicPr>
-          <p:nvPr/>
-        </p:nvPicPr>
-        <p:blipFill>
-          <a:blip r:embed="rId2">
-            <a:extLst>
-              <a:ext uri="{28A0092B-C50C-407E-A947-70E740481C1C}">
-                <a14:useLocalDpi xmlns:a14="http://schemas.microsoft.com/office/drawing/2010/main" val="0"/>
-              </a:ext>
-            </a:extLst>
-          </a:blip>
-          <a:stretch>
-            <a:fillRect/>
-          </a:stretch>
-        </p:blipFill>
-        <p:spPr>
-          <a:xfrm>
-            <a:off x="1414404" y="2353286"/>
-            <a:ext cx="8404317" cy="3530679"/>
-          </a:xfrm>
-          <a:prstGeom prst="rect">
-            <a:avLst/>
-          </a:prstGeom>
-          <a:ln>
-            <a:noFill/>
-          </a:ln>
-          <a:effectLst>
-            <a:softEdge rad="112500"/>
-          </a:effectLst>
-        </p:spPr>
-      </p:pic>
-    </p:spTree>
-    <p:extLst>
-      <p:ext uri="{BB962C8B-B14F-4D97-AF65-F5344CB8AC3E}">
-        <p14:creationId xmlns:p14="http://schemas.microsoft.com/office/powerpoint/2010/main" val="3426665015"/>
-      </p:ext>
-    </p:extLst>
-  </p:cSld>
-  <p:clrMapOvr>
-    <a:masterClrMapping/>
-  </p:clrMapOvr>
-  <mc:AlternateContent xmlns:mc="http://schemas.openxmlformats.org/markup-compatibility/2006" xmlns:p14="http://schemas.microsoft.com/office/powerpoint/2010/main">
-    <mc:Choice Requires="p14">
-      <p:transition p14:dur="10"/>
-    </mc:Choice>
-    <mc:Fallback xmlns="">
-      <p:transition/>
-    </mc:Fallback>
-  </mc:AlternateContent>
-</p:sld>
-</file>
-
-<file path=ppt/slides/slide13.xml><?xml version="1.0" encoding="utf-8"?>
-<p:sld xmlns:a="http://schemas.openxmlformats.org/drawingml/2006/main" xmlns:r="http://schemas.openxmlformats.org/officeDocument/2006/relationships" xmlns:p="http://schemas.openxmlformats.org/presentationml/2006/main">
-  <p:cSld>
-    <p:spTree>
-      <p:nvGrpSpPr>
-        <p:cNvPr id="1" name=""/>
-        <p:cNvGrpSpPr/>
-        <p:nvPr/>
-      </p:nvGrpSpPr>
-      <p:grpSpPr>
-        <a:xfrm>
-          <a:off x="0" y="0"/>
-          <a:ext cx="0" cy="0"/>
-          <a:chOff x="0" y="0"/>
-          <a:chExt cx="0" cy="0"/>
-        </a:xfrm>
-      </p:grpSpPr>
-      <p:sp>
-        <p:nvSpPr>
-          <p:cNvPr id="4" name="Title 3"/>
-          <p:cNvSpPr>
-            <a:spLocks noGrp="1"/>
-          </p:cNvSpPr>
-          <p:nvPr>
-            <p:ph type="title"/>
-          </p:nvPr>
-        </p:nvSpPr>
-        <p:spPr>
-          <a:xfrm>
-            <a:off x="521208" y="448056"/>
-            <a:ext cx="6117336" cy="640080"/>
-          </a:xfrm>
-        </p:spPr>
-        <p:txBody>
-          <a:bodyPr>
-            <a:normAutofit/>
-          </a:bodyPr>
-          <a:lstStyle/>
-          <a:p>
-            <a:r>
-              <a:rPr lang="en-US" dirty="0"/>
-              <a:t>Concepts used in Kafka</a:t>
-            </a:r>
-          </a:p>
-        </p:txBody>
-      </p:sp>
-      <p:sp>
-        <p:nvSpPr>
-          <p:cNvPr id="49" name="Shape 160"/>
-          <p:cNvSpPr txBox="1">
-            <a:spLocks/>
-          </p:cNvSpPr>
-          <p:nvPr/>
-        </p:nvSpPr>
-        <p:spPr>
-          <a:xfrm>
-            <a:off x="387858" y="2275233"/>
-            <a:ext cx="11988800" cy="6096000"/>
-          </a:xfrm>
-          <a:prstGeom prst="rect">
-            <a:avLst/>
-          </a:prstGeom>
-        </p:spPr>
-        <p:txBody>
-          <a:bodyPr/>
-          <a:lstStyle>
-            <a:lvl1pPr marL="228600" indent="-228600" algn="l" defTabSz="914400" rtl="0" eaLnBrk="1" latinLnBrk="0" hangingPunct="1">
-              <a:lnSpc>
-                <a:spcPct val="90000"/>
-              </a:lnSpc>
-              <a:spcBef>
-                <a:spcPct val="30000"/>
-              </a:spcBef>
-              <a:buFont typeface="Arial" panose="020B0604020202020204" pitchFamily="34" charset="0"/>
-              <a:buChar char="•"/>
-              <a:defRPr sz="2800" kern="1200">
-                <a:solidFill>
-                  <a:schemeClr val="tx1"/>
-                </a:solidFill>
-                <a:latin typeface="+mn-lt"/>
-                <a:ea typeface="+mn-ea"/>
-                <a:cs typeface="+mn-cs"/>
-              </a:defRPr>
-            </a:lvl1pPr>
-            <a:lvl2pPr marL="685800" indent="-228600" algn="l" defTabSz="914400" rtl="0" eaLnBrk="1" latinLnBrk="0" hangingPunct="1">
-              <a:lnSpc>
-                <a:spcPct val="90000"/>
-              </a:lnSpc>
-              <a:spcBef>
-                <a:spcPct val="30000"/>
-              </a:spcBef>
-              <a:buFont typeface="Arial" panose="020B0604020202020204" pitchFamily="34" charset="0"/>
-              <a:buChar char="•"/>
-              <a:defRPr sz="2400" kern="1200">
-                <a:solidFill>
-                  <a:schemeClr val="tx1"/>
-                </a:solidFill>
-                <a:latin typeface="+mn-lt"/>
-                <a:ea typeface="+mn-ea"/>
-                <a:cs typeface="+mn-cs"/>
-              </a:defRPr>
-            </a:lvl2pPr>
-            <a:lvl3pPr marL="1143000" indent="-228600" algn="l" defTabSz="914400" rtl="0" eaLnBrk="1" latinLnBrk="0" hangingPunct="1">
-              <a:lnSpc>
-                <a:spcPct val="90000"/>
-              </a:lnSpc>
-              <a:spcBef>
-                <a:spcPct val="30000"/>
-              </a:spcBef>
-              <a:buFont typeface="Arial" panose="020B0604020202020204" pitchFamily="34" charset="0"/>
-              <a:buChar char="•"/>
-              <a:defRPr sz="2000" kern="1200">
-                <a:solidFill>
-                  <a:schemeClr val="tx1"/>
-                </a:solidFill>
-                <a:latin typeface="+mn-lt"/>
-                <a:ea typeface="+mn-ea"/>
-                <a:cs typeface="+mn-cs"/>
-              </a:defRPr>
-            </a:lvl3pPr>
-            <a:lvl4pPr marL="1600200" indent="-228600" algn="l" defTabSz="914400" rtl="0" eaLnBrk="1" latinLnBrk="0" hangingPunct="1">
-              <a:lnSpc>
-                <a:spcPct val="90000"/>
-              </a:lnSpc>
-              <a:spcBef>
-                <a:spcPct val="30000"/>
-              </a:spcBef>
-              <a:buFont typeface="Arial" panose="020B0604020202020204" pitchFamily="34" charset="0"/>
-              <a:buChar char="•"/>
-              <a:defRPr sz="1800" kern="1200">
-                <a:solidFill>
-                  <a:schemeClr val="tx1"/>
-                </a:solidFill>
-                <a:latin typeface="+mn-lt"/>
-                <a:ea typeface="+mn-ea"/>
-                <a:cs typeface="+mn-cs"/>
-              </a:defRPr>
-            </a:lvl4pPr>
-            <a:lvl5pPr marL="2057400" indent="-228600" algn="l" defTabSz="914400" rtl="0" eaLnBrk="1" latinLnBrk="0" hangingPunct="1">
-              <a:lnSpc>
-                <a:spcPct val="90000"/>
-              </a:lnSpc>
-              <a:spcBef>
-                <a:spcPct val="30000"/>
-              </a:spcBef>
-              <a:buFont typeface="Arial" panose="020B0604020202020204" pitchFamily="34" charset="0"/>
-              <a:buChar char="•"/>
-              <a:defRPr sz="1800" kern="1200">
-                <a:solidFill>
-                  <a:schemeClr val="tx1"/>
-                </a:solidFill>
-                <a:latin typeface="+mn-lt"/>
-                <a:ea typeface="+mn-ea"/>
-                <a:cs typeface="+mn-cs"/>
-              </a:defRPr>
-            </a:lvl5pPr>
-            <a:lvl6pPr marL="2514600" indent="-228600" algn="l" defTabSz="914400" rtl="0" eaLnBrk="1" latinLnBrk="0" hangingPunct="1">
-              <a:lnSpc>
-                <a:spcPct val="90000"/>
-              </a:lnSpc>
-              <a:spcBef>
-                <a:spcPct val="30000"/>
-              </a:spcBef>
-              <a:buFont typeface="Arial" panose="020B0604020202020204" pitchFamily="34" charset="0"/>
-              <a:buChar char="•"/>
-              <a:defRPr sz="1800" kern="1200">
-                <a:solidFill>
-                  <a:schemeClr val="tx1"/>
-                </a:solidFill>
-                <a:latin typeface="+mn-lt"/>
-                <a:ea typeface="+mn-ea"/>
-                <a:cs typeface="+mn-cs"/>
-              </a:defRPr>
-            </a:lvl6pPr>
-            <a:lvl7pPr marL="2971800" indent="-228600" algn="l" defTabSz="914400" rtl="0" eaLnBrk="1" latinLnBrk="0" hangingPunct="1">
-              <a:lnSpc>
-                <a:spcPct val="90000"/>
-              </a:lnSpc>
-              <a:spcBef>
-                <a:spcPct val="30000"/>
-              </a:spcBef>
-              <a:buFont typeface="Arial" panose="020B0604020202020204" pitchFamily="34" charset="0"/>
-              <a:buChar char="•"/>
-              <a:defRPr sz="1800" kern="1200">
-                <a:solidFill>
-                  <a:schemeClr val="tx1"/>
-                </a:solidFill>
-                <a:latin typeface="+mn-lt"/>
-                <a:ea typeface="+mn-ea"/>
-                <a:cs typeface="+mn-cs"/>
-              </a:defRPr>
-            </a:lvl7pPr>
-            <a:lvl8pPr marL="3429000" indent="-228600" algn="l" defTabSz="914400" rtl="0" eaLnBrk="1" latinLnBrk="0" hangingPunct="1">
-              <a:lnSpc>
-                <a:spcPct val="90000"/>
-              </a:lnSpc>
-              <a:spcBef>
-                <a:spcPct val="30000"/>
-              </a:spcBef>
-              <a:buFont typeface="Arial" panose="020B0604020202020204" pitchFamily="34" charset="0"/>
-              <a:buChar char="•"/>
-              <a:defRPr sz="1800" kern="1200">
-                <a:solidFill>
-                  <a:schemeClr val="tx1"/>
-                </a:solidFill>
-                <a:latin typeface="+mn-lt"/>
-                <a:ea typeface="+mn-ea"/>
-                <a:cs typeface="+mn-cs"/>
-              </a:defRPr>
-            </a:lvl8pPr>
-            <a:lvl9pPr marL="3886200" indent="-228600" algn="l" defTabSz="914400" rtl="0" eaLnBrk="1" latinLnBrk="0" hangingPunct="1">
-              <a:lnSpc>
-                <a:spcPct val="90000"/>
-              </a:lnSpc>
-              <a:spcBef>
-                <a:spcPct val="30000"/>
-              </a:spcBef>
-              <a:buFont typeface="Arial" panose="020B0604020202020204" pitchFamily="34" charset="0"/>
-              <a:buChar char="•"/>
-              <a:defRPr sz="1800" kern="1200">
-                <a:solidFill>
-                  <a:schemeClr val="tx1"/>
-                </a:solidFill>
-                <a:latin typeface="+mn-lt"/>
-                <a:ea typeface="+mn-ea"/>
-                <a:cs typeface="+mn-cs"/>
-              </a:defRPr>
-            </a:lvl9pPr>
-          </a:lstStyle>
-          <a:p>
-            <a:pPr marL="0" indent="0" algn="ctr" defTabSz="578358">
-              <a:spcBef>
-                <a:spcPts val="2300"/>
-              </a:spcBef>
-              <a:buNone/>
-              <a:defRPr sz="3500"/>
-            </a:pPr>
-            <a:r>
-              <a:rPr lang="en-US" sz="2400" dirty="0">
-                <a:solidFill>
-                  <a:srgbClr val="D24726"/>
-                </a:solidFill>
-                <a:latin typeface="Segoe UI Semibold" panose="020B0702040204020203" pitchFamily="34" charset="0"/>
-                <a:cs typeface="Segoe UI Semibold" panose="020B0702040204020203" pitchFamily="34" charset="0"/>
-              </a:rPr>
-              <a:t>topic</a:t>
-            </a:r>
-          </a:p>
-          <a:p>
-            <a:pPr marL="0" indent="0" algn="ctr" defTabSz="578358">
-              <a:spcBef>
-                <a:spcPts val="2300"/>
-              </a:spcBef>
-              <a:buNone/>
-              <a:defRPr sz="3500"/>
-            </a:pPr>
-            <a:endParaRPr lang="en-US" sz="2000" dirty="0"/>
-          </a:p>
-          <a:p>
-            <a:pPr marL="0" indent="0" algn="ctr" defTabSz="578358">
-              <a:spcBef>
-                <a:spcPts val="2300"/>
-              </a:spcBef>
-              <a:buNone/>
-              <a:defRPr sz="3500"/>
-            </a:pPr>
-            <a:r>
-              <a:rPr lang="en-US" sz="2000" dirty="0"/>
-              <a:t>Unique name for Kafka stream.</a:t>
-            </a:r>
-          </a:p>
-          <a:p>
-            <a:pPr marL="0" indent="0" algn="ctr" defTabSz="578358">
-              <a:spcBef>
-                <a:spcPts val="2300"/>
-              </a:spcBef>
-              <a:buNone/>
-              <a:defRPr sz="3500"/>
-            </a:pPr>
-            <a:r>
-              <a:rPr lang="en-US" sz="2000" dirty="0"/>
-              <a:t>Multi Producer contributor </a:t>
-            </a:r>
-          </a:p>
-          <a:p>
-            <a:pPr marL="0" indent="0" algn="ctr" defTabSz="578358">
-              <a:spcBef>
-                <a:spcPts val="2300"/>
-              </a:spcBef>
-              <a:buNone/>
-              <a:defRPr sz="3500"/>
-            </a:pPr>
-            <a:r>
-              <a:rPr lang="en-US" sz="2000" dirty="0"/>
-              <a:t>Multi consumer subscriber</a:t>
-            </a:r>
-            <a:endParaRPr lang="ar-SY" sz="2000" dirty="0"/>
-          </a:p>
-        </p:txBody>
-      </p:sp>
-    </p:spTree>
-    <p:extLst>
-      <p:ext uri="{BB962C8B-B14F-4D97-AF65-F5344CB8AC3E}">
-        <p14:creationId xmlns:p14="http://schemas.microsoft.com/office/powerpoint/2010/main" val="473089359"/>
-      </p:ext>
-    </p:extLst>
-  </p:cSld>
-  <p:clrMapOvr>
-    <a:masterClrMapping/>
-  </p:clrMapOvr>
-  <mc:AlternateContent xmlns:mc="http://schemas.openxmlformats.org/markup-compatibility/2006" xmlns:p14="http://schemas.microsoft.com/office/powerpoint/2010/main">
-    <mc:Choice Requires="p14">
-      <p:transition p14:dur="10"/>
-    </mc:Choice>
-    <mc:Fallback xmlns="">
-      <p:transition/>
-    </mc:Fallback>
-  </mc:AlternateContent>
-</p:sld>
-</file>
-
-<file path=ppt/slides/slide14.xml><?xml version="1.0" encoding="utf-8"?>
-<p:sld xmlns:a="http://schemas.openxmlformats.org/drawingml/2006/main" xmlns:r="http://schemas.openxmlformats.org/officeDocument/2006/relationships" xmlns:p="http://schemas.openxmlformats.org/presentationml/2006/main">
-  <p:cSld>
-    <p:spTree>
-      <p:nvGrpSpPr>
-        <p:cNvPr id="1" name=""/>
-        <p:cNvGrpSpPr/>
-        <p:nvPr/>
-      </p:nvGrpSpPr>
-      <p:grpSpPr>
-        <a:xfrm>
-          <a:off x="0" y="0"/>
-          <a:ext cx="0" cy="0"/>
-          <a:chOff x="0" y="0"/>
-          <a:chExt cx="0" cy="0"/>
-        </a:xfrm>
-      </p:grpSpPr>
-      <p:sp>
-        <p:nvSpPr>
-          <p:cNvPr id="4" name="Title 3"/>
-          <p:cNvSpPr>
-            <a:spLocks noGrp="1"/>
-          </p:cNvSpPr>
-          <p:nvPr>
-            <p:ph type="title"/>
-          </p:nvPr>
-        </p:nvSpPr>
-        <p:spPr>
-          <a:xfrm>
-            <a:off x="521208" y="448056"/>
-            <a:ext cx="6117336" cy="640080"/>
-          </a:xfrm>
-        </p:spPr>
-        <p:txBody>
-          <a:bodyPr>
-            <a:normAutofit/>
-          </a:bodyPr>
-          <a:lstStyle/>
-          <a:p>
-            <a:r>
-              <a:rPr lang="en-US" dirty="0"/>
-              <a:t>Concepts used in Kafka</a:t>
-            </a:r>
-          </a:p>
-        </p:txBody>
-      </p:sp>
-      <p:sp>
-        <p:nvSpPr>
-          <p:cNvPr id="49" name="Shape 160"/>
-          <p:cNvSpPr txBox="1">
-            <a:spLocks/>
-          </p:cNvSpPr>
-          <p:nvPr/>
-        </p:nvSpPr>
-        <p:spPr>
-          <a:xfrm>
-            <a:off x="387858" y="2275233"/>
-            <a:ext cx="11988800" cy="6096000"/>
-          </a:xfrm>
-          <a:prstGeom prst="rect">
-            <a:avLst/>
-          </a:prstGeom>
-        </p:spPr>
-        <p:txBody>
-          <a:bodyPr/>
-          <a:lstStyle>
-            <a:lvl1pPr marL="228600" indent="-228600" algn="l" defTabSz="914400" rtl="0" eaLnBrk="1" latinLnBrk="0" hangingPunct="1">
-              <a:lnSpc>
-                <a:spcPct val="90000"/>
-              </a:lnSpc>
-              <a:spcBef>
-                <a:spcPct val="30000"/>
-              </a:spcBef>
-              <a:buFont typeface="Arial" panose="020B0604020202020204" pitchFamily="34" charset="0"/>
-              <a:buChar char="•"/>
-              <a:defRPr sz="2800" kern="1200">
-                <a:solidFill>
-                  <a:schemeClr val="tx1"/>
-                </a:solidFill>
-                <a:latin typeface="+mn-lt"/>
-                <a:ea typeface="+mn-ea"/>
-                <a:cs typeface="+mn-cs"/>
-              </a:defRPr>
-            </a:lvl1pPr>
-            <a:lvl2pPr marL="685800" indent="-228600" algn="l" defTabSz="914400" rtl="0" eaLnBrk="1" latinLnBrk="0" hangingPunct="1">
-              <a:lnSpc>
-                <a:spcPct val="90000"/>
-              </a:lnSpc>
-              <a:spcBef>
-                <a:spcPct val="30000"/>
-              </a:spcBef>
-              <a:buFont typeface="Arial" panose="020B0604020202020204" pitchFamily="34" charset="0"/>
-              <a:buChar char="•"/>
-              <a:defRPr sz="2400" kern="1200">
-                <a:solidFill>
-                  <a:schemeClr val="tx1"/>
-                </a:solidFill>
-                <a:latin typeface="+mn-lt"/>
-                <a:ea typeface="+mn-ea"/>
-                <a:cs typeface="+mn-cs"/>
-              </a:defRPr>
-            </a:lvl2pPr>
-            <a:lvl3pPr marL="1143000" indent="-228600" algn="l" defTabSz="914400" rtl="0" eaLnBrk="1" latinLnBrk="0" hangingPunct="1">
-              <a:lnSpc>
-                <a:spcPct val="90000"/>
-              </a:lnSpc>
-              <a:spcBef>
-                <a:spcPct val="30000"/>
-              </a:spcBef>
-              <a:buFont typeface="Arial" panose="020B0604020202020204" pitchFamily="34" charset="0"/>
-              <a:buChar char="•"/>
-              <a:defRPr sz="2000" kern="1200">
-                <a:solidFill>
-                  <a:schemeClr val="tx1"/>
-                </a:solidFill>
-                <a:latin typeface="+mn-lt"/>
-                <a:ea typeface="+mn-ea"/>
-                <a:cs typeface="+mn-cs"/>
-              </a:defRPr>
-            </a:lvl3pPr>
-            <a:lvl4pPr marL="1600200" indent="-228600" algn="l" defTabSz="914400" rtl="0" eaLnBrk="1" latinLnBrk="0" hangingPunct="1">
-              <a:lnSpc>
-                <a:spcPct val="90000"/>
-              </a:lnSpc>
-              <a:spcBef>
-                <a:spcPct val="30000"/>
-              </a:spcBef>
-              <a:buFont typeface="Arial" panose="020B0604020202020204" pitchFamily="34" charset="0"/>
-              <a:buChar char="•"/>
-              <a:defRPr sz="1800" kern="1200">
-                <a:solidFill>
-                  <a:schemeClr val="tx1"/>
-                </a:solidFill>
-                <a:latin typeface="+mn-lt"/>
-                <a:ea typeface="+mn-ea"/>
-                <a:cs typeface="+mn-cs"/>
-              </a:defRPr>
-            </a:lvl4pPr>
-            <a:lvl5pPr marL="2057400" indent="-228600" algn="l" defTabSz="914400" rtl="0" eaLnBrk="1" latinLnBrk="0" hangingPunct="1">
-              <a:lnSpc>
-                <a:spcPct val="90000"/>
-              </a:lnSpc>
-              <a:spcBef>
-                <a:spcPct val="30000"/>
-              </a:spcBef>
-              <a:buFont typeface="Arial" panose="020B0604020202020204" pitchFamily="34" charset="0"/>
-              <a:buChar char="•"/>
-              <a:defRPr sz="1800" kern="1200">
-                <a:solidFill>
-                  <a:schemeClr val="tx1"/>
-                </a:solidFill>
-                <a:latin typeface="+mn-lt"/>
-                <a:ea typeface="+mn-ea"/>
-                <a:cs typeface="+mn-cs"/>
-              </a:defRPr>
-            </a:lvl5pPr>
-            <a:lvl6pPr marL="2514600" indent="-228600" algn="l" defTabSz="914400" rtl="0" eaLnBrk="1" latinLnBrk="0" hangingPunct="1">
-              <a:lnSpc>
-                <a:spcPct val="90000"/>
-              </a:lnSpc>
-              <a:spcBef>
-                <a:spcPct val="30000"/>
-              </a:spcBef>
-              <a:buFont typeface="Arial" panose="020B0604020202020204" pitchFamily="34" charset="0"/>
-              <a:buChar char="•"/>
-              <a:defRPr sz="1800" kern="1200">
-                <a:solidFill>
-                  <a:schemeClr val="tx1"/>
-                </a:solidFill>
-                <a:latin typeface="+mn-lt"/>
-                <a:ea typeface="+mn-ea"/>
-                <a:cs typeface="+mn-cs"/>
-              </a:defRPr>
-            </a:lvl6pPr>
-            <a:lvl7pPr marL="2971800" indent="-228600" algn="l" defTabSz="914400" rtl="0" eaLnBrk="1" latinLnBrk="0" hangingPunct="1">
-              <a:lnSpc>
-                <a:spcPct val="90000"/>
-              </a:lnSpc>
-              <a:spcBef>
-                <a:spcPct val="30000"/>
-              </a:spcBef>
-              <a:buFont typeface="Arial" panose="020B0604020202020204" pitchFamily="34" charset="0"/>
-              <a:buChar char="•"/>
-              <a:defRPr sz="1800" kern="1200">
-                <a:solidFill>
-                  <a:schemeClr val="tx1"/>
-                </a:solidFill>
-                <a:latin typeface="+mn-lt"/>
-                <a:ea typeface="+mn-ea"/>
-                <a:cs typeface="+mn-cs"/>
-              </a:defRPr>
-            </a:lvl7pPr>
-            <a:lvl8pPr marL="3429000" indent="-228600" algn="l" defTabSz="914400" rtl="0" eaLnBrk="1" latinLnBrk="0" hangingPunct="1">
-              <a:lnSpc>
-                <a:spcPct val="90000"/>
-              </a:lnSpc>
-              <a:spcBef>
-                <a:spcPct val="30000"/>
-              </a:spcBef>
-              <a:buFont typeface="Arial" panose="020B0604020202020204" pitchFamily="34" charset="0"/>
-              <a:buChar char="•"/>
-              <a:defRPr sz="1800" kern="1200">
-                <a:solidFill>
-                  <a:schemeClr val="tx1"/>
-                </a:solidFill>
-                <a:latin typeface="+mn-lt"/>
-                <a:ea typeface="+mn-ea"/>
-                <a:cs typeface="+mn-cs"/>
-              </a:defRPr>
-            </a:lvl8pPr>
-            <a:lvl9pPr marL="3886200" indent="-228600" algn="l" defTabSz="914400" rtl="0" eaLnBrk="1" latinLnBrk="0" hangingPunct="1">
-              <a:lnSpc>
-                <a:spcPct val="90000"/>
-              </a:lnSpc>
-              <a:spcBef>
-                <a:spcPct val="30000"/>
-              </a:spcBef>
-              <a:buFont typeface="Arial" panose="020B0604020202020204" pitchFamily="34" charset="0"/>
-              <a:buChar char="•"/>
-              <a:defRPr sz="1800" kern="1200">
-                <a:solidFill>
-                  <a:schemeClr val="tx1"/>
-                </a:solidFill>
-                <a:latin typeface="+mn-lt"/>
-                <a:ea typeface="+mn-ea"/>
-                <a:cs typeface="+mn-cs"/>
-              </a:defRPr>
-            </a:lvl9pPr>
-          </a:lstStyle>
-          <a:p>
-            <a:pPr marL="0" indent="0" algn="ctr" defTabSz="578358">
-              <a:spcBef>
-                <a:spcPts val="2300"/>
-              </a:spcBef>
-              <a:buNone/>
-              <a:defRPr sz="3500"/>
-            </a:pPr>
-            <a:r>
-              <a:rPr lang="en-US" sz="2400" dirty="0">
-                <a:solidFill>
-                  <a:srgbClr val="D24726"/>
-                </a:solidFill>
-                <a:latin typeface="Segoe UI Semibold" panose="020B0702040204020203" pitchFamily="34" charset="0"/>
-                <a:cs typeface="Segoe UI Semibold" panose="020B0702040204020203" pitchFamily="34" charset="0"/>
-              </a:rPr>
-              <a:t>Partition</a:t>
-            </a:r>
-          </a:p>
-          <a:p>
-            <a:pPr marL="0" indent="0" algn="ctr" defTabSz="578358">
-              <a:spcBef>
-                <a:spcPts val="2300"/>
-              </a:spcBef>
-              <a:buNone/>
-              <a:defRPr sz="3500"/>
-            </a:pPr>
-            <a:endParaRPr lang="en-US" sz="2000" dirty="0"/>
-          </a:p>
-          <a:p>
-            <a:pPr marL="0" indent="0" algn="ctr" defTabSz="578358">
-              <a:spcBef>
-                <a:spcPts val="2300"/>
-              </a:spcBef>
-              <a:buNone/>
-              <a:defRPr sz="3500"/>
-            </a:pPr>
-            <a:r>
-              <a:rPr lang="en-US" sz="2000" dirty="0"/>
-              <a:t>Ordered, Equal, Immutable sequence of records</a:t>
-            </a:r>
-          </a:p>
-          <a:p>
-            <a:pPr marL="0" indent="0" algn="ctr" defTabSz="578358">
-              <a:spcBef>
-                <a:spcPts val="2300"/>
-              </a:spcBef>
-              <a:buNone/>
-              <a:defRPr sz="3500"/>
-            </a:pPr>
-            <a:r>
-              <a:rPr lang="en-US" sz="2000" dirty="0"/>
-              <a:t>Each partition on one computer</a:t>
-            </a:r>
-          </a:p>
-        </p:txBody>
-      </p:sp>
-    </p:spTree>
-    <p:extLst>
-      <p:ext uri="{BB962C8B-B14F-4D97-AF65-F5344CB8AC3E}">
-        <p14:creationId xmlns:p14="http://schemas.microsoft.com/office/powerpoint/2010/main" val="2537703307"/>
-      </p:ext>
-    </p:extLst>
-  </p:cSld>
-  <p:clrMapOvr>
-    <a:masterClrMapping/>
-  </p:clrMapOvr>
-  <mc:AlternateContent xmlns:mc="http://schemas.openxmlformats.org/markup-compatibility/2006" xmlns:p14="http://schemas.microsoft.com/office/powerpoint/2010/main">
-    <mc:Choice Requires="p14">
-      <p:transition p14:dur="10"/>
-    </mc:Choice>
-    <mc:Fallback xmlns="">
-      <p:transition/>
-    </mc:Fallback>
-  </mc:AlternateContent>
-</p:sld>
-</file>
-
-<file path=ppt/slides/slide15.xml><?xml version="1.0" encoding="utf-8"?>
-<p:sld xmlns:a="http://schemas.openxmlformats.org/drawingml/2006/main" xmlns:r="http://schemas.openxmlformats.org/officeDocument/2006/relationships" xmlns:p="http://schemas.openxmlformats.org/presentationml/2006/main">
-  <p:cSld>
-    <p:spTree>
-      <p:nvGrpSpPr>
-        <p:cNvPr id="1" name=""/>
-        <p:cNvGrpSpPr/>
-        <p:nvPr/>
-      </p:nvGrpSpPr>
-      <p:grpSpPr>
-        <a:xfrm>
-          <a:off x="0" y="0"/>
-          <a:ext cx="0" cy="0"/>
-          <a:chOff x="0" y="0"/>
-          <a:chExt cx="0" cy="0"/>
-        </a:xfrm>
-      </p:grpSpPr>
-      <p:sp>
-        <p:nvSpPr>
-          <p:cNvPr id="3" name="Title 2"/>
-          <p:cNvSpPr>
-            <a:spLocks noGrp="1"/>
-          </p:cNvSpPr>
-          <p:nvPr>
-            <p:ph type="title"/>
-          </p:nvPr>
-        </p:nvSpPr>
-        <p:spPr/>
-        <p:txBody>
-          <a:bodyPr/>
-          <a:lstStyle/>
-          <a:p>
-            <a:r>
-              <a:rPr lang="en-US" dirty="0"/>
-              <a:t>Concepts used in Kafka</a:t>
-            </a:r>
-          </a:p>
-        </p:txBody>
-      </p:sp>
-      <p:pic>
-        <p:nvPicPr>
-          <p:cNvPr id="9" name="Content Placeholder 8"/>
-          <p:cNvPicPr>
-            <a:picLocks noGrp="1" noChangeAspect="1"/>
-          </p:cNvPicPr>
-          <p:nvPr>
-            <p:ph sz="half" idx="2"/>
-          </p:nvPr>
-        </p:nvPicPr>
-        <p:blipFill>
-          <a:blip r:embed="rId3">
-            <a:extLst>
-              <a:ext uri="{28A0092B-C50C-407E-A947-70E740481C1C}">
-                <a14:useLocalDpi xmlns:a14="http://schemas.microsoft.com/office/drawing/2010/main" val="0"/>
-              </a:ext>
-            </a:extLst>
-          </a:blip>
-          <a:stretch>
-            <a:fillRect/>
-          </a:stretch>
-        </p:blipFill>
-        <p:spPr>
-          <a:xfrm>
-            <a:off x="2247307" y="2066818"/>
-            <a:ext cx="7033169" cy="2746680"/>
-          </a:xfrm>
-          <a:prstGeom prst="rect">
-            <a:avLst/>
-          </a:prstGeom>
-          <a:ln>
-            <a:noFill/>
-          </a:ln>
-          <a:effectLst>
-            <a:softEdge rad="112500"/>
-          </a:effectLst>
-        </p:spPr>
-      </p:pic>
-    </p:spTree>
-    <p:extLst>
-      <p:ext uri="{BB962C8B-B14F-4D97-AF65-F5344CB8AC3E}">
-        <p14:creationId xmlns:p14="http://schemas.microsoft.com/office/powerpoint/2010/main" val="3779734142"/>
-      </p:ext>
-    </p:extLst>
-  </p:cSld>
-  <p:clrMapOvr>
-    <a:masterClrMapping/>
-  </p:clrMapOvr>
-</p:sld>
-</file>
-
-<file path=ppt/slides/slide16.xml><?xml version="1.0" encoding="utf-8"?>
-<p:sld xmlns:a="http://schemas.openxmlformats.org/drawingml/2006/main" xmlns:r="http://schemas.openxmlformats.org/officeDocument/2006/relationships" xmlns:p="http://schemas.openxmlformats.org/presentationml/2006/main">
-  <p:cSld>
-    <p:spTree>
-      <p:nvGrpSpPr>
-        <p:cNvPr id="1" name=""/>
-        <p:cNvGrpSpPr/>
-        <p:nvPr/>
-      </p:nvGrpSpPr>
-      <p:grpSpPr>
-        <a:xfrm>
-          <a:off x="0" y="0"/>
-          <a:ext cx="0" cy="0"/>
-          <a:chOff x="0" y="0"/>
-          <a:chExt cx="0" cy="0"/>
-        </a:xfrm>
-      </p:grpSpPr>
-      <p:sp>
-        <p:nvSpPr>
-          <p:cNvPr id="4" name="Title 3"/>
-          <p:cNvSpPr>
-            <a:spLocks noGrp="1"/>
-          </p:cNvSpPr>
-          <p:nvPr>
-            <p:ph type="title"/>
-          </p:nvPr>
-        </p:nvSpPr>
-        <p:spPr>
-          <a:xfrm>
-            <a:off x="521208" y="448056"/>
-            <a:ext cx="6117336" cy="640080"/>
-          </a:xfrm>
-        </p:spPr>
-        <p:txBody>
-          <a:bodyPr>
-            <a:normAutofit/>
-          </a:bodyPr>
-          <a:lstStyle/>
-          <a:p>
-            <a:r>
-              <a:rPr lang="en-US" dirty="0"/>
-              <a:t>Concepts used in Kafka</a:t>
-            </a:r>
-          </a:p>
-        </p:txBody>
-      </p:sp>
-      <p:sp>
-        <p:nvSpPr>
-          <p:cNvPr id="49" name="Shape 160"/>
-          <p:cNvSpPr txBox="1">
-            <a:spLocks/>
-          </p:cNvSpPr>
-          <p:nvPr/>
-        </p:nvSpPr>
-        <p:spPr>
-          <a:xfrm>
-            <a:off x="387858" y="2275233"/>
-            <a:ext cx="11988800" cy="6096000"/>
-          </a:xfrm>
-          <a:prstGeom prst="rect">
-            <a:avLst/>
-          </a:prstGeom>
-        </p:spPr>
-        <p:txBody>
-          <a:bodyPr/>
-          <a:lstStyle>
-            <a:lvl1pPr marL="228600" indent="-228600" algn="l" defTabSz="914400" rtl="0" eaLnBrk="1" latinLnBrk="0" hangingPunct="1">
-              <a:lnSpc>
-                <a:spcPct val="90000"/>
-              </a:lnSpc>
-              <a:spcBef>
-                <a:spcPct val="30000"/>
-              </a:spcBef>
-              <a:buFont typeface="Arial" panose="020B0604020202020204" pitchFamily="34" charset="0"/>
-              <a:buChar char="•"/>
-              <a:defRPr sz="2800" kern="1200">
-                <a:solidFill>
-                  <a:schemeClr val="tx1"/>
-                </a:solidFill>
-                <a:latin typeface="+mn-lt"/>
-                <a:ea typeface="+mn-ea"/>
-                <a:cs typeface="+mn-cs"/>
-              </a:defRPr>
-            </a:lvl1pPr>
-            <a:lvl2pPr marL="685800" indent="-228600" algn="l" defTabSz="914400" rtl="0" eaLnBrk="1" latinLnBrk="0" hangingPunct="1">
-              <a:lnSpc>
-                <a:spcPct val="90000"/>
-              </a:lnSpc>
-              <a:spcBef>
-                <a:spcPct val="30000"/>
-              </a:spcBef>
-              <a:buFont typeface="Arial" panose="020B0604020202020204" pitchFamily="34" charset="0"/>
-              <a:buChar char="•"/>
-              <a:defRPr sz="2400" kern="1200">
-                <a:solidFill>
-                  <a:schemeClr val="tx1"/>
-                </a:solidFill>
-                <a:latin typeface="+mn-lt"/>
-                <a:ea typeface="+mn-ea"/>
-                <a:cs typeface="+mn-cs"/>
-              </a:defRPr>
-            </a:lvl2pPr>
-            <a:lvl3pPr marL="1143000" indent="-228600" algn="l" defTabSz="914400" rtl="0" eaLnBrk="1" latinLnBrk="0" hangingPunct="1">
-              <a:lnSpc>
-                <a:spcPct val="90000"/>
-              </a:lnSpc>
-              <a:spcBef>
-                <a:spcPct val="30000"/>
-              </a:spcBef>
-              <a:buFont typeface="Arial" panose="020B0604020202020204" pitchFamily="34" charset="0"/>
-              <a:buChar char="•"/>
-              <a:defRPr sz="2000" kern="1200">
-                <a:solidFill>
-                  <a:schemeClr val="tx1"/>
-                </a:solidFill>
-                <a:latin typeface="+mn-lt"/>
-                <a:ea typeface="+mn-ea"/>
-                <a:cs typeface="+mn-cs"/>
-              </a:defRPr>
-            </a:lvl3pPr>
-            <a:lvl4pPr marL="1600200" indent="-228600" algn="l" defTabSz="914400" rtl="0" eaLnBrk="1" latinLnBrk="0" hangingPunct="1">
-              <a:lnSpc>
-                <a:spcPct val="90000"/>
-              </a:lnSpc>
-              <a:spcBef>
-                <a:spcPct val="30000"/>
-              </a:spcBef>
-              <a:buFont typeface="Arial" panose="020B0604020202020204" pitchFamily="34" charset="0"/>
-              <a:buChar char="•"/>
-              <a:defRPr sz="1800" kern="1200">
-                <a:solidFill>
-                  <a:schemeClr val="tx1"/>
-                </a:solidFill>
-                <a:latin typeface="+mn-lt"/>
-                <a:ea typeface="+mn-ea"/>
-                <a:cs typeface="+mn-cs"/>
-              </a:defRPr>
-            </a:lvl4pPr>
-            <a:lvl5pPr marL="2057400" indent="-228600" algn="l" defTabSz="914400" rtl="0" eaLnBrk="1" latinLnBrk="0" hangingPunct="1">
-              <a:lnSpc>
-                <a:spcPct val="90000"/>
-              </a:lnSpc>
-              <a:spcBef>
-                <a:spcPct val="30000"/>
-              </a:spcBef>
-              <a:buFont typeface="Arial" panose="020B0604020202020204" pitchFamily="34" charset="0"/>
-              <a:buChar char="•"/>
-              <a:defRPr sz="1800" kern="1200">
-                <a:solidFill>
-                  <a:schemeClr val="tx1"/>
-                </a:solidFill>
-                <a:latin typeface="+mn-lt"/>
-                <a:ea typeface="+mn-ea"/>
-                <a:cs typeface="+mn-cs"/>
-              </a:defRPr>
-            </a:lvl5pPr>
-            <a:lvl6pPr marL="2514600" indent="-228600" algn="l" defTabSz="914400" rtl="0" eaLnBrk="1" latinLnBrk="0" hangingPunct="1">
-              <a:lnSpc>
-                <a:spcPct val="90000"/>
-              </a:lnSpc>
-              <a:spcBef>
-                <a:spcPct val="30000"/>
-              </a:spcBef>
-              <a:buFont typeface="Arial" panose="020B0604020202020204" pitchFamily="34" charset="0"/>
-              <a:buChar char="•"/>
-              <a:defRPr sz="1800" kern="1200">
-                <a:solidFill>
-                  <a:schemeClr val="tx1"/>
-                </a:solidFill>
-                <a:latin typeface="+mn-lt"/>
-                <a:ea typeface="+mn-ea"/>
-                <a:cs typeface="+mn-cs"/>
-              </a:defRPr>
-            </a:lvl6pPr>
-            <a:lvl7pPr marL="2971800" indent="-228600" algn="l" defTabSz="914400" rtl="0" eaLnBrk="1" latinLnBrk="0" hangingPunct="1">
-              <a:lnSpc>
-                <a:spcPct val="90000"/>
-              </a:lnSpc>
-              <a:spcBef>
-                <a:spcPct val="30000"/>
-              </a:spcBef>
-              <a:buFont typeface="Arial" panose="020B0604020202020204" pitchFamily="34" charset="0"/>
-              <a:buChar char="•"/>
-              <a:defRPr sz="1800" kern="1200">
-                <a:solidFill>
-                  <a:schemeClr val="tx1"/>
-                </a:solidFill>
-                <a:latin typeface="+mn-lt"/>
-                <a:ea typeface="+mn-ea"/>
-                <a:cs typeface="+mn-cs"/>
-              </a:defRPr>
-            </a:lvl7pPr>
-            <a:lvl8pPr marL="3429000" indent="-228600" algn="l" defTabSz="914400" rtl="0" eaLnBrk="1" latinLnBrk="0" hangingPunct="1">
-              <a:lnSpc>
-                <a:spcPct val="90000"/>
-              </a:lnSpc>
-              <a:spcBef>
-                <a:spcPct val="30000"/>
-              </a:spcBef>
-              <a:buFont typeface="Arial" panose="020B0604020202020204" pitchFamily="34" charset="0"/>
-              <a:buChar char="•"/>
-              <a:defRPr sz="1800" kern="1200">
-                <a:solidFill>
-                  <a:schemeClr val="tx1"/>
-                </a:solidFill>
-                <a:latin typeface="+mn-lt"/>
-                <a:ea typeface="+mn-ea"/>
-                <a:cs typeface="+mn-cs"/>
-              </a:defRPr>
-            </a:lvl8pPr>
-            <a:lvl9pPr marL="3886200" indent="-228600" algn="l" defTabSz="914400" rtl="0" eaLnBrk="1" latinLnBrk="0" hangingPunct="1">
-              <a:lnSpc>
-                <a:spcPct val="90000"/>
-              </a:lnSpc>
-              <a:spcBef>
-                <a:spcPct val="30000"/>
-              </a:spcBef>
-              <a:buFont typeface="Arial" panose="020B0604020202020204" pitchFamily="34" charset="0"/>
-              <a:buChar char="•"/>
-              <a:defRPr sz="1800" kern="1200">
-                <a:solidFill>
-                  <a:schemeClr val="tx1"/>
-                </a:solidFill>
-                <a:latin typeface="+mn-lt"/>
-                <a:ea typeface="+mn-ea"/>
-                <a:cs typeface="+mn-cs"/>
-              </a:defRPr>
-            </a:lvl9pPr>
-          </a:lstStyle>
-          <a:p>
-            <a:pPr marL="0" indent="0" algn="ctr" defTabSz="578358">
-              <a:spcBef>
-                <a:spcPts val="2300"/>
-              </a:spcBef>
-              <a:buNone/>
-              <a:defRPr sz="3500"/>
-            </a:pPr>
-            <a:r>
-              <a:rPr lang="en-US" sz="2400" dirty="0">
-                <a:solidFill>
-                  <a:srgbClr val="D24726"/>
-                </a:solidFill>
-                <a:latin typeface="Segoe UI Semibold" panose="020B0702040204020203" pitchFamily="34" charset="0"/>
-                <a:cs typeface="Segoe UI Semibold" panose="020B0702040204020203" pitchFamily="34" charset="0"/>
-              </a:rPr>
-              <a:t>Offset</a:t>
-            </a:r>
-          </a:p>
-          <a:p>
-            <a:pPr marL="0" indent="0" algn="ctr" defTabSz="578358">
-              <a:spcBef>
-                <a:spcPts val="2300"/>
-              </a:spcBef>
-              <a:buNone/>
-              <a:defRPr sz="3500"/>
-            </a:pPr>
-            <a:endParaRPr lang="en-US" sz="2000" dirty="0"/>
-          </a:p>
-          <a:p>
-            <a:pPr marL="0" indent="0" algn="ctr" defTabSz="578358">
-              <a:spcBef>
-                <a:spcPts val="2300"/>
-              </a:spcBef>
-              <a:buNone/>
-              <a:defRPr sz="3500"/>
-            </a:pPr>
-            <a:r>
-              <a:rPr lang="en-US" sz="2000" dirty="0"/>
-              <a:t>Sequence number of messages in a partition</a:t>
-            </a:r>
-          </a:p>
-          <a:p>
-            <a:pPr marL="0" indent="0" algn="ctr" defTabSz="578358">
-              <a:spcBef>
-                <a:spcPts val="2300"/>
-              </a:spcBef>
-              <a:buNone/>
-              <a:defRPr sz="3500"/>
-            </a:pPr>
-            <a:r>
-              <a:rPr lang="en-US" sz="2000" dirty="0"/>
-              <a:t>Local to the partition</a:t>
-            </a:r>
-          </a:p>
-          <a:p>
-            <a:pPr marL="0" indent="0" algn="ctr" defTabSz="578358">
-              <a:spcBef>
-                <a:spcPts val="2300"/>
-              </a:spcBef>
-              <a:buNone/>
-              <a:defRPr sz="3500"/>
-            </a:pPr>
-            <a:endParaRPr lang="en-US" sz="2000" dirty="0"/>
-          </a:p>
-        </p:txBody>
-      </p:sp>
-    </p:spTree>
-    <p:extLst>
-      <p:ext uri="{BB962C8B-B14F-4D97-AF65-F5344CB8AC3E}">
-        <p14:creationId xmlns:p14="http://schemas.microsoft.com/office/powerpoint/2010/main" val="1146707247"/>
-      </p:ext>
-    </p:extLst>
-  </p:cSld>
-  <p:clrMapOvr>
-    <a:masterClrMapping/>
-  </p:clrMapOvr>
-  <mc:AlternateContent xmlns:mc="http://schemas.openxmlformats.org/markup-compatibility/2006" xmlns:p14="http://schemas.microsoft.com/office/powerpoint/2010/main">
-    <mc:Choice Requires="p14">
-      <p:transition p14:dur="10"/>
-    </mc:Choice>
-    <mc:Fallback xmlns="">
-      <p:transition/>
-    </mc:Fallback>
-  </mc:AlternateContent>
-</p:sld>
-</file>
-
-<file path=ppt/slides/slide17.xml><?xml version="1.0" encoding="utf-8"?>
-<p:sld xmlns:a="http://schemas.openxmlformats.org/drawingml/2006/main" xmlns:r="http://schemas.openxmlformats.org/officeDocument/2006/relationships" xmlns:p="http://schemas.openxmlformats.org/presentationml/2006/main">
-  <p:cSld>
-    <p:spTree>
-      <p:nvGrpSpPr>
-        <p:cNvPr id="1" name=""/>
-        <p:cNvGrpSpPr/>
-        <p:nvPr/>
-      </p:nvGrpSpPr>
-      <p:grpSpPr>
-        <a:xfrm>
-          <a:off x="0" y="0"/>
-          <a:ext cx="0" cy="0"/>
-          <a:chOff x="0" y="0"/>
-          <a:chExt cx="0" cy="0"/>
-        </a:xfrm>
-      </p:grpSpPr>
-      <p:sp>
-        <p:nvSpPr>
-          <p:cNvPr id="4" name="Title 3"/>
-          <p:cNvSpPr>
-            <a:spLocks noGrp="1"/>
-          </p:cNvSpPr>
-          <p:nvPr>
-            <p:ph type="title"/>
-          </p:nvPr>
-        </p:nvSpPr>
-        <p:spPr>
-          <a:xfrm>
-            <a:off x="521208" y="448056"/>
-            <a:ext cx="6117336" cy="640080"/>
-          </a:xfrm>
-        </p:spPr>
-        <p:txBody>
-          <a:bodyPr>
-            <a:normAutofit/>
-          </a:bodyPr>
-          <a:lstStyle/>
-          <a:p>
-            <a:r>
-              <a:rPr lang="en-US" dirty="0"/>
-              <a:t>Concepts used in Kafka</a:t>
-            </a:r>
-          </a:p>
-        </p:txBody>
-      </p:sp>
-      <p:sp>
-        <p:nvSpPr>
-          <p:cNvPr id="49" name="Shape 160"/>
-          <p:cNvSpPr txBox="1">
-            <a:spLocks/>
-          </p:cNvSpPr>
-          <p:nvPr/>
-        </p:nvSpPr>
-        <p:spPr>
-          <a:xfrm>
-            <a:off x="387858" y="2275233"/>
-            <a:ext cx="11988800" cy="6096000"/>
-          </a:xfrm>
-          <a:prstGeom prst="rect">
-            <a:avLst/>
-          </a:prstGeom>
-        </p:spPr>
-        <p:txBody>
-          <a:bodyPr/>
-          <a:lstStyle>
-            <a:lvl1pPr marL="228600" indent="-228600" algn="l" defTabSz="914400" rtl="0" eaLnBrk="1" latinLnBrk="0" hangingPunct="1">
-              <a:lnSpc>
-                <a:spcPct val="90000"/>
-              </a:lnSpc>
-              <a:spcBef>
-                <a:spcPct val="30000"/>
-              </a:spcBef>
-              <a:buFont typeface="Arial" panose="020B0604020202020204" pitchFamily="34" charset="0"/>
-              <a:buChar char="•"/>
-              <a:defRPr sz="2800" kern="1200">
-                <a:solidFill>
-                  <a:schemeClr val="tx1"/>
-                </a:solidFill>
-                <a:latin typeface="+mn-lt"/>
-                <a:ea typeface="+mn-ea"/>
-                <a:cs typeface="+mn-cs"/>
-              </a:defRPr>
-            </a:lvl1pPr>
-            <a:lvl2pPr marL="685800" indent="-228600" algn="l" defTabSz="914400" rtl="0" eaLnBrk="1" latinLnBrk="0" hangingPunct="1">
-              <a:lnSpc>
-                <a:spcPct val="90000"/>
-              </a:lnSpc>
-              <a:spcBef>
-                <a:spcPct val="30000"/>
-              </a:spcBef>
-              <a:buFont typeface="Arial" panose="020B0604020202020204" pitchFamily="34" charset="0"/>
-              <a:buChar char="•"/>
-              <a:defRPr sz="2400" kern="1200">
-                <a:solidFill>
-                  <a:schemeClr val="tx1"/>
-                </a:solidFill>
-                <a:latin typeface="+mn-lt"/>
-                <a:ea typeface="+mn-ea"/>
-                <a:cs typeface="+mn-cs"/>
-              </a:defRPr>
-            </a:lvl2pPr>
-            <a:lvl3pPr marL="1143000" indent="-228600" algn="l" defTabSz="914400" rtl="0" eaLnBrk="1" latinLnBrk="0" hangingPunct="1">
-              <a:lnSpc>
-                <a:spcPct val="90000"/>
-              </a:lnSpc>
-              <a:spcBef>
-                <a:spcPct val="30000"/>
-              </a:spcBef>
-              <a:buFont typeface="Arial" panose="020B0604020202020204" pitchFamily="34" charset="0"/>
-              <a:buChar char="•"/>
-              <a:defRPr sz="2000" kern="1200">
-                <a:solidFill>
-                  <a:schemeClr val="tx1"/>
-                </a:solidFill>
-                <a:latin typeface="+mn-lt"/>
-                <a:ea typeface="+mn-ea"/>
-                <a:cs typeface="+mn-cs"/>
-              </a:defRPr>
-            </a:lvl3pPr>
-            <a:lvl4pPr marL="1600200" indent="-228600" algn="l" defTabSz="914400" rtl="0" eaLnBrk="1" latinLnBrk="0" hangingPunct="1">
-              <a:lnSpc>
-                <a:spcPct val="90000"/>
-              </a:lnSpc>
-              <a:spcBef>
-                <a:spcPct val="30000"/>
-              </a:spcBef>
-              <a:buFont typeface="Arial" panose="020B0604020202020204" pitchFamily="34" charset="0"/>
-              <a:buChar char="•"/>
-              <a:defRPr sz="1800" kern="1200">
-                <a:solidFill>
-                  <a:schemeClr val="tx1"/>
-                </a:solidFill>
-                <a:latin typeface="+mn-lt"/>
-                <a:ea typeface="+mn-ea"/>
-                <a:cs typeface="+mn-cs"/>
-              </a:defRPr>
-            </a:lvl4pPr>
-            <a:lvl5pPr marL="2057400" indent="-228600" algn="l" defTabSz="914400" rtl="0" eaLnBrk="1" latinLnBrk="0" hangingPunct="1">
-              <a:lnSpc>
-                <a:spcPct val="90000"/>
-              </a:lnSpc>
-              <a:spcBef>
-                <a:spcPct val="30000"/>
-              </a:spcBef>
-              <a:buFont typeface="Arial" panose="020B0604020202020204" pitchFamily="34" charset="0"/>
-              <a:buChar char="•"/>
-              <a:defRPr sz="1800" kern="1200">
-                <a:solidFill>
-                  <a:schemeClr val="tx1"/>
-                </a:solidFill>
-                <a:latin typeface="+mn-lt"/>
-                <a:ea typeface="+mn-ea"/>
-                <a:cs typeface="+mn-cs"/>
-              </a:defRPr>
-            </a:lvl5pPr>
-            <a:lvl6pPr marL="2514600" indent="-228600" algn="l" defTabSz="914400" rtl="0" eaLnBrk="1" latinLnBrk="0" hangingPunct="1">
-              <a:lnSpc>
-                <a:spcPct val="90000"/>
-              </a:lnSpc>
-              <a:spcBef>
-                <a:spcPct val="30000"/>
-              </a:spcBef>
-              <a:buFont typeface="Arial" panose="020B0604020202020204" pitchFamily="34" charset="0"/>
-              <a:buChar char="•"/>
-              <a:defRPr sz="1800" kern="1200">
-                <a:solidFill>
-                  <a:schemeClr val="tx1"/>
-                </a:solidFill>
-                <a:latin typeface="+mn-lt"/>
-                <a:ea typeface="+mn-ea"/>
-                <a:cs typeface="+mn-cs"/>
-              </a:defRPr>
-            </a:lvl6pPr>
-            <a:lvl7pPr marL="2971800" indent="-228600" algn="l" defTabSz="914400" rtl="0" eaLnBrk="1" latinLnBrk="0" hangingPunct="1">
-              <a:lnSpc>
-                <a:spcPct val="90000"/>
-              </a:lnSpc>
-              <a:spcBef>
-                <a:spcPct val="30000"/>
-              </a:spcBef>
-              <a:buFont typeface="Arial" panose="020B0604020202020204" pitchFamily="34" charset="0"/>
-              <a:buChar char="•"/>
-              <a:defRPr sz="1800" kern="1200">
-                <a:solidFill>
-                  <a:schemeClr val="tx1"/>
-                </a:solidFill>
-                <a:latin typeface="+mn-lt"/>
-                <a:ea typeface="+mn-ea"/>
-                <a:cs typeface="+mn-cs"/>
-              </a:defRPr>
-            </a:lvl7pPr>
-            <a:lvl8pPr marL="3429000" indent="-228600" algn="l" defTabSz="914400" rtl="0" eaLnBrk="1" latinLnBrk="0" hangingPunct="1">
-              <a:lnSpc>
-                <a:spcPct val="90000"/>
-              </a:lnSpc>
-              <a:spcBef>
-                <a:spcPct val="30000"/>
-              </a:spcBef>
-              <a:buFont typeface="Arial" panose="020B0604020202020204" pitchFamily="34" charset="0"/>
-              <a:buChar char="•"/>
-              <a:defRPr sz="1800" kern="1200">
-                <a:solidFill>
-                  <a:schemeClr val="tx1"/>
-                </a:solidFill>
-                <a:latin typeface="+mn-lt"/>
-                <a:ea typeface="+mn-ea"/>
-                <a:cs typeface="+mn-cs"/>
-              </a:defRPr>
-            </a:lvl8pPr>
-            <a:lvl9pPr marL="3886200" indent="-228600" algn="l" defTabSz="914400" rtl="0" eaLnBrk="1" latinLnBrk="0" hangingPunct="1">
-              <a:lnSpc>
-                <a:spcPct val="90000"/>
-              </a:lnSpc>
-              <a:spcBef>
-                <a:spcPct val="30000"/>
-              </a:spcBef>
-              <a:buFont typeface="Arial" panose="020B0604020202020204" pitchFamily="34" charset="0"/>
-              <a:buChar char="•"/>
-              <a:defRPr sz="1800" kern="1200">
-                <a:solidFill>
-                  <a:schemeClr val="tx1"/>
-                </a:solidFill>
-                <a:latin typeface="+mn-lt"/>
-                <a:ea typeface="+mn-ea"/>
-                <a:cs typeface="+mn-cs"/>
-              </a:defRPr>
-            </a:lvl9pPr>
-          </a:lstStyle>
-          <a:p>
-            <a:pPr marL="0" indent="0" algn="ctr" defTabSz="578358">
-              <a:spcBef>
-                <a:spcPts val="2300"/>
-              </a:spcBef>
-              <a:buNone/>
-              <a:defRPr sz="3500"/>
-            </a:pPr>
-            <a:r>
-              <a:rPr lang="en-US" sz="2400" dirty="0">
-                <a:solidFill>
-                  <a:srgbClr val="D24726"/>
-                </a:solidFill>
-                <a:latin typeface="Segoe UI Semibold" panose="020B0702040204020203" pitchFamily="34" charset="0"/>
-                <a:cs typeface="Segoe UI Semibold" panose="020B0702040204020203" pitchFamily="34" charset="0"/>
-              </a:rPr>
-              <a:t>Offset</a:t>
-            </a:r>
-          </a:p>
-          <a:p>
-            <a:pPr marL="0" indent="0" algn="ctr" defTabSz="578358">
-              <a:spcBef>
-                <a:spcPts val="2300"/>
-              </a:spcBef>
-              <a:buNone/>
-              <a:defRPr sz="3500"/>
-            </a:pPr>
-            <a:endParaRPr lang="en-US" sz="2000" dirty="0"/>
-          </a:p>
-          <a:p>
-            <a:pPr marL="0" indent="0" algn="ctr" defTabSz="578358">
-              <a:spcBef>
-                <a:spcPts val="2300"/>
-              </a:spcBef>
-              <a:buNone/>
-              <a:defRPr sz="3500"/>
-            </a:pPr>
-            <a:r>
-              <a:rPr lang="en-US" sz="2000" dirty="0">
-                <a:solidFill>
-                  <a:srgbClr val="D24726"/>
-                </a:solidFill>
-              </a:rPr>
-              <a:t>Global unique identifier of a message?</a:t>
-            </a:r>
-          </a:p>
-          <a:p>
-            <a:pPr marL="0" indent="0" algn="ctr" defTabSz="578358">
-              <a:spcBef>
-                <a:spcPts val="2300"/>
-              </a:spcBef>
-              <a:buNone/>
-              <a:defRPr sz="3500"/>
-            </a:pPr>
-            <a:r>
-              <a:rPr lang="en-US" sz="2000" dirty="0"/>
-              <a:t>Topic Name		Partition Number		Offset</a:t>
-            </a:r>
-          </a:p>
-          <a:p>
-            <a:pPr marL="0" indent="0" algn="ctr" defTabSz="578358">
-              <a:spcBef>
-                <a:spcPts val="2300"/>
-              </a:spcBef>
-              <a:buNone/>
-              <a:defRPr sz="3500"/>
-            </a:pPr>
-            <a:endParaRPr lang="en-US" sz="2000" dirty="0"/>
-          </a:p>
-        </p:txBody>
-      </p:sp>
-      <p:cxnSp>
-        <p:nvCxnSpPr>
-          <p:cNvPr id="3" name="Straight Arrow Connector 2"/>
-          <p:cNvCxnSpPr/>
-          <p:nvPr/>
-        </p:nvCxnSpPr>
-        <p:spPr>
-          <a:xfrm>
-            <a:off x="4885899" y="4217158"/>
-            <a:ext cx="682388" cy="0"/>
-          </a:xfrm>
-          <a:prstGeom prst="straightConnector1">
-            <a:avLst/>
-          </a:prstGeom>
-          <a:ln>
-            <a:tailEnd type="triangle"/>
-          </a:ln>
-        </p:spPr>
-        <p:style>
-          <a:lnRef idx="1">
-            <a:schemeClr val="accent2"/>
-          </a:lnRef>
-          <a:fillRef idx="0">
-            <a:schemeClr val="accent2"/>
-          </a:fillRef>
-          <a:effectRef idx="0">
-            <a:schemeClr val="accent2"/>
-          </a:effectRef>
-          <a:fontRef idx="minor">
-            <a:schemeClr val="tx1"/>
-          </a:fontRef>
-        </p:style>
-      </p:cxnSp>
-      <p:cxnSp>
-        <p:nvCxnSpPr>
-          <p:cNvPr id="6" name="Straight Arrow Connector 5"/>
-          <p:cNvCxnSpPr/>
-          <p:nvPr/>
-        </p:nvCxnSpPr>
-        <p:spPr>
-          <a:xfrm>
-            <a:off x="7808795" y="4217158"/>
-            <a:ext cx="682388" cy="0"/>
-          </a:xfrm>
-          <a:prstGeom prst="straightConnector1">
-            <a:avLst/>
-          </a:prstGeom>
-          <a:ln>
-            <a:tailEnd type="triangle"/>
-          </a:ln>
-        </p:spPr>
-        <p:style>
-          <a:lnRef idx="1">
-            <a:schemeClr val="accent2"/>
-          </a:lnRef>
-          <a:fillRef idx="0">
-            <a:schemeClr val="accent2"/>
-          </a:fillRef>
-          <a:effectRef idx="0">
-            <a:schemeClr val="accent2"/>
-          </a:effectRef>
-          <a:fontRef idx="minor">
-            <a:schemeClr val="tx1"/>
-          </a:fontRef>
-        </p:style>
-      </p:cxnSp>
-    </p:spTree>
-    <p:extLst>
-      <p:ext uri="{BB962C8B-B14F-4D97-AF65-F5344CB8AC3E}">
-        <p14:creationId xmlns:p14="http://schemas.microsoft.com/office/powerpoint/2010/main" val="979171388"/>
-      </p:ext>
-    </p:extLst>
-  </p:cSld>
-  <p:clrMapOvr>
-    <a:masterClrMapping/>
-  </p:clrMapOvr>
-  <mc:AlternateContent xmlns:mc="http://schemas.openxmlformats.org/markup-compatibility/2006" xmlns:p14="http://schemas.microsoft.com/office/powerpoint/2010/main">
-    <mc:Choice Requires="p14">
-      <p:transition p14:dur="10"/>
-    </mc:Choice>
-    <mc:Fallback xmlns="">
-      <p:transition/>
-    </mc:Fallback>
-  </mc:AlternateContent>
-</p:sld>
-</file>
-
-<file path=ppt/slides/slide18.xml><?xml version="1.0" encoding="utf-8"?>
-<p:sld xmlns:a="http://schemas.openxmlformats.org/drawingml/2006/main" xmlns:r="http://schemas.openxmlformats.org/officeDocument/2006/relationships" xmlns:p="http://schemas.openxmlformats.org/presentationml/2006/main">
-  <p:cSld>
-    <p:spTree>
-      <p:nvGrpSpPr>
-        <p:cNvPr id="1" name=""/>
-        <p:cNvGrpSpPr/>
-        <p:nvPr/>
-      </p:nvGrpSpPr>
-      <p:grpSpPr>
-        <a:xfrm>
-          <a:off x="0" y="0"/>
-          <a:ext cx="0" cy="0"/>
-          <a:chOff x="0" y="0"/>
-          <a:chExt cx="0" cy="0"/>
-        </a:xfrm>
-      </p:grpSpPr>
-      <p:sp>
-        <p:nvSpPr>
-          <p:cNvPr id="4" name="Title 3"/>
-          <p:cNvSpPr>
-            <a:spLocks noGrp="1"/>
-          </p:cNvSpPr>
-          <p:nvPr>
-            <p:ph type="title"/>
-          </p:nvPr>
-        </p:nvSpPr>
-        <p:spPr>
-          <a:xfrm>
-            <a:off x="521208" y="448056"/>
-            <a:ext cx="6117336" cy="640080"/>
-          </a:xfrm>
-        </p:spPr>
-        <p:txBody>
-          <a:bodyPr>
-            <a:normAutofit/>
-          </a:bodyPr>
-          <a:lstStyle/>
-          <a:p>
-            <a:r>
-              <a:rPr lang="en-US" dirty="0"/>
-              <a:t>Concepts used in Kafka</a:t>
-            </a:r>
-          </a:p>
-        </p:txBody>
-      </p:sp>
-      <p:sp>
-        <p:nvSpPr>
-          <p:cNvPr id="49" name="Shape 160"/>
-          <p:cNvSpPr txBox="1">
-            <a:spLocks/>
-          </p:cNvSpPr>
-          <p:nvPr/>
-        </p:nvSpPr>
-        <p:spPr>
-          <a:xfrm>
-            <a:off x="387858" y="2275233"/>
-            <a:ext cx="11988800" cy="6096000"/>
-          </a:xfrm>
-          <a:prstGeom prst="rect">
-            <a:avLst/>
-          </a:prstGeom>
-        </p:spPr>
-        <p:txBody>
-          <a:bodyPr/>
-          <a:lstStyle>
-            <a:lvl1pPr marL="228600" indent="-228600" algn="l" defTabSz="914400" rtl="0" eaLnBrk="1" latinLnBrk="0" hangingPunct="1">
-              <a:lnSpc>
-                <a:spcPct val="90000"/>
-              </a:lnSpc>
-              <a:spcBef>
-                <a:spcPct val="30000"/>
-              </a:spcBef>
-              <a:buFont typeface="Arial" panose="020B0604020202020204" pitchFamily="34" charset="0"/>
-              <a:buChar char="•"/>
-              <a:defRPr sz="2800" kern="1200">
-                <a:solidFill>
-                  <a:schemeClr val="tx1"/>
-                </a:solidFill>
-                <a:latin typeface="+mn-lt"/>
-                <a:ea typeface="+mn-ea"/>
-                <a:cs typeface="+mn-cs"/>
-              </a:defRPr>
-            </a:lvl1pPr>
-            <a:lvl2pPr marL="685800" indent="-228600" algn="l" defTabSz="914400" rtl="0" eaLnBrk="1" latinLnBrk="0" hangingPunct="1">
-              <a:lnSpc>
-                <a:spcPct val="90000"/>
-              </a:lnSpc>
-              <a:spcBef>
-                <a:spcPct val="30000"/>
-              </a:spcBef>
-              <a:buFont typeface="Arial" panose="020B0604020202020204" pitchFamily="34" charset="0"/>
-              <a:buChar char="•"/>
-              <a:defRPr sz="2400" kern="1200">
-                <a:solidFill>
-                  <a:schemeClr val="tx1"/>
-                </a:solidFill>
-                <a:latin typeface="+mn-lt"/>
-                <a:ea typeface="+mn-ea"/>
-                <a:cs typeface="+mn-cs"/>
-              </a:defRPr>
-            </a:lvl2pPr>
-            <a:lvl3pPr marL="1143000" indent="-228600" algn="l" defTabSz="914400" rtl="0" eaLnBrk="1" latinLnBrk="0" hangingPunct="1">
-              <a:lnSpc>
-                <a:spcPct val="90000"/>
-              </a:lnSpc>
-              <a:spcBef>
-                <a:spcPct val="30000"/>
-              </a:spcBef>
-              <a:buFont typeface="Arial" panose="020B0604020202020204" pitchFamily="34" charset="0"/>
-              <a:buChar char="•"/>
-              <a:defRPr sz="2000" kern="1200">
-                <a:solidFill>
-                  <a:schemeClr val="tx1"/>
-                </a:solidFill>
-                <a:latin typeface="+mn-lt"/>
-                <a:ea typeface="+mn-ea"/>
-                <a:cs typeface="+mn-cs"/>
-              </a:defRPr>
-            </a:lvl3pPr>
-            <a:lvl4pPr marL="1600200" indent="-228600" algn="l" defTabSz="914400" rtl="0" eaLnBrk="1" latinLnBrk="0" hangingPunct="1">
-              <a:lnSpc>
-                <a:spcPct val="90000"/>
-              </a:lnSpc>
-              <a:spcBef>
-                <a:spcPct val="30000"/>
-              </a:spcBef>
-              <a:buFont typeface="Arial" panose="020B0604020202020204" pitchFamily="34" charset="0"/>
-              <a:buChar char="•"/>
-              <a:defRPr sz="1800" kern="1200">
-                <a:solidFill>
-                  <a:schemeClr val="tx1"/>
-                </a:solidFill>
-                <a:latin typeface="+mn-lt"/>
-                <a:ea typeface="+mn-ea"/>
-                <a:cs typeface="+mn-cs"/>
-              </a:defRPr>
-            </a:lvl4pPr>
-            <a:lvl5pPr marL="2057400" indent="-228600" algn="l" defTabSz="914400" rtl="0" eaLnBrk="1" latinLnBrk="0" hangingPunct="1">
-              <a:lnSpc>
-                <a:spcPct val="90000"/>
-              </a:lnSpc>
-              <a:spcBef>
-                <a:spcPct val="30000"/>
-              </a:spcBef>
-              <a:buFont typeface="Arial" panose="020B0604020202020204" pitchFamily="34" charset="0"/>
-              <a:buChar char="•"/>
-              <a:defRPr sz="1800" kern="1200">
-                <a:solidFill>
-                  <a:schemeClr val="tx1"/>
-                </a:solidFill>
-                <a:latin typeface="+mn-lt"/>
-                <a:ea typeface="+mn-ea"/>
-                <a:cs typeface="+mn-cs"/>
-              </a:defRPr>
-            </a:lvl5pPr>
-            <a:lvl6pPr marL="2514600" indent="-228600" algn="l" defTabSz="914400" rtl="0" eaLnBrk="1" latinLnBrk="0" hangingPunct="1">
-              <a:lnSpc>
-                <a:spcPct val="90000"/>
-              </a:lnSpc>
-              <a:spcBef>
-                <a:spcPct val="30000"/>
-              </a:spcBef>
-              <a:buFont typeface="Arial" panose="020B0604020202020204" pitchFamily="34" charset="0"/>
-              <a:buChar char="•"/>
-              <a:defRPr sz="1800" kern="1200">
-                <a:solidFill>
-                  <a:schemeClr val="tx1"/>
-                </a:solidFill>
-                <a:latin typeface="+mn-lt"/>
-                <a:ea typeface="+mn-ea"/>
-                <a:cs typeface="+mn-cs"/>
-              </a:defRPr>
-            </a:lvl6pPr>
-            <a:lvl7pPr marL="2971800" indent="-228600" algn="l" defTabSz="914400" rtl="0" eaLnBrk="1" latinLnBrk="0" hangingPunct="1">
-              <a:lnSpc>
-                <a:spcPct val="90000"/>
-              </a:lnSpc>
-              <a:spcBef>
-                <a:spcPct val="30000"/>
-              </a:spcBef>
-              <a:buFont typeface="Arial" panose="020B0604020202020204" pitchFamily="34" charset="0"/>
-              <a:buChar char="•"/>
-              <a:defRPr sz="1800" kern="1200">
-                <a:solidFill>
-                  <a:schemeClr val="tx1"/>
-                </a:solidFill>
-                <a:latin typeface="+mn-lt"/>
-                <a:ea typeface="+mn-ea"/>
-                <a:cs typeface="+mn-cs"/>
-              </a:defRPr>
-            </a:lvl7pPr>
-            <a:lvl8pPr marL="3429000" indent="-228600" algn="l" defTabSz="914400" rtl="0" eaLnBrk="1" latinLnBrk="0" hangingPunct="1">
-              <a:lnSpc>
-                <a:spcPct val="90000"/>
-              </a:lnSpc>
-              <a:spcBef>
-                <a:spcPct val="30000"/>
-              </a:spcBef>
-              <a:buFont typeface="Arial" panose="020B0604020202020204" pitchFamily="34" charset="0"/>
-              <a:buChar char="•"/>
-              <a:defRPr sz="1800" kern="1200">
-                <a:solidFill>
-                  <a:schemeClr val="tx1"/>
-                </a:solidFill>
-                <a:latin typeface="+mn-lt"/>
-                <a:ea typeface="+mn-ea"/>
-                <a:cs typeface="+mn-cs"/>
-              </a:defRPr>
-            </a:lvl8pPr>
-            <a:lvl9pPr marL="3886200" indent="-228600" algn="l" defTabSz="914400" rtl="0" eaLnBrk="1" latinLnBrk="0" hangingPunct="1">
-              <a:lnSpc>
-                <a:spcPct val="90000"/>
-              </a:lnSpc>
-              <a:spcBef>
-                <a:spcPct val="30000"/>
-              </a:spcBef>
-              <a:buFont typeface="Arial" panose="020B0604020202020204" pitchFamily="34" charset="0"/>
-              <a:buChar char="•"/>
-              <a:defRPr sz="1800" kern="1200">
-                <a:solidFill>
-                  <a:schemeClr val="tx1"/>
-                </a:solidFill>
-                <a:latin typeface="+mn-lt"/>
-                <a:ea typeface="+mn-ea"/>
-                <a:cs typeface="+mn-cs"/>
-              </a:defRPr>
-            </a:lvl9pPr>
-          </a:lstStyle>
-          <a:p>
-            <a:pPr marL="0" indent="0" algn="ctr" defTabSz="578358">
-              <a:spcBef>
-                <a:spcPts val="2300"/>
-              </a:spcBef>
-              <a:buNone/>
-              <a:defRPr sz="3500"/>
-            </a:pPr>
-            <a:r>
-              <a:rPr lang="en-US" sz="2400" dirty="0">
-                <a:solidFill>
-                  <a:srgbClr val="D24726"/>
-                </a:solidFill>
-                <a:latin typeface="Segoe UI Semibold" panose="020B0702040204020203" pitchFamily="34" charset="0"/>
-                <a:cs typeface="Segoe UI Semibold" panose="020B0702040204020203" pitchFamily="34" charset="0"/>
-              </a:rPr>
-              <a:t>Consumer Group</a:t>
-            </a:r>
-          </a:p>
-          <a:p>
-            <a:pPr marL="0" indent="0" algn="ctr" defTabSz="578358">
-              <a:spcBef>
-                <a:spcPts val="2300"/>
-              </a:spcBef>
-              <a:buNone/>
-              <a:defRPr sz="3500"/>
-            </a:pPr>
-            <a:endParaRPr lang="en-US" sz="2000" dirty="0"/>
-          </a:p>
-          <a:p>
-            <a:pPr marL="0" indent="0" algn="ctr" defTabSz="578358">
-              <a:spcBef>
-                <a:spcPts val="2300"/>
-              </a:spcBef>
-              <a:buNone/>
-              <a:defRPr sz="3500"/>
-            </a:pPr>
-            <a:r>
-              <a:rPr lang="en-US" sz="2000" dirty="0"/>
-              <a:t>Group of consumers acting as a single unit</a:t>
-            </a:r>
-          </a:p>
-        </p:txBody>
-      </p:sp>
-    </p:spTree>
-    <p:extLst>
-      <p:ext uri="{BB962C8B-B14F-4D97-AF65-F5344CB8AC3E}">
-        <p14:creationId xmlns:p14="http://schemas.microsoft.com/office/powerpoint/2010/main" val="307096418"/>
-      </p:ext>
-    </p:extLst>
-  </p:cSld>
-  <p:clrMapOvr>
-    <a:masterClrMapping/>
-  </p:clrMapOvr>
-  <mc:AlternateContent xmlns:mc="http://schemas.openxmlformats.org/markup-compatibility/2006" xmlns:p14="http://schemas.microsoft.com/office/powerpoint/2010/main">
-    <mc:Choice Requires="p14">
-      <p:transition p14:dur="10"/>
-    </mc:Choice>
-    <mc:Fallback xmlns="">
-      <p:transition/>
-    </mc:Fallback>
-  </mc:AlternateContent>
-</p:sld>
-</file>
-
-<file path=ppt/slides/slide19.xml><?xml version="1.0" encoding="utf-8"?>
-<p:sld xmlns:a="http://schemas.openxmlformats.org/drawingml/2006/main" xmlns:r="http://schemas.openxmlformats.org/officeDocument/2006/relationships" xmlns:p="http://schemas.openxmlformats.org/presentationml/2006/main">
-  <p:cSld>
-    <p:spTree>
-      <p:nvGrpSpPr>
-        <p:cNvPr id="1" name=""/>
-        <p:cNvGrpSpPr/>
-        <p:nvPr/>
-      </p:nvGrpSpPr>
-      <p:grpSpPr>
-        <a:xfrm>
-          <a:off x="0" y="0"/>
-          <a:ext cx="0" cy="0"/>
-          <a:chOff x="0" y="0"/>
-          <a:chExt cx="0" cy="0"/>
-        </a:xfrm>
-      </p:grpSpPr>
-      <p:sp>
-        <p:nvSpPr>
-          <p:cNvPr id="4" name="Title 3"/>
-          <p:cNvSpPr>
-            <a:spLocks noGrp="1"/>
-          </p:cNvSpPr>
-          <p:nvPr>
-            <p:ph type="title"/>
-          </p:nvPr>
-        </p:nvSpPr>
-        <p:spPr>
-          <a:xfrm>
-            <a:off x="521208" y="448056"/>
-            <a:ext cx="6117336" cy="640080"/>
-          </a:xfrm>
-        </p:spPr>
-        <p:txBody>
-          <a:bodyPr>
-            <a:normAutofit/>
-          </a:bodyPr>
-          <a:lstStyle/>
-          <a:p>
-            <a:r>
-              <a:rPr lang="en-US" dirty="0"/>
-              <a:t>Consumer Group</a:t>
-            </a:r>
-          </a:p>
-        </p:txBody>
-      </p:sp>
-      <p:pic>
-        <p:nvPicPr>
-          <p:cNvPr id="3" name="Picture 2"/>
-          <p:cNvPicPr>
-            <a:picLocks noChangeAspect="1"/>
-          </p:cNvPicPr>
-          <p:nvPr/>
-        </p:nvPicPr>
-        <p:blipFill>
-          <a:blip r:embed="rId2">
-            <a:extLst>
-              <a:ext uri="{28A0092B-C50C-407E-A947-70E740481C1C}">
-                <a14:useLocalDpi xmlns:a14="http://schemas.microsoft.com/office/drawing/2010/main" val="0"/>
-              </a:ext>
-            </a:extLst>
-          </a:blip>
-          <a:stretch>
-            <a:fillRect/>
-          </a:stretch>
-        </p:blipFill>
-        <p:spPr>
-          <a:xfrm>
-            <a:off x="1565861" y="1794226"/>
-            <a:ext cx="8655825" cy="4475945"/>
-          </a:xfrm>
-          <a:prstGeom prst="rect">
-            <a:avLst/>
-          </a:prstGeom>
-          <a:ln>
-            <a:noFill/>
-          </a:ln>
-          <a:effectLst>
-            <a:softEdge rad="112500"/>
-          </a:effectLst>
-        </p:spPr>
-      </p:pic>
-    </p:spTree>
-    <p:extLst>
-      <p:ext uri="{BB962C8B-B14F-4D97-AF65-F5344CB8AC3E}">
-        <p14:creationId xmlns:p14="http://schemas.microsoft.com/office/powerpoint/2010/main" val="708889277"/>
-      </p:ext>
-    </p:extLst>
-  </p:cSld>
-  <p:clrMapOvr>
-    <a:masterClrMapping/>
-  </p:clrMapOvr>
-  <mc:AlternateContent xmlns:mc="http://schemas.openxmlformats.org/markup-compatibility/2006" xmlns:p14="http://schemas.microsoft.com/office/powerpoint/2010/main">
-    <mc:Choice Requires="p14">
-      <p:transition p14:dur="10"/>
-    </mc:Choice>
-    <mc:Fallback xmlns="">
-      <p:transition/>
-    </mc:Fallback>
-  </mc:AlternateContent>
-</p:sld>
-</file>
-
-<file path=ppt/slides/slide2.xml><?xml version="1.0" encoding="utf-8"?>
-<p:sld xmlns:a="http://schemas.openxmlformats.org/drawingml/2006/main" xmlns:r="http://schemas.openxmlformats.org/officeDocument/2006/relationships" xmlns:p="http://schemas.openxmlformats.org/presentationml/2006/main">
-  <p:cSld>
-    <p:spTree>
-      <p:nvGrpSpPr>
-        <p:cNvPr id="1" name=""/>
-        <p:cNvGrpSpPr/>
-        <p:nvPr/>
-      </p:nvGrpSpPr>
-      <p:grpSpPr>
-        <a:xfrm>
-          <a:off x="0" y="0"/>
-          <a:ext cx="0" cy="0"/>
-          <a:chOff x="0" y="0"/>
-          <a:chExt cx="0" cy="0"/>
-        </a:xfrm>
-      </p:grpSpPr>
-      <p:sp>
-        <p:nvSpPr>
-          <p:cNvPr id="8" name="Title 7"/>
-          <p:cNvSpPr>
-            <a:spLocks noGrp="1"/>
-          </p:cNvSpPr>
-          <p:nvPr>
-            <p:ph type="title"/>
-          </p:nvPr>
-        </p:nvSpPr>
-        <p:spPr/>
-        <p:txBody>
-          <a:bodyPr/>
-          <a:lstStyle/>
-          <a:p>
-            <a:r>
-              <a:rPr lang="en-US" dirty="0"/>
-              <a:t>What is Kafka?</a:t>
-            </a:r>
-            <a:endParaRPr lang="en-US" dirty="0">
-              <a:latin typeface="Segoe UI Light" panose="020B0502040204020203" pitchFamily="34" charset="0"/>
-              <a:cs typeface="Segoe UI Light" panose="020B0502040204020203" pitchFamily="34" charset="0"/>
-            </a:endParaRPr>
-          </a:p>
-        </p:txBody>
-      </p:sp>
-      <p:sp>
-        <p:nvSpPr>
-          <p:cNvPr id="5" name="Stream Processing…"/>
-          <p:cNvSpPr txBox="1">
-            <a:spLocks/>
-          </p:cNvSpPr>
-          <p:nvPr/>
-        </p:nvSpPr>
-        <p:spPr>
-          <a:xfrm>
-            <a:off x="521208" y="1608483"/>
-            <a:ext cx="11988800" cy="6096000"/>
-          </a:xfrm>
-          <a:prstGeom prst="rect">
-            <a:avLst/>
-          </a:prstGeom>
-        </p:spPr>
-        <p:txBody>
-          <a:bodyPr/>
-          <a:lstStyle>
-            <a:lvl1pPr marL="228600" indent="-228600" algn="l" defTabSz="914400" rtl="0" eaLnBrk="1" latinLnBrk="0" hangingPunct="1">
-              <a:lnSpc>
-                <a:spcPct val="90000"/>
-              </a:lnSpc>
-              <a:spcBef>
-                <a:spcPct val="30000"/>
-              </a:spcBef>
-              <a:buFont typeface="Arial" panose="020B0604020202020204" pitchFamily="34" charset="0"/>
-              <a:buChar char="•"/>
-              <a:defRPr sz="2800" kern="1200">
-                <a:solidFill>
-                  <a:schemeClr val="tx1"/>
-                </a:solidFill>
-                <a:latin typeface="+mn-lt"/>
-                <a:ea typeface="+mn-ea"/>
-                <a:cs typeface="+mn-cs"/>
-              </a:defRPr>
-            </a:lvl1pPr>
-            <a:lvl2pPr marL="685800" indent="-228600" algn="l" defTabSz="914400" rtl="0" eaLnBrk="1" latinLnBrk="0" hangingPunct="1">
-              <a:lnSpc>
-                <a:spcPct val="90000"/>
-              </a:lnSpc>
-              <a:spcBef>
-                <a:spcPct val="30000"/>
-              </a:spcBef>
-              <a:buFont typeface="Arial" panose="020B0604020202020204" pitchFamily="34" charset="0"/>
-              <a:buChar char="•"/>
-              <a:defRPr sz="2400" kern="1200">
-                <a:solidFill>
-                  <a:schemeClr val="tx1"/>
-                </a:solidFill>
-                <a:latin typeface="+mn-lt"/>
-                <a:ea typeface="+mn-ea"/>
-                <a:cs typeface="+mn-cs"/>
-              </a:defRPr>
-            </a:lvl2pPr>
-            <a:lvl3pPr marL="1143000" indent="-228600" algn="l" defTabSz="914400" rtl="0" eaLnBrk="1" latinLnBrk="0" hangingPunct="1">
-              <a:lnSpc>
-                <a:spcPct val="90000"/>
-              </a:lnSpc>
-              <a:spcBef>
-                <a:spcPct val="30000"/>
-              </a:spcBef>
-              <a:buFont typeface="Arial" panose="020B0604020202020204" pitchFamily="34" charset="0"/>
-              <a:buChar char="•"/>
-              <a:defRPr sz="2000" kern="1200">
-                <a:solidFill>
-                  <a:schemeClr val="tx1"/>
-                </a:solidFill>
-                <a:latin typeface="+mn-lt"/>
-                <a:ea typeface="+mn-ea"/>
-                <a:cs typeface="+mn-cs"/>
-              </a:defRPr>
-            </a:lvl3pPr>
-            <a:lvl4pPr marL="1600200" indent="-228600" algn="l" defTabSz="914400" rtl="0" eaLnBrk="1" latinLnBrk="0" hangingPunct="1">
-              <a:lnSpc>
-                <a:spcPct val="90000"/>
-              </a:lnSpc>
-              <a:spcBef>
-                <a:spcPct val="30000"/>
-              </a:spcBef>
-              <a:buFont typeface="Arial" panose="020B0604020202020204" pitchFamily="34" charset="0"/>
-              <a:buChar char="•"/>
-              <a:defRPr sz="1800" kern="1200">
-                <a:solidFill>
-                  <a:schemeClr val="tx1"/>
-                </a:solidFill>
-                <a:latin typeface="+mn-lt"/>
-                <a:ea typeface="+mn-ea"/>
-                <a:cs typeface="+mn-cs"/>
-              </a:defRPr>
-            </a:lvl4pPr>
-            <a:lvl5pPr marL="2057400" indent="-228600" algn="l" defTabSz="914400" rtl="0" eaLnBrk="1" latinLnBrk="0" hangingPunct="1">
-              <a:lnSpc>
-                <a:spcPct val="90000"/>
-              </a:lnSpc>
-              <a:spcBef>
-                <a:spcPct val="30000"/>
-              </a:spcBef>
-              <a:buFont typeface="Arial" panose="020B0604020202020204" pitchFamily="34" charset="0"/>
-              <a:buChar char="•"/>
-              <a:defRPr sz="1800" kern="1200">
-                <a:solidFill>
-                  <a:schemeClr val="tx1"/>
-                </a:solidFill>
-                <a:latin typeface="+mn-lt"/>
-                <a:ea typeface="+mn-ea"/>
-                <a:cs typeface="+mn-cs"/>
-              </a:defRPr>
-            </a:lvl5pPr>
-            <a:lvl6pPr marL="2514600" indent="-228600" algn="l" defTabSz="914400" rtl="0" eaLnBrk="1" latinLnBrk="0" hangingPunct="1">
-              <a:lnSpc>
-                <a:spcPct val="90000"/>
-              </a:lnSpc>
-              <a:spcBef>
-                <a:spcPct val="30000"/>
-              </a:spcBef>
-              <a:buFont typeface="Arial" panose="020B0604020202020204" pitchFamily="34" charset="0"/>
-              <a:buChar char="•"/>
-              <a:defRPr sz="1800" kern="1200">
-                <a:solidFill>
-                  <a:schemeClr val="tx1"/>
-                </a:solidFill>
-                <a:latin typeface="+mn-lt"/>
-                <a:ea typeface="+mn-ea"/>
-                <a:cs typeface="+mn-cs"/>
-              </a:defRPr>
-            </a:lvl6pPr>
-            <a:lvl7pPr marL="2971800" indent="-228600" algn="l" defTabSz="914400" rtl="0" eaLnBrk="1" latinLnBrk="0" hangingPunct="1">
-              <a:lnSpc>
-                <a:spcPct val="90000"/>
-              </a:lnSpc>
-              <a:spcBef>
-                <a:spcPct val="30000"/>
-              </a:spcBef>
-              <a:buFont typeface="Arial" panose="020B0604020202020204" pitchFamily="34" charset="0"/>
-              <a:buChar char="•"/>
-              <a:defRPr sz="1800" kern="1200">
-                <a:solidFill>
-                  <a:schemeClr val="tx1"/>
-                </a:solidFill>
-                <a:latin typeface="+mn-lt"/>
-                <a:ea typeface="+mn-ea"/>
-                <a:cs typeface="+mn-cs"/>
-              </a:defRPr>
-            </a:lvl7pPr>
-            <a:lvl8pPr marL="3429000" indent="-228600" algn="l" defTabSz="914400" rtl="0" eaLnBrk="1" latinLnBrk="0" hangingPunct="1">
-              <a:lnSpc>
-                <a:spcPct val="90000"/>
-              </a:lnSpc>
-              <a:spcBef>
-                <a:spcPct val="30000"/>
-              </a:spcBef>
-              <a:buFont typeface="Arial" panose="020B0604020202020204" pitchFamily="34" charset="0"/>
-              <a:buChar char="•"/>
-              <a:defRPr sz="1800" kern="1200">
-                <a:solidFill>
-                  <a:schemeClr val="tx1"/>
-                </a:solidFill>
-                <a:latin typeface="+mn-lt"/>
-                <a:ea typeface="+mn-ea"/>
-                <a:cs typeface="+mn-cs"/>
-              </a:defRPr>
-            </a:lvl8pPr>
-            <a:lvl9pPr marL="3886200" indent="-228600" algn="l" defTabSz="914400" rtl="0" eaLnBrk="1" latinLnBrk="0" hangingPunct="1">
-              <a:lnSpc>
-                <a:spcPct val="90000"/>
-              </a:lnSpc>
-              <a:spcBef>
-                <a:spcPct val="30000"/>
-              </a:spcBef>
-              <a:buFont typeface="Arial" panose="020B0604020202020204" pitchFamily="34" charset="0"/>
-              <a:buChar char="•"/>
-              <a:defRPr sz="1800" kern="1200">
-                <a:solidFill>
-                  <a:schemeClr val="tx1"/>
-                </a:solidFill>
-                <a:latin typeface="+mn-lt"/>
-                <a:ea typeface="+mn-ea"/>
-                <a:cs typeface="+mn-cs"/>
-              </a:defRPr>
-            </a:lvl9pPr>
-          </a:lstStyle>
-          <a:p>
-            <a:pPr defTabSz="496570">
-              <a:spcBef>
-                <a:spcPts val="2000"/>
-              </a:spcBef>
-              <a:buFont typeface="Wingdings" panose="05000000000000000000" pitchFamily="2" charset="2"/>
-              <a:buChar char="Ø"/>
-              <a:defRPr sz="3060"/>
-            </a:pPr>
-            <a:endParaRPr lang="en-US" sz="2000" dirty="0"/>
-          </a:p>
-        </p:txBody>
-      </p:sp>
-      <p:sp>
-        <p:nvSpPr>
-          <p:cNvPr id="6" name="Shape 160"/>
-          <p:cNvSpPr txBox="1">
-            <a:spLocks/>
-          </p:cNvSpPr>
-          <p:nvPr/>
-        </p:nvSpPr>
-        <p:spPr>
-          <a:xfrm>
-            <a:off x="521208" y="1930216"/>
-            <a:ext cx="11988800" cy="6096000"/>
-          </a:xfrm>
-          <a:prstGeom prst="rect">
-            <a:avLst/>
-          </a:prstGeom>
-        </p:spPr>
-        <p:txBody>
-          <a:bodyPr/>
-          <a:lstStyle>
-            <a:lvl1pPr marL="228600" indent="-228600" algn="l" defTabSz="914400" rtl="0" eaLnBrk="1" latinLnBrk="0" hangingPunct="1">
-              <a:lnSpc>
-                <a:spcPct val="90000"/>
-              </a:lnSpc>
-              <a:spcBef>
-                <a:spcPct val="30000"/>
-              </a:spcBef>
-              <a:buFont typeface="Arial" panose="020B0604020202020204" pitchFamily="34" charset="0"/>
-              <a:buChar char="•"/>
-              <a:defRPr sz="2800" kern="1200">
-                <a:solidFill>
-                  <a:schemeClr val="tx1"/>
-                </a:solidFill>
-                <a:latin typeface="+mn-lt"/>
-                <a:ea typeface="+mn-ea"/>
-                <a:cs typeface="+mn-cs"/>
-              </a:defRPr>
-            </a:lvl1pPr>
-            <a:lvl2pPr marL="685800" indent="-228600" algn="l" defTabSz="914400" rtl="0" eaLnBrk="1" latinLnBrk="0" hangingPunct="1">
-              <a:lnSpc>
-                <a:spcPct val="90000"/>
-              </a:lnSpc>
-              <a:spcBef>
-                <a:spcPct val="30000"/>
-              </a:spcBef>
-              <a:buFont typeface="Arial" panose="020B0604020202020204" pitchFamily="34" charset="0"/>
-              <a:buChar char="•"/>
-              <a:defRPr sz="2400" kern="1200">
-                <a:solidFill>
-                  <a:schemeClr val="tx1"/>
-                </a:solidFill>
-                <a:latin typeface="+mn-lt"/>
-                <a:ea typeface="+mn-ea"/>
-                <a:cs typeface="+mn-cs"/>
-              </a:defRPr>
-            </a:lvl2pPr>
-            <a:lvl3pPr marL="1143000" indent="-228600" algn="l" defTabSz="914400" rtl="0" eaLnBrk="1" latinLnBrk="0" hangingPunct="1">
-              <a:lnSpc>
-                <a:spcPct val="90000"/>
-              </a:lnSpc>
-              <a:spcBef>
-                <a:spcPct val="30000"/>
-              </a:spcBef>
-              <a:buFont typeface="Arial" panose="020B0604020202020204" pitchFamily="34" charset="0"/>
-              <a:buChar char="•"/>
-              <a:defRPr sz="2000" kern="1200">
-                <a:solidFill>
-                  <a:schemeClr val="tx1"/>
-                </a:solidFill>
-                <a:latin typeface="+mn-lt"/>
-                <a:ea typeface="+mn-ea"/>
-                <a:cs typeface="+mn-cs"/>
-              </a:defRPr>
-            </a:lvl3pPr>
-            <a:lvl4pPr marL="1600200" indent="-228600" algn="l" defTabSz="914400" rtl="0" eaLnBrk="1" latinLnBrk="0" hangingPunct="1">
-              <a:lnSpc>
-                <a:spcPct val="90000"/>
-              </a:lnSpc>
-              <a:spcBef>
-                <a:spcPct val="30000"/>
-              </a:spcBef>
-              <a:buFont typeface="Arial" panose="020B0604020202020204" pitchFamily="34" charset="0"/>
-              <a:buChar char="•"/>
-              <a:defRPr sz="1800" kern="1200">
-                <a:solidFill>
-                  <a:schemeClr val="tx1"/>
-                </a:solidFill>
-                <a:latin typeface="+mn-lt"/>
-                <a:ea typeface="+mn-ea"/>
-                <a:cs typeface="+mn-cs"/>
-              </a:defRPr>
-            </a:lvl4pPr>
-            <a:lvl5pPr marL="2057400" indent="-228600" algn="l" defTabSz="914400" rtl="0" eaLnBrk="1" latinLnBrk="0" hangingPunct="1">
-              <a:lnSpc>
-                <a:spcPct val="90000"/>
-              </a:lnSpc>
-              <a:spcBef>
-                <a:spcPct val="30000"/>
-              </a:spcBef>
-              <a:buFont typeface="Arial" panose="020B0604020202020204" pitchFamily="34" charset="0"/>
-              <a:buChar char="•"/>
-              <a:defRPr sz="1800" kern="1200">
-                <a:solidFill>
-                  <a:schemeClr val="tx1"/>
-                </a:solidFill>
-                <a:latin typeface="+mn-lt"/>
-                <a:ea typeface="+mn-ea"/>
-                <a:cs typeface="+mn-cs"/>
-              </a:defRPr>
-            </a:lvl5pPr>
-            <a:lvl6pPr marL="2514600" indent="-228600" algn="l" defTabSz="914400" rtl="0" eaLnBrk="1" latinLnBrk="0" hangingPunct="1">
-              <a:lnSpc>
-                <a:spcPct val="90000"/>
-              </a:lnSpc>
-              <a:spcBef>
-                <a:spcPct val="30000"/>
-              </a:spcBef>
-              <a:buFont typeface="Arial" panose="020B0604020202020204" pitchFamily="34" charset="0"/>
-              <a:buChar char="•"/>
-              <a:defRPr sz="1800" kern="1200">
-                <a:solidFill>
-                  <a:schemeClr val="tx1"/>
-                </a:solidFill>
-                <a:latin typeface="+mn-lt"/>
-                <a:ea typeface="+mn-ea"/>
-                <a:cs typeface="+mn-cs"/>
-              </a:defRPr>
-            </a:lvl6pPr>
-            <a:lvl7pPr marL="2971800" indent="-228600" algn="l" defTabSz="914400" rtl="0" eaLnBrk="1" latinLnBrk="0" hangingPunct="1">
-              <a:lnSpc>
-                <a:spcPct val="90000"/>
-              </a:lnSpc>
-              <a:spcBef>
-                <a:spcPct val="30000"/>
-              </a:spcBef>
-              <a:buFont typeface="Arial" panose="020B0604020202020204" pitchFamily="34" charset="0"/>
-              <a:buChar char="•"/>
-              <a:defRPr sz="1800" kern="1200">
-                <a:solidFill>
-                  <a:schemeClr val="tx1"/>
-                </a:solidFill>
-                <a:latin typeface="+mn-lt"/>
-                <a:ea typeface="+mn-ea"/>
-                <a:cs typeface="+mn-cs"/>
-              </a:defRPr>
-            </a:lvl7pPr>
-            <a:lvl8pPr marL="3429000" indent="-228600" algn="l" defTabSz="914400" rtl="0" eaLnBrk="1" latinLnBrk="0" hangingPunct="1">
-              <a:lnSpc>
-                <a:spcPct val="90000"/>
-              </a:lnSpc>
-              <a:spcBef>
-                <a:spcPct val="30000"/>
-              </a:spcBef>
-              <a:buFont typeface="Arial" panose="020B0604020202020204" pitchFamily="34" charset="0"/>
-              <a:buChar char="•"/>
-              <a:defRPr sz="1800" kern="1200">
-                <a:solidFill>
-                  <a:schemeClr val="tx1"/>
-                </a:solidFill>
-                <a:latin typeface="+mn-lt"/>
-                <a:ea typeface="+mn-ea"/>
-                <a:cs typeface="+mn-cs"/>
-              </a:defRPr>
-            </a:lvl8pPr>
-            <a:lvl9pPr marL="3886200" indent="-228600" algn="l" defTabSz="914400" rtl="0" eaLnBrk="1" latinLnBrk="0" hangingPunct="1">
-              <a:lnSpc>
-                <a:spcPct val="90000"/>
-              </a:lnSpc>
-              <a:spcBef>
-                <a:spcPct val="30000"/>
-              </a:spcBef>
-              <a:buFont typeface="Arial" panose="020B0604020202020204" pitchFamily="34" charset="0"/>
-              <a:buChar char="•"/>
-              <a:defRPr sz="1800" kern="1200">
-                <a:solidFill>
-                  <a:schemeClr val="tx1"/>
-                </a:solidFill>
-                <a:latin typeface="+mn-lt"/>
-                <a:ea typeface="+mn-ea"/>
-                <a:cs typeface="+mn-cs"/>
-              </a:defRPr>
-            </a:lvl9pPr>
-          </a:lstStyle>
-          <a:p>
-            <a:pPr defTabSz="578358">
-              <a:spcBef>
-                <a:spcPts val="2300"/>
-              </a:spcBef>
-              <a:buFont typeface="Wingdings" panose="05000000000000000000" pitchFamily="2" charset="2"/>
-              <a:buChar char="v"/>
-              <a:defRPr sz="3500"/>
-            </a:pPr>
-            <a:r>
-              <a:rPr lang="en-US" sz="2000" dirty="0"/>
-              <a:t>  Distributed Streaming Platform</a:t>
-            </a:r>
-          </a:p>
-          <a:p>
-            <a:pPr marL="935100" lvl="1" indent="-465201" defTabSz="578358">
-              <a:spcBef>
-                <a:spcPts val="2300"/>
-              </a:spcBef>
-              <a:defRPr sz="3500"/>
-            </a:pPr>
-            <a:r>
-              <a:rPr lang="en-US" sz="2000" dirty="0"/>
-              <a:t>Publish and Subscribe to streams of records</a:t>
-            </a:r>
-          </a:p>
-          <a:p>
-            <a:pPr marL="935100" lvl="1" indent="-465201" defTabSz="578358">
-              <a:spcBef>
-                <a:spcPts val="2300"/>
-              </a:spcBef>
-              <a:defRPr sz="3500"/>
-            </a:pPr>
-            <a:r>
-              <a:rPr lang="en-US" sz="2000" dirty="0"/>
-              <a:t>store streams of records in a fault-tolerant way </a:t>
-            </a:r>
-          </a:p>
-          <a:p>
-            <a:pPr marL="935100" lvl="1" indent="-465201" defTabSz="578358">
-              <a:spcBef>
-                <a:spcPts val="2300"/>
-              </a:spcBef>
-              <a:defRPr sz="3500"/>
-            </a:pPr>
-            <a:r>
-              <a:rPr lang="en-US" sz="2000" dirty="0"/>
-              <a:t>Process streams of records as they occur</a:t>
-            </a:r>
-          </a:p>
-        </p:txBody>
-      </p:sp>
-    </p:spTree>
-    <p:extLst>
-      <p:ext uri="{BB962C8B-B14F-4D97-AF65-F5344CB8AC3E}">
-        <p14:creationId xmlns:p14="http://schemas.microsoft.com/office/powerpoint/2010/main" val="1048225827"/>
-      </p:ext>
-    </p:extLst>
-  </p:cSld>
-  <p:clrMapOvr>
-    <a:masterClrMapping/>
-  </p:clrMapOvr>
-  <mc:AlternateContent xmlns:mc="http://schemas.openxmlformats.org/markup-compatibility/2006" xmlns:p14="http://schemas.microsoft.com/office/powerpoint/2010/main">
-    <mc:Choice Requires="p14">
-      <p:transition p14:dur="10"/>
-    </mc:Choice>
-    <mc:Fallback xmlns="">
-      <p:transition/>
-    </mc:Fallback>
-  </mc:AlternateContent>
-</p:sld>
-</file>
-
-<file path=ppt/slides/slide20.xml><?xml version="1.0" encoding="utf-8"?>
-<p:sld xmlns:a="http://schemas.openxmlformats.org/drawingml/2006/main" xmlns:r="http://schemas.openxmlformats.org/officeDocument/2006/relationships" xmlns:p="http://schemas.openxmlformats.org/presentationml/2006/main">
-  <p:cSld>
-    <p:spTree>
-      <p:nvGrpSpPr>
-        <p:cNvPr id="1" name=""/>
-        <p:cNvGrpSpPr/>
-        <p:nvPr/>
-      </p:nvGrpSpPr>
-      <p:grpSpPr>
-        <a:xfrm>
-          <a:off x="0" y="0"/>
-          <a:ext cx="0" cy="0"/>
-          <a:chOff x="0" y="0"/>
-          <a:chExt cx="0" cy="0"/>
-        </a:xfrm>
-      </p:grpSpPr>
-      <p:sp>
-        <p:nvSpPr>
-          <p:cNvPr id="4" name="Title 3"/>
-          <p:cNvSpPr>
-            <a:spLocks noGrp="1"/>
-          </p:cNvSpPr>
-          <p:nvPr>
-            <p:ph type="title"/>
-          </p:nvPr>
-        </p:nvSpPr>
-        <p:spPr>
-          <a:xfrm>
-            <a:off x="521208" y="448056"/>
-            <a:ext cx="6117336" cy="640080"/>
-          </a:xfrm>
-        </p:spPr>
-        <p:txBody>
-          <a:bodyPr>
-            <a:normAutofit/>
-          </a:bodyPr>
-          <a:lstStyle/>
-          <a:p>
-            <a:r>
-              <a:rPr lang="en-US"/>
-              <a:t>Consumer Group</a:t>
-            </a:r>
-            <a:endParaRPr lang="en-US" dirty="0"/>
-          </a:p>
-        </p:txBody>
-      </p:sp>
-      <p:pic>
-        <p:nvPicPr>
-          <p:cNvPr id="3" name="Picture 2"/>
-          <p:cNvPicPr>
-            <a:picLocks noChangeAspect="1"/>
-          </p:cNvPicPr>
-          <p:nvPr/>
-        </p:nvPicPr>
-        <p:blipFill>
-          <a:blip r:embed="rId2">
-            <a:extLst>
-              <a:ext uri="{28A0092B-C50C-407E-A947-70E740481C1C}">
-                <a14:useLocalDpi xmlns:a14="http://schemas.microsoft.com/office/drawing/2010/main" val="0"/>
-              </a:ext>
-            </a:extLst>
-          </a:blip>
-          <a:stretch>
-            <a:fillRect/>
-          </a:stretch>
-        </p:blipFill>
-        <p:spPr>
-          <a:xfrm>
-            <a:off x="1598600" y="1796143"/>
-            <a:ext cx="8709863" cy="4331702"/>
-          </a:xfrm>
-          <a:prstGeom prst="rect">
-            <a:avLst/>
-          </a:prstGeom>
-          <a:ln>
-            <a:noFill/>
-          </a:ln>
-          <a:effectLst>
-            <a:softEdge rad="112500"/>
-          </a:effectLst>
-        </p:spPr>
-      </p:pic>
-    </p:spTree>
-    <p:extLst>
-      <p:ext uri="{BB962C8B-B14F-4D97-AF65-F5344CB8AC3E}">
-        <p14:creationId xmlns:p14="http://schemas.microsoft.com/office/powerpoint/2010/main" val="2834610124"/>
-      </p:ext>
-    </p:extLst>
-  </p:cSld>
-  <p:clrMapOvr>
-    <a:masterClrMapping/>
-  </p:clrMapOvr>
-  <mc:AlternateContent xmlns:mc="http://schemas.openxmlformats.org/markup-compatibility/2006" xmlns:p14="http://schemas.microsoft.com/office/powerpoint/2010/main">
-    <mc:Choice Requires="p14">
-      <p:transition p14:dur="10"/>
-    </mc:Choice>
-    <mc:Fallback xmlns="">
-      <p:transition/>
-    </mc:Fallback>
-  </mc:AlternateContent>
-</p:sld>
-</file>
-
-<file path=ppt/slides/slide21.xml><?xml version="1.0" encoding="utf-8"?>
-<p:sld xmlns:a="http://schemas.openxmlformats.org/drawingml/2006/main" xmlns:r="http://schemas.openxmlformats.org/officeDocument/2006/relationships" xmlns:p="http://schemas.openxmlformats.org/presentationml/2006/main">
-  <p:cSld>
-    <p:spTree>
-      <p:nvGrpSpPr>
-        <p:cNvPr id="1" name=""/>
-        <p:cNvGrpSpPr/>
-        <p:nvPr/>
-      </p:nvGrpSpPr>
-      <p:grpSpPr>
-        <a:xfrm>
-          <a:off x="0" y="0"/>
-          <a:ext cx="0" cy="0"/>
-          <a:chOff x="0" y="0"/>
-          <a:chExt cx="0" cy="0"/>
-        </a:xfrm>
-      </p:grpSpPr>
-      <p:sp>
-        <p:nvSpPr>
           <p:cNvPr id="3" name="Title 2"/>
           <p:cNvSpPr>
             <a:spLocks noGrp="1"/>
@@ -8410,7 +5190,7 @@
           </a:ln>
           <a:extLst>
             <a:ext uri="{C572A759-6A51-4108-AA02-DFA0A04FC94B}">
-              <ma14:wrappingTextBoxFlag xmlns="" xmlns:ma14="http://schemas.microsoft.com/office/mac/drawingml/2011/main" val="1"/>
+              <ma14:wrappingTextBoxFlag xmlns:ma14="http://schemas.microsoft.com/office/mac/drawingml/2011/main" xmlns="" val="1"/>
             </a:ext>
           </a:extLst>
         </p:spPr>
@@ -8527,7 +5307,7 @@
           </a:ln>
           <a:extLst>
             <a:ext uri="{C572A759-6A51-4108-AA02-DFA0A04FC94B}">
-              <ma14:wrappingTextBoxFlag xmlns="" xmlns:ma14="http://schemas.microsoft.com/office/mac/drawingml/2011/main" val="1"/>
+              <ma14:wrappingTextBoxFlag xmlns:ma14="http://schemas.microsoft.com/office/mac/drawingml/2011/main" xmlns="" val="1"/>
             </a:ext>
           </a:extLst>
         </p:spPr>
@@ -8586,7 +5366,7 @@
           </a:ln>
           <a:extLst>
             <a:ext uri="{C572A759-6A51-4108-AA02-DFA0A04FC94B}">
-              <ma14:wrappingTextBoxFlag xmlns="" xmlns:ma14="http://schemas.microsoft.com/office/mac/drawingml/2011/main" val="1"/>
+              <ma14:wrappingTextBoxFlag xmlns:ma14="http://schemas.microsoft.com/office/mac/drawingml/2011/main" xmlns="" val="1"/>
             </a:ext>
           </a:extLst>
         </p:spPr>
@@ -8706,7 +5486,7 @@
           </a:ln>
           <a:extLst>
             <a:ext uri="{C572A759-6A51-4108-AA02-DFA0A04FC94B}">
-              <ma14:wrappingTextBoxFlag xmlns="" xmlns:ma14="http://schemas.microsoft.com/office/mac/drawingml/2011/main" val="1"/>
+              <ma14:wrappingTextBoxFlag xmlns:ma14="http://schemas.microsoft.com/office/mac/drawingml/2011/main" xmlns="" val="1"/>
             </a:ext>
           </a:extLst>
         </p:spPr>
@@ -8814,7 +5594,7 @@
           </a:ln>
           <a:extLst>
             <a:ext uri="{C572A759-6A51-4108-AA02-DFA0A04FC94B}">
-              <ma14:wrappingTextBoxFlag xmlns="" xmlns:ma14="http://schemas.microsoft.com/office/mac/drawingml/2011/main" val="1"/>
+              <ma14:wrappingTextBoxFlag xmlns:ma14="http://schemas.microsoft.com/office/mac/drawingml/2011/main" xmlns="" val="1"/>
             </a:ext>
           </a:extLst>
         </p:spPr>
@@ -8969,7 +5749,7 @@
           </a:ln>
           <a:extLst>
             <a:ext uri="{C572A759-6A51-4108-AA02-DFA0A04FC94B}">
-              <ma14:wrappingTextBoxFlag xmlns="" xmlns:ma14="http://schemas.microsoft.com/office/mac/drawingml/2011/main" val="1"/>
+              <ma14:wrappingTextBoxFlag xmlns:ma14="http://schemas.microsoft.com/office/mac/drawingml/2011/main" xmlns="" val="1"/>
             </a:ext>
           </a:extLst>
         </p:spPr>
@@ -9025,7 +5805,7 @@
           </a:ln>
           <a:extLst>
             <a:ext uri="{C572A759-6A51-4108-AA02-DFA0A04FC94B}">
-              <ma14:wrappingTextBoxFlag xmlns="" xmlns:ma14="http://schemas.microsoft.com/office/mac/drawingml/2011/main" val="1"/>
+              <ma14:wrappingTextBoxFlag xmlns:ma14="http://schemas.microsoft.com/office/mac/drawingml/2011/main" xmlns="" val="1"/>
             </a:ext>
           </a:extLst>
         </p:spPr>
@@ -9182,7 +5962,7 @@
           </a:ln>
           <a:extLst>
             <a:ext uri="{C572A759-6A51-4108-AA02-DFA0A04FC94B}">
-              <ma14:wrappingTextBoxFlag xmlns="" xmlns:ma14="http://schemas.microsoft.com/office/mac/drawingml/2011/main" val="1"/>
+              <ma14:wrappingTextBoxFlag xmlns:ma14="http://schemas.microsoft.com/office/mac/drawingml/2011/main" xmlns="" val="1"/>
             </a:ext>
           </a:extLst>
         </p:spPr>
@@ -9238,7 +6018,7 @@
           </a:ln>
           <a:extLst>
             <a:ext uri="{C572A759-6A51-4108-AA02-DFA0A04FC94B}">
-              <ma14:wrappingTextBoxFlag xmlns="" xmlns:ma14="http://schemas.microsoft.com/office/mac/drawingml/2011/main" val="1"/>
+              <ma14:wrappingTextBoxFlag xmlns:ma14="http://schemas.microsoft.com/office/mac/drawingml/2011/main" xmlns="" val="1"/>
             </a:ext>
           </a:extLst>
         </p:spPr>
@@ -9295,7 +6075,7 @@
           </a:ln>
           <a:extLst>
             <a:ext uri="{C572A759-6A51-4108-AA02-DFA0A04FC94B}">
-              <ma14:wrappingTextBoxFlag xmlns="" xmlns:ma14="http://schemas.microsoft.com/office/mac/drawingml/2011/main" val="1"/>
+              <ma14:wrappingTextBoxFlag xmlns:ma14="http://schemas.microsoft.com/office/mac/drawingml/2011/main" xmlns="" val="1"/>
             </a:ext>
           </a:extLst>
         </p:spPr>
@@ -9499,100 +6279,7 @@
 </p:sld>
 </file>
 
-<file path=ppt/slides/slide22.xml><?xml version="1.0" encoding="utf-8"?>
-<p:sld xmlns:a="http://schemas.openxmlformats.org/drawingml/2006/main" xmlns:r="http://schemas.openxmlformats.org/officeDocument/2006/relationships" xmlns:p="http://schemas.openxmlformats.org/presentationml/2006/main">
-  <p:cSld>
-    <p:spTree>
-      <p:nvGrpSpPr>
-        <p:cNvPr id="1" name=""/>
-        <p:cNvGrpSpPr/>
-        <p:nvPr/>
-      </p:nvGrpSpPr>
-      <p:grpSpPr>
-        <a:xfrm>
-          <a:off x="0" y="0"/>
-          <a:ext cx="0" cy="0"/>
-          <a:chOff x="0" y="0"/>
-          <a:chExt cx="0" cy="0"/>
-        </a:xfrm>
-      </p:grpSpPr>
-      <p:pic>
-        <p:nvPicPr>
-          <p:cNvPr id="5" name="Content Placeholder 4"/>
-          <p:cNvPicPr>
-            <a:picLocks noGrp="1" noChangeAspect="1"/>
-          </p:cNvPicPr>
-          <p:nvPr>
-            <p:ph sz="half" idx="2"/>
-          </p:nvPr>
-        </p:nvPicPr>
-        <p:blipFill rotWithShape="1">
-          <a:blip r:embed="rId2">
-            <a:extLst>
-              <a:ext uri="{28A0092B-C50C-407E-A947-70E740481C1C}">
-                <a14:useLocalDpi xmlns:a14="http://schemas.microsoft.com/office/drawing/2010/main" val="0"/>
-              </a:ext>
-            </a:extLst>
-          </a:blip>
-          <a:srcRect r="4054"/>
-          <a:stretch/>
-        </p:blipFill>
-        <p:spPr>
-          <a:xfrm>
-            <a:off x="965201" y="1537806"/>
-            <a:ext cx="9618132" cy="4832286"/>
-          </a:xfrm>
-          <a:prstGeom prst="rect">
-            <a:avLst/>
-          </a:prstGeom>
-          <a:ln>
-            <a:noFill/>
-          </a:ln>
-          <a:effectLst>
-            <a:softEdge rad="112500"/>
-          </a:effectLst>
-        </p:spPr>
-      </p:pic>
-      <p:sp>
-        <p:nvSpPr>
-          <p:cNvPr id="3" name="Title 2"/>
-          <p:cNvSpPr>
-            <a:spLocks noGrp="1"/>
-          </p:cNvSpPr>
-          <p:nvPr>
-            <p:ph type="title"/>
-          </p:nvPr>
-        </p:nvSpPr>
-        <p:spPr/>
-        <p:txBody>
-          <a:bodyPr/>
-          <a:lstStyle/>
-          <a:p>
-            <a:r>
-              <a:rPr lang="en-US" dirty="0" err="1"/>
-              <a:t>KafKa</a:t>
-            </a:r>
-            <a:r>
-              <a:rPr lang="en-US" dirty="0"/>
-              <a:t> Architecture </a:t>
-            </a:r>
-          </a:p>
-        </p:txBody>
-      </p:sp>
-    </p:spTree>
-    <p:extLst>
-      <p:ext uri="{BB962C8B-B14F-4D97-AF65-F5344CB8AC3E}">
-        <p14:creationId xmlns:p14="http://schemas.microsoft.com/office/powerpoint/2010/main" val="427770612"/>
-      </p:ext>
-    </p:extLst>
-  </p:cSld>
-  <p:clrMapOvr>
-    <a:masterClrMapping/>
-  </p:clrMapOvr>
-</p:sld>
-</file>
-
-<file path=ppt/slides/slide23.xml><?xml version="1.0" encoding="utf-8"?>
+<file path=ppt/slides/slide13.xml><?xml version="1.0" encoding="utf-8"?>
 <p:sld xmlns:a="http://schemas.openxmlformats.org/drawingml/2006/main" xmlns:r="http://schemas.openxmlformats.org/officeDocument/2006/relationships" xmlns:p="http://schemas.openxmlformats.org/presentationml/2006/main">
   <p:cSld>
     <p:spTree>
@@ -9735,7 +6422,7 @@
           </a:ln>
           <a:extLst>
             <a:ext uri="{C572A759-6A51-4108-AA02-DFA0A04FC94B}">
-              <ma14:wrappingTextBoxFlag xmlns:ma14="http://schemas.microsoft.com/office/mac/drawingml/2011/main" xmlns="" val="1"/>
+              <ma14:wrappingTextBoxFlag xmlns="" xmlns:ma14="http://schemas.microsoft.com/office/mac/drawingml/2011/main" val="1"/>
             </a:ext>
           </a:extLst>
         </p:spPr>
@@ -9779,7 +6466,7 @@
           </a:ln>
           <a:extLst>
             <a:ext uri="{C572A759-6A51-4108-AA02-DFA0A04FC94B}">
-              <ma14:wrappingTextBoxFlag xmlns:ma14="http://schemas.microsoft.com/office/mac/drawingml/2011/main" xmlns="" val="1"/>
+              <ma14:wrappingTextBoxFlag xmlns="" xmlns:ma14="http://schemas.microsoft.com/office/mac/drawingml/2011/main" val="1"/>
             </a:ext>
           </a:extLst>
         </p:spPr>
@@ -9832,7 +6519,7 @@
           </a:ln>
           <a:extLst>
             <a:ext uri="{C572A759-6A51-4108-AA02-DFA0A04FC94B}">
-              <ma14:wrappingTextBoxFlag xmlns:ma14="http://schemas.microsoft.com/office/mac/drawingml/2011/main" xmlns="" val="1"/>
+              <ma14:wrappingTextBoxFlag xmlns="" xmlns:ma14="http://schemas.microsoft.com/office/mac/drawingml/2011/main" val="1"/>
             </a:ext>
           </a:extLst>
         </p:spPr>
@@ -9884,7 +6571,7 @@
           </a:ln>
           <a:extLst>
             <a:ext uri="{C572A759-6A51-4108-AA02-DFA0A04FC94B}">
-              <ma14:wrappingTextBoxFlag xmlns:ma14="http://schemas.microsoft.com/office/mac/drawingml/2011/main" xmlns="" val="1"/>
+              <ma14:wrappingTextBoxFlag xmlns="" xmlns:ma14="http://schemas.microsoft.com/office/mac/drawingml/2011/main" val="1"/>
             </a:ext>
           </a:extLst>
         </p:spPr>
@@ -9933,7 +6620,7 @@
           </a:ln>
           <a:extLst>
             <a:ext uri="{C572A759-6A51-4108-AA02-DFA0A04FC94B}">
-              <ma14:wrappingTextBoxFlag xmlns:ma14="http://schemas.microsoft.com/office/mac/drawingml/2011/main" xmlns="" val="1"/>
+              <ma14:wrappingTextBoxFlag xmlns="" xmlns:ma14="http://schemas.microsoft.com/office/mac/drawingml/2011/main" val="1"/>
             </a:ext>
           </a:extLst>
         </p:spPr>
@@ -10013,7 +6700,7 @@
           </a:ln>
           <a:extLst>
             <a:ext uri="{C572A759-6A51-4108-AA02-DFA0A04FC94B}">
-              <ma14:wrappingTextBoxFlag xmlns:ma14="http://schemas.microsoft.com/office/mac/drawingml/2011/main" xmlns="" val="1"/>
+              <ma14:wrappingTextBoxFlag xmlns="" xmlns:ma14="http://schemas.microsoft.com/office/mac/drawingml/2011/main" val="1"/>
             </a:ext>
           </a:extLst>
         </p:spPr>
@@ -10060,7 +6747,7 @@
           </a:ln>
           <a:extLst>
             <a:ext uri="{C572A759-6A51-4108-AA02-DFA0A04FC94B}">
-              <ma14:wrappingTextBoxFlag xmlns:ma14="http://schemas.microsoft.com/office/mac/drawingml/2011/main" xmlns="" val="1"/>
+              <ma14:wrappingTextBoxFlag xmlns="" xmlns:ma14="http://schemas.microsoft.com/office/mac/drawingml/2011/main" val="1"/>
             </a:ext>
           </a:extLst>
         </p:spPr>
@@ -10110,7 +6797,7 @@
           </a:ln>
           <a:extLst>
             <a:ext uri="{C572A759-6A51-4108-AA02-DFA0A04FC94B}">
-              <ma14:wrappingTextBoxFlag xmlns:ma14="http://schemas.microsoft.com/office/mac/drawingml/2011/main" xmlns="" val="1"/>
+              <ma14:wrappingTextBoxFlag xmlns="" xmlns:ma14="http://schemas.microsoft.com/office/mac/drawingml/2011/main" val="1"/>
             </a:ext>
           </a:extLst>
         </p:spPr>
@@ -10163,7 +6850,7 @@
           </a:ln>
           <a:extLst>
             <a:ext uri="{C572A759-6A51-4108-AA02-DFA0A04FC94B}">
-              <ma14:wrappingTextBoxFlag xmlns:ma14="http://schemas.microsoft.com/office/mac/drawingml/2011/main" xmlns="" val="1"/>
+              <ma14:wrappingTextBoxFlag xmlns="" xmlns:ma14="http://schemas.microsoft.com/office/mac/drawingml/2011/main" val="1"/>
             </a:ext>
           </a:extLst>
         </p:spPr>
@@ -10215,7 +6902,7 @@
           </a:ln>
           <a:extLst>
             <a:ext uri="{C572A759-6A51-4108-AA02-DFA0A04FC94B}">
-              <ma14:wrappingTextBoxFlag xmlns:ma14="http://schemas.microsoft.com/office/mac/drawingml/2011/main" xmlns="" val="1"/>
+              <ma14:wrappingTextBoxFlag xmlns="" xmlns:ma14="http://schemas.microsoft.com/office/mac/drawingml/2011/main" val="1"/>
             </a:ext>
           </a:extLst>
         </p:spPr>
@@ -10295,7 +6982,7 @@
           </a:ln>
           <a:extLst>
             <a:ext uri="{C572A759-6A51-4108-AA02-DFA0A04FC94B}">
-              <ma14:wrappingTextBoxFlag xmlns:ma14="http://schemas.microsoft.com/office/mac/drawingml/2011/main" xmlns="" val="1"/>
+              <ma14:wrappingTextBoxFlag xmlns="" xmlns:ma14="http://schemas.microsoft.com/office/mac/drawingml/2011/main" val="1"/>
             </a:ext>
           </a:extLst>
         </p:spPr>
@@ -10342,7 +7029,7 @@
           </a:ln>
           <a:extLst>
             <a:ext uri="{C572A759-6A51-4108-AA02-DFA0A04FC94B}">
-              <ma14:wrappingTextBoxFlag xmlns:ma14="http://schemas.microsoft.com/office/mac/drawingml/2011/main" xmlns="" val="1"/>
+              <ma14:wrappingTextBoxFlag xmlns="" xmlns:ma14="http://schemas.microsoft.com/office/mac/drawingml/2011/main" val="1"/>
             </a:ext>
           </a:extLst>
         </p:spPr>
@@ -10391,7 +7078,7 @@
           </a:ln>
           <a:extLst>
             <a:ext uri="{C572A759-6A51-4108-AA02-DFA0A04FC94B}">
-              <ma14:wrappingTextBoxFlag xmlns:ma14="http://schemas.microsoft.com/office/mac/drawingml/2011/main" xmlns="" val="1"/>
+              <ma14:wrappingTextBoxFlag xmlns="" xmlns:ma14="http://schemas.microsoft.com/office/mac/drawingml/2011/main" val="1"/>
             </a:ext>
           </a:extLst>
         </p:spPr>
@@ -10443,7 +7130,7 @@
           </a:ln>
           <a:extLst>
             <a:ext uri="{C572A759-6A51-4108-AA02-DFA0A04FC94B}">
-              <ma14:wrappingTextBoxFlag xmlns:ma14="http://schemas.microsoft.com/office/mac/drawingml/2011/main" xmlns="" val="1"/>
+              <ma14:wrappingTextBoxFlag xmlns="" xmlns:ma14="http://schemas.microsoft.com/office/mac/drawingml/2011/main" val="1"/>
             </a:ext>
           </a:extLst>
         </p:spPr>
@@ -10495,7 +7182,7 @@
           </a:ln>
           <a:extLst>
             <a:ext uri="{C572A759-6A51-4108-AA02-DFA0A04FC94B}">
-              <ma14:wrappingTextBoxFlag xmlns:ma14="http://schemas.microsoft.com/office/mac/drawingml/2011/main" xmlns="" val="1"/>
+              <ma14:wrappingTextBoxFlag xmlns="" xmlns:ma14="http://schemas.microsoft.com/office/mac/drawingml/2011/main" val="1"/>
             </a:ext>
           </a:extLst>
         </p:spPr>
@@ -10542,7 +7229,7 @@
           </a:ln>
           <a:extLst>
             <a:ext uri="{C572A759-6A51-4108-AA02-DFA0A04FC94B}">
-              <ma14:wrappingTextBoxFlag xmlns="" xmlns:ma14="http://schemas.microsoft.com/office/mac/drawingml/2011/main" val="1"/>
+              <ma14:wrappingTextBoxFlag xmlns:ma14="http://schemas.microsoft.com/office/mac/drawingml/2011/main" xmlns="" val="1"/>
             </a:ext>
           </a:extLst>
         </p:spPr>
@@ -10690,7 +7377,7 @@
           </a:ln>
           <a:extLst>
             <a:ext uri="{C572A759-6A51-4108-AA02-DFA0A04FC94B}">
-              <ma14:wrappingTextBoxFlag xmlns="" xmlns:ma14="http://schemas.microsoft.com/office/mac/drawingml/2011/main" val="1"/>
+              <ma14:wrappingTextBoxFlag xmlns:ma14="http://schemas.microsoft.com/office/mac/drawingml/2011/main" xmlns="" val="1"/>
             </a:ext>
           </a:extLst>
         </p:spPr>
@@ -10726,7 +7413,7 @@
           </a:ln>
           <a:extLst>
             <a:ext uri="{C572A759-6A51-4108-AA02-DFA0A04FC94B}">
-              <ma14:wrappingTextBoxFlag xmlns="" xmlns:ma14="http://schemas.microsoft.com/office/mac/drawingml/2011/main" val="1"/>
+              <ma14:wrappingTextBoxFlag xmlns:ma14="http://schemas.microsoft.com/office/mac/drawingml/2011/main" xmlns="" val="1"/>
             </a:ext>
           </a:extLst>
         </p:spPr>
@@ -10769,7 +7456,7 @@
 </p:sld>
 </file>
 
-<file path=ppt/slides/slide24.xml><?xml version="1.0" encoding="utf-8"?>
+<file path=ppt/slides/slide14.xml><?xml version="1.0" encoding="utf-8"?>
 <p:sld xmlns:a="http://schemas.openxmlformats.org/drawingml/2006/main" xmlns:r="http://schemas.openxmlformats.org/officeDocument/2006/relationships" xmlns:p="http://schemas.openxmlformats.org/presentationml/2006/main">
   <p:cSld>
     <p:spTree>
@@ -10859,7 +7546,7 @@
 </p:sld>
 </file>
 
-<file path=ppt/slides/slide25.xml><?xml version="1.0" encoding="utf-8"?>
+<file path=ppt/slides/slide15.xml><?xml version="1.0" encoding="utf-8"?>
 <p:sld xmlns:a="http://schemas.openxmlformats.org/drawingml/2006/main" xmlns:r="http://schemas.openxmlformats.org/officeDocument/2006/relationships" xmlns:p="http://schemas.openxmlformats.org/presentationml/2006/main">
   <p:cSld>
     <p:spTree>
@@ -10967,25 +7654,6 @@
               </a:solidFill>
             </a:endParaRPr>
           </a:p>
-          <a:p>
-            <a:pPr defTabSz="578358">
-              <a:lnSpc>
-                <a:spcPct val="90000"/>
-              </a:lnSpc>
-              <a:spcBef>
-                <a:spcPts val="2300"/>
-              </a:spcBef>
-              <a:defRPr sz="3500"/>
-            </a:pPr>
-            <a:r>
-              <a:rPr lang="en-US" sz="2000" dirty="0">
-                <a:solidFill>
-                  <a:schemeClr val="tx1"/>
-                </a:solidFill>
-              </a:rPr>
-              <a:t>Two types of messaging patterns are available :</a:t>
-            </a:r>
-          </a:p>
         </p:txBody>
       </p:sp>
       <p:sp>
@@ -11023,7 +7691,7 @@
 </p:sld>
 </file>
 
-<file path=ppt/slides/slide26.xml><?xml version="1.0" encoding="utf-8"?>
+<file path=ppt/slides/slide16.xml><?xml version="1.0" encoding="utf-8"?>
 <p:sld xmlns:a="http://schemas.openxmlformats.org/drawingml/2006/main" xmlns:r="http://schemas.openxmlformats.org/officeDocument/2006/relationships" xmlns:p="http://schemas.openxmlformats.org/presentationml/2006/main">
   <p:cSld>
     <p:spTree>
@@ -11108,8 +7776,8 @@
         </p:nvSpPr>
         <p:spPr>
           <a:xfrm>
-            <a:off x="521208" y="2108293"/>
-            <a:ext cx="1164101" cy="400110"/>
+            <a:off x="704088" y="2355818"/>
+            <a:ext cx="1510350" cy="400110"/>
           </a:xfrm>
           <a:prstGeom prst="rect">
             <a:avLst/>
@@ -11122,9 +7790,58 @@
           </a:bodyPr>
           <a:lstStyle/>
           <a:p>
+            <a:pPr marL="342900" indent="-342900">
+              <a:buFont typeface="Wingdings" panose="05000000000000000000" pitchFamily="2" charset="2"/>
+              <a:buChar char="v"/>
+            </a:pPr>
             <a:r>
               <a:rPr lang="en-US" sz="2000" dirty="0"/>
               <a:t>Queuing</a:t>
+            </a:r>
+          </a:p>
+        </p:txBody>
+      </p:sp>
+      <p:sp>
+        <p:nvSpPr>
+          <p:cNvPr id="2" name="Rectangle 1"/>
+          <p:cNvSpPr/>
+          <p:nvPr/>
+        </p:nvSpPr>
+        <p:spPr>
+          <a:xfrm>
+            <a:off x="704088" y="1601752"/>
+            <a:ext cx="10521135" cy="424732"/>
+          </a:xfrm>
+          <a:prstGeom prst="rect">
+            <a:avLst/>
+          </a:prstGeom>
+        </p:spPr>
+        <p:txBody>
+          <a:bodyPr wrap="square">
+            <a:spAutoFit/>
+          </a:bodyPr>
+          <a:lstStyle/>
+          <a:p>
+            <a:pPr defTabSz="578358">
+              <a:lnSpc>
+                <a:spcPct val="90000"/>
+              </a:lnSpc>
+              <a:spcBef>
+                <a:spcPts val="2300"/>
+              </a:spcBef>
+              <a:defRPr sz="3500"/>
+            </a:pPr>
+            <a:r>
+              <a:rPr lang="en-US" sz="2000" dirty="0"/>
+              <a:t>Two types of messaging </a:t>
+            </a:r>
+            <a:r>
+              <a:rPr lang="en-US" sz="2400" dirty="0"/>
+              <a:t>patterns</a:t>
+            </a:r>
+            <a:r>
+              <a:rPr lang="en-US" sz="2000" dirty="0"/>
+              <a:t> are available :</a:t>
             </a:r>
           </a:p>
         </p:txBody>
@@ -11142,7 +7859,7 @@
 </p:sld>
 </file>
 
-<file path=ppt/slides/slide27.xml><?xml version="1.0" encoding="utf-8"?>
+<file path=ppt/slides/slide17.xml><?xml version="1.0" encoding="utf-8"?>
 <p:sld xmlns:a="http://schemas.openxmlformats.org/drawingml/2006/main" xmlns:r="http://schemas.openxmlformats.org/officeDocument/2006/relationships" xmlns:p="http://schemas.openxmlformats.org/presentationml/2006/main">
   <p:cSld>
     <p:spTree>
@@ -11225,8 +7942,8 @@
         </p:nvSpPr>
         <p:spPr>
           <a:xfrm>
-            <a:off x="805612" y="1928029"/>
-            <a:ext cx="2206053" cy="400110"/>
+            <a:off x="704012" y="1887389"/>
+            <a:ext cx="2552302" cy="400110"/>
           </a:xfrm>
           <a:prstGeom prst="rect">
             <a:avLst/>
@@ -11239,6 +7956,10 @@
           </a:bodyPr>
           <a:lstStyle/>
           <a:p>
+            <a:pPr marL="342900" indent="-342900">
+              <a:buFont typeface="Wingdings" panose="05000000000000000000" pitchFamily="2" charset="2"/>
+              <a:buChar char="v"/>
+            </a:pPr>
             <a:r>
               <a:rPr lang="en-US" sz="2000" dirty="0"/>
               <a:t>Publish-Subscribe</a:t>
@@ -11259,7 +7980,7 @@
 </p:sld>
 </file>
 
-<file path=ppt/slides/slide28.xml><?xml version="1.0" encoding="utf-8"?>
+<file path=ppt/slides/slide18.xml><?xml version="1.0" encoding="utf-8"?>
 <p:sld xmlns:a="http://schemas.openxmlformats.org/drawingml/2006/main" xmlns:r="http://schemas.openxmlformats.org/officeDocument/2006/relationships" xmlns:p="http://schemas.openxmlformats.org/presentationml/2006/main">
   <p:cSld>
     <p:spTree>
@@ -11278,38 +7999,6 @@
       </p:grpSpPr>
       <p:sp>
         <p:nvSpPr>
-          <p:cNvPr id="2" name="Content Placeholder 1"/>
-          <p:cNvSpPr>
-            <a:spLocks noGrp="1"/>
-          </p:cNvSpPr>
-          <p:nvPr>
-            <p:ph sz="half" idx="2"/>
-          </p:nvPr>
-        </p:nvSpPr>
-        <p:spPr>
-          <a:xfrm>
-            <a:off x="4782143" y="4097867"/>
-            <a:ext cx="2002705" cy="425980"/>
-          </a:xfrm>
-        </p:spPr>
-        <p:txBody>
-          <a:bodyPr>
-            <a:normAutofit/>
-          </a:bodyPr>
-          <a:lstStyle/>
-          <a:p>
-            <a:pPr marL="0" indent="0">
-              <a:buNone/>
-            </a:pPr>
-            <a:r>
-              <a:rPr lang="en-US" sz="4400" dirty="0"/>
-              <a:t>Demo</a:t>
-            </a:r>
-          </a:p>
-        </p:txBody>
-      </p:sp>
-      <p:sp>
-        <p:nvSpPr>
           <p:cNvPr id="3" name="Title 2"/>
           <p:cNvSpPr>
             <a:spLocks noGrp="1"/>
@@ -11325,15 +8014,81 @@
           <a:p>
             <a:r>
               <a:rPr lang="en-US" dirty="0"/>
-              <a:t>The End</a:t>
+              <a:t>Kafka as Messaging System</a:t>
             </a:r>
           </a:p>
         </p:txBody>
       </p:sp>
+      <p:sp>
+        <p:nvSpPr>
+          <p:cNvPr id="4" name="TextBox 3"/>
+          <p:cNvSpPr txBox="1"/>
+          <p:nvPr/>
+        </p:nvSpPr>
+        <p:spPr>
+          <a:xfrm>
+            <a:off x="704012" y="1887389"/>
+            <a:ext cx="3306996" cy="400110"/>
+          </a:xfrm>
+          <a:prstGeom prst="rect">
+            <a:avLst/>
+          </a:prstGeom>
+          <a:noFill/>
+        </p:spPr>
+        <p:txBody>
+          <a:bodyPr wrap="none" rtlCol="0">
+            <a:spAutoFit/>
+          </a:bodyPr>
+          <a:lstStyle/>
+          <a:p>
+            <a:pPr marL="342900" indent="-342900">
+              <a:buFont typeface="Wingdings" panose="05000000000000000000" pitchFamily="2" charset="2"/>
+              <a:buChar char="v"/>
+            </a:pPr>
+            <a:r>
+              <a:rPr lang="en-US" sz="2000" b="1" dirty="0"/>
+              <a:t>Kafka </a:t>
+            </a:r>
+            <a:r>
+              <a:rPr lang="en-US" sz="2000" dirty="0"/>
+              <a:t>Publish-Subscribe</a:t>
+            </a:r>
+          </a:p>
+        </p:txBody>
+      </p:sp>
+      <p:pic>
+        <p:nvPicPr>
+          <p:cNvPr id="10" name="Content Placeholder 9"/>
+          <p:cNvPicPr>
+            <a:picLocks noGrp="1" noChangeAspect="1"/>
+          </p:cNvPicPr>
+          <p:nvPr>
+            <p:ph sz="half" idx="2"/>
+          </p:nvPr>
+        </p:nvPicPr>
+        <p:blipFill>
+          <a:blip r:embed="rId2">
+            <a:extLst>
+              <a:ext uri="{28A0092B-C50C-407E-A947-70E740481C1C}">
+                <a14:useLocalDpi xmlns:a14="http://schemas.microsoft.com/office/drawing/2010/main" val="0"/>
+              </a:ext>
+            </a:extLst>
+          </a:blip>
+          <a:stretch>
+            <a:fillRect/>
+          </a:stretch>
+        </p:blipFill>
+        <p:spPr>
+          <a:xfrm>
+            <a:off x="3038253" y="2567194"/>
+            <a:ext cx="7200582" cy="3775743"/>
+          </a:xfrm>
+        </p:spPr>
+      </p:pic>
     </p:spTree>
     <p:extLst>
       <p:ext uri="{BB962C8B-B14F-4D97-AF65-F5344CB8AC3E}">
-        <p14:creationId xmlns:p14="http://schemas.microsoft.com/office/powerpoint/2010/main" val="3219210517"/>
+        <p14:creationId xmlns:p14="http://schemas.microsoft.com/office/powerpoint/2010/main" val="3857334250"/>
       </p:ext>
     </p:extLst>
   </p:cSld>
@@ -11343,7 +8098,7 @@
 </p:sld>
 </file>
 
-<file path=ppt/slides/slide29.xml><?xml version="1.0" encoding="utf-8"?>
+<file path=ppt/slides/slide19.xml><?xml version="1.0" encoding="utf-8"?>
 <p:sld xmlns:a="http://schemas.openxmlformats.org/drawingml/2006/main" xmlns:r="http://schemas.openxmlformats.org/officeDocument/2006/relationships" xmlns:p="http://schemas.openxmlformats.org/presentationml/2006/main">
   <p:cSld>
     <p:spTree>
@@ -11360,9 +8115,38 @@
           <a:chExt cx="0" cy="0"/>
         </a:xfrm>
       </p:grpSpPr>
-      <p:sp>
-        <p:nvSpPr>
-          <p:cNvPr id="4" name="Title 3"/>
+      <p:pic>
+        <p:nvPicPr>
+          <p:cNvPr id="6" name="Content Placeholder 5"/>
+          <p:cNvPicPr>
+            <a:picLocks noGrp="1" noChangeAspect="1"/>
+          </p:cNvPicPr>
+          <p:nvPr>
+            <p:ph sz="half" idx="2"/>
+          </p:nvPr>
+        </p:nvPicPr>
+        <p:blipFill>
+          <a:blip r:embed="rId2">
+            <a:extLst>
+              <a:ext uri="{28A0092B-C50C-407E-A947-70E740481C1C}">
+                <a14:useLocalDpi xmlns:a14="http://schemas.microsoft.com/office/drawing/2010/main" val="0"/>
+              </a:ext>
+            </a:extLst>
+          </a:blip>
+          <a:stretch>
+            <a:fillRect/>
+          </a:stretch>
+        </p:blipFill>
+        <p:spPr>
+          <a:xfrm>
+            <a:off x="1483360" y="2511019"/>
+            <a:ext cx="9062720" cy="3889781"/>
+          </a:xfrm>
+        </p:spPr>
+      </p:pic>
+      <p:sp>
+        <p:nvSpPr>
+          <p:cNvPr id="3" name="Title 2"/>
           <p:cNvSpPr>
             <a:spLocks noGrp="1"/>
           </p:cNvSpPr>
@@ -11370,43 +8154,697 @@
             <p:ph type="title"/>
           </p:nvPr>
         </p:nvSpPr>
+        <p:spPr/>
+        <p:txBody>
+          <a:bodyPr/>
+          <a:lstStyle/>
+          <a:p>
+            <a:r>
+              <a:rPr lang="en-US" dirty="0"/>
+              <a:t>Kafka as Messaging System</a:t>
+            </a:r>
+          </a:p>
+        </p:txBody>
+      </p:sp>
+      <p:sp>
+        <p:nvSpPr>
+          <p:cNvPr id="4" name="TextBox 3"/>
+          <p:cNvSpPr txBox="1"/>
+          <p:nvPr/>
+        </p:nvSpPr>
         <p:spPr>
           <a:xfrm>
-            <a:off x="521208" y="448056"/>
-            <a:ext cx="6117336" cy="640080"/>
+            <a:off x="704012" y="1887389"/>
+            <a:ext cx="2040623" cy="400110"/>
+          </a:xfrm>
+          <a:prstGeom prst="rect">
+            <a:avLst/>
+          </a:prstGeom>
+          <a:noFill/>
+        </p:spPr>
+        <p:txBody>
+          <a:bodyPr wrap="none" rtlCol="0">
+            <a:spAutoFit/>
+          </a:bodyPr>
+          <a:lstStyle/>
+          <a:p>
+            <a:pPr marL="342900" indent="-342900">
+              <a:buFont typeface="Wingdings" panose="05000000000000000000" pitchFamily="2" charset="2"/>
+              <a:buChar char="v"/>
+            </a:pPr>
+            <a:r>
+              <a:rPr lang="en-US" sz="2000" b="1" dirty="0"/>
+              <a:t>Kafka </a:t>
+            </a:r>
+            <a:r>
+              <a:rPr lang="en-US" sz="2000" dirty="0"/>
+              <a:t>Queue</a:t>
+            </a:r>
+          </a:p>
+        </p:txBody>
+      </p:sp>
+    </p:spTree>
+    <p:extLst>
+      <p:ext uri="{BB962C8B-B14F-4D97-AF65-F5344CB8AC3E}">
+        <p14:creationId xmlns:p14="http://schemas.microsoft.com/office/powerpoint/2010/main" val="931877948"/>
+      </p:ext>
+    </p:extLst>
+  </p:cSld>
+  <p:clrMapOvr>
+    <a:masterClrMapping/>
+  </p:clrMapOvr>
+</p:sld>
+</file>
+
+<file path=ppt/slides/slide2.xml><?xml version="1.0" encoding="utf-8"?>
+<p:sld xmlns:a="http://schemas.openxmlformats.org/drawingml/2006/main" xmlns:r="http://schemas.openxmlformats.org/officeDocument/2006/relationships" xmlns:p="http://schemas.openxmlformats.org/presentationml/2006/main">
+  <p:cSld>
+    <p:spTree>
+      <p:nvGrpSpPr>
+        <p:cNvPr id="1" name=""/>
+        <p:cNvGrpSpPr/>
+        <p:nvPr/>
+      </p:nvGrpSpPr>
+      <p:grpSpPr>
+        <a:xfrm>
+          <a:off x="0" y="0"/>
+          <a:ext cx="0" cy="0"/>
+          <a:chOff x="0" y="0"/>
+          <a:chExt cx="0" cy="0"/>
+        </a:xfrm>
+      </p:grpSpPr>
+      <p:sp>
+        <p:nvSpPr>
+          <p:cNvPr id="8" name="Title 7"/>
+          <p:cNvSpPr>
+            <a:spLocks noGrp="1"/>
+          </p:cNvSpPr>
+          <p:nvPr>
+            <p:ph type="title"/>
+          </p:nvPr>
+        </p:nvSpPr>
+        <p:spPr/>
+        <p:txBody>
+          <a:bodyPr/>
+          <a:lstStyle/>
+          <a:p>
+            <a:r>
+              <a:rPr lang="en-US" dirty="0"/>
+              <a:t>What is Kafka?</a:t>
+            </a:r>
+            <a:endParaRPr lang="en-US" dirty="0">
+              <a:latin typeface="Segoe UI Light" panose="020B0502040204020203" pitchFamily="34" charset="0"/>
+              <a:cs typeface="Segoe UI Light" panose="020B0502040204020203" pitchFamily="34" charset="0"/>
+            </a:endParaRPr>
+          </a:p>
+        </p:txBody>
+      </p:sp>
+      <p:sp>
+        <p:nvSpPr>
+          <p:cNvPr id="5" name="Stream Processing…"/>
+          <p:cNvSpPr txBox="1">
+            <a:spLocks/>
+          </p:cNvSpPr>
+          <p:nvPr/>
+        </p:nvSpPr>
+        <p:spPr>
+          <a:xfrm>
+            <a:off x="521208" y="1608483"/>
+            <a:ext cx="11988800" cy="6096000"/>
+          </a:xfrm>
+          <a:prstGeom prst="rect">
+            <a:avLst/>
+          </a:prstGeom>
+        </p:spPr>
+        <p:txBody>
+          <a:bodyPr/>
+          <a:lstStyle>
+            <a:lvl1pPr marL="228600" indent="-228600" algn="l" defTabSz="914400" rtl="0" eaLnBrk="1" latinLnBrk="0" hangingPunct="1">
+              <a:lnSpc>
+                <a:spcPct val="90000"/>
+              </a:lnSpc>
+              <a:spcBef>
+                <a:spcPct val="30000"/>
+              </a:spcBef>
+              <a:buFont typeface="Arial" panose="020B0604020202020204" pitchFamily="34" charset="0"/>
+              <a:buChar char="•"/>
+              <a:defRPr sz="2800" kern="1200">
+                <a:solidFill>
+                  <a:schemeClr val="tx1"/>
+                </a:solidFill>
+                <a:latin typeface="+mn-lt"/>
+                <a:ea typeface="+mn-ea"/>
+                <a:cs typeface="+mn-cs"/>
+              </a:defRPr>
+            </a:lvl1pPr>
+            <a:lvl2pPr marL="685800" indent="-228600" algn="l" defTabSz="914400" rtl="0" eaLnBrk="1" latinLnBrk="0" hangingPunct="1">
+              <a:lnSpc>
+                <a:spcPct val="90000"/>
+              </a:lnSpc>
+              <a:spcBef>
+                <a:spcPct val="30000"/>
+              </a:spcBef>
+              <a:buFont typeface="Arial" panose="020B0604020202020204" pitchFamily="34" charset="0"/>
+              <a:buChar char="•"/>
+              <a:defRPr sz="2400" kern="1200">
+                <a:solidFill>
+                  <a:schemeClr val="tx1"/>
+                </a:solidFill>
+                <a:latin typeface="+mn-lt"/>
+                <a:ea typeface="+mn-ea"/>
+                <a:cs typeface="+mn-cs"/>
+              </a:defRPr>
+            </a:lvl2pPr>
+            <a:lvl3pPr marL="1143000" indent="-228600" algn="l" defTabSz="914400" rtl="0" eaLnBrk="1" latinLnBrk="0" hangingPunct="1">
+              <a:lnSpc>
+                <a:spcPct val="90000"/>
+              </a:lnSpc>
+              <a:spcBef>
+                <a:spcPct val="30000"/>
+              </a:spcBef>
+              <a:buFont typeface="Arial" panose="020B0604020202020204" pitchFamily="34" charset="0"/>
+              <a:buChar char="•"/>
+              <a:defRPr sz="2000" kern="1200">
+                <a:solidFill>
+                  <a:schemeClr val="tx1"/>
+                </a:solidFill>
+                <a:latin typeface="+mn-lt"/>
+                <a:ea typeface="+mn-ea"/>
+                <a:cs typeface="+mn-cs"/>
+              </a:defRPr>
+            </a:lvl3pPr>
+            <a:lvl4pPr marL="1600200" indent="-228600" algn="l" defTabSz="914400" rtl="0" eaLnBrk="1" latinLnBrk="0" hangingPunct="1">
+              <a:lnSpc>
+                <a:spcPct val="90000"/>
+              </a:lnSpc>
+              <a:spcBef>
+                <a:spcPct val="30000"/>
+              </a:spcBef>
+              <a:buFont typeface="Arial" panose="020B0604020202020204" pitchFamily="34" charset="0"/>
+              <a:buChar char="•"/>
+              <a:defRPr sz="1800" kern="1200">
+                <a:solidFill>
+                  <a:schemeClr val="tx1"/>
+                </a:solidFill>
+                <a:latin typeface="+mn-lt"/>
+                <a:ea typeface="+mn-ea"/>
+                <a:cs typeface="+mn-cs"/>
+              </a:defRPr>
+            </a:lvl4pPr>
+            <a:lvl5pPr marL="2057400" indent="-228600" algn="l" defTabSz="914400" rtl="0" eaLnBrk="1" latinLnBrk="0" hangingPunct="1">
+              <a:lnSpc>
+                <a:spcPct val="90000"/>
+              </a:lnSpc>
+              <a:spcBef>
+                <a:spcPct val="30000"/>
+              </a:spcBef>
+              <a:buFont typeface="Arial" panose="020B0604020202020204" pitchFamily="34" charset="0"/>
+              <a:buChar char="•"/>
+              <a:defRPr sz="1800" kern="1200">
+                <a:solidFill>
+                  <a:schemeClr val="tx1"/>
+                </a:solidFill>
+                <a:latin typeface="+mn-lt"/>
+                <a:ea typeface="+mn-ea"/>
+                <a:cs typeface="+mn-cs"/>
+              </a:defRPr>
+            </a:lvl5pPr>
+            <a:lvl6pPr marL="2514600" indent="-228600" algn="l" defTabSz="914400" rtl="0" eaLnBrk="1" latinLnBrk="0" hangingPunct="1">
+              <a:lnSpc>
+                <a:spcPct val="90000"/>
+              </a:lnSpc>
+              <a:spcBef>
+                <a:spcPct val="30000"/>
+              </a:spcBef>
+              <a:buFont typeface="Arial" panose="020B0604020202020204" pitchFamily="34" charset="0"/>
+              <a:buChar char="•"/>
+              <a:defRPr sz="1800" kern="1200">
+                <a:solidFill>
+                  <a:schemeClr val="tx1"/>
+                </a:solidFill>
+                <a:latin typeface="+mn-lt"/>
+                <a:ea typeface="+mn-ea"/>
+                <a:cs typeface="+mn-cs"/>
+              </a:defRPr>
+            </a:lvl6pPr>
+            <a:lvl7pPr marL="2971800" indent="-228600" algn="l" defTabSz="914400" rtl="0" eaLnBrk="1" latinLnBrk="0" hangingPunct="1">
+              <a:lnSpc>
+                <a:spcPct val="90000"/>
+              </a:lnSpc>
+              <a:spcBef>
+                <a:spcPct val="30000"/>
+              </a:spcBef>
+              <a:buFont typeface="Arial" panose="020B0604020202020204" pitchFamily="34" charset="0"/>
+              <a:buChar char="•"/>
+              <a:defRPr sz="1800" kern="1200">
+                <a:solidFill>
+                  <a:schemeClr val="tx1"/>
+                </a:solidFill>
+                <a:latin typeface="+mn-lt"/>
+                <a:ea typeface="+mn-ea"/>
+                <a:cs typeface="+mn-cs"/>
+              </a:defRPr>
+            </a:lvl7pPr>
+            <a:lvl8pPr marL="3429000" indent="-228600" algn="l" defTabSz="914400" rtl="0" eaLnBrk="1" latinLnBrk="0" hangingPunct="1">
+              <a:lnSpc>
+                <a:spcPct val="90000"/>
+              </a:lnSpc>
+              <a:spcBef>
+                <a:spcPct val="30000"/>
+              </a:spcBef>
+              <a:buFont typeface="Arial" panose="020B0604020202020204" pitchFamily="34" charset="0"/>
+              <a:buChar char="•"/>
+              <a:defRPr sz="1800" kern="1200">
+                <a:solidFill>
+                  <a:schemeClr val="tx1"/>
+                </a:solidFill>
+                <a:latin typeface="+mn-lt"/>
+                <a:ea typeface="+mn-ea"/>
+                <a:cs typeface="+mn-cs"/>
+              </a:defRPr>
+            </a:lvl8pPr>
+            <a:lvl9pPr marL="3886200" indent="-228600" algn="l" defTabSz="914400" rtl="0" eaLnBrk="1" latinLnBrk="0" hangingPunct="1">
+              <a:lnSpc>
+                <a:spcPct val="90000"/>
+              </a:lnSpc>
+              <a:spcBef>
+                <a:spcPct val="30000"/>
+              </a:spcBef>
+              <a:buFont typeface="Arial" panose="020B0604020202020204" pitchFamily="34" charset="0"/>
+              <a:buChar char="•"/>
+              <a:defRPr sz="1800" kern="1200">
+                <a:solidFill>
+                  <a:schemeClr val="tx1"/>
+                </a:solidFill>
+                <a:latin typeface="+mn-lt"/>
+                <a:ea typeface="+mn-ea"/>
+                <a:cs typeface="+mn-cs"/>
+              </a:defRPr>
+            </a:lvl9pPr>
+          </a:lstStyle>
+          <a:p>
+            <a:pPr defTabSz="496570">
+              <a:spcBef>
+                <a:spcPts val="2000"/>
+              </a:spcBef>
+              <a:buFont typeface="Wingdings" panose="05000000000000000000" pitchFamily="2" charset="2"/>
+              <a:buChar char="Ø"/>
+              <a:defRPr sz="3060"/>
+            </a:pPr>
+            <a:endParaRPr lang="en-US" sz="2000" dirty="0"/>
+          </a:p>
+        </p:txBody>
+      </p:sp>
+      <p:sp>
+        <p:nvSpPr>
+          <p:cNvPr id="6" name="Shape 160"/>
+          <p:cNvSpPr txBox="1">
+            <a:spLocks/>
+          </p:cNvSpPr>
+          <p:nvPr/>
+        </p:nvSpPr>
+        <p:spPr>
+          <a:xfrm>
+            <a:off x="521208" y="1930216"/>
+            <a:ext cx="11988800" cy="6096000"/>
+          </a:xfrm>
+          <a:prstGeom prst="rect">
+            <a:avLst/>
+          </a:prstGeom>
+        </p:spPr>
+        <p:txBody>
+          <a:bodyPr/>
+          <a:lstStyle>
+            <a:lvl1pPr marL="228600" indent="-228600" algn="l" defTabSz="914400" rtl="0" eaLnBrk="1" latinLnBrk="0" hangingPunct="1">
+              <a:lnSpc>
+                <a:spcPct val="90000"/>
+              </a:lnSpc>
+              <a:spcBef>
+                <a:spcPct val="30000"/>
+              </a:spcBef>
+              <a:buFont typeface="Arial" panose="020B0604020202020204" pitchFamily="34" charset="0"/>
+              <a:buChar char="•"/>
+              <a:defRPr sz="2800" kern="1200">
+                <a:solidFill>
+                  <a:schemeClr val="tx1"/>
+                </a:solidFill>
+                <a:latin typeface="+mn-lt"/>
+                <a:ea typeface="+mn-ea"/>
+                <a:cs typeface="+mn-cs"/>
+              </a:defRPr>
+            </a:lvl1pPr>
+            <a:lvl2pPr marL="685800" indent="-228600" algn="l" defTabSz="914400" rtl="0" eaLnBrk="1" latinLnBrk="0" hangingPunct="1">
+              <a:lnSpc>
+                <a:spcPct val="90000"/>
+              </a:lnSpc>
+              <a:spcBef>
+                <a:spcPct val="30000"/>
+              </a:spcBef>
+              <a:buFont typeface="Arial" panose="020B0604020202020204" pitchFamily="34" charset="0"/>
+              <a:buChar char="•"/>
+              <a:defRPr sz="2400" kern="1200">
+                <a:solidFill>
+                  <a:schemeClr val="tx1"/>
+                </a:solidFill>
+                <a:latin typeface="+mn-lt"/>
+                <a:ea typeface="+mn-ea"/>
+                <a:cs typeface="+mn-cs"/>
+              </a:defRPr>
+            </a:lvl2pPr>
+            <a:lvl3pPr marL="1143000" indent="-228600" algn="l" defTabSz="914400" rtl="0" eaLnBrk="1" latinLnBrk="0" hangingPunct="1">
+              <a:lnSpc>
+                <a:spcPct val="90000"/>
+              </a:lnSpc>
+              <a:spcBef>
+                <a:spcPct val="30000"/>
+              </a:spcBef>
+              <a:buFont typeface="Arial" panose="020B0604020202020204" pitchFamily="34" charset="0"/>
+              <a:buChar char="•"/>
+              <a:defRPr sz="2000" kern="1200">
+                <a:solidFill>
+                  <a:schemeClr val="tx1"/>
+                </a:solidFill>
+                <a:latin typeface="+mn-lt"/>
+                <a:ea typeface="+mn-ea"/>
+                <a:cs typeface="+mn-cs"/>
+              </a:defRPr>
+            </a:lvl3pPr>
+            <a:lvl4pPr marL="1600200" indent="-228600" algn="l" defTabSz="914400" rtl="0" eaLnBrk="1" latinLnBrk="0" hangingPunct="1">
+              <a:lnSpc>
+                <a:spcPct val="90000"/>
+              </a:lnSpc>
+              <a:spcBef>
+                <a:spcPct val="30000"/>
+              </a:spcBef>
+              <a:buFont typeface="Arial" panose="020B0604020202020204" pitchFamily="34" charset="0"/>
+              <a:buChar char="•"/>
+              <a:defRPr sz="1800" kern="1200">
+                <a:solidFill>
+                  <a:schemeClr val="tx1"/>
+                </a:solidFill>
+                <a:latin typeface="+mn-lt"/>
+                <a:ea typeface="+mn-ea"/>
+                <a:cs typeface="+mn-cs"/>
+              </a:defRPr>
+            </a:lvl4pPr>
+            <a:lvl5pPr marL="2057400" indent="-228600" algn="l" defTabSz="914400" rtl="0" eaLnBrk="1" latinLnBrk="0" hangingPunct="1">
+              <a:lnSpc>
+                <a:spcPct val="90000"/>
+              </a:lnSpc>
+              <a:spcBef>
+                <a:spcPct val="30000"/>
+              </a:spcBef>
+              <a:buFont typeface="Arial" panose="020B0604020202020204" pitchFamily="34" charset="0"/>
+              <a:buChar char="•"/>
+              <a:defRPr sz="1800" kern="1200">
+                <a:solidFill>
+                  <a:schemeClr val="tx1"/>
+                </a:solidFill>
+                <a:latin typeface="+mn-lt"/>
+                <a:ea typeface="+mn-ea"/>
+                <a:cs typeface="+mn-cs"/>
+              </a:defRPr>
+            </a:lvl5pPr>
+            <a:lvl6pPr marL="2514600" indent="-228600" algn="l" defTabSz="914400" rtl="0" eaLnBrk="1" latinLnBrk="0" hangingPunct="1">
+              <a:lnSpc>
+                <a:spcPct val="90000"/>
+              </a:lnSpc>
+              <a:spcBef>
+                <a:spcPct val="30000"/>
+              </a:spcBef>
+              <a:buFont typeface="Arial" panose="020B0604020202020204" pitchFamily="34" charset="0"/>
+              <a:buChar char="•"/>
+              <a:defRPr sz="1800" kern="1200">
+                <a:solidFill>
+                  <a:schemeClr val="tx1"/>
+                </a:solidFill>
+                <a:latin typeface="+mn-lt"/>
+                <a:ea typeface="+mn-ea"/>
+                <a:cs typeface="+mn-cs"/>
+              </a:defRPr>
+            </a:lvl6pPr>
+            <a:lvl7pPr marL="2971800" indent="-228600" algn="l" defTabSz="914400" rtl="0" eaLnBrk="1" latinLnBrk="0" hangingPunct="1">
+              <a:lnSpc>
+                <a:spcPct val="90000"/>
+              </a:lnSpc>
+              <a:spcBef>
+                <a:spcPct val="30000"/>
+              </a:spcBef>
+              <a:buFont typeface="Arial" panose="020B0604020202020204" pitchFamily="34" charset="0"/>
+              <a:buChar char="•"/>
+              <a:defRPr sz="1800" kern="1200">
+                <a:solidFill>
+                  <a:schemeClr val="tx1"/>
+                </a:solidFill>
+                <a:latin typeface="+mn-lt"/>
+                <a:ea typeface="+mn-ea"/>
+                <a:cs typeface="+mn-cs"/>
+              </a:defRPr>
+            </a:lvl7pPr>
+            <a:lvl8pPr marL="3429000" indent="-228600" algn="l" defTabSz="914400" rtl="0" eaLnBrk="1" latinLnBrk="0" hangingPunct="1">
+              <a:lnSpc>
+                <a:spcPct val="90000"/>
+              </a:lnSpc>
+              <a:spcBef>
+                <a:spcPct val="30000"/>
+              </a:spcBef>
+              <a:buFont typeface="Arial" panose="020B0604020202020204" pitchFamily="34" charset="0"/>
+              <a:buChar char="•"/>
+              <a:defRPr sz="1800" kern="1200">
+                <a:solidFill>
+                  <a:schemeClr val="tx1"/>
+                </a:solidFill>
+                <a:latin typeface="+mn-lt"/>
+                <a:ea typeface="+mn-ea"/>
+                <a:cs typeface="+mn-cs"/>
+              </a:defRPr>
+            </a:lvl8pPr>
+            <a:lvl9pPr marL="3886200" indent="-228600" algn="l" defTabSz="914400" rtl="0" eaLnBrk="1" latinLnBrk="0" hangingPunct="1">
+              <a:lnSpc>
+                <a:spcPct val="90000"/>
+              </a:lnSpc>
+              <a:spcBef>
+                <a:spcPct val="30000"/>
+              </a:spcBef>
+              <a:buFont typeface="Arial" panose="020B0604020202020204" pitchFamily="34" charset="0"/>
+              <a:buChar char="•"/>
+              <a:defRPr sz="1800" kern="1200">
+                <a:solidFill>
+                  <a:schemeClr val="tx1"/>
+                </a:solidFill>
+                <a:latin typeface="+mn-lt"/>
+                <a:ea typeface="+mn-ea"/>
+                <a:cs typeface="+mn-cs"/>
+              </a:defRPr>
+            </a:lvl9pPr>
+          </a:lstStyle>
+          <a:p>
+            <a:pPr defTabSz="578358">
+              <a:spcBef>
+                <a:spcPts val="2300"/>
+              </a:spcBef>
+              <a:buFont typeface="Wingdings" panose="05000000000000000000" pitchFamily="2" charset="2"/>
+              <a:buChar char="v"/>
+              <a:defRPr sz="3500"/>
+            </a:pPr>
+            <a:r>
+              <a:rPr lang="en-US" sz="2000" dirty="0"/>
+              <a:t>  Distributed Streaming Platform</a:t>
+            </a:r>
+          </a:p>
+          <a:p>
+            <a:pPr marL="935100" lvl="1" indent="-465201" defTabSz="578358">
+              <a:spcBef>
+                <a:spcPts val="2300"/>
+              </a:spcBef>
+              <a:defRPr sz="3500"/>
+            </a:pPr>
+            <a:r>
+              <a:rPr lang="en-US" sz="2000" dirty="0"/>
+              <a:t>Publish and Subscribe to streams of records</a:t>
+            </a:r>
+          </a:p>
+          <a:p>
+            <a:pPr marL="935100" lvl="1" indent="-465201" defTabSz="578358">
+              <a:spcBef>
+                <a:spcPts val="2300"/>
+              </a:spcBef>
+              <a:defRPr sz="3500"/>
+            </a:pPr>
+            <a:r>
+              <a:rPr lang="en-US" sz="2000" dirty="0"/>
+              <a:t>store streams of records in a fault-tolerant way </a:t>
+            </a:r>
+          </a:p>
+          <a:p>
+            <a:pPr marL="935100" lvl="1" indent="-465201" defTabSz="578358">
+              <a:spcBef>
+                <a:spcPts val="2300"/>
+              </a:spcBef>
+              <a:defRPr sz="3500"/>
+            </a:pPr>
+            <a:r>
+              <a:rPr lang="en-US" sz="2000" dirty="0"/>
+              <a:t>Process streams of records as they occur</a:t>
+            </a:r>
+          </a:p>
+        </p:txBody>
+      </p:sp>
+    </p:spTree>
+    <p:extLst>
+      <p:ext uri="{BB962C8B-B14F-4D97-AF65-F5344CB8AC3E}">
+        <p14:creationId xmlns:p14="http://schemas.microsoft.com/office/powerpoint/2010/main" val="1048225827"/>
+      </p:ext>
+    </p:extLst>
+  </p:cSld>
+  <p:clrMapOvr>
+    <a:masterClrMapping/>
+  </p:clrMapOvr>
+  <mc:AlternateContent xmlns:mc="http://schemas.openxmlformats.org/markup-compatibility/2006" xmlns:p14="http://schemas.microsoft.com/office/powerpoint/2010/main">
+    <mc:Choice Requires="p14">
+      <p:transition p14:dur="10"/>
+    </mc:Choice>
+    <mc:Fallback xmlns="">
+      <p:transition/>
+    </mc:Fallback>
+  </mc:AlternateContent>
+</p:sld>
+</file>
+
+<file path=ppt/slides/slide20.xml><?xml version="1.0" encoding="utf-8"?>
+<p:sld xmlns:a="http://schemas.openxmlformats.org/drawingml/2006/main" xmlns:r="http://schemas.openxmlformats.org/officeDocument/2006/relationships" xmlns:p="http://schemas.openxmlformats.org/presentationml/2006/main">
+  <p:cSld>
+    <p:spTree>
+      <p:nvGrpSpPr>
+        <p:cNvPr id="1" name=""/>
+        <p:cNvGrpSpPr/>
+        <p:nvPr/>
+      </p:nvGrpSpPr>
+      <p:grpSpPr>
+        <a:xfrm>
+          <a:off x="0" y="0"/>
+          <a:ext cx="0" cy="0"/>
+          <a:chOff x="0" y="0"/>
+          <a:chExt cx="0" cy="0"/>
+        </a:xfrm>
+      </p:grpSpPr>
+      <p:sp>
+        <p:nvSpPr>
+          <p:cNvPr id="2" name="Content Placeholder 1"/>
+          <p:cNvSpPr>
+            <a:spLocks noGrp="1"/>
+          </p:cNvSpPr>
+          <p:nvPr>
+            <p:ph sz="half" idx="2"/>
+          </p:nvPr>
+        </p:nvSpPr>
+        <p:spPr>
+          <a:xfrm>
+            <a:off x="541610" y="1431010"/>
+            <a:ext cx="11467509" cy="5132350"/>
           </a:xfrm>
         </p:spPr>
         <p:txBody>
           <a:bodyPr>
-            <a:normAutofit/>
+            <a:noAutofit/>
           </a:bodyPr>
           <a:lstStyle/>
           <a:p>
             <a:r>
+              <a:rPr lang="en-US" sz="3200" b="1" dirty="0"/>
+              <a:t>Facebook</a:t>
+            </a:r>
+          </a:p>
+          <a:p>
+            <a:pPr lvl="1">
+              <a:buFont typeface="Courier New" panose="02070309020205020404" pitchFamily="49" charset="0"/>
+              <a:buChar char="o"/>
+            </a:pPr>
+            <a:r>
+              <a:rPr lang="en-US" sz="2000" dirty="0">
+                <a:solidFill>
+                  <a:schemeClr val="tx1"/>
+                </a:solidFill>
+              </a:rPr>
+              <a:t>1B active users.</a:t>
+            </a:r>
+          </a:p>
+          <a:p>
+            <a:pPr lvl="1">
+              <a:buFont typeface="Courier New" panose="02070309020205020404" pitchFamily="49" charset="0"/>
+              <a:buChar char="o"/>
+            </a:pPr>
+            <a:r>
+              <a:rPr lang="en-US" sz="2000" dirty="0">
+                <a:solidFill>
+                  <a:schemeClr val="tx1"/>
+                </a:solidFill>
+              </a:rPr>
+              <a:t>run more than 30,000 queries daily across a variety of pluggable backend data stores like Hive, HBase, and Scribe. </a:t>
+            </a:r>
+          </a:p>
+          <a:p>
+            <a:pPr lvl="1">
+              <a:buFont typeface="Courier New" panose="02070309020205020404" pitchFamily="49" charset="0"/>
+              <a:buChar char="o"/>
+            </a:pPr>
+            <a:r>
+              <a:rPr lang="en-US" sz="2000" dirty="0">
+                <a:solidFill>
+                  <a:schemeClr val="tx1"/>
+                </a:solidFill>
+              </a:rPr>
+              <a:t>The data is used for a wide range of applications</a:t>
+            </a:r>
+          </a:p>
+        </p:txBody>
+      </p:sp>
+      <p:sp>
+        <p:nvSpPr>
+          <p:cNvPr id="3" name="Title 2"/>
+          <p:cNvSpPr>
+            <a:spLocks noGrp="1"/>
+          </p:cNvSpPr>
+          <p:nvPr>
+            <p:ph type="title"/>
+          </p:nvPr>
+        </p:nvSpPr>
+        <p:spPr/>
+        <p:txBody>
+          <a:bodyPr/>
+          <a:lstStyle/>
+          <a:p>
+            <a:r>
               <a:rPr lang="en-US" dirty="0"/>
-              <a:t>The Flow in Kafka</a:t>
+              <a:t>Real Use Case</a:t>
             </a:r>
           </a:p>
         </p:txBody>
       </p:sp>
       <p:pic>
         <p:nvPicPr>
-          <p:cNvPr id="2" name="Picture 1"/>
+          <p:cNvPr id="6" name="Picture 5"/>
           <p:cNvPicPr>
             <a:picLocks noChangeAspect="1"/>
           </p:cNvPicPr>
           <p:nvPr/>
         </p:nvPicPr>
         <p:blipFill>
-          <a:blip r:embed="rId3"/>
+          <a:blip r:embed="rId2">
+            <a:extLst>
+              <a:ext uri="{28A0092B-C50C-407E-A947-70E740481C1C}">
+                <a14:useLocalDpi xmlns:a14="http://schemas.microsoft.com/office/drawing/2010/main" val="0"/>
+              </a:ext>
+            </a:extLst>
+          </a:blip>
           <a:stretch>
             <a:fillRect/>
           </a:stretch>
         </p:blipFill>
         <p:spPr>
           <a:xfrm>
-            <a:off x="3218828" y="1856829"/>
-            <a:ext cx="5102742" cy="3807853"/>
+            <a:off x="2993543" y="3392898"/>
+            <a:ext cx="6563641" cy="3170462"/>
           </a:xfrm>
           <a:prstGeom prst="rect">
             <a:avLst/>
@@ -11422,21 +8860,350 @@
     </p:spTree>
     <p:extLst>
       <p:ext uri="{BB962C8B-B14F-4D97-AF65-F5344CB8AC3E}">
-        <p14:creationId xmlns:p14="http://schemas.microsoft.com/office/powerpoint/2010/main" val="1498586323"/>
+        <p14:creationId xmlns:p14="http://schemas.microsoft.com/office/powerpoint/2010/main" val="3486181711"/>
       </p:ext>
     </p:extLst>
   </p:cSld>
   <p:clrMapOvr>
     <a:masterClrMapping/>
   </p:clrMapOvr>
-  <mc:AlternateContent xmlns:mc="http://schemas.openxmlformats.org/markup-compatibility/2006" xmlns:p14="http://schemas.microsoft.com/office/powerpoint/2010/main">
-    <mc:Choice Requires="p14">
-      <p:transition p14:dur="10"/>
-    </mc:Choice>
-    <mc:Fallback xmlns="">
-      <p:transition/>
-    </mc:Fallback>
-  </mc:AlternateContent>
+</p:sld>
+</file>
+
+<file path=ppt/slides/slide21.xml><?xml version="1.0" encoding="utf-8"?>
+<p:sld xmlns:a="http://schemas.openxmlformats.org/drawingml/2006/main" xmlns:r="http://schemas.openxmlformats.org/officeDocument/2006/relationships" xmlns:p="http://schemas.openxmlformats.org/presentationml/2006/main">
+  <p:cSld>
+    <p:spTree>
+      <p:nvGrpSpPr>
+        <p:cNvPr id="1" name=""/>
+        <p:cNvGrpSpPr/>
+        <p:nvPr/>
+      </p:nvGrpSpPr>
+      <p:grpSpPr>
+        <a:xfrm>
+          <a:off x="0" y="0"/>
+          <a:ext cx="0" cy="0"/>
+          <a:chOff x="0" y="0"/>
+          <a:chExt cx="0" cy="0"/>
+        </a:xfrm>
+      </p:grpSpPr>
+      <p:sp>
+        <p:nvSpPr>
+          <p:cNvPr id="2" name="Content Placeholder 1"/>
+          <p:cNvSpPr>
+            <a:spLocks noGrp="1"/>
+          </p:cNvSpPr>
+          <p:nvPr>
+            <p:ph sz="half" idx="2"/>
+          </p:nvPr>
+        </p:nvSpPr>
+        <p:spPr>
+          <a:xfrm>
+            <a:off x="541610" y="1431010"/>
+            <a:ext cx="11467509" cy="5132350"/>
+          </a:xfrm>
+        </p:spPr>
+        <p:txBody>
+          <a:bodyPr>
+            <a:noAutofit/>
+          </a:bodyPr>
+          <a:lstStyle/>
+          <a:p>
+            <a:r>
+              <a:rPr lang="en-US" sz="3200" b="1" dirty="0"/>
+              <a:t>Netflix</a:t>
+            </a:r>
+          </a:p>
+          <a:p>
+            <a:pPr lvl="1">
+              <a:buFont typeface="Courier New" panose="02070309020205020404" pitchFamily="49" charset="0"/>
+              <a:buChar char="o"/>
+            </a:pPr>
+            <a:r>
+              <a:rPr lang="en-US" sz="2000" dirty="0">
+                <a:solidFill>
+                  <a:schemeClr val="tx1"/>
+                </a:solidFill>
+              </a:rPr>
+              <a:t>capture roughly 500 billion events per day</a:t>
+            </a:r>
+          </a:p>
+          <a:p>
+            <a:pPr lvl="1">
+              <a:buFont typeface="Courier New" panose="02070309020205020404" pitchFamily="49" charset="0"/>
+              <a:buChar char="o"/>
+            </a:pPr>
+            <a:r>
+              <a:rPr lang="en-US" sz="2000" dirty="0">
+                <a:solidFill>
+                  <a:schemeClr val="tx1"/>
+                </a:solidFill>
+              </a:rPr>
+              <a:t>1.3 PB per day.</a:t>
+            </a:r>
+          </a:p>
+          <a:p>
+            <a:pPr lvl="1">
+              <a:buFont typeface="Courier New" panose="02070309020205020404" pitchFamily="49" charset="0"/>
+              <a:buChar char="o"/>
+            </a:pPr>
+            <a:r>
+              <a:rPr lang="en-US" sz="2000" dirty="0">
+                <a:solidFill>
+                  <a:schemeClr val="tx1"/>
+                </a:solidFill>
+              </a:rPr>
+              <a:t> At peak hours, they’ll record 8 million events per second.</a:t>
+            </a:r>
+            <a:endParaRPr lang="en-US" sz="3200" dirty="0"/>
+          </a:p>
+        </p:txBody>
+      </p:sp>
+      <p:sp>
+        <p:nvSpPr>
+          <p:cNvPr id="3" name="Title 2"/>
+          <p:cNvSpPr>
+            <a:spLocks noGrp="1"/>
+          </p:cNvSpPr>
+          <p:nvPr>
+            <p:ph type="title"/>
+          </p:nvPr>
+        </p:nvSpPr>
+        <p:spPr/>
+        <p:txBody>
+          <a:bodyPr/>
+          <a:lstStyle/>
+          <a:p>
+            <a:r>
+              <a:rPr lang="en-US" dirty="0"/>
+              <a:t>Real Use Case</a:t>
+            </a:r>
+          </a:p>
+        </p:txBody>
+      </p:sp>
+      <p:pic>
+        <p:nvPicPr>
+          <p:cNvPr id="5" name="Picture 4"/>
+          <p:cNvPicPr>
+            <a:picLocks noChangeAspect="1"/>
+          </p:cNvPicPr>
+          <p:nvPr/>
+        </p:nvPicPr>
+        <p:blipFill>
+          <a:blip r:embed="rId2">
+            <a:extLst>
+              <a:ext uri="{28A0092B-C50C-407E-A947-70E740481C1C}">
+                <a14:useLocalDpi xmlns:a14="http://schemas.microsoft.com/office/drawing/2010/main" val="0"/>
+              </a:ext>
+            </a:extLst>
+          </a:blip>
+          <a:stretch>
+            <a:fillRect/>
+          </a:stretch>
+        </p:blipFill>
+        <p:spPr>
+          <a:xfrm>
+            <a:off x="2745859" y="3434080"/>
+            <a:ext cx="7059010" cy="2966720"/>
+          </a:xfrm>
+          <a:prstGeom prst="rect">
+            <a:avLst/>
+          </a:prstGeom>
+          <a:ln>
+            <a:noFill/>
+          </a:ln>
+          <a:effectLst>
+            <a:softEdge rad="112500"/>
+          </a:effectLst>
+        </p:spPr>
+      </p:pic>
+    </p:spTree>
+    <p:extLst>
+      <p:ext uri="{BB962C8B-B14F-4D97-AF65-F5344CB8AC3E}">
+        <p14:creationId xmlns:p14="http://schemas.microsoft.com/office/powerpoint/2010/main" val="3797588098"/>
+      </p:ext>
+    </p:extLst>
+  </p:cSld>
+  <p:clrMapOvr>
+    <a:masterClrMapping/>
+  </p:clrMapOvr>
+</p:sld>
+</file>
+
+<file path=ppt/slides/slide22.xml><?xml version="1.0" encoding="utf-8"?>
+<p:sld xmlns:a="http://schemas.openxmlformats.org/drawingml/2006/main" xmlns:r="http://schemas.openxmlformats.org/officeDocument/2006/relationships" xmlns:p="http://schemas.openxmlformats.org/presentationml/2006/main">
+  <p:cSld>
+    <p:spTree>
+      <p:nvGrpSpPr>
+        <p:cNvPr id="1" name=""/>
+        <p:cNvGrpSpPr/>
+        <p:nvPr/>
+      </p:nvGrpSpPr>
+      <p:grpSpPr>
+        <a:xfrm>
+          <a:off x="0" y="0"/>
+          <a:ext cx="0" cy="0"/>
+          <a:chOff x="0" y="0"/>
+          <a:chExt cx="0" cy="0"/>
+        </a:xfrm>
+      </p:grpSpPr>
+      <p:sp>
+        <p:nvSpPr>
+          <p:cNvPr id="2" name="Content Placeholder 1"/>
+          <p:cNvSpPr>
+            <a:spLocks noGrp="1"/>
+          </p:cNvSpPr>
+          <p:nvPr>
+            <p:ph sz="half" idx="2"/>
+          </p:nvPr>
+        </p:nvSpPr>
+        <p:spPr>
+          <a:xfrm>
+            <a:off x="4782143" y="4097867"/>
+            <a:ext cx="2002705" cy="425980"/>
+          </a:xfrm>
+        </p:spPr>
+        <p:txBody>
+          <a:bodyPr>
+            <a:normAutofit/>
+          </a:bodyPr>
+          <a:lstStyle/>
+          <a:p>
+            <a:pPr marL="0" indent="0">
+              <a:buNone/>
+            </a:pPr>
+            <a:r>
+              <a:rPr lang="en-US" sz="4400" dirty="0"/>
+              <a:t>Demo</a:t>
+            </a:r>
+          </a:p>
+        </p:txBody>
+      </p:sp>
+      <p:sp>
+        <p:nvSpPr>
+          <p:cNvPr id="3" name="Title 2"/>
+          <p:cNvSpPr>
+            <a:spLocks noGrp="1"/>
+          </p:cNvSpPr>
+          <p:nvPr>
+            <p:ph type="title"/>
+          </p:nvPr>
+        </p:nvSpPr>
+        <p:spPr/>
+        <p:txBody>
+          <a:bodyPr/>
+          <a:lstStyle/>
+          <a:p>
+            <a:r>
+              <a:rPr lang="en-US" dirty="0"/>
+              <a:t>The End</a:t>
+            </a:r>
+          </a:p>
+        </p:txBody>
+      </p:sp>
+    </p:spTree>
+    <p:extLst>
+      <p:ext uri="{BB962C8B-B14F-4D97-AF65-F5344CB8AC3E}">
+        <p14:creationId xmlns:p14="http://schemas.microsoft.com/office/powerpoint/2010/main" val="3219210517"/>
+      </p:ext>
+    </p:extLst>
+  </p:cSld>
+  <p:clrMapOvr>
+    <a:masterClrMapping/>
+  </p:clrMapOvr>
+</p:sld>
+</file>
+
+<file path=ppt/slides/slide23.xml><?xml version="1.0" encoding="utf-8"?>
+<p:sld xmlns:a="http://schemas.openxmlformats.org/drawingml/2006/main" xmlns:r="http://schemas.openxmlformats.org/officeDocument/2006/relationships" xmlns:p="http://schemas.openxmlformats.org/presentationml/2006/main">
+  <p:cSld>
+    <p:spTree>
+      <p:nvGrpSpPr>
+        <p:cNvPr id="1" name=""/>
+        <p:cNvGrpSpPr/>
+        <p:nvPr/>
+      </p:nvGrpSpPr>
+      <p:grpSpPr>
+        <a:xfrm>
+          <a:off x="0" y="0"/>
+          <a:ext cx="0" cy="0"/>
+          <a:chOff x="0" y="0"/>
+          <a:chExt cx="0" cy="0"/>
+        </a:xfrm>
+      </p:grpSpPr>
+      <p:pic>
+        <p:nvPicPr>
+          <p:cNvPr id="5" name="Content Placeholder 4"/>
+          <p:cNvPicPr>
+            <a:picLocks noGrp="1" noChangeAspect="1"/>
+          </p:cNvPicPr>
+          <p:nvPr>
+            <p:ph sz="half" idx="2"/>
+          </p:nvPr>
+        </p:nvPicPr>
+        <p:blipFill rotWithShape="1">
+          <a:blip r:embed="rId3">
+            <a:extLst>
+              <a:ext uri="{28A0092B-C50C-407E-A947-70E740481C1C}">
+                <a14:useLocalDpi xmlns:a14="http://schemas.microsoft.com/office/drawing/2010/main" val="0"/>
+              </a:ext>
+            </a:extLst>
+          </a:blip>
+          <a:srcRect r="4054"/>
+          <a:stretch/>
+        </p:blipFill>
+        <p:spPr>
+          <a:xfrm>
+            <a:off x="965201" y="1537806"/>
+            <a:ext cx="9618132" cy="4832286"/>
+          </a:xfrm>
+          <a:prstGeom prst="rect">
+            <a:avLst/>
+          </a:prstGeom>
+          <a:ln>
+            <a:noFill/>
+          </a:ln>
+          <a:effectLst>
+            <a:softEdge rad="112500"/>
+          </a:effectLst>
+        </p:spPr>
+      </p:pic>
+      <p:sp>
+        <p:nvSpPr>
+          <p:cNvPr id="3" name="Title 2"/>
+          <p:cNvSpPr>
+            <a:spLocks noGrp="1"/>
+          </p:cNvSpPr>
+          <p:nvPr>
+            <p:ph type="title"/>
+          </p:nvPr>
+        </p:nvSpPr>
+        <p:spPr/>
+        <p:txBody>
+          <a:bodyPr/>
+          <a:lstStyle/>
+          <a:p>
+            <a:r>
+              <a:rPr lang="en-US" dirty="0" err="1"/>
+              <a:t>KafKa</a:t>
+            </a:r>
+            <a:r>
+              <a:rPr lang="en-US" dirty="0"/>
+              <a:t> Architecture </a:t>
+            </a:r>
+          </a:p>
+        </p:txBody>
+      </p:sp>
+    </p:spTree>
+    <p:extLst>
+      <p:ext uri="{BB962C8B-B14F-4D97-AF65-F5344CB8AC3E}">
+        <p14:creationId xmlns:p14="http://schemas.microsoft.com/office/powerpoint/2010/main" val="427770612"/>
+      </p:ext>
+    </p:extLst>
+  </p:cSld>
+  <p:clrMapOvr>
+    <a:masterClrMapping/>
+  </p:clrMapOvr>
 </p:sld>
 </file>
 
@@ -12295,785 +10062,6 @@
 </p:sld>
 </file>
 
-<file path=ppt/slides/slide30.xml><?xml version="1.0" encoding="utf-8"?>
-<p:sld xmlns:a="http://schemas.openxmlformats.org/drawingml/2006/main" xmlns:r="http://schemas.openxmlformats.org/officeDocument/2006/relationships" xmlns:p="http://schemas.openxmlformats.org/presentationml/2006/main">
-  <p:cSld>
-    <p:spTree>
-      <p:nvGrpSpPr>
-        <p:cNvPr id="1" name=""/>
-        <p:cNvGrpSpPr/>
-        <p:nvPr/>
-      </p:nvGrpSpPr>
-      <p:grpSpPr>
-        <a:xfrm>
-          <a:off x="0" y="0"/>
-          <a:ext cx="0" cy="0"/>
-          <a:chOff x="0" y="0"/>
-          <a:chExt cx="0" cy="0"/>
-        </a:xfrm>
-      </p:grpSpPr>
-      <p:sp>
-        <p:nvSpPr>
-          <p:cNvPr id="4" name="Title 3"/>
-          <p:cNvSpPr>
-            <a:spLocks noGrp="1"/>
-          </p:cNvSpPr>
-          <p:nvPr>
-            <p:ph type="title"/>
-          </p:nvPr>
-        </p:nvSpPr>
-        <p:spPr>
-          <a:xfrm>
-            <a:off x="521208" y="448056"/>
-            <a:ext cx="6117336" cy="640080"/>
-          </a:xfrm>
-        </p:spPr>
-        <p:txBody>
-          <a:bodyPr/>
-          <a:lstStyle/>
-          <a:p>
-            <a:r>
-              <a:rPr lang="en-US" dirty="0"/>
-              <a:t>Kafka as Messaging System</a:t>
-            </a:r>
-          </a:p>
-        </p:txBody>
-      </p:sp>
-      <p:pic>
-        <p:nvPicPr>
-          <p:cNvPr id="3" name="Picture 2"/>
-          <p:cNvPicPr>
-            <a:picLocks noChangeAspect="1"/>
-          </p:cNvPicPr>
-          <p:nvPr/>
-        </p:nvPicPr>
-        <p:blipFill>
-          <a:blip r:embed="rId3">
-            <a:extLst>
-              <a:ext uri="{28A0092B-C50C-407E-A947-70E740481C1C}">
-                <a14:useLocalDpi xmlns:a14="http://schemas.microsoft.com/office/drawing/2010/main" val="0"/>
-              </a:ext>
-            </a:extLst>
-          </a:blip>
-          <a:stretch>
-            <a:fillRect/>
-          </a:stretch>
-        </p:blipFill>
-        <p:spPr>
-          <a:xfrm>
-            <a:off x="644144" y="2875722"/>
-            <a:ext cx="4590465" cy="2393478"/>
-          </a:xfrm>
-          <a:prstGeom prst="rect">
-            <a:avLst/>
-          </a:prstGeom>
-          <a:ln>
-            <a:noFill/>
-          </a:ln>
-          <a:effectLst>
-            <a:softEdge rad="112500"/>
-          </a:effectLst>
-        </p:spPr>
-      </p:pic>
-      <p:sp>
-        <p:nvSpPr>
-          <p:cNvPr id="26" name="Shape 160"/>
-          <p:cNvSpPr txBox="1">
-            <a:spLocks/>
-          </p:cNvSpPr>
-          <p:nvPr/>
-        </p:nvSpPr>
-        <p:spPr>
-          <a:xfrm>
-            <a:off x="644144" y="1794013"/>
-            <a:ext cx="11988800" cy="6096000"/>
-          </a:xfrm>
-          <a:prstGeom prst="rect">
-            <a:avLst/>
-          </a:prstGeom>
-        </p:spPr>
-        <p:txBody>
-          <a:bodyPr/>
-          <a:lstStyle>
-            <a:lvl1pPr marL="228600" indent="-228600" algn="l" defTabSz="914400" rtl="0" eaLnBrk="1" latinLnBrk="0" hangingPunct="1">
-              <a:lnSpc>
-                <a:spcPct val="90000"/>
-              </a:lnSpc>
-              <a:spcBef>
-                <a:spcPct val="30000"/>
-              </a:spcBef>
-              <a:buFont typeface="Arial" panose="020B0604020202020204" pitchFamily="34" charset="0"/>
-              <a:buChar char="•"/>
-              <a:defRPr sz="2800" kern="1200">
-                <a:solidFill>
-                  <a:schemeClr val="tx1"/>
-                </a:solidFill>
-                <a:latin typeface="+mn-lt"/>
-                <a:ea typeface="+mn-ea"/>
-                <a:cs typeface="+mn-cs"/>
-              </a:defRPr>
-            </a:lvl1pPr>
-            <a:lvl2pPr marL="685800" indent="-228600" algn="l" defTabSz="914400" rtl="0" eaLnBrk="1" latinLnBrk="0" hangingPunct="1">
-              <a:lnSpc>
-                <a:spcPct val="90000"/>
-              </a:lnSpc>
-              <a:spcBef>
-                <a:spcPct val="30000"/>
-              </a:spcBef>
-              <a:buFont typeface="Arial" panose="020B0604020202020204" pitchFamily="34" charset="0"/>
-              <a:buChar char="•"/>
-              <a:defRPr sz="2400" kern="1200">
-                <a:solidFill>
-                  <a:schemeClr val="tx1"/>
-                </a:solidFill>
-                <a:latin typeface="+mn-lt"/>
-                <a:ea typeface="+mn-ea"/>
-                <a:cs typeface="+mn-cs"/>
-              </a:defRPr>
-            </a:lvl2pPr>
-            <a:lvl3pPr marL="1143000" indent="-228600" algn="l" defTabSz="914400" rtl="0" eaLnBrk="1" latinLnBrk="0" hangingPunct="1">
-              <a:lnSpc>
-                <a:spcPct val="90000"/>
-              </a:lnSpc>
-              <a:spcBef>
-                <a:spcPct val="30000"/>
-              </a:spcBef>
-              <a:buFont typeface="Arial" panose="020B0604020202020204" pitchFamily="34" charset="0"/>
-              <a:buChar char="•"/>
-              <a:defRPr sz="2000" kern="1200">
-                <a:solidFill>
-                  <a:schemeClr val="tx1"/>
-                </a:solidFill>
-                <a:latin typeface="+mn-lt"/>
-                <a:ea typeface="+mn-ea"/>
-                <a:cs typeface="+mn-cs"/>
-              </a:defRPr>
-            </a:lvl3pPr>
-            <a:lvl4pPr marL="1600200" indent="-228600" algn="l" defTabSz="914400" rtl="0" eaLnBrk="1" latinLnBrk="0" hangingPunct="1">
-              <a:lnSpc>
-                <a:spcPct val="90000"/>
-              </a:lnSpc>
-              <a:spcBef>
-                <a:spcPct val="30000"/>
-              </a:spcBef>
-              <a:buFont typeface="Arial" panose="020B0604020202020204" pitchFamily="34" charset="0"/>
-              <a:buChar char="•"/>
-              <a:defRPr sz="1800" kern="1200">
-                <a:solidFill>
-                  <a:schemeClr val="tx1"/>
-                </a:solidFill>
-                <a:latin typeface="+mn-lt"/>
-                <a:ea typeface="+mn-ea"/>
-                <a:cs typeface="+mn-cs"/>
-              </a:defRPr>
-            </a:lvl4pPr>
-            <a:lvl5pPr marL="2057400" indent="-228600" algn="l" defTabSz="914400" rtl="0" eaLnBrk="1" latinLnBrk="0" hangingPunct="1">
-              <a:lnSpc>
-                <a:spcPct val="90000"/>
-              </a:lnSpc>
-              <a:spcBef>
-                <a:spcPct val="30000"/>
-              </a:spcBef>
-              <a:buFont typeface="Arial" panose="020B0604020202020204" pitchFamily="34" charset="0"/>
-              <a:buChar char="•"/>
-              <a:defRPr sz="1800" kern="1200">
-                <a:solidFill>
-                  <a:schemeClr val="tx1"/>
-                </a:solidFill>
-                <a:latin typeface="+mn-lt"/>
-                <a:ea typeface="+mn-ea"/>
-                <a:cs typeface="+mn-cs"/>
-              </a:defRPr>
-            </a:lvl5pPr>
-            <a:lvl6pPr marL="2514600" indent="-228600" algn="l" defTabSz="914400" rtl="0" eaLnBrk="1" latinLnBrk="0" hangingPunct="1">
-              <a:lnSpc>
-                <a:spcPct val="90000"/>
-              </a:lnSpc>
-              <a:spcBef>
-                <a:spcPct val="30000"/>
-              </a:spcBef>
-              <a:buFont typeface="Arial" panose="020B0604020202020204" pitchFamily="34" charset="0"/>
-              <a:buChar char="•"/>
-              <a:defRPr sz="1800" kern="1200">
-                <a:solidFill>
-                  <a:schemeClr val="tx1"/>
-                </a:solidFill>
-                <a:latin typeface="+mn-lt"/>
-                <a:ea typeface="+mn-ea"/>
-                <a:cs typeface="+mn-cs"/>
-              </a:defRPr>
-            </a:lvl6pPr>
-            <a:lvl7pPr marL="2971800" indent="-228600" algn="l" defTabSz="914400" rtl="0" eaLnBrk="1" latinLnBrk="0" hangingPunct="1">
-              <a:lnSpc>
-                <a:spcPct val="90000"/>
-              </a:lnSpc>
-              <a:spcBef>
-                <a:spcPct val="30000"/>
-              </a:spcBef>
-              <a:buFont typeface="Arial" panose="020B0604020202020204" pitchFamily="34" charset="0"/>
-              <a:buChar char="•"/>
-              <a:defRPr sz="1800" kern="1200">
-                <a:solidFill>
-                  <a:schemeClr val="tx1"/>
-                </a:solidFill>
-                <a:latin typeface="+mn-lt"/>
-                <a:ea typeface="+mn-ea"/>
-                <a:cs typeface="+mn-cs"/>
-              </a:defRPr>
-            </a:lvl7pPr>
-            <a:lvl8pPr marL="3429000" indent="-228600" algn="l" defTabSz="914400" rtl="0" eaLnBrk="1" latinLnBrk="0" hangingPunct="1">
-              <a:lnSpc>
-                <a:spcPct val="90000"/>
-              </a:lnSpc>
-              <a:spcBef>
-                <a:spcPct val="30000"/>
-              </a:spcBef>
-              <a:buFont typeface="Arial" panose="020B0604020202020204" pitchFamily="34" charset="0"/>
-              <a:buChar char="•"/>
-              <a:defRPr sz="1800" kern="1200">
-                <a:solidFill>
-                  <a:schemeClr val="tx1"/>
-                </a:solidFill>
-                <a:latin typeface="+mn-lt"/>
-                <a:ea typeface="+mn-ea"/>
-                <a:cs typeface="+mn-cs"/>
-              </a:defRPr>
-            </a:lvl8pPr>
-            <a:lvl9pPr marL="3886200" indent="-228600" algn="l" defTabSz="914400" rtl="0" eaLnBrk="1" latinLnBrk="0" hangingPunct="1">
-              <a:lnSpc>
-                <a:spcPct val="90000"/>
-              </a:lnSpc>
-              <a:spcBef>
-                <a:spcPct val="30000"/>
-              </a:spcBef>
-              <a:buFont typeface="Arial" panose="020B0604020202020204" pitchFamily="34" charset="0"/>
-              <a:buChar char="•"/>
-              <a:defRPr sz="1800" kern="1200">
-                <a:solidFill>
-                  <a:schemeClr val="tx1"/>
-                </a:solidFill>
-                <a:latin typeface="+mn-lt"/>
-                <a:ea typeface="+mn-ea"/>
-                <a:cs typeface="+mn-cs"/>
-              </a:defRPr>
-            </a:lvl9pPr>
-          </a:lstStyle>
-          <a:p>
-            <a:pPr marL="0" indent="0" defTabSz="578358">
-              <a:spcBef>
-                <a:spcPts val="2300"/>
-              </a:spcBef>
-              <a:buNone/>
-              <a:defRPr sz="3500"/>
-            </a:pPr>
-            <a:r>
-              <a:rPr lang="en-US" sz="2000" dirty="0"/>
-              <a:t>Traditional Messaging System</a:t>
-            </a:r>
-          </a:p>
-        </p:txBody>
-      </p:sp>
-      <p:pic>
-        <p:nvPicPr>
-          <p:cNvPr id="6" name="Picture 5"/>
-          <p:cNvPicPr>
-            <a:picLocks noChangeAspect="1"/>
-          </p:cNvPicPr>
-          <p:nvPr/>
-        </p:nvPicPr>
-        <p:blipFill>
-          <a:blip r:embed="rId4">
-            <a:extLst>
-              <a:ext uri="{28A0092B-C50C-407E-A947-70E740481C1C}">
-                <a14:useLocalDpi xmlns:a14="http://schemas.microsoft.com/office/drawing/2010/main" val="0"/>
-              </a:ext>
-            </a:extLst>
-          </a:blip>
-          <a:stretch>
-            <a:fillRect/>
-          </a:stretch>
-        </p:blipFill>
-        <p:spPr>
-          <a:xfrm>
-            <a:off x="6506817" y="2875722"/>
-            <a:ext cx="5092330" cy="2252869"/>
-          </a:xfrm>
-          <a:prstGeom prst="rect">
-            <a:avLst/>
-          </a:prstGeom>
-          <a:ln>
-            <a:noFill/>
-          </a:ln>
-          <a:effectLst>
-            <a:softEdge rad="112500"/>
-          </a:effectLst>
-        </p:spPr>
-      </p:pic>
-      <p:sp>
-        <p:nvSpPr>
-          <p:cNvPr id="7" name="Arrow: Right 6"/>
-          <p:cNvSpPr/>
-          <p:nvPr/>
-        </p:nvSpPr>
-        <p:spPr>
-          <a:xfrm>
-            <a:off x="5416644" y="3697357"/>
-            <a:ext cx="609600" cy="300682"/>
-          </a:xfrm>
-          <a:prstGeom prst="rightArrow">
-            <a:avLst/>
-          </a:prstGeom>
-          <a:solidFill>
-            <a:srgbClr val="D24726"/>
-          </a:solidFill>
-        </p:spPr>
-        <p:style>
-          <a:lnRef idx="1">
-            <a:schemeClr val="accent2"/>
-          </a:lnRef>
-          <a:fillRef idx="3">
-            <a:schemeClr val="accent2"/>
-          </a:fillRef>
-          <a:effectRef idx="2">
-            <a:schemeClr val="accent2"/>
-          </a:effectRef>
-          <a:fontRef idx="minor">
-            <a:schemeClr val="lt1"/>
-          </a:fontRef>
-        </p:style>
-        <p:txBody>
-          <a:bodyPr rtlCol="0" anchor="ctr"/>
-          <a:lstStyle/>
-          <a:p>
-            <a:pPr algn="ctr"/>
-            <a:endParaRPr lang="en-US" dirty="0">
-              <a:solidFill>
-                <a:srgbClr val="FFFF00"/>
-              </a:solidFill>
-            </a:endParaRPr>
-          </a:p>
-        </p:txBody>
-      </p:sp>
-    </p:spTree>
-    <p:extLst>
-      <p:ext uri="{BB962C8B-B14F-4D97-AF65-F5344CB8AC3E}">
-        <p14:creationId xmlns:p14="http://schemas.microsoft.com/office/powerpoint/2010/main" val="1107001750"/>
-      </p:ext>
-    </p:extLst>
-  </p:cSld>
-  <p:clrMapOvr>
-    <a:masterClrMapping/>
-  </p:clrMapOvr>
-  <mc:AlternateContent xmlns:mc="http://schemas.openxmlformats.org/markup-compatibility/2006" xmlns:p14="http://schemas.microsoft.com/office/powerpoint/2010/main">
-    <mc:Choice Requires="p14">
-      <p:transition p14:dur="10"/>
-    </mc:Choice>
-    <mc:Fallback xmlns="">
-      <p:transition/>
-    </mc:Fallback>
-  </mc:AlternateContent>
-</p:sld>
-</file>
-
-<file path=ppt/slides/slide31.xml><?xml version="1.0" encoding="utf-8"?>
-<p:sld xmlns:a="http://schemas.openxmlformats.org/drawingml/2006/main" xmlns:r="http://schemas.openxmlformats.org/officeDocument/2006/relationships" xmlns:p="http://schemas.openxmlformats.org/presentationml/2006/main">
-  <p:cSld>
-    <p:spTree>
-      <p:nvGrpSpPr>
-        <p:cNvPr id="1" name=""/>
-        <p:cNvGrpSpPr/>
-        <p:nvPr/>
-      </p:nvGrpSpPr>
-      <p:grpSpPr>
-        <a:xfrm>
-          <a:off x="0" y="0"/>
-          <a:ext cx="0" cy="0"/>
-          <a:chOff x="0" y="0"/>
-          <a:chExt cx="0" cy="0"/>
-        </a:xfrm>
-      </p:grpSpPr>
-      <p:sp>
-        <p:nvSpPr>
-          <p:cNvPr id="4" name="Title 3"/>
-          <p:cNvSpPr>
-            <a:spLocks noGrp="1"/>
-          </p:cNvSpPr>
-          <p:nvPr>
-            <p:ph type="title"/>
-          </p:nvPr>
-        </p:nvSpPr>
-        <p:spPr>
-          <a:xfrm>
-            <a:off x="521208" y="448056"/>
-            <a:ext cx="6117336" cy="640080"/>
-          </a:xfrm>
-        </p:spPr>
-        <p:txBody>
-          <a:bodyPr/>
-          <a:lstStyle/>
-          <a:p>
-            <a:r>
-              <a:rPr lang="en-US" dirty="0"/>
-              <a:t>Kafka as Messaging System</a:t>
-            </a:r>
-          </a:p>
-        </p:txBody>
-      </p:sp>
-      <p:sp>
-        <p:nvSpPr>
-          <p:cNvPr id="26" name="Shape 160"/>
-          <p:cNvSpPr txBox="1">
-            <a:spLocks/>
-          </p:cNvSpPr>
-          <p:nvPr/>
-        </p:nvSpPr>
-        <p:spPr>
-          <a:xfrm>
-            <a:off x="644144" y="1794013"/>
-            <a:ext cx="11988800" cy="6096000"/>
-          </a:xfrm>
-          <a:prstGeom prst="rect">
-            <a:avLst/>
-          </a:prstGeom>
-        </p:spPr>
-        <p:txBody>
-          <a:bodyPr/>
-          <a:lstStyle>
-            <a:lvl1pPr marL="228600" indent="-228600" algn="l" defTabSz="914400" rtl="0" eaLnBrk="1" latinLnBrk="0" hangingPunct="1">
-              <a:lnSpc>
-                <a:spcPct val="90000"/>
-              </a:lnSpc>
-              <a:spcBef>
-                <a:spcPct val="30000"/>
-              </a:spcBef>
-              <a:buFont typeface="Arial" panose="020B0604020202020204" pitchFamily="34" charset="0"/>
-              <a:buChar char="•"/>
-              <a:defRPr sz="2800" kern="1200">
-                <a:solidFill>
-                  <a:schemeClr val="tx1"/>
-                </a:solidFill>
-                <a:latin typeface="+mn-lt"/>
-                <a:ea typeface="+mn-ea"/>
-                <a:cs typeface="+mn-cs"/>
-              </a:defRPr>
-            </a:lvl1pPr>
-            <a:lvl2pPr marL="685800" indent="-228600" algn="l" defTabSz="914400" rtl="0" eaLnBrk="1" latinLnBrk="0" hangingPunct="1">
-              <a:lnSpc>
-                <a:spcPct val="90000"/>
-              </a:lnSpc>
-              <a:spcBef>
-                <a:spcPct val="30000"/>
-              </a:spcBef>
-              <a:buFont typeface="Arial" panose="020B0604020202020204" pitchFamily="34" charset="0"/>
-              <a:buChar char="•"/>
-              <a:defRPr sz="2400" kern="1200">
-                <a:solidFill>
-                  <a:schemeClr val="tx1"/>
-                </a:solidFill>
-                <a:latin typeface="+mn-lt"/>
-                <a:ea typeface="+mn-ea"/>
-                <a:cs typeface="+mn-cs"/>
-              </a:defRPr>
-            </a:lvl2pPr>
-            <a:lvl3pPr marL="1143000" indent="-228600" algn="l" defTabSz="914400" rtl="0" eaLnBrk="1" latinLnBrk="0" hangingPunct="1">
-              <a:lnSpc>
-                <a:spcPct val="90000"/>
-              </a:lnSpc>
-              <a:spcBef>
-                <a:spcPct val="30000"/>
-              </a:spcBef>
-              <a:buFont typeface="Arial" panose="020B0604020202020204" pitchFamily="34" charset="0"/>
-              <a:buChar char="•"/>
-              <a:defRPr sz="2000" kern="1200">
-                <a:solidFill>
-                  <a:schemeClr val="tx1"/>
-                </a:solidFill>
-                <a:latin typeface="+mn-lt"/>
-                <a:ea typeface="+mn-ea"/>
-                <a:cs typeface="+mn-cs"/>
-              </a:defRPr>
-            </a:lvl3pPr>
-            <a:lvl4pPr marL="1600200" indent="-228600" algn="l" defTabSz="914400" rtl="0" eaLnBrk="1" latinLnBrk="0" hangingPunct="1">
-              <a:lnSpc>
-                <a:spcPct val="90000"/>
-              </a:lnSpc>
-              <a:spcBef>
-                <a:spcPct val="30000"/>
-              </a:spcBef>
-              <a:buFont typeface="Arial" panose="020B0604020202020204" pitchFamily="34" charset="0"/>
-              <a:buChar char="•"/>
-              <a:defRPr sz="1800" kern="1200">
-                <a:solidFill>
-                  <a:schemeClr val="tx1"/>
-                </a:solidFill>
-                <a:latin typeface="+mn-lt"/>
-                <a:ea typeface="+mn-ea"/>
-                <a:cs typeface="+mn-cs"/>
-              </a:defRPr>
-            </a:lvl4pPr>
-            <a:lvl5pPr marL="2057400" indent="-228600" algn="l" defTabSz="914400" rtl="0" eaLnBrk="1" latinLnBrk="0" hangingPunct="1">
-              <a:lnSpc>
-                <a:spcPct val="90000"/>
-              </a:lnSpc>
-              <a:spcBef>
-                <a:spcPct val="30000"/>
-              </a:spcBef>
-              <a:buFont typeface="Arial" panose="020B0604020202020204" pitchFamily="34" charset="0"/>
-              <a:buChar char="•"/>
-              <a:defRPr sz="1800" kern="1200">
-                <a:solidFill>
-                  <a:schemeClr val="tx1"/>
-                </a:solidFill>
-                <a:latin typeface="+mn-lt"/>
-                <a:ea typeface="+mn-ea"/>
-                <a:cs typeface="+mn-cs"/>
-              </a:defRPr>
-            </a:lvl5pPr>
-            <a:lvl6pPr marL="2514600" indent="-228600" algn="l" defTabSz="914400" rtl="0" eaLnBrk="1" latinLnBrk="0" hangingPunct="1">
-              <a:lnSpc>
-                <a:spcPct val="90000"/>
-              </a:lnSpc>
-              <a:spcBef>
-                <a:spcPct val="30000"/>
-              </a:spcBef>
-              <a:buFont typeface="Arial" panose="020B0604020202020204" pitchFamily="34" charset="0"/>
-              <a:buChar char="•"/>
-              <a:defRPr sz="1800" kern="1200">
-                <a:solidFill>
-                  <a:schemeClr val="tx1"/>
-                </a:solidFill>
-                <a:latin typeface="+mn-lt"/>
-                <a:ea typeface="+mn-ea"/>
-                <a:cs typeface="+mn-cs"/>
-              </a:defRPr>
-            </a:lvl6pPr>
-            <a:lvl7pPr marL="2971800" indent="-228600" algn="l" defTabSz="914400" rtl="0" eaLnBrk="1" latinLnBrk="0" hangingPunct="1">
-              <a:lnSpc>
-                <a:spcPct val="90000"/>
-              </a:lnSpc>
-              <a:spcBef>
-                <a:spcPct val="30000"/>
-              </a:spcBef>
-              <a:buFont typeface="Arial" panose="020B0604020202020204" pitchFamily="34" charset="0"/>
-              <a:buChar char="•"/>
-              <a:defRPr sz="1800" kern="1200">
-                <a:solidFill>
-                  <a:schemeClr val="tx1"/>
-                </a:solidFill>
-                <a:latin typeface="+mn-lt"/>
-                <a:ea typeface="+mn-ea"/>
-                <a:cs typeface="+mn-cs"/>
-              </a:defRPr>
-            </a:lvl7pPr>
-            <a:lvl8pPr marL="3429000" indent="-228600" algn="l" defTabSz="914400" rtl="0" eaLnBrk="1" latinLnBrk="0" hangingPunct="1">
-              <a:lnSpc>
-                <a:spcPct val="90000"/>
-              </a:lnSpc>
-              <a:spcBef>
-                <a:spcPct val="30000"/>
-              </a:spcBef>
-              <a:buFont typeface="Arial" panose="020B0604020202020204" pitchFamily="34" charset="0"/>
-              <a:buChar char="•"/>
-              <a:defRPr sz="1800" kern="1200">
-                <a:solidFill>
-                  <a:schemeClr val="tx1"/>
-                </a:solidFill>
-                <a:latin typeface="+mn-lt"/>
-                <a:ea typeface="+mn-ea"/>
-                <a:cs typeface="+mn-cs"/>
-              </a:defRPr>
-            </a:lvl8pPr>
-            <a:lvl9pPr marL="3886200" indent="-228600" algn="l" defTabSz="914400" rtl="0" eaLnBrk="1" latinLnBrk="0" hangingPunct="1">
-              <a:lnSpc>
-                <a:spcPct val="90000"/>
-              </a:lnSpc>
-              <a:spcBef>
-                <a:spcPct val="30000"/>
-              </a:spcBef>
-              <a:buFont typeface="Arial" panose="020B0604020202020204" pitchFamily="34" charset="0"/>
-              <a:buChar char="•"/>
-              <a:defRPr sz="1800" kern="1200">
-                <a:solidFill>
-                  <a:schemeClr val="tx1"/>
-                </a:solidFill>
-                <a:latin typeface="+mn-lt"/>
-                <a:ea typeface="+mn-ea"/>
-                <a:cs typeface="+mn-cs"/>
-              </a:defRPr>
-            </a:lvl9pPr>
-          </a:lstStyle>
-          <a:p>
-            <a:pPr marL="0" indent="0" defTabSz="578358">
-              <a:spcBef>
-                <a:spcPts val="2300"/>
-              </a:spcBef>
-              <a:buNone/>
-              <a:defRPr sz="3500"/>
-            </a:pPr>
-            <a:r>
-              <a:rPr lang="en-US" sz="2000" dirty="0"/>
-              <a:t>So you data pipeline will look like this</a:t>
-            </a:r>
-          </a:p>
-        </p:txBody>
-      </p:sp>
-      <p:pic>
-        <p:nvPicPr>
-          <p:cNvPr id="5" name="Picture 4"/>
-          <p:cNvPicPr>
-            <a:picLocks noChangeAspect="1"/>
-          </p:cNvPicPr>
-          <p:nvPr/>
-        </p:nvPicPr>
-        <p:blipFill rotWithShape="1">
-          <a:blip r:embed="rId3">
-            <a:extLst>
-              <a:ext uri="{28A0092B-C50C-407E-A947-70E740481C1C}">
-                <a14:useLocalDpi xmlns:a14="http://schemas.microsoft.com/office/drawing/2010/main" val="0"/>
-              </a:ext>
-            </a:extLst>
-          </a:blip>
-          <a:srcRect t="2566" r="3831"/>
-          <a:stretch/>
-        </p:blipFill>
-        <p:spPr>
-          <a:xfrm>
-            <a:off x="1472148" y="2517914"/>
-            <a:ext cx="4215455" cy="3694680"/>
-          </a:xfrm>
-          <a:prstGeom prst="rect">
-            <a:avLst/>
-          </a:prstGeom>
-          <a:ln>
-            <a:noFill/>
-          </a:ln>
-          <a:effectLst>
-            <a:softEdge rad="112500"/>
-          </a:effectLst>
-        </p:spPr>
-      </p:pic>
-    </p:spTree>
-    <p:extLst>
-      <p:ext uri="{BB962C8B-B14F-4D97-AF65-F5344CB8AC3E}">
-        <p14:creationId xmlns:p14="http://schemas.microsoft.com/office/powerpoint/2010/main" val="1056236012"/>
-      </p:ext>
-    </p:extLst>
-  </p:cSld>
-  <p:clrMapOvr>
-    <a:masterClrMapping/>
-  </p:clrMapOvr>
-  <mc:AlternateContent xmlns:mc="http://schemas.openxmlformats.org/markup-compatibility/2006" xmlns:p14="http://schemas.microsoft.com/office/powerpoint/2010/main">
-    <mc:Choice Requires="p14">
-      <p:transition p14:dur="10"/>
-    </mc:Choice>
-    <mc:Fallback xmlns="">
-      <p:transition/>
-    </mc:Fallback>
-  </mc:AlternateContent>
-</p:sld>
-</file>
-
-<file path=ppt/slides/slide32.xml><?xml version="1.0" encoding="utf-8"?>
-<p:sld xmlns:a="http://schemas.openxmlformats.org/drawingml/2006/main" xmlns:r="http://schemas.openxmlformats.org/officeDocument/2006/relationships" xmlns:p="http://schemas.openxmlformats.org/presentationml/2006/main">
-  <p:cSld>
-    <p:spTree>
-      <p:nvGrpSpPr>
-        <p:cNvPr id="1" name=""/>
-        <p:cNvGrpSpPr/>
-        <p:nvPr/>
-      </p:nvGrpSpPr>
-      <p:grpSpPr>
-        <a:xfrm>
-          <a:off x="0" y="0"/>
-          <a:ext cx="0" cy="0"/>
-          <a:chOff x="0" y="0"/>
-          <a:chExt cx="0" cy="0"/>
-        </a:xfrm>
-      </p:grpSpPr>
-      <p:sp>
-        <p:nvSpPr>
-          <p:cNvPr id="4" name="Title 3"/>
-          <p:cNvSpPr>
-            <a:spLocks noGrp="1"/>
-          </p:cNvSpPr>
-          <p:nvPr>
-            <p:ph type="title"/>
-          </p:nvPr>
-        </p:nvSpPr>
-        <p:spPr>
-          <a:xfrm>
-            <a:off x="521208" y="448056"/>
-            <a:ext cx="6117336" cy="640080"/>
-          </a:xfrm>
-        </p:spPr>
-        <p:txBody>
-          <a:bodyPr/>
-          <a:lstStyle/>
-          <a:p>
-            <a:r>
-              <a:rPr lang="en-US" dirty="0"/>
-              <a:t>The Solution</a:t>
-            </a:r>
-          </a:p>
-        </p:txBody>
-      </p:sp>
-      <p:pic>
-        <p:nvPicPr>
-          <p:cNvPr id="3" name="Picture 2"/>
-          <p:cNvPicPr>
-            <a:picLocks noChangeAspect="1"/>
-          </p:cNvPicPr>
-          <p:nvPr/>
-        </p:nvPicPr>
-        <p:blipFill>
-          <a:blip r:embed="rId3">
-            <a:extLst>
-              <a:ext uri="{28A0092B-C50C-407E-A947-70E740481C1C}">
-                <a14:useLocalDpi xmlns:a14="http://schemas.microsoft.com/office/drawing/2010/main" val="0"/>
-              </a:ext>
-            </a:extLst>
-          </a:blip>
-          <a:stretch>
-            <a:fillRect/>
-          </a:stretch>
-        </p:blipFill>
-        <p:spPr>
-          <a:xfrm>
-            <a:off x="2145305" y="2315604"/>
-            <a:ext cx="7344800" cy="3048425"/>
-          </a:xfrm>
-          <a:prstGeom prst="rect">
-            <a:avLst/>
-          </a:prstGeom>
-          <a:ln>
-            <a:noFill/>
-          </a:ln>
-          <a:effectLst>
-            <a:softEdge rad="112500"/>
-          </a:effectLst>
-        </p:spPr>
-      </p:pic>
-    </p:spTree>
-    <p:extLst>
-      <p:ext uri="{BB962C8B-B14F-4D97-AF65-F5344CB8AC3E}">
-        <p14:creationId xmlns:p14="http://schemas.microsoft.com/office/powerpoint/2010/main" val="2428052341"/>
-      </p:ext>
-    </p:extLst>
-  </p:cSld>
-  <p:clrMapOvr>
-    <a:masterClrMapping/>
-  </p:clrMapOvr>
-  <mc:AlternateContent xmlns:mc="http://schemas.openxmlformats.org/markup-compatibility/2006" xmlns:p14="http://schemas.microsoft.com/office/powerpoint/2010/main">
-    <mc:Choice Requires="p14">
-      <p:transition p14:dur="10"/>
-    </mc:Choice>
-    <mc:Fallback xmlns="">
-      <p:transition/>
-    </mc:Fallback>
-  </mc:AlternateContent>
-</p:sld>
-</file>
-
 <file path=ppt/slides/slide4.xml><?xml version="1.0" encoding="utf-8"?>
 <p:sld xmlns:a="http://schemas.openxmlformats.org/drawingml/2006/main" xmlns:r="http://schemas.openxmlformats.org/officeDocument/2006/relationships" xmlns:p="http://schemas.openxmlformats.org/presentationml/2006/main">
   <p:cSld>
@@ -13093,7 +10081,7 @@
       </p:grpSpPr>
       <p:sp>
         <p:nvSpPr>
-          <p:cNvPr id="8" name="Title 7"/>
+          <p:cNvPr id="4" name="Title 3"/>
           <p:cNvSpPr>
             <a:spLocks noGrp="1"/>
           </p:cNvSpPr>
@@ -13101,25 +10089,28 @@
             <p:ph type="title"/>
           </p:nvPr>
         </p:nvSpPr>
-        <p:spPr/>
+        <p:spPr>
+          <a:xfrm>
+            <a:off x="521208" y="448056"/>
+            <a:ext cx="6117336" cy="640080"/>
+          </a:xfrm>
+        </p:spPr>
         <p:txBody>
-          <a:bodyPr/>
+          <a:bodyPr>
+            <a:normAutofit/>
+          </a:bodyPr>
           <a:lstStyle/>
           <a:p>
             <a:r>
               <a:rPr lang="en-US" dirty="0"/>
-              <a:t>Kafka Use Cases</a:t>
-            </a:r>
-            <a:endParaRPr lang="en-US" dirty="0">
-              <a:latin typeface="Segoe UI Light" panose="020B0502040204020203" pitchFamily="34" charset="0"/>
-              <a:cs typeface="Segoe UI Light" panose="020B0502040204020203" pitchFamily="34" charset="0"/>
-            </a:endParaRPr>
+              <a:t>Concepts used in Kafka</a:t>
+            </a:r>
           </a:p>
         </p:txBody>
       </p:sp>
       <p:sp>
         <p:nvSpPr>
-          <p:cNvPr id="5" name="Stream Processing…"/>
+          <p:cNvPr id="49" name="Shape 160"/>
           <p:cNvSpPr txBox="1">
             <a:spLocks/>
           </p:cNvSpPr>
@@ -13127,7 +10118,7 @@
         </p:nvSpPr>
         <p:spPr>
           <a:xfrm>
-            <a:off x="521208" y="1608483"/>
+            <a:off x="521208" y="1551333"/>
             <a:ext cx="11988800" cy="6096000"/>
           </a:xfrm>
           <a:prstGeom prst="rect">
@@ -13301,115 +10292,115 @@
             </a:lvl9pPr>
           </a:lstStyle>
           <a:p>
-            <a:pPr defTabSz="496570">
-              <a:spcBef>
-                <a:spcPts val="2000"/>
+            <a:pPr defTabSz="578358">
+              <a:spcBef>
+                <a:spcPts val="2300"/>
               </a:spcBef>
               <a:buFont typeface="Wingdings" panose="05000000000000000000" pitchFamily="2" charset="2"/>
-              <a:buChar char="Ø"/>
-              <a:defRPr sz="3060"/>
+              <a:buChar char="v"/>
+              <a:defRPr sz="3500"/>
             </a:pPr>
             <a:r>
               <a:rPr lang="en-US" sz="2000" dirty="0"/>
-              <a:t>Stream Processing</a:t>
-            </a:r>
-          </a:p>
-          <a:p>
-            <a:pPr defTabSz="496570">
-              <a:spcBef>
-                <a:spcPts val="2000"/>
+              <a:t>Producer</a:t>
+            </a:r>
+          </a:p>
+          <a:p>
+            <a:pPr defTabSz="578358">
+              <a:spcBef>
+                <a:spcPts val="2300"/>
               </a:spcBef>
               <a:buFont typeface="Wingdings" panose="05000000000000000000" pitchFamily="2" charset="2"/>
-              <a:buChar char="Ø"/>
-              <a:defRPr sz="3060"/>
+              <a:buChar char="v"/>
+              <a:defRPr sz="3500"/>
             </a:pPr>
             <a:r>
               <a:rPr lang="en-US" sz="2000" dirty="0"/>
-              <a:t>Website Activity Tracking</a:t>
-            </a:r>
-          </a:p>
-          <a:p>
-            <a:pPr defTabSz="496570">
-              <a:spcBef>
-                <a:spcPts val="2000"/>
+              <a:t>Consumer</a:t>
+            </a:r>
+          </a:p>
+          <a:p>
+            <a:pPr defTabSz="578358">
+              <a:spcBef>
+                <a:spcPts val="2300"/>
               </a:spcBef>
               <a:buFont typeface="Wingdings" panose="05000000000000000000" pitchFamily="2" charset="2"/>
-              <a:buChar char="Ø"/>
-              <a:defRPr sz="3060"/>
+              <a:buChar char="v"/>
+              <a:defRPr sz="3500"/>
             </a:pPr>
             <a:r>
               <a:rPr lang="en-US" sz="2000" dirty="0"/>
-              <a:t>Metrics Collection and Monitoring</a:t>
-            </a:r>
-          </a:p>
-          <a:p>
-            <a:pPr defTabSz="496570">
-              <a:spcBef>
-                <a:spcPts val="2000"/>
+              <a:t>Broker</a:t>
+            </a:r>
+          </a:p>
+          <a:p>
+            <a:pPr defTabSz="578358">
+              <a:spcBef>
+                <a:spcPts val="2300"/>
               </a:spcBef>
               <a:buFont typeface="Wingdings" panose="05000000000000000000" pitchFamily="2" charset="2"/>
-              <a:buChar char="Ø"/>
-              <a:defRPr sz="3060"/>
+              <a:buChar char="v"/>
+              <a:defRPr sz="3500"/>
             </a:pPr>
             <a:r>
               <a:rPr lang="en-US" sz="2000" dirty="0"/>
-              <a:t>Log Aggregation</a:t>
-            </a:r>
-          </a:p>
-          <a:p>
-            <a:pPr defTabSz="496570">
-              <a:spcBef>
-                <a:spcPts val="2000"/>
+              <a:t>Cluster</a:t>
+            </a:r>
+          </a:p>
+          <a:p>
+            <a:pPr defTabSz="578358">
+              <a:spcBef>
+                <a:spcPts val="2300"/>
               </a:spcBef>
               <a:buFont typeface="Wingdings" panose="05000000000000000000" pitchFamily="2" charset="2"/>
-              <a:buChar char="Ø"/>
-              <a:defRPr sz="3060"/>
+              <a:buChar char="v"/>
+              <a:defRPr sz="3500"/>
             </a:pPr>
             <a:r>
               <a:rPr lang="en-US" sz="2000" dirty="0"/>
-              <a:t>Real time analytics </a:t>
-            </a:r>
-          </a:p>
-          <a:p>
-            <a:pPr defTabSz="496570">
-              <a:spcBef>
-                <a:spcPts val="2000"/>
+              <a:t>Topics</a:t>
+            </a:r>
+          </a:p>
+          <a:p>
+            <a:pPr defTabSz="578358">
+              <a:spcBef>
+                <a:spcPts val="2300"/>
               </a:spcBef>
               <a:buFont typeface="Wingdings" panose="05000000000000000000" pitchFamily="2" charset="2"/>
-              <a:buChar char="Ø"/>
-              <a:defRPr sz="3060"/>
+              <a:buChar char="v"/>
+              <a:defRPr sz="3500"/>
             </a:pPr>
             <a:r>
               <a:rPr lang="en-US" sz="2000" dirty="0"/>
-              <a:t>Capture and ingest data into Spark / Hadoop</a:t>
-            </a:r>
-          </a:p>
-          <a:p>
-            <a:pPr defTabSz="496570">
-              <a:spcBef>
-                <a:spcPts val="2000"/>
+              <a:t>Partition</a:t>
+            </a:r>
+          </a:p>
+          <a:p>
+            <a:pPr defTabSz="578358">
+              <a:spcBef>
+                <a:spcPts val="2300"/>
               </a:spcBef>
               <a:buFont typeface="Wingdings" panose="05000000000000000000" pitchFamily="2" charset="2"/>
-              <a:buChar char="Ø"/>
-              <a:defRPr sz="3060"/>
+              <a:buChar char="v"/>
+              <a:defRPr sz="3500"/>
             </a:pPr>
             <a:r>
               <a:rPr lang="en-US" sz="2000" dirty="0"/>
-              <a:t>CRQS, replay, error recovery </a:t>
-            </a:r>
-          </a:p>
-          <a:p>
-            <a:pPr defTabSz="496570">
-              <a:spcBef>
-                <a:spcPts val="2000"/>
+              <a:t>Offset</a:t>
+            </a:r>
+          </a:p>
+          <a:p>
+            <a:pPr defTabSz="578358">
+              <a:spcBef>
+                <a:spcPts val="2300"/>
               </a:spcBef>
               <a:buFont typeface="Wingdings" panose="05000000000000000000" pitchFamily="2" charset="2"/>
-              <a:buChar char="Ø"/>
-              <a:defRPr sz="3060"/>
+              <a:buChar char="v"/>
+              <a:defRPr sz="3500"/>
             </a:pPr>
             <a:r>
               <a:rPr lang="en-US" sz="2000" dirty="0"/>
-              <a:t>Guaranteed distributed commit log for in-memory computing</a:t>
+              <a:t>Consumer Group</a:t>
             </a:r>
           </a:p>
         </p:txBody>
@@ -13417,7 +10408,7 @@
     </p:spTree>
     <p:extLst>
       <p:ext uri="{BB962C8B-B14F-4D97-AF65-F5344CB8AC3E}">
-        <p14:creationId xmlns:p14="http://schemas.microsoft.com/office/powerpoint/2010/main" val="3457616166"/>
+        <p14:creationId xmlns:p14="http://schemas.microsoft.com/office/powerpoint/2010/main" val="3366453489"/>
       </p:ext>
     </p:extLst>
   </p:cSld>
@@ -13491,8 +10482,8 @@
         </p:nvSpPr>
         <p:spPr>
           <a:xfrm>
-            <a:off x="521208" y="1551333"/>
-            <a:ext cx="11988800" cy="6096000"/>
+            <a:off x="521208" y="1592824"/>
+            <a:ext cx="11071024" cy="3923073"/>
           </a:xfrm>
           <a:prstGeom prst="rect">
             <a:avLst/>
@@ -13665,123 +10656,137 @@
             </a:lvl9pPr>
           </a:lstStyle>
           <a:p>
-            <a:pPr defTabSz="578358">
+            <a:pPr marL="0" indent="0" defTabSz="578358">
               <a:spcBef>
                 <a:spcPts val="2300"/>
               </a:spcBef>
-              <a:buFont typeface="Wingdings" panose="05000000000000000000" pitchFamily="2" charset="2"/>
-              <a:buChar char="v"/>
+              <a:buNone/>
               <a:defRPr sz="3500"/>
             </a:pPr>
             <a:r>
-              <a:rPr lang="en-US" sz="2000" dirty="0"/>
+              <a:rPr lang="en-US" sz="2400" dirty="0">
+                <a:solidFill>
+                  <a:srgbClr val="D24726"/>
+                </a:solidFill>
+                <a:latin typeface="Segoe UI Semibold" panose="020B0702040204020203" pitchFamily="34" charset="0"/>
+                <a:cs typeface="Segoe UI Semibold" panose="020B0702040204020203" pitchFamily="34" charset="0"/>
+              </a:rPr>
               <a:t>Producer</a:t>
             </a:r>
           </a:p>
           <a:p>
-            <a:pPr defTabSz="578358">
+            <a:pPr marL="0" indent="0" defTabSz="578358">
               <a:spcBef>
                 <a:spcPts val="2300"/>
               </a:spcBef>
-              <a:buFont typeface="Wingdings" panose="05000000000000000000" pitchFamily="2" charset="2"/>
-              <a:buChar char="v"/>
+              <a:buNone/>
               <a:defRPr sz="3500"/>
             </a:pPr>
             <a:r>
               <a:rPr lang="en-US" sz="2000" dirty="0"/>
-              <a:t>Consumer</a:t>
-            </a:r>
-          </a:p>
-          <a:p>
-            <a:pPr defTabSz="578358">
+              <a:t>An application that sends messages to Kafka.</a:t>
+            </a:r>
+          </a:p>
+          <a:p>
+            <a:pPr marL="0" indent="0" defTabSz="578358">
               <a:spcBef>
                 <a:spcPts val="2300"/>
               </a:spcBef>
-              <a:buFont typeface="Wingdings" panose="05000000000000000000" pitchFamily="2" charset="2"/>
-              <a:buChar char="v"/>
+              <a:buNone/>
               <a:defRPr sz="3500"/>
             </a:pPr>
             <a:r>
-              <a:rPr lang="en-US" sz="2000" dirty="0"/>
-              <a:t>Broker</a:t>
-            </a:r>
-          </a:p>
-          <a:p>
-            <a:pPr defTabSz="578358">
+              <a:rPr lang="en-US" sz="2400" dirty="0">
+                <a:solidFill>
+                  <a:srgbClr val="D24726"/>
+                </a:solidFill>
+                <a:latin typeface="Segoe UI Semibold" panose="020B0702040204020203" pitchFamily="34" charset="0"/>
+                <a:cs typeface="Segoe UI Semibold" panose="020B0702040204020203" pitchFamily="34" charset="0"/>
+              </a:rPr>
+              <a:t>Message</a:t>
+            </a:r>
+          </a:p>
+          <a:p>
+            <a:pPr marL="0" indent="0" defTabSz="578358">
               <a:spcBef>
                 <a:spcPts val="2300"/>
               </a:spcBef>
-              <a:buFont typeface="Wingdings" panose="05000000000000000000" pitchFamily="2" charset="2"/>
-              <a:buChar char="v"/>
+              <a:buNone/>
               <a:defRPr sz="3500"/>
             </a:pPr>
             <a:r>
               <a:rPr lang="en-US" sz="2000" dirty="0"/>
-              <a:t>Cluster</a:t>
-            </a:r>
-          </a:p>
-          <a:p>
-            <a:pPr defTabSz="578358">
+              <a:t>Small to medium size piece of data.</a:t>
+            </a:r>
+          </a:p>
+          <a:p>
+            <a:pPr marL="0" indent="0" defTabSz="578358">
               <a:spcBef>
                 <a:spcPts val="2300"/>
               </a:spcBef>
-              <a:buFont typeface="Wingdings" panose="05000000000000000000" pitchFamily="2" charset="2"/>
-              <a:buChar char="v"/>
+              <a:buNone/>
               <a:defRPr sz="3500"/>
             </a:pPr>
             <a:r>
-              <a:rPr lang="en-US" sz="2000" dirty="0"/>
-              <a:t>Topics</a:t>
-            </a:r>
-          </a:p>
-          <a:p>
-            <a:pPr defTabSz="578358">
+              <a:rPr lang="en-US" sz="2400" dirty="0">
+                <a:solidFill>
+                  <a:srgbClr val="D24726"/>
+                </a:solidFill>
+                <a:latin typeface="Segoe UI Semibold" panose="020B0702040204020203" pitchFamily="34" charset="0"/>
+                <a:cs typeface="Segoe UI Semibold" panose="020B0702040204020203" pitchFamily="34" charset="0"/>
+              </a:rPr>
+              <a:t>Consumer</a:t>
+            </a:r>
+          </a:p>
+          <a:p>
+            <a:pPr marL="0" indent="0" defTabSz="578358">
               <a:spcBef>
                 <a:spcPts val="2300"/>
               </a:spcBef>
-              <a:buFont typeface="Wingdings" panose="05000000000000000000" pitchFamily="2" charset="2"/>
-              <a:buChar char="v"/>
+              <a:buNone/>
               <a:defRPr sz="3500"/>
             </a:pPr>
             <a:r>
               <a:rPr lang="en-US" sz="2000" dirty="0"/>
-              <a:t>Partition</a:t>
-            </a:r>
-          </a:p>
-          <a:p>
-            <a:pPr defTabSz="578358">
+              <a:t>An application that reads data from Kafka.</a:t>
+            </a:r>
+          </a:p>
+          <a:p>
+            <a:pPr marL="0" indent="0" defTabSz="578358">
               <a:spcBef>
                 <a:spcPts val="2300"/>
               </a:spcBef>
-              <a:buFont typeface="Wingdings" panose="05000000000000000000" pitchFamily="2" charset="2"/>
-              <a:buChar char="v"/>
+              <a:buNone/>
               <a:defRPr sz="3500"/>
             </a:pPr>
-            <a:r>
-              <a:rPr lang="en-US" sz="2000" dirty="0"/>
-              <a:t>Offset</a:t>
-            </a:r>
-          </a:p>
-          <a:p>
-            <a:pPr defTabSz="578358">
+            <a:endParaRPr lang="en-US" sz="2000" dirty="0"/>
+          </a:p>
+          <a:p>
+            <a:pPr marL="0" indent="0" defTabSz="578358">
               <a:spcBef>
                 <a:spcPts val="2300"/>
               </a:spcBef>
-              <a:buFont typeface="Wingdings" panose="05000000000000000000" pitchFamily="2" charset="2"/>
-              <a:buChar char="v"/>
+              <a:buNone/>
               <a:defRPr sz="3500"/>
             </a:pPr>
-            <a:r>
-              <a:rPr lang="en-US" sz="2000" dirty="0"/>
-              <a:t>Consumer Group</a:t>
-            </a:r>
+            <a:endParaRPr lang="en-US" sz="2000" dirty="0"/>
+          </a:p>
+          <a:p>
+            <a:pPr marL="0" indent="0" defTabSz="578358">
+              <a:spcBef>
+                <a:spcPts val="2300"/>
+              </a:spcBef>
+              <a:buNone/>
+              <a:defRPr sz="3500"/>
+            </a:pPr>
+            <a:endParaRPr lang="ar-SY" sz="2000" dirty="0"/>
           </a:p>
         </p:txBody>
       </p:sp>
     </p:spTree>
     <p:extLst>
       <p:ext uri="{BB962C8B-B14F-4D97-AF65-F5344CB8AC3E}">
-        <p14:creationId xmlns:p14="http://schemas.microsoft.com/office/powerpoint/2010/main" val="3366453489"/>
+        <p14:creationId xmlns:p14="http://schemas.microsoft.com/office/powerpoint/2010/main" val="1160404091"/>
       </p:ext>
     </p:extLst>
   </p:cSld>
@@ -13855,8 +10860,8 @@
         </p:nvSpPr>
         <p:spPr>
           <a:xfrm>
-            <a:off x="387858" y="2275233"/>
-            <a:ext cx="11988800" cy="6096000"/>
+            <a:off x="521208" y="1592824"/>
+            <a:ext cx="11071024" cy="1828801"/>
           </a:xfrm>
           <a:prstGeom prst="rect">
             <a:avLst/>
@@ -14029,7 +11034,7 @@
             </a:lvl9pPr>
           </a:lstStyle>
           <a:p>
-            <a:pPr marL="0" indent="0" algn="ctr" defTabSz="578358">
+            <a:pPr marL="0" indent="0" defTabSz="578358">
               <a:spcBef>
                 <a:spcPts val="2300"/>
               </a:spcBef>
@@ -14044,38 +11049,82 @@
                 <a:latin typeface="Segoe UI Semibold" panose="020B0702040204020203" pitchFamily="34" charset="0"/>
                 <a:cs typeface="Segoe UI Semibold" panose="020B0702040204020203" pitchFamily="34" charset="0"/>
               </a:rPr>
-              <a:t>Producer</a:t>
-            </a:r>
-          </a:p>
-          <a:p>
-            <a:pPr marL="0" indent="0" algn="ctr" defTabSz="578358">
+              <a:t>Broker</a:t>
+            </a:r>
+          </a:p>
+          <a:p>
+            <a:pPr marL="0" indent="0" defTabSz="578358">
               <a:spcBef>
                 <a:spcPts val="2300"/>
               </a:spcBef>
               <a:buNone/>
               <a:defRPr sz="3500"/>
             </a:pPr>
-            <a:endParaRPr lang="en-US" sz="2000" dirty="0"/>
-          </a:p>
-          <a:p>
-            <a:pPr marL="0" indent="0" algn="ctr" defTabSz="578358">
+            <a:r>
+              <a:rPr lang="en-US" sz="2000" dirty="0"/>
+              <a:t>Or just </a:t>
+            </a:r>
+            <a:r>
+              <a:rPr lang="en-US" sz="2000" dirty="0" err="1"/>
+              <a:t>kafka</a:t>
+            </a:r>
+            <a:r>
+              <a:rPr lang="en-US" sz="2000" dirty="0"/>
+              <a:t> server.</a:t>
+            </a:r>
+          </a:p>
+          <a:p>
+            <a:pPr marL="0" indent="0" defTabSz="578358">
               <a:spcBef>
                 <a:spcPts val="2300"/>
               </a:spcBef>
               <a:buNone/>
               <a:defRPr sz="3500"/>
             </a:pPr>
-            <a:r>
-              <a:rPr lang="en-US" sz="2000" dirty="0"/>
-              <a:t>An application that sends messages to Kafka</a:t>
-            </a:r>
+            <a:endParaRPr lang="ar-SY" sz="2000" dirty="0"/>
           </a:p>
         </p:txBody>
       </p:sp>
+      <p:pic>
+        <p:nvPicPr>
+          <p:cNvPr id="6" name="Picture 5"/>
+          <p:cNvPicPr>
+            <a:picLocks noChangeAspect="1"/>
+          </p:cNvPicPr>
+          <p:nvPr/>
+        </p:nvPicPr>
+        <p:blipFill>
+          <a:blip r:embed="rId2">
+            <a:extLst>
+              <a:ext uri="{28A0092B-C50C-407E-A947-70E740481C1C}">
+                <a14:useLocalDpi xmlns:a14="http://schemas.microsoft.com/office/drawing/2010/main" val="0"/>
+              </a:ext>
+            </a:extLst>
+          </a:blip>
+          <a:stretch>
+            <a:fillRect/>
+          </a:stretch>
+        </p:blipFill>
+        <p:spPr>
+          <a:xfrm>
+            <a:off x="1549640" y="2968735"/>
+            <a:ext cx="9014159" cy="3269833"/>
+          </a:xfrm>
+          <a:prstGeom prst="rect">
+            <a:avLst/>
+          </a:prstGeom>
+          <a:ln>
+            <a:noFill/>
+          </a:ln>
+          <a:effectLst>
+            <a:softEdge rad="112500"/>
+          </a:effectLst>
+        </p:spPr>
+      </p:pic>
     </p:spTree>
     <p:extLst>
       <p:ext uri="{BB962C8B-B14F-4D97-AF65-F5344CB8AC3E}">
-        <p14:creationId xmlns:p14="http://schemas.microsoft.com/office/powerpoint/2010/main" val="2653594284"/>
+        <p14:creationId xmlns:p14="http://schemas.microsoft.com/office/powerpoint/2010/main" val="3140714129"/>
       </p:ext>
     </p:extLst>
   </p:cSld>
@@ -14149,8 +11198,8 @@
         </p:nvSpPr>
         <p:spPr>
           <a:xfrm>
-            <a:off x="387858" y="2275233"/>
-            <a:ext cx="11988800" cy="6096000"/>
+            <a:off x="521208" y="1592824"/>
+            <a:ext cx="11071024" cy="1828801"/>
           </a:xfrm>
           <a:prstGeom prst="rect">
             <a:avLst/>
@@ -14323,7 +11372,7 @@
             </a:lvl9pPr>
           </a:lstStyle>
           <a:p>
-            <a:pPr marL="0" indent="0" algn="ctr" defTabSz="578358">
+            <a:pPr marL="0" indent="0" defTabSz="578358">
               <a:spcBef>
                 <a:spcPts val="2300"/>
               </a:spcBef>
@@ -14338,38 +11387,85 @@
                 <a:latin typeface="Segoe UI Semibold" panose="020B0702040204020203" pitchFamily="34" charset="0"/>
                 <a:cs typeface="Segoe UI Semibold" panose="020B0702040204020203" pitchFamily="34" charset="0"/>
               </a:rPr>
-              <a:t>Messages</a:t>
-            </a:r>
-          </a:p>
-          <a:p>
-            <a:pPr marL="0" indent="0" algn="ctr" defTabSz="578358">
+              <a:t>Cluster</a:t>
+            </a:r>
+          </a:p>
+          <a:p>
+            <a:pPr defTabSz="578358">
+              <a:spcBef>
+                <a:spcPts val="2300"/>
+              </a:spcBef>
+              <a:defRPr sz="3500"/>
+            </a:pPr>
+            <a:r>
+              <a:rPr lang="en-US" sz="2000" dirty="0"/>
+              <a:t>Group of computers sharing workload for a common purpose.</a:t>
+            </a:r>
+          </a:p>
+          <a:p>
+            <a:pPr defTabSz="578358">
+              <a:spcBef>
+                <a:spcPts val="2300"/>
+              </a:spcBef>
+              <a:defRPr sz="3500"/>
+            </a:pPr>
+            <a:r>
+              <a:rPr lang="en-US" sz="2000" dirty="0"/>
+              <a:t>Each computer executes one instance of Kafka broker.</a:t>
+            </a:r>
+          </a:p>
+          <a:p>
+            <a:pPr marL="0" indent="0" defTabSz="578358">
               <a:spcBef>
                 <a:spcPts val="2300"/>
               </a:spcBef>
               <a:buNone/>
               <a:defRPr sz="3500"/>
             </a:pPr>
-            <a:endParaRPr lang="en-US" sz="2000" dirty="0"/>
-          </a:p>
-          <a:p>
-            <a:pPr marL="0" indent="0" algn="ctr" defTabSz="578358">
-              <a:spcBef>
-                <a:spcPts val="2300"/>
-              </a:spcBef>
-              <a:buNone/>
-              <a:defRPr sz="3500"/>
-            </a:pPr>
-            <a:r>
-              <a:rPr lang="en-US" sz="2000" dirty="0"/>
-              <a:t>Small to medium size piece of data</a:t>
-            </a:r>
+            <a:endParaRPr lang="ar-SY" sz="2000" dirty="0"/>
           </a:p>
         </p:txBody>
       </p:sp>
+      <p:pic>
+        <p:nvPicPr>
+          <p:cNvPr id="5" name="Picture 4"/>
+          <p:cNvPicPr>
+            <a:picLocks noChangeAspect="1"/>
+          </p:cNvPicPr>
+          <p:nvPr/>
+        </p:nvPicPr>
+        <p:blipFill>
+          <a:blip r:embed="rId2">
+            <a:extLst>
+              <a:ext uri="{28A0092B-C50C-407E-A947-70E740481C1C}">
+                <a14:useLocalDpi xmlns:a14="http://schemas.microsoft.com/office/drawing/2010/main" val="0"/>
+              </a:ext>
+            </a:extLst>
+          </a:blip>
+          <a:stretch>
+            <a:fillRect/>
+          </a:stretch>
+        </p:blipFill>
+        <p:spPr>
+          <a:xfrm>
+            <a:off x="2619626" y="3276316"/>
+            <a:ext cx="6874188" cy="2887868"/>
+          </a:xfrm>
+          <a:prstGeom prst="rect">
+            <a:avLst/>
+          </a:prstGeom>
+          <a:ln>
+            <a:noFill/>
+          </a:ln>
+          <a:effectLst>
+            <a:softEdge rad="112500"/>
+          </a:effectLst>
+        </p:spPr>
+      </p:pic>
     </p:spTree>
     <p:extLst>
       <p:ext uri="{BB962C8B-B14F-4D97-AF65-F5344CB8AC3E}">
-        <p14:creationId xmlns:p14="http://schemas.microsoft.com/office/powerpoint/2010/main" val="3263977639"/>
+        <p14:creationId xmlns:p14="http://schemas.microsoft.com/office/powerpoint/2010/main" val="2644560809"/>
       </p:ext>
     </p:extLst>
   </p:cSld>
@@ -14443,8 +11539,8 @@
         </p:nvSpPr>
         <p:spPr>
           <a:xfrm>
-            <a:off x="387858" y="2275233"/>
-            <a:ext cx="11988800" cy="6096000"/>
+            <a:off x="521208" y="1592825"/>
+            <a:ext cx="11071024" cy="1460092"/>
           </a:xfrm>
           <a:prstGeom prst="rect">
             <a:avLst/>
@@ -14617,7 +11713,7 @@
             </a:lvl9pPr>
           </a:lstStyle>
           <a:p>
-            <a:pPr marL="0" indent="0" algn="ctr" defTabSz="578358">
+            <a:pPr marL="0" indent="0" defTabSz="578358">
               <a:spcBef>
                 <a:spcPts val="2300"/>
               </a:spcBef>
@@ -14632,38 +11728,74 @@
                 <a:latin typeface="Segoe UI Semibold" panose="020B0702040204020203" pitchFamily="34" charset="0"/>
                 <a:cs typeface="Segoe UI Semibold" panose="020B0702040204020203" pitchFamily="34" charset="0"/>
               </a:rPr>
-              <a:t>Consumer</a:t>
-            </a:r>
-          </a:p>
-          <a:p>
-            <a:pPr marL="0" indent="0" algn="ctr" defTabSz="578358">
+              <a:t>Topic</a:t>
+            </a:r>
+          </a:p>
+          <a:p>
+            <a:pPr marL="0" indent="0" defTabSz="578358">
               <a:spcBef>
                 <a:spcPts val="2300"/>
               </a:spcBef>
               <a:buNone/>
               <a:defRPr sz="3500"/>
             </a:pPr>
-            <a:endParaRPr lang="en-US" sz="2000" dirty="0"/>
-          </a:p>
-          <a:p>
-            <a:pPr marL="0" indent="0" algn="ctr" defTabSz="578358">
+            <a:r>
+              <a:rPr lang="en-US" sz="2000" dirty="0"/>
+              <a:t>Unique name for Kafka stream, Multi Producer contributor, Multi consumer subscriber.</a:t>
+            </a:r>
+          </a:p>
+          <a:p>
+            <a:pPr marL="0" indent="0" defTabSz="578358">
               <a:spcBef>
                 <a:spcPts val="2300"/>
               </a:spcBef>
               <a:buNone/>
               <a:defRPr sz="3500"/>
             </a:pPr>
-            <a:r>
-              <a:rPr lang="en-US" sz="2000" dirty="0"/>
-              <a:t>An application that reads data from Kafka</a:t>
-            </a:r>
+            <a:endParaRPr lang="ar-SY" sz="2000" dirty="0"/>
           </a:p>
         </p:txBody>
       </p:sp>
+      <p:pic>
+        <p:nvPicPr>
+          <p:cNvPr id="3" name="Picture 2"/>
+          <p:cNvPicPr>
+            <a:picLocks noChangeAspect="1"/>
+          </p:cNvPicPr>
+          <p:nvPr/>
+        </p:nvPicPr>
+        <p:blipFill>
+          <a:blip r:embed="rId2">
+            <a:extLst>
+              <a:ext uri="{28A0092B-C50C-407E-A947-70E740481C1C}">
+                <a14:useLocalDpi xmlns:a14="http://schemas.microsoft.com/office/drawing/2010/main" val="0"/>
+              </a:ext>
+            </a:extLst>
+          </a:blip>
+          <a:stretch>
+            <a:fillRect/>
+          </a:stretch>
+        </p:blipFill>
+        <p:spPr>
+          <a:xfrm>
+            <a:off x="2691152" y="3052917"/>
+            <a:ext cx="6727025" cy="3217760"/>
+          </a:xfrm>
+          <a:prstGeom prst="rect">
+            <a:avLst/>
+          </a:prstGeom>
+          <a:ln>
+            <a:noFill/>
+          </a:ln>
+          <a:effectLst>
+            <a:softEdge rad="112500"/>
+          </a:effectLst>
+        </p:spPr>
+      </p:pic>
     </p:spTree>
     <p:extLst>
       <p:ext uri="{BB962C8B-B14F-4D97-AF65-F5344CB8AC3E}">
-        <p14:creationId xmlns:p14="http://schemas.microsoft.com/office/powerpoint/2010/main" val="3025245212"/>
+        <p14:creationId xmlns:p14="http://schemas.microsoft.com/office/powerpoint/2010/main" val="473089359"/>
       </p:ext>
     </p:extLst>
   </p:cSld>
@@ -14737,8 +11869,8 @@
         </p:nvSpPr>
         <p:spPr>
           <a:xfrm>
-            <a:off x="387858" y="2275233"/>
-            <a:ext cx="11988800" cy="6096000"/>
+            <a:off x="521208" y="1592824"/>
+            <a:ext cx="11085773" cy="1283111"/>
           </a:xfrm>
           <a:prstGeom prst="rect">
             <a:avLst/>
@@ -14911,7 +12043,7 @@
             </a:lvl9pPr>
           </a:lstStyle>
           <a:p>
-            <a:pPr marL="0" indent="0" algn="ctr" defTabSz="578358">
+            <a:pPr marL="0" indent="0" defTabSz="578358">
               <a:spcBef>
                 <a:spcPts val="2300"/>
               </a:spcBef>
@@ -14926,38 +12058,76 @@
                 <a:latin typeface="Segoe UI Semibold" panose="020B0702040204020203" pitchFamily="34" charset="0"/>
                 <a:cs typeface="Segoe UI Semibold" panose="020B0702040204020203" pitchFamily="34" charset="0"/>
               </a:rPr>
-              <a:t>Broker</a:t>
-            </a:r>
-          </a:p>
-          <a:p>
-            <a:pPr marL="0" indent="0" algn="ctr" defTabSz="578358">
+              <a:t>Partition</a:t>
+            </a:r>
+          </a:p>
+          <a:p>
+            <a:pPr marL="0" indent="0" defTabSz="578358">
               <a:spcBef>
                 <a:spcPts val="2300"/>
               </a:spcBef>
               <a:buNone/>
               <a:defRPr sz="3500"/>
             </a:pPr>
-            <a:endParaRPr lang="en-US" sz="2000" dirty="0"/>
-          </a:p>
-          <a:p>
-            <a:pPr marL="0" indent="0" algn="ctr" defTabSz="578358">
+            <a:r>
+              <a:rPr lang="en-US" sz="2000" dirty="0"/>
+              <a:t>Ordered, Equal, Immutable sequence of records. Each partition on one server.</a:t>
+            </a:r>
+          </a:p>
+          <a:p>
+            <a:pPr marL="0" indent="0" defTabSz="578358">
               <a:spcBef>
                 <a:spcPts val="2300"/>
               </a:spcBef>
               <a:buNone/>
               <a:defRPr sz="3500"/>
             </a:pPr>
-            <a:r>
-              <a:rPr lang="en-US" sz="2000" dirty="0"/>
-              <a:t>The Kafka server</a:t>
-            </a:r>
+            <a:endParaRPr lang="ar-SY" sz="2000" dirty="0"/>
           </a:p>
         </p:txBody>
       </p:sp>
+      <p:pic>
+        <p:nvPicPr>
+          <p:cNvPr id="5" name="Content Placeholder 8"/>
+          <p:cNvPicPr>
+            <a:picLocks noGrp="1" noChangeAspect="1"/>
+          </p:cNvPicPr>
+          <p:nvPr>
+            <p:ph sz="half" idx="2"/>
+          </p:nvPr>
+        </p:nvPicPr>
+        <p:blipFill>
+          <a:blip r:embed="rId2">
+            <a:extLst>
+              <a:ext uri="{28A0092B-C50C-407E-A947-70E740481C1C}">
+                <a14:useLocalDpi xmlns:a14="http://schemas.microsoft.com/office/drawing/2010/main" val="0"/>
+              </a:ext>
+            </a:extLst>
+          </a:blip>
+          <a:stretch>
+            <a:fillRect/>
+          </a:stretch>
+        </p:blipFill>
+        <p:spPr>
+          <a:xfrm>
+            <a:off x="2547509" y="2995967"/>
+            <a:ext cx="7033169" cy="2746680"/>
+          </a:xfrm>
+          <a:prstGeom prst="rect">
+            <a:avLst/>
+          </a:prstGeom>
+          <a:ln>
+            <a:noFill/>
+          </a:ln>
+          <a:effectLst>
+            <a:softEdge rad="112500"/>
+          </a:effectLst>
+        </p:spPr>
+      </p:pic>
     </p:spTree>
     <p:extLst>
       <p:ext uri="{BB962C8B-B14F-4D97-AF65-F5344CB8AC3E}">
-        <p14:creationId xmlns:p14="http://schemas.microsoft.com/office/powerpoint/2010/main" val="562273827"/>
+        <p14:creationId xmlns:p14="http://schemas.microsoft.com/office/powerpoint/2010/main" val="3880655053"/>
       </p:ext>
     </p:extLst>
   </p:cSld>
